--- a/MINI PROJECT 1 final.pptx
+++ b/MINI PROJECT 1 final.pptx
@@ -5,16 +5,26 @@
     <p:sldMasterId id="2147483648" r:id="rId1"/>
   </p:sldMasterIdLst>
   <p:sldIdLst>
-    <p:sldId id="256" r:id="rId2"/>
-    <p:sldId id="257" r:id="rId3"/>
-    <p:sldId id="258" r:id="rId4"/>
-    <p:sldId id="259" r:id="rId5"/>
-    <p:sldId id="260" r:id="rId6"/>
-    <p:sldId id="261" r:id="rId7"/>
-    <p:sldId id="262" r:id="rId8"/>
-    <p:sldId id="263" r:id="rId9"/>
-    <p:sldId id="264" r:id="rId10"/>
-    <p:sldId id="265" r:id="rId11"/>
+    <p:sldId id="256" r:id="rId3"/>
+    <p:sldId id="257" r:id="rId4"/>
+    <p:sldId id="258" r:id="rId5"/>
+    <p:sldId id="259" r:id="rId6"/>
+    <p:sldId id="260" r:id="rId7"/>
+    <p:sldId id="261" r:id="rId8"/>
+    <p:sldId id="262" r:id="rId9"/>
+    <p:sldId id="263" r:id="rId10"/>
+    <p:sldId id="264" r:id="rId11"/>
+    <p:sldId id="266" r:id="rId12"/>
+    <p:sldId id="265" r:id="rId13"/>
+    <p:sldId id="267" r:id="rId14"/>
+    <p:sldId id="268" r:id="rId15"/>
+    <p:sldId id="269" r:id="rId16"/>
+    <p:sldId id="270" r:id="rId17"/>
+    <p:sldId id="271" r:id="rId18"/>
+    <p:sldId id="273" r:id="rId19"/>
+    <p:sldId id="272" r:id="rId20"/>
+    <p:sldId id="275" r:id="rId21"/>
+    <p:sldId id="274" r:id="rId22"/>
   </p:sldIdLst>
   <p:sldSz cx="12192000" cy="6858000"/>
   <p:notesSz cx="6858000" cy="9144000"/>
@@ -131,13 +141,20 @@
             <p14:sldId id="262"/>
             <p14:sldId id="263"/>
             <p14:sldId id="264"/>
+            <p14:sldId id="266"/>
             <p14:sldId id="265"/>
+            <p14:sldId id="267"/>
+            <p14:sldId id="268"/>
+            <p14:sldId id="269"/>
+            <p14:sldId id="270"/>
+            <p14:sldId id="271"/>
+            <p14:sldId id="273"/>
+            <p14:sldId id="272"/>
+            <p14:sldId id="275"/>
+            <p14:sldId id="274"/>
           </p14:sldIdLst>
         </p14:section>
       </p14:sectionLst>
-    </p:ext>
-    <p:ext uri="{EFAFB233-063F-42B5-8137-9DF3F51BA10A}">
-      <p15:sldGuideLst xmlns:p15="http://schemas.microsoft.com/office/powerpoint/2012/main"/>
     </p:ext>
   </p:extLst>
 </p:presentation>
@@ -274,7 +291,6 @@
           <a:p>
             <a:fld id="{D9962669-56AE-4347-90EE-8C5DDA719B74}" type="datetimeFigureOut">
               <a:rPr lang="en-PH" smtClean="0"/>
-              <a:t>31/01/2023</a:t>
             </a:fld>
             <a:endParaRPr lang="en-PH"/>
           </a:p>
@@ -316,7 +332,6 @@
           <a:p>
             <a:fld id="{AACEB63A-F49B-451D-B324-72165565036C}" type="slidenum">
               <a:rPr lang="en-PH" smtClean="0"/>
-              <a:t>‹#›</a:t>
             </a:fld>
             <a:endParaRPr lang="en-PH"/>
           </a:p>
@@ -390,6 +405,7 @@
               <a:rPr lang="en-US"/>
               <a:t>Click to edit Master text styles</a:t>
             </a:r>
+            <a:endParaRPr lang="en-US"/>
           </a:p>
           <a:p>
             <a:pPr lvl="1"/>
@@ -397,6 +413,7 @@
               <a:rPr lang="en-US"/>
               <a:t>Second level</a:t>
             </a:r>
+            <a:endParaRPr lang="en-US"/>
           </a:p>
           <a:p>
             <a:pPr lvl="2"/>
@@ -404,6 +421,7 @@
               <a:rPr lang="en-US"/>
               <a:t>Third level</a:t>
             </a:r>
+            <a:endParaRPr lang="en-US"/>
           </a:p>
           <a:p>
             <a:pPr lvl="3"/>
@@ -411,6 +429,7 @@
               <a:rPr lang="en-US"/>
               <a:t>Fourth level</a:t>
             </a:r>
+            <a:endParaRPr lang="en-US"/>
           </a:p>
           <a:p>
             <a:pPr lvl="4"/>
@@ -439,7 +458,6 @@
           <a:p>
             <a:fld id="{D9962669-56AE-4347-90EE-8C5DDA719B74}" type="datetimeFigureOut">
               <a:rPr lang="en-PH" smtClean="0"/>
-              <a:t>31/01/2023</a:t>
             </a:fld>
             <a:endParaRPr lang="en-PH"/>
           </a:p>
@@ -481,7 +499,6 @@
           <a:p>
             <a:fld id="{AACEB63A-F49B-451D-B324-72165565036C}" type="slidenum">
               <a:rPr lang="en-PH" smtClean="0"/>
-              <a:t>‹#›</a:t>
             </a:fld>
             <a:endParaRPr lang="en-PH"/>
           </a:p>
@@ -565,6 +582,7 @@
               <a:rPr lang="en-US"/>
               <a:t>Click to edit Master text styles</a:t>
             </a:r>
+            <a:endParaRPr lang="en-US"/>
           </a:p>
           <a:p>
             <a:pPr lvl="1"/>
@@ -572,6 +590,7 @@
               <a:rPr lang="en-US"/>
               <a:t>Second level</a:t>
             </a:r>
+            <a:endParaRPr lang="en-US"/>
           </a:p>
           <a:p>
             <a:pPr lvl="2"/>
@@ -579,6 +598,7 @@
               <a:rPr lang="en-US"/>
               <a:t>Third level</a:t>
             </a:r>
+            <a:endParaRPr lang="en-US"/>
           </a:p>
           <a:p>
             <a:pPr lvl="3"/>
@@ -586,6 +606,7 @@
               <a:rPr lang="en-US"/>
               <a:t>Fourth level</a:t>
             </a:r>
+            <a:endParaRPr lang="en-US"/>
           </a:p>
           <a:p>
             <a:pPr lvl="4"/>
@@ -614,7 +635,6 @@
           <a:p>
             <a:fld id="{D9962669-56AE-4347-90EE-8C5DDA719B74}" type="datetimeFigureOut">
               <a:rPr lang="en-PH" smtClean="0"/>
-              <a:t>31/01/2023</a:t>
             </a:fld>
             <a:endParaRPr lang="en-PH"/>
           </a:p>
@@ -656,7 +676,6 @@
           <a:p>
             <a:fld id="{AACEB63A-F49B-451D-B324-72165565036C}" type="slidenum">
               <a:rPr lang="en-PH" smtClean="0"/>
-              <a:t>‹#›</a:t>
             </a:fld>
             <a:endParaRPr lang="en-PH"/>
           </a:p>
@@ -730,6 +749,7 @@
               <a:rPr lang="en-US"/>
               <a:t>Click to edit Master text styles</a:t>
             </a:r>
+            <a:endParaRPr lang="en-US"/>
           </a:p>
           <a:p>
             <a:pPr lvl="1"/>
@@ -737,6 +757,7 @@
               <a:rPr lang="en-US"/>
               <a:t>Second level</a:t>
             </a:r>
+            <a:endParaRPr lang="en-US"/>
           </a:p>
           <a:p>
             <a:pPr lvl="2"/>
@@ -744,6 +765,7 @@
               <a:rPr lang="en-US"/>
               <a:t>Third level</a:t>
             </a:r>
+            <a:endParaRPr lang="en-US"/>
           </a:p>
           <a:p>
             <a:pPr lvl="3"/>
@@ -751,6 +773,7 @@
               <a:rPr lang="en-US"/>
               <a:t>Fourth level</a:t>
             </a:r>
+            <a:endParaRPr lang="en-US"/>
           </a:p>
           <a:p>
             <a:pPr lvl="4"/>
@@ -779,7 +802,6 @@
           <a:p>
             <a:fld id="{D9962669-56AE-4347-90EE-8C5DDA719B74}" type="datetimeFigureOut">
               <a:rPr lang="en-PH" smtClean="0"/>
-              <a:t>31/01/2023</a:t>
             </a:fld>
             <a:endParaRPr lang="en-PH"/>
           </a:p>
@@ -821,7 +843,6 @@
           <a:p>
             <a:fld id="{AACEB63A-F49B-451D-B324-72165565036C}" type="slidenum">
               <a:rPr lang="en-PH" smtClean="0"/>
-              <a:t>‹#›</a:t>
             </a:fld>
             <a:endParaRPr lang="en-PH"/>
           </a:p>
@@ -1000,6 +1021,7 @@
               <a:rPr lang="en-US"/>
               <a:t>Click to edit Master text styles</a:t>
             </a:r>
+            <a:endParaRPr lang="en-US"/>
           </a:p>
         </p:txBody>
       </p:sp>
@@ -1020,7 +1042,6 @@
           <a:p>
             <a:fld id="{D9962669-56AE-4347-90EE-8C5DDA719B74}" type="datetimeFigureOut">
               <a:rPr lang="en-PH" smtClean="0"/>
-              <a:t>31/01/2023</a:t>
             </a:fld>
             <a:endParaRPr lang="en-PH"/>
           </a:p>
@@ -1062,7 +1083,6 @@
           <a:p>
             <a:fld id="{AACEB63A-F49B-451D-B324-72165565036C}" type="slidenum">
               <a:rPr lang="en-PH" smtClean="0"/>
-              <a:t>‹#›</a:t>
             </a:fld>
             <a:endParaRPr lang="en-PH"/>
           </a:p>
@@ -1141,6 +1161,7 @@
               <a:rPr lang="en-US"/>
               <a:t>Click to edit Master text styles</a:t>
             </a:r>
+            <a:endParaRPr lang="en-US"/>
           </a:p>
           <a:p>
             <a:pPr lvl="1"/>
@@ -1148,6 +1169,7 @@
               <a:rPr lang="en-US"/>
               <a:t>Second level</a:t>
             </a:r>
+            <a:endParaRPr lang="en-US"/>
           </a:p>
           <a:p>
             <a:pPr lvl="2"/>
@@ -1155,6 +1177,7 @@
               <a:rPr lang="en-US"/>
               <a:t>Third level</a:t>
             </a:r>
+            <a:endParaRPr lang="en-US"/>
           </a:p>
           <a:p>
             <a:pPr lvl="3"/>
@@ -1162,6 +1185,7 @@
               <a:rPr lang="en-US"/>
               <a:t>Fourth level</a:t>
             </a:r>
+            <a:endParaRPr lang="en-US"/>
           </a:p>
           <a:p>
             <a:pPr lvl="4"/>
@@ -1198,6 +1222,7 @@
               <a:rPr lang="en-US"/>
               <a:t>Click to edit Master text styles</a:t>
             </a:r>
+            <a:endParaRPr lang="en-US"/>
           </a:p>
           <a:p>
             <a:pPr lvl="1"/>
@@ -1205,6 +1230,7 @@
               <a:rPr lang="en-US"/>
               <a:t>Second level</a:t>
             </a:r>
+            <a:endParaRPr lang="en-US"/>
           </a:p>
           <a:p>
             <a:pPr lvl="2"/>
@@ -1212,6 +1238,7 @@
               <a:rPr lang="en-US"/>
               <a:t>Third level</a:t>
             </a:r>
+            <a:endParaRPr lang="en-US"/>
           </a:p>
           <a:p>
             <a:pPr lvl="3"/>
@@ -1219,6 +1246,7 @@
               <a:rPr lang="en-US"/>
               <a:t>Fourth level</a:t>
             </a:r>
+            <a:endParaRPr lang="en-US"/>
           </a:p>
           <a:p>
             <a:pPr lvl="4"/>
@@ -1247,7 +1275,6 @@
           <a:p>
             <a:fld id="{D9962669-56AE-4347-90EE-8C5DDA719B74}" type="datetimeFigureOut">
               <a:rPr lang="en-PH" smtClean="0"/>
-              <a:t>31/01/2023</a:t>
             </a:fld>
             <a:endParaRPr lang="en-PH"/>
           </a:p>
@@ -1289,7 +1316,6 @@
           <a:p>
             <a:fld id="{AACEB63A-F49B-451D-B324-72165565036C}" type="slidenum">
               <a:rPr lang="en-PH" smtClean="0"/>
-              <a:t>‹#›</a:t>
             </a:fld>
             <a:endParaRPr lang="en-PH"/>
           </a:p>
@@ -1410,6 +1436,7 @@
               <a:rPr lang="en-US"/>
               <a:t>Click to edit Master text styles</a:t>
             </a:r>
+            <a:endParaRPr lang="en-US"/>
           </a:p>
         </p:txBody>
       </p:sp>
@@ -1438,6 +1465,7 @@
               <a:rPr lang="en-US"/>
               <a:t>Click to edit Master text styles</a:t>
             </a:r>
+            <a:endParaRPr lang="en-US"/>
           </a:p>
           <a:p>
             <a:pPr lvl="1"/>
@@ -1445,6 +1473,7 @@
               <a:rPr lang="en-US"/>
               <a:t>Second level</a:t>
             </a:r>
+            <a:endParaRPr lang="en-US"/>
           </a:p>
           <a:p>
             <a:pPr lvl="2"/>
@@ -1452,6 +1481,7 @@
               <a:rPr lang="en-US"/>
               <a:t>Third level</a:t>
             </a:r>
+            <a:endParaRPr lang="en-US"/>
           </a:p>
           <a:p>
             <a:pPr lvl="3"/>
@@ -1459,6 +1489,7 @@
               <a:rPr lang="en-US"/>
               <a:t>Fourth level</a:t>
             </a:r>
+            <a:endParaRPr lang="en-US"/>
           </a:p>
           <a:p>
             <a:pPr lvl="4"/>
@@ -1532,6 +1563,7 @@
               <a:rPr lang="en-US"/>
               <a:t>Click to edit Master text styles</a:t>
             </a:r>
+            <a:endParaRPr lang="en-US"/>
           </a:p>
         </p:txBody>
       </p:sp>
@@ -1560,6 +1592,7 @@
               <a:rPr lang="en-US"/>
               <a:t>Click to edit Master text styles</a:t>
             </a:r>
+            <a:endParaRPr lang="en-US"/>
           </a:p>
           <a:p>
             <a:pPr lvl="1"/>
@@ -1567,6 +1600,7 @@
               <a:rPr lang="en-US"/>
               <a:t>Second level</a:t>
             </a:r>
+            <a:endParaRPr lang="en-US"/>
           </a:p>
           <a:p>
             <a:pPr lvl="2"/>
@@ -1574,6 +1608,7 @@
               <a:rPr lang="en-US"/>
               <a:t>Third level</a:t>
             </a:r>
+            <a:endParaRPr lang="en-US"/>
           </a:p>
           <a:p>
             <a:pPr lvl="3"/>
@@ -1581,6 +1616,7 @@
               <a:rPr lang="en-US"/>
               <a:t>Fourth level</a:t>
             </a:r>
+            <a:endParaRPr lang="en-US"/>
           </a:p>
           <a:p>
             <a:pPr lvl="4"/>
@@ -1609,7 +1645,6 @@
           <a:p>
             <a:fld id="{D9962669-56AE-4347-90EE-8C5DDA719B74}" type="datetimeFigureOut">
               <a:rPr lang="en-PH" smtClean="0"/>
-              <a:t>31/01/2023</a:t>
             </a:fld>
             <a:endParaRPr lang="en-PH"/>
           </a:p>
@@ -1651,7 +1686,6 @@
           <a:p>
             <a:fld id="{AACEB63A-F49B-451D-B324-72165565036C}" type="slidenum">
               <a:rPr lang="en-PH" smtClean="0"/>
-              <a:t>‹#›</a:t>
             </a:fld>
             <a:endParaRPr lang="en-PH"/>
           </a:p>
@@ -1722,7 +1756,6 @@
           <a:p>
             <a:fld id="{D9962669-56AE-4347-90EE-8C5DDA719B74}" type="datetimeFigureOut">
               <a:rPr lang="en-PH" smtClean="0"/>
-              <a:t>31/01/2023</a:t>
             </a:fld>
             <a:endParaRPr lang="en-PH"/>
           </a:p>
@@ -1764,7 +1797,6 @@
           <a:p>
             <a:fld id="{AACEB63A-F49B-451D-B324-72165565036C}" type="slidenum">
               <a:rPr lang="en-PH" smtClean="0"/>
-              <a:t>‹#›</a:t>
             </a:fld>
             <a:endParaRPr lang="en-PH"/>
           </a:p>
@@ -1812,7 +1844,6 @@
           <a:p>
             <a:fld id="{D9962669-56AE-4347-90EE-8C5DDA719B74}" type="datetimeFigureOut">
               <a:rPr lang="en-PH" smtClean="0"/>
-              <a:t>31/01/2023</a:t>
             </a:fld>
             <a:endParaRPr lang="en-PH"/>
           </a:p>
@@ -1854,7 +1885,6 @@
           <a:p>
             <a:fld id="{AACEB63A-F49B-451D-B324-72165565036C}" type="slidenum">
               <a:rPr lang="en-PH" smtClean="0"/>
-              <a:t>‹#›</a:t>
             </a:fld>
             <a:endParaRPr lang="en-PH"/>
           </a:p>
@@ -1970,6 +2000,7 @@
               <a:rPr lang="en-US"/>
               <a:t>Click to edit Master text styles</a:t>
             </a:r>
+            <a:endParaRPr lang="en-US"/>
           </a:p>
           <a:p>
             <a:pPr lvl="1"/>
@@ -1977,6 +2008,7 @@
               <a:rPr lang="en-US"/>
               <a:t>Second level</a:t>
             </a:r>
+            <a:endParaRPr lang="en-US"/>
           </a:p>
           <a:p>
             <a:pPr lvl="2"/>
@@ -1984,6 +2016,7 @@
               <a:rPr lang="en-US"/>
               <a:t>Third level</a:t>
             </a:r>
+            <a:endParaRPr lang="en-US"/>
           </a:p>
           <a:p>
             <a:pPr lvl="3"/>
@@ -1991,6 +2024,7 @@
               <a:rPr lang="en-US"/>
               <a:t>Fourth level</a:t>
             </a:r>
+            <a:endParaRPr lang="en-US"/>
           </a:p>
           <a:p>
             <a:pPr lvl="4"/>
@@ -2064,6 +2098,7 @@
               <a:rPr lang="en-US"/>
               <a:t>Click to edit Master text styles</a:t>
             </a:r>
+            <a:endParaRPr lang="en-US"/>
           </a:p>
         </p:txBody>
       </p:sp>
@@ -2084,7 +2119,6 @@
           <a:p>
             <a:fld id="{D9962669-56AE-4347-90EE-8C5DDA719B74}" type="datetimeFigureOut">
               <a:rPr lang="en-PH" smtClean="0"/>
-              <a:t>31/01/2023</a:t>
             </a:fld>
             <a:endParaRPr lang="en-PH"/>
           </a:p>
@@ -2126,7 +2160,6 @@
           <a:p>
             <a:fld id="{AACEB63A-F49B-451D-B324-72165565036C}" type="slidenum">
               <a:rPr lang="en-PH" smtClean="0"/>
-              <a:t>‹#›</a:t>
             </a:fld>
             <a:endParaRPr lang="en-PH"/>
           </a:p>
@@ -2312,6 +2345,7 @@
               <a:rPr lang="en-US"/>
               <a:t>Click to edit Master text styles</a:t>
             </a:r>
+            <a:endParaRPr lang="en-US"/>
           </a:p>
         </p:txBody>
       </p:sp>
@@ -2332,7 +2366,6 @@
           <a:p>
             <a:fld id="{D9962669-56AE-4347-90EE-8C5DDA719B74}" type="datetimeFigureOut">
               <a:rPr lang="en-PH" smtClean="0"/>
-              <a:t>31/01/2023</a:t>
             </a:fld>
             <a:endParaRPr lang="en-PH"/>
           </a:p>
@@ -2374,7 +2407,6 @@
           <a:p>
             <a:fld id="{AACEB63A-F49B-451D-B324-72165565036C}" type="slidenum">
               <a:rPr lang="en-PH" smtClean="0"/>
-              <a:t>‹#›</a:t>
             </a:fld>
             <a:endParaRPr lang="en-PH"/>
           </a:p>
@@ -2473,6 +2505,7 @@
               <a:rPr lang="en-US"/>
               <a:t>Click to edit Master text styles</a:t>
             </a:r>
+            <a:endParaRPr lang="en-US"/>
           </a:p>
           <a:p>
             <a:pPr lvl="1"/>
@@ -2480,6 +2513,7 @@
               <a:rPr lang="en-US"/>
               <a:t>Second level</a:t>
             </a:r>
+            <a:endParaRPr lang="en-US"/>
           </a:p>
           <a:p>
             <a:pPr lvl="2"/>
@@ -2487,6 +2521,7 @@
               <a:rPr lang="en-US"/>
               <a:t>Third level</a:t>
             </a:r>
+            <a:endParaRPr lang="en-US"/>
           </a:p>
           <a:p>
             <a:pPr lvl="3"/>
@@ -2494,6 +2529,7 @@
               <a:rPr lang="en-US"/>
               <a:t>Fourth level</a:t>
             </a:r>
+            <a:endParaRPr lang="en-US"/>
           </a:p>
           <a:p>
             <a:pPr lvl="4"/>
@@ -2540,7 +2576,6 @@
           <a:p>
             <a:fld id="{D9962669-56AE-4347-90EE-8C5DDA719B74}" type="datetimeFigureOut">
               <a:rPr lang="en-PH" smtClean="0"/>
-              <a:t>31/01/2023</a:t>
             </a:fld>
             <a:endParaRPr lang="en-PH"/>
           </a:p>
@@ -2618,7 +2653,6 @@
           <a:p>
             <a:fld id="{AACEB63A-F49B-451D-B324-72165565036C}" type="slidenum">
               <a:rPr lang="en-PH" smtClean="0"/>
-              <a:t>‹#›</a:t>
             </a:fld>
             <a:endParaRPr lang="en-PH"/>
           </a:p>
@@ -2994,12 +3028,14 @@
               <a:rPr lang="en-US" dirty="0"/>
               <a:t>PRESENTED BY:</a:t>
             </a:r>
+            <a:endParaRPr lang="en-US" dirty="0"/>
           </a:p>
           <a:p>
             <a:r>
               <a:rPr lang="en-US" dirty="0"/>
               <a:t>ANTHONY BERNARD CERENO</a:t>
             </a:r>
+            <a:endParaRPr lang="en-US" dirty="0"/>
           </a:p>
           <a:p>
             <a:r>
@@ -3037,13 +3073,7 @@
       </p:grpSpPr>
       <p:sp>
         <p:nvSpPr>
-          <p:cNvPr id="2" name="Title 1">
-            <a:extLst>
-              <a:ext uri="{FF2B5EF4-FFF2-40B4-BE49-F238E27FC236}">
-                <a16:creationId xmlns:a16="http://schemas.microsoft.com/office/drawing/2014/main" id="{85F5F29A-B2EF-AF2D-C072-089497437E25}"/>
-              </a:ext>
-            </a:extLst>
-          </p:cNvPr>
+          <p:cNvPr id="2" name="Title 1"/>
           <p:cNvSpPr>
             <a:spLocks noGrp="1"/>
           </p:cNvSpPr>
@@ -3051,71 +3081,59 @@
             <p:ph type="title"/>
           </p:nvPr>
         </p:nvSpPr>
-        <p:spPr>
-          <a:xfrm>
-            <a:off x="838200" y="273664"/>
-            <a:ext cx="10515600" cy="814745"/>
-          </a:xfrm>
-        </p:spPr>
+        <p:spPr/>
+        <p:txBody>
+          <a:bodyPr/>
+          <a:lstStyle/>
+          <a:p>
+            <a:endParaRPr lang="en-US"/>
+          </a:p>
+        </p:txBody>
+      </p:sp>
+      <p:sp>
+        <p:nvSpPr>
+          <p:cNvPr id="3" name="Content Placeholder 2"/>
+          <p:cNvSpPr>
+            <a:spLocks noGrp="1"/>
+          </p:cNvSpPr>
+          <p:nvPr>
+            <p:ph idx="1"/>
+          </p:nvPr>
+        </p:nvSpPr>
+        <p:spPr/>
         <p:txBody>
           <a:bodyPr>
             <a:noAutofit/>
           </a:bodyPr>
           <a:lstStyle/>
           <a:p>
-            <a:pPr algn="ctr"/>
-            <a:r>
-              <a:rPr lang="en-US" sz="6000" dirty="0"/>
+            <a:pPr marL="0" indent="0" algn="ctr">
+              <a:buNone/>
+            </a:pPr>
+            <a:r>
+              <a:rPr lang="en-US" sz="9600" dirty="0" smtClean="0"/>
               <a:t>WIREFRAME</a:t>
             </a:r>
-            <a:endParaRPr lang="en-PH" sz="6000" dirty="0"/>
-          </a:p>
-        </p:txBody>
-      </p:sp>
-      <p:sp>
-        <p:nvSpPr>
-          <p:cNvPr id="3" name="Content Placeholder 2">
-            <a:extLst>
-              <a:ext uri="{FF2B5EF4-FFF2-40B4-BE49-F238E27FC236}">
-                <a16:creationId xmlns:a16="http://schemas.microsoft.com/office/drawing/2014/main" id="{27725D57-8F56-3933-9C66-A878634519C9}"/>
-              </a:ext>
-            </a:extLst>
-          </p:cNvPr>
-          <p:cNvSpPr>
-            <a:spLocks noGrp="1"/>
-          </p:cNvSpPr>
-          <p:nvPr>
-            <p:ph idx="1"/>
-          </p:nvPr>
-        </p:nvSpPr>
-        <p:spPr>
-          <a:xfrm>
-            <a:off x="838200" y="1088408"/>
-            <a:ext cx="10515600" cy="5495927"/>
-          </a:xfrm>
-        </p:spPr>
-        <p:txBody>
-          <a:bodyPr/>
-          <a:lstStyle/>
-          <a:p>
-            <a:endParaRPr lang="en-PH" dirty="0"/>
+            <a:endParaRPr lang="en-US" sz="9600" dirty="0"/>
           </a:p>
         </p:txBody>
       </p:sp>
     </p:spTree>
-    <p:extLst>
-      <p:ext uri="{BB962C8B-B14F-4D97-AF65-F5344CB8AC3E}">
-        <p14:creationId xmlns:p14="http://schemas.microsoft.com/office/powerpoint/2010/main" val="880127525"/>
-      </p:ext>
-    </p:extLst>
   </p:cSld>
   <p:clrMapOvr>
     <a:masterClrMapping/>
   </p:clrMapOvr>
+  <p:timing>
+    <p:tnLst>
+      <p:par>
+        <p:cTn id="1" dur="indefinite" restart="never" nodeType="tmRoot"/>
+      </p:par>
+    </p:tnLst>
+  </p:timing>
 </p:sld>
 </file>
 
-<file path=ppt/slides/slide2.xml><?xml version="1.0" encoding="utf-8"?>
+<file path=ppt/slides/slide11.xml><?xml version="1.0" encoding="utf-8"?>
 <p:sld xmlns:a="http://schemas.openxmlformats.org/drawingml/2006/main" xmlns:r="http://schemas.openxmlformats.org/officeDocument/2006/relationships" xmlns:p="http://schemas.openxmlformats.org/presentationml/2006/main">
   <p:cSld>
     <p:spTree>
@@ -3144,39 +3162,8 @@
         </p:nvSpPr>
         <p:spPr>
           <a:xfrm>
-            <a:off x="838200" y="272360"/>
-            <a:ext cx="10571922" cy="999849"/>
-          </a:xfrm>
-        </p:spPr>
-        <p:txBody>
-          <a:bodyPr>
-            <a:normAutofit/>
-          </a:bodyPr>
-          <a:lstStyle/>
-          <a:p>
-            <a:pPr algn="ctr"/>
-            <a:r>
-              <a:rPr lang="en-US" sz="6000" b="1" dirty="0"/>
-              <a:t>BACKGROUND OF THE PROJECT</a:t>
-            </a:r>
-            <a:endParaRPr lang="en-PH" sz="6000" b="1" dirty="0"/>
-          </a:p>
-        </p:txBody>
-      </p:sp>
-      <p:sp>
-        <p:nvSpPr>
-          <p:cNvPr id="3" name="Content Placeholder 2"/>
-          <p:cNvSpPr>
-            <a:spLocks noGrp="1"/>
-          </p:cNvSpPr>
-          <p:nvPr>
-            <p:ph idx="1"/>
-          </p:nvPr>
-        </p:nvSpPr>
-        <p:spPr>
-          <a:xfrm>
-            <a:off x="838200" y="1272209"/>
-            <a:ext cx="10571922" cy="5088834"/>
+            <a:off x="838201" y="273664"/>
+            <a:ext cx="10414518" cy="506215"/>
           </a:xfrm>
         </p:spPr>
         <p:txBody>
@@ -3185,1506 +3172,42 @@
           </a:bodyPr>
           <a:lstStyle/>
           <a:p>
-            <a:pPr marL="457200" indent="0" algn="just" fontAlgn="base">
-              <a:lnSpc>
-                <a:spcPct val="107000"/>
-              </a:lnSpc>
-              <a:spcAft>
-                <a:spcPts val="1800"/>
-              </a:spcAft>
-              <a:buNone/>
-            </a:pPr>
-            <a:r>
-              <a:rPr lang="en-US" sz="2400" dirty="0">
-                <a:effectLst/>
-                <a:latin typeface="Calibri" panose="020F0502020204030204" pitchFamily="34" charset="0"/>
-                <a:cs typeface="Times New Roman" panose="02020603050405020304" pitchFamily="18" charset="0"/>
-              </a:rPr>
-              <a:t>	In these challenging times, people are constantly looking for ways to improve their lives and increase their income. As the saying goes, </a:t>
-            </a:r>
-            <a:r>
-              <a:rPr lang="en-US" sz="2400" i="1" dirty="0">
-                <a:effectLst/>
-                <a:latin typeface="Calibri" panose="020F0502020204030204" pitchFamily="34" charset="0"/>
-                <a:cs typeface="Times New Roman" panose="02020603050405020304" pitchFamily="18" charset="0"/>
-              </a:rPr>
-              <a:t>"If you want to become a scientist, learn from scientists. But if you want to become a millionaire, learn from millionaires." -Anonymous.</a:t>
-            </a:r>
-            <a:r>
-              <a:rPr lang="en-US" sz="2400" dirty="0">
-                <a:effectLst/>
-                <a:latin typeface="Calibri" panose="020F0502020204030204" pitchFamily="34" charset="0"/>
-                <a:cs typeface="Times New Roman" panose="02020603050405020304" pitchFamily="18" charset="0"/>
-              </a:rPr>
-              <a:t> Entrepreneurship is a great way to do this, and many people start by running a business while also working full-time. However, this can be stressful and time-consuming, and it can be difficult to keep track of everything while you're away from your business.</a:t>
-            </a:r>
-          </a:p>
-          <a:p>
-            <a:pPr indent="0" fontAlgn="base">
-              <a:lnSpc>
-                <a:spcPct val="107000"/>
-              </a:lnSpc>
-              <a:spcAft>
-                <a:spcPts val="1800"/>
-              </a:spcAft>
-              <a:buNone/>
-            </a:pPr>
-            <a:r>
-              <a:rPr lang="en-US" sz="2400" kern="1200" dirty="0">
-                <a:solidFill>
-                  <a:srgbClr val="000000"/>
-                </a:solidFill>
-                <a:effectLst/>
-                <a:latin typeface="Calibri" panose="020F0502020204030204" pitchFamily="34" charset="0"/>
-                <a:ea typeface="等线" panose="020B0503020204020204" pitchFamily="2" charset="-122"/>
-                <a:cs typeface="Times New Roman" panose="02020603050405020304" pitchFamily="18" charset="0"/>
-              </a:rPr>
-              <a:t>	But with our inventory management system, </a:t>
-            </a:r>
-            <a:r>
-              <a:rPr lang="en-US" sz="2400" dirty="0">
-                <a:effectLst/>
-                <a:latin typeface="Calibri" panose="020F0502020204030204" pitchFamily="34" charset="0"/>
-                <a:cs typeface="Times New Roman" panose="02020603050405020304" pitchFamily="18" charset="0"/>
-              </a:rPr>
-              <a:t>you can stay in control of your business no matter where you are. Imagine being able to check your phone and with just a few clicks, you can notify your staff and stay informed about what's happening in your business. For those who are serious about becoming wealthy,</a:t>
-            </a:r>
-            <a:r>
-              <a:rPr lang="en-US" sz="2400" b="1" i="1" dirty="0">
-                <a:effectLst/>
-                <a:latin typeface="Calibri" panose="020F0502020204030204" pitchFamily="34" charset="0"/>
-                <a:cs typeface="Times New Roman" panose="02020603050405020304" pitchFamily="18" charset="0"/>
-              </a:rPr>
-              <a:t> Time is Money</a:t>
-            </a:r>
-            <a:r>
-              <a:rPr lang="en-US" sz="2400" dirty="0">
-                <a:effectLst/>
-                <a:latin typeface="Calibri" panose="020F0502020204030204" pitchFamily="34" charset="0"/>
-                <a:cs typeface="Times New Roman" panose="02020603050405020304" pitchFamily="18" charset="0"/>
-              </a:rPr>
-              <a:t> </a:t>
-            </a:r>
-            <a:r>
-              <a:rPr lang="en-US" sz="2400" b="1" i="1" dirty="0">
-                <a:effectLst/>
-                <a:latin typeface="Calibri" panose="020F0502020204030204" pitchFamily="34" charset="0"/>
-                <a:cs typeface="Times New Roman" panose="02020603050405020304" pitchFamily="18" charset="0"/>
-              </a:rPr>
-              <a:t>And with our inventory management system, you'll save both.</a:t>
-            </a:r>
-            <a:endParaRPr lang="en-US" sz="2400" dirty="0">
-              <a:effectLst/>
-              <a:latin typeface="Calibri" panose="020F0502020204030204" pitchFamily="34" charset="0"/>
-              <a:cs typeface="Times New Roman" panose="02020603050405020304" pitchFamily="18" charset="0"/>
-            </a:endParaRPr>
-          </a:p>
-        </p:txBody>
-      </p:sp>
-    </p:spTree>
-  </p:cSld>
-  <p:clrMapOvr>
-    <a:masterClrMapping/>
-  </p:clrMapOvr>
-</p:sld>
-</file>
-
-<file path=ppt/slides/slide3.xml><?xml version="1.0" encoding="utf-8"?>
-<p:sld xmlns:a="http://schemas.openxmlformats.org/drawingml/2006/main" xmlns:r="http://schemas.openxmlformats.org/officeDocument/2006/relationships" xmlns:p="http://schemas.openxmlformats.org/presentationml/2006/main">
-  <p:cSld>
-    <p:spTree>
-      <p:nvGrpSpPr>
-        <p:cNvPr id="1" name=""/>
-        <p:cNvGrpSpPr/>
-        <p:nvPr/>
-      </p:nvGrpSpPr>
-      <p:grpSpPr>
-        <a:xfrm>
-          <a:off x="0" y="0"/>
-          <a:ext cx="0" cy="0"/>
-          <a:chOff x="0" y="0"/>
-          <a:chExt cx="0" cy="0"/>
-        </a:xfrm>
-      </p:grpSpPr>
-      <p:sp>
-        <p:nvSpPr>
-          <p:cNvPr id="2" name="Title 1"/>
-          <p:cNvSpPr>
-            <a:spLocks noGrp="1"/>
-          </p:cNvSpPr>
-          <p:nvPr>
-            <p:ph type="title"/>
-          </p:nvPr>
-        </p:nvSpPr>
-        <p:spPr>
-          <a:xfrm>
-            <a:off x="838200" y="198783"/>
-            <a:ext cx="10515600" cy="757951"/>
-          </a:xfrm>
-        </p:spPr>
-        <p:txBody>
-          <a:bodyPr>
-            <a:noAutofit/>
-          </a:bodyPr>
-          <a:lstStyle/>
-          <a:p>
-            <a:pPr lvl="0" algn="ctr">
-              <a:lnSpc>
-                <a:spcPct val="107000"/>
-              </a:lnSpc>
-              <a:spcAft>
-                <a:spcPts val="800"/>
-              </a:spcAft>
-            </a:pPr>
-            <a:r>
-              <a:rPr lang="en-PH" sz="6000" b="1" dirty="0">
-                <a:effectLst/>
-                <a:latin typeface="Calibri" panose="020F0502020204030204" pitchFamily="34" charset="0"/>
-                <a:cs typeface="Times New Roman" panose="02020603050405020304" pitchFamily="18" charset="0"/>
-              </a:rPr>
-              <a:t>Statement of the Problem</a:t>
-            </a:r>
-            <a:endParaRPr lang="en-PH" sz="6000" dirty="0">
-              <a:effectLst/>
-              <a:latin typeface="Calibri" panose="020F0502020204030204" pitchFamily="34" charset="0"/>
-              <a:cs typeface="Times New Roman" panose="02020603050405020304" pitchFamily="18" charset="0"/>
-            </a:endParaRPr>
-          </a:p>
-        </p:txBody>
-      </p:sp>
-      <p:sp>
-        <p:nvSpPr>
-          <p:cNvPr id="3" name="Content Placeholder 2"/>
-          <p:cNvSpPr>
-            <a:spLocks noGrp="1"/>
-          </p:cNvSpPr>
+            <a:pPr algn="ctr"/>
+            <a:r>
+              <a:rPr lang="en-US" sz="4800" b="1" dirty="0" smtClean="0"/>
+              <a:t>LANDING PAGE</a:t>
+            </a:r>
+            <a:endParaRPr lang="en-PH" sz="4800" b="1" dirty="0"/>
+          </a:p>
+        </p:txBody>
+      </p:sp>
+      <p:pic>
+        <p:nvPicPr>
+          <p:cNvPr id="1026" name="Picture 2"/>
+          <p:cNvPicPr>
+            <a:picLocks noGrp="1" noChangeAspect="1" noChangeArrowheads="1"/>
+          </p:cNvPicPr>
           <p:nvPr>
             <p:ph idx="1"/>
           </p:nvPr>
-        </p:nvSpPr>
-        <p:spPr>
-          <a:xfrm>
-            <a:off x="838200" y="1285461"/>
-            <a:ext cx="10515600" cy="4929072"/>
-          </a:xfrm>
-        </p:spPr>
-        <p:txBody>
-          <a:bodyPr>
-            <a:noAutofit/>
-          </a:bodyPr>
-          <a:lstStyle/>
-          <a:p>
-            <a:pPr marL="457200" indent="0" algn="just">
-              <a:lnSpc>
-                <a:spcPct val="107000"/>
-              </a:lnSpc>
-              <a:spcAft>
-                <a:spcPts val="800"/>
-              </a:spcAft>
-              <a:buNone/>
-            </a:pPr>
-            <a:r>
-              <a:rPr lang="en-US" sz="2400" dirty="0">
-                <a:effectLst/>
-                <a:latin typeface="Calibri" panose="020F0502020204030204" pitchFamily="34" charset="0"/>
-                <a:cs typeface="Times New Roman" panose="02020603050405020304" pitchFamily="18" charset="0"/>
-              </a:rPr>
-              <a:t>	The propose Inventory management project aims to provide solution on a common problem encountered by a most business owners due to poor inventory management system.</a:t>
-            </a:r>
-          </a:p>
-          <a:p>
-            <a:pPr indent="0" algn="just">
-              <a:lnSpc>
-                <a:spcPct val="107000"/>
-              </a:lnSpc>
-              <a:spcAft>
-                <a:spcPts val="800"/>
-              </a:spcAft>
-              <a:buNone/>
-            </a:pPr>
-            <a:r>
-              <a:rPr lang="en-US" sz="2400" dirty="0">
-                <a:effectLst/>
-                <a:latin typeface="Calibri" panose="020F0502020204030204" pitchFamily="34" charset="0"/>
-                <a:cs typeface="Times New Roman" panose="02020603050405020304" pitchFamily="18" charset="0"/>
-              </a:rPr>
-              <a:t>	Specifically, on the following questions:</a:t>
-            </a:r>
-          </a:p>
-          <a:p>
-            <a:pPr marL="914400" algn="just">
-              <a:lnSpc>
-                <a:spcPct val="107000"/>
-              </a:lnSpc>
-              <a:spcAft>
-                <a:spcPts val="800"/>
-              </a:spcAft>
-            </a:pPr>
-            <a:r>
-              <a:rPr lang="en-US" sz="2400" dirty="0">
-                <a:effectLst/>
-                <a:latin typeface="Calibri" panose="020F0502020204030204" pitchFamily="34" charset="0"/>
-                <a:cs typeface="Times New Roman" panose="02020603050405020304" pitchFamily="18" charset="0"/>
-              </a:rPr>
-              <a:t>1. How to prevent in demand product from running out of stock?</a:t>
-            </a:r>
-          </a:p>
-          <a:p>
-            <a:pPr marL="914400" algn="just">
-              <a:lnSpc>
-                <a:spcPct val="107000"/>
-              </a:lnSpc>
-              <a:spcAft>
-                <a:spcPts val="800"/>
-              </a:spcAft>
-            </a:pPr>
-            <a:r>
-              <a:rPr lang="en-US" sz="2400" dirty="0">
-                <a:effectLst/>
-                <a:latin typeface="Calibri" panose="020F0502020204030204" pitchFamily="34" charset="0"/>
-                <a:cs typeface="Times New Roman" panose="02020603050405020304" pitchFamily="18" charset="0"/>
-              </a:rPr>
-              <a:t>2. How minimize overstock product?</a:t>
-            </a:r>
-          </a:p>
-          <a:p>
-            <a:pPr marL="914400" algn="just">
-              <a:lnSpc>
-                <a:spcPct val="107000"/>
-              </a:lnSpc>
-              <a:spcAft>
-                <a:spcPts val="800"/>
-              </a:spcAft>
-            </a:pPr>
-            <a:r>
-              <a:rPr lang="en-US" sz="2400" dirty="0">
-                <a:effectLst/>
-                <a:latin typeface="Calibri" panose="020F0502020204030204" pitchFamily="34" charset="0"/>
-                <a:cs typeface="Times New Roman" panose="02020603050405020304" pitchFamily="18" charset="0"/>
-              </a:rPr>
-              <a:t>3. How to avoid losing sales due to expiry or expired product.</a:t>
-            </a:r>
-          </a:p>
-          <a:p>
-            <a:pPr marL="914400" algn="just">
-              <a:lnSpc>
-                <a:spcPct val="107000"/>
-              </a:lnSpc>
-              <a:spcAft>
-                <a:spcPts val="800"/>
-              </a:spcAft>
-            </a:pPr>
-            <a:r>
-              <a:rPr lang="en-US" sz="2400" dirty="0">
-                <a:effectLst/>
-                <a:latin typeface="Calibri" panose="020F0502020204030204" pitchFamily="34" charset="0"/>
-                <a:cs typeface="Times New Roman" panose="02020603050405020304" pitchFamily="18" charset="0"/>
-              </a:rPr>
-              <a:t>4. How to choose better supplier amongst existing one?</a:t>
-            </a:r>
-          </a:p>
-          <a:p>
-            <a:pPr marL="914400" algn="just">
-              <a:lnSpc>
-                <a:spcPct val="107000"/>
-              </a:lnSpc>
-              <a:spcAft>
-                <a:spcPts val="800"/>
-              </a:spcAft>
-            </a:pPr>
-            <a:r>
-              <a:rPr lang="en-US" sz="2400" dirty="0">
-                <a:effectLst/>
-                <a:latin typeface="Calibri" panose="020F0502020204030204" pitchFamily="34" charset="0"/>
-                <a:cs typeface="Times New Roman" panose="02020603050405020304" pitchFamily="18" charset="0"/>
-              </a:rPr>
-              <a:t>5. How to minimize stolen goods?</a:t>
-            </a:r>
-          </a:p>
-        </p:txBody>
-      </p:sp>
-    </p:spTree>
-  </p:cSld>
-  <p:clrMapOvr>
-    <a:masterClrMapping/>
-  </p:clrMapOvr>
-</p:sld>
-</file>
-
-<file path=ppt/slides/slide4.xml><?xml version="1.0" encoding="utf-8"?>
-<p:sld xmlns:a="http://schemas.openxmlformats.org/drawingml/2006/main" xmlns:r="http://schemas.openxmlformats.org/officeDocument/2006/relationships" xmlns:p="http://schemas.openxmlformats.org/presentationml/2006/main">
-  <p:cSld>
-    <p:spTree>
-      <p:nvGrpSpPr>
-        <p:cNvPr id="1" name=""/>
-        <p:cNvGrpSpPr/>
-        <p:nvPr/>
-      </p:nvGrpSpPr>
-      <p:grpSpPr>
-        <a:xfrm>
-          <a:off x="0" y="0"/>
-          <a:ext cx="0" cy="0"/>
-          <a:chOff x="0" y="0"/>
-          <a:chExt cx="0" cy="0"/>
-        </a:xfrm>
-      </p:grpSpPr>
-      <p:sp>
-        <p:nvSpPr>
-          <p:cNvPr id="2" name="Title 1"/>
-          <p:cNvSpPr>
-            <a:spLocks noGrp="1"/>
-          </p:cNvSpPr>
-          <p:nvPr>
-            <p:ph type="title"/>
-          </p:nvPr>
-        </p:nvSpPr>
-        <p:spPr>
-          <a:xfrm>
-            <a:off x="838200" y="365125"/>
-            <a:ext cx="10515600" cy="1119117"/>
-          </a:xfrm>
-        </p:spPr>
-        <p:txBody>
-          <a:bodyPr>
-            <a:normAutofit/>
-          </a:bodyPr>
-          <a:lstStyle/>
-          <a:p>
-            <a:pPr marL="0" marR="0" algn="ctr">
-              <a:spcBef>
-                <a:spcPts val="0"/>
-              </a:spcBef>
-              <a:spcAft>
-                <a:spcPts val="0"/>
-              </a:spcAft>
-            </a:pPr>
-            <a:r>
-              <a:rPr lang="en-PH" sz="6000" b="1" kern="100" dirty="0">
-                <a:solidFill>
-                  <a:srgbClr val="000000"/>
-                </a:solidFill>
-                <a:effectLst/>
-                <a:latin typeface="Times New Roman" panose="02020603050405020304" pitchFamily="18" charset="0"/>
-                <a:ea typeface="宋体" panose="02010600030101010101" pitchFamily="2" charset="-122"/>
-              </a:rPr>
-              <a:t>Project Solution</a:t>
-            </a:r>
-            <a:endParaRPr lang="en-PH" sz="6000" kern="100" dirty="0">
-              <a:effectLst/>
-              <a:latin typeface="Times New Roman" panose="02020603050405020304" pitchFamily="18" charset="0"/>
-              <a:ea typeface="宋体" panose="02010600030101010101" pitchFamily="2" charset="-122"/>
-            </a:endParaRPr>
-          </a:p>
-        </p:txBody>
-      </p:sp>
-      <p:sp>
-        <p:nvSpPr>
-          <p:cNvPr id="3" name="Content Placeholder 2"/>
-          <p:cNvSpPr>
-            <a:spLocks noGrp="1"/>
-          </p:cNvSpPr>
-          <p:nvPr>
-            <p:ph idx="1"/>
-          </p:nvPr>
-        </p:nvSpPr>
-        <p:spPr>
-          <a:xfrm>
-            <a:off x="838200" y="1484242"/>
-            <a:ext cx="10515600" cy="4890054"/>
-          </a:xfrm>
-        </p:spPr>
-        <p:txBody>
-          <a:bodyPr/>
-          <a:lstStyle/>
-          <a:p>
-            <a:pPr marL="457200" indent="0" algn="just">
-              <a:lnSpc>
-                <a:spcPct val="107000"/>
-              </a:lnSpc>
-              <a:spcAft>
-                <a:spcPts val="800"/>
-              </a:spcAft>
-              <a:buNone/>
-            </a:pPr>
-            <a:r>
-              <a:rPr lang="en-PH" sz="2400" dirty="0"/>
-              <a:t>	</a:t>
-            </a:r>
-            <a:r>
-              <a:rPr lang="en-US" sz="2400" dirty="0">
-                <a:effectLst/>
-                <a:latin typeface="Calibri" panose="020F0502020204030204" pitchFamily="34" charset="0"/>
-                <a:cs typeface="Times New Roman" panose="02020603050405020304" pitchFamily="18" charset="0"/>
-              </a:rPr>
-              <a:t>The general solution or objective of this project is to develop the “Inventory Management System” a clear, accurate and effective one.</a:t>
-            </a:r>
-          </a:p>
-          <a:p>
-            <a:pPr marL="342900" lvl="0" indent="-342900" algn="just">
-              <a:lnSpc>
-                <a:spcPct val="108000"/>
-              </a:lnSpc>
-              <a:spcAft>
-                <a:spcPts val="800"/>
-              </a:spcAft>
-              <a:buFont typeface="Times New Roman" panose="02020603050405020304" pitchFamily="18" charset="0"/>
-              <a:buAutoNum type="arabicPeriod"/>
-            </a:pPr>
-            <a:r>
-              <a:rPr lang="en-US" sz="2400" dirty="0">
-                <a:effectLst/>
-                <a:latin typeface="Calibri" panose="020F0502020204030204" pitchFamily="34" charset="0"/>
-                <a:cs typeface="Times New Roman" panose="02020603050405020304" pitchFamily="18" charset="0"/>
-              </a:rPr>
-              <a:t>Real-time updates on stock levels</a:t>
-            </a:r>
-          </a:p>
-          <a:p>
-            <a:pPr marL="342900" lvl="0" indent="-342900" algn="just">
-              <a:lnSpc>
-                <a:spcPct val="108000"/>
-              </a:lnSpc>
-              <a:spcAft>
-                <a:spcPts val="800"/>
-              </a:spcAft>
-              <a:buFont typeface="Times New Roman" panose="02020603050405020304" pitchFamily="18" charset="0"/>
-              <a:buAutoNum type="arabicPeriod"/>
-            </a:pPr>
-            <a:r>
-              <a:rPr lang="en-US" sz="2400" dirty="0">
-                <a:effectLst/>
-                <a:latin typeface="Calibri" panose="020F0502020204030204" pitchFamily="34" charset="0"/>
-                <a:cs typeface="Times New Roman" panose="02020603050405020304" pitchFamily="18" charset="0"/>
-              </a:rPr>
-              <a:t>Compare product performance from past and present</a:t>
-            </a:r>
-          </a:p>
-          <a:p>
-            <a:pPr marL="342900" lvl="0" indent="-342900" algn="just">
-              <a:lnSpc>
-                <a:spcPct val="108000"/>
-              </a:lnSpc>
-              <a:spcAft>
-                <a:spcPts val="800"/>
-              </a:spcAft>
-              <a:buFont typeface="Times New Roman" panose="02020603050405020304" pitchFamily="18" charset="0"/>
-              <a:buAutoNum type="arabicPeriod"/>
-            </a:pPr>
-            <a:r>
-              <a:rPr lang="en-US" sz="2400" dirty="0">
-                <a:effectLst/>
-                <a:latin typeface="Calibri" panose="020F0502020204030204" pitchFamily="34" charset="0"/>
-                <a:cs typeface="Times New Roman" panose="02020603050405020304" pitchFamily="18" charset="0"/>
-              </a:rPr>
-              <a:t>Provide alerts when items are low</a:t>
-            </a:r>
-          </a:p>
-          <a:p>
-            <a:pPr marL="342900" lvl="0" indent="-342900" algn="just">
-              <a:lnSpc>
-                <a:spcPct val="108000"/>
-              </a:lnSpc>
-              <a:spcAft>
-                <a:spcPts val="800"/>
-              </a:spcAft>
-              <a:buFont typeface="Times New Roman" panose="02020603050405020304" pitchFamily="18" charset="0"/>
-              <a:buAutoNum type="arabicPeriod"/>
-            </a:pPr>
-            <a:r>
-              <a:rPr lang="en-US" sz="2400" dirty="0">
-                <a:effectLst/>
-                <a:latin typeface="Calibri" panose="020F0502020204030204" pitchFamily="34" charset="0"/>
-                <a:cs typeface="Times New Roman" panose="02020603050405020304" pitchFamily="18" charset="0"/>
-              </a:rPr>
-              <a:t>Identify </a:t>
-            </a:r>
-            <a:r>
-              <a:rPr lang="en-US" sz="2400" dirty="0" err="1">
-                <a:effectLst/>
-                <a:latin typeface="Calibri" panose="020F0502020204030204" pitchFamily="34" charset="0"/>
-                <a:cs typeface="Times New Roman" panose="02020603050405020304" pitchFamily="18" charset="0"/>
-              </a:rPr>
-              <a:t>itesm</a:t>
-            </a:r>
-            <a:r>
-              <a:rPr lang="en-US" sz="2400" dirty="0">
-                <a:effectLst/>
-                <a:latin typeface="Calibri" panose="020F0502020204030204" pitchFamily="34" charset="0"/>
-                <a:cs typeface="Times New Roman" panose="02020603050405020304" pitchFamily="18" charset="0"/>
-              </a:rPr>
-              <a:t> that are hard to sell</a:t>
-            </a:r>
-          </a:p>
-          <a:p>
-            <a:pPr marL="342900" lvl="0" indent="-342900" algn="just">
-              <a:lnSpc>
-                <a:spcPct val="108000"/>
-              </a:lnSpc>
-              <a:spcAft>
-                <a:spcPts val="800"/>
-              </a:spcAft>
-              <a:buFont typeface="Times New Roman" panose="02020603050405020304" pitchFamily="18" charset="0"/>
-              <a:buAutoNum type="arabicPeriod"/>
-            </a:pPr>
-            <a:r>
-              <a:rPr lang="en-US" sz="2400" dirty="0">
-                <a:effectLst/>
-                <a:latin typeface="Calibri" panose="020F0502020204030204" pitchFamily="34" charset="0"/>
-                <a:cs typeface="Times New Roman" panose="02020603050405020304" pitchFamily="18" charset="0"/>
-              </a:rPr>
-              <a:t>Provide detailed reports and Analytic</a:t>
-            </a:r>
-          </a:p>
-          <a:p>
-            <a:pPr marL="342900" lvl="0" indent="-342900" algn="just">
-              <a:lnSpc>
-                <a:spcPct val="108000"/>
-              </a:lnSpc>
-              <a:spcAft>
-                <a:spcPts val="800"/>
-              </a:spcAft>
-              <a:buFont typeface="Times New Roman" panose="02020603050405020304" pitchFamily="18" charset="0"/>
-              <a:buAutoNum type="arabicPeriod"/>
-            </a:pPr>
-            <a:r>
-              <a:rPr lang="en-US" sz="2400" dirty="0">
-                <a:effectLst/>
-                <a:latin typeface="Calibri" panose="020F0502020204030204" pitchFamily="34" charset="0"/>
-                <a:cs typeface="Times New Roman" panose="02020603050405020304" pitchFamily="18" charset="0"/>
-              </a:rPr>
-              <a:t>Only authorized persons set by owner will access the </a:t>
-            </a:r>
-            <a:r>
-              <a:rPr lang="en-US" sz="2400" dirty="0" err="1">
-                <a:effectLst/>
-                <a:latin typeface="Calibri" panose="020F0502020204030204" pitchFamily="34" charset="0"/>
-                <a:cs typeface="Times New Roman" panose="02020603050405020304" pitchFamily="18" charset="0"/>
-              </a:rPr>
-              <a:t>invetory</a:t>
-            </a:r>
-            <a:r>
-              <a:rPr lang="en-US" sz="2400" dirty="0">
-                <a:effectLst/>
-                <a:latin typeface="Calibri" panose="020F0502020204030204" pitchFamily="34" charset="0"/>
-                <a:cs typeface="Times New Roman" panose="02020603050405020304" pitchFamily="18" charset="0"/>
-              </a:rPr>
-              <a:t>/warehouse</a:t>
-            </a:r>
-          </a:p>
-          <a:p>
-            <a:endParaRPr lang="en-PH" dirty="0"/>
-          </a:p>
-        </p:txBody>
-      </p:sp>
-    </p:spTree>
-  </p:cSld>
-  <p:clrMapOvr>
-    <a:masterClrMapping/>
-  </p:clrMapOvr>
-</p:sld>
-</file>
-
-<file path=ppt/slides/slide5.xml><?xml version="1.0" encoding="utf-8"?>
-<p:sld xmlns:a="http://schemas.openxmlformats.org/drawingml/2006/main" xmlns:r="http://schemas.openxmlformats.org/officeDocument/2006/relationships" xmlns:p="http://schemas.openxmlformats.org/presentationml/2006/main">
-  <p:cSld>
-    <p:spTree>
-      <p:nvGrpSpPr>
-        <p:cNvPr id="1" name=""/>
-        <p:cNvGrpSpPr/>
-        <p:nvPr/>
-      </p:nvGrpSpPr>
-      <p:grpSpPr>
-        <a:xfrm>
-          <a:off x="0" y="0"/>
-          <a:ext cx="0" cy="0"/>
-          <a:chOff x="0" y="0"/>
-          <a:chExt cx="0" cy="0"/>
-        </a:xfrm>
-      </p:grpSpPr>
-      <p:sp>
-        <p:nvSpPr>
-          <p:cNvPr id="2" name="Title 1"/>
-          <p:cNvSpPr>
-            <a:spLocks noGrp="1"/>
-          </p:cNvSpPr>
-          <p:nvPr>
-            <p:ph type="title"/>
-          </p:nvPr>
-        </p:nvSpPr>
-        <p:spPr/>
-        <p:txBody>
-          <a:bodyPr>
-            <a:normAutofit/>
-          </a:bodyPr>
-          <a:lstStyle/>
-          <a:p>
-            <a:pPr lvl="0" algn="ctr">
-              <a:lnSpc>
-                <a:spcPct val="107000"/>
-              </a:lnSpc>
-              <a:spcBef>
-                <a:spcPts val="1200"/>
-              </a:spcBef>
-              <a:spcAft>
-                <a:spcPts val="0"/>
-              </a:spcAft>
-            </a:pPr>
-            <a:r>
-              <a:rPr lang="en-PH" sz="6000" b="1" dirty="0">
-                <a:effectLst/>
-                <a:latin typeface="Calibri Light" panose="020F0302020204030204" pitchFamily="34" charset="0"/>
-                <a:ea typeface="等线 Light" panose="02010600030101010101" pitchFamily="2" charset="-122"/>
-                <a:cs typeface="Times New Roman" panose="02020603050405020304" pitchFamily="18" charset="0"/>
-              </a:rPr>
-              <a:t>System Features</a:t>
-            </a:r>
-          </a:p>
-        </p:txBody>
-      </p:sp>
-      <p:sp>
-        <p:nvSpPr>
-          <p:cNvPr id="3" name="Content Placeholder 2"/>
-          <p:cNvSpPr>
-            <a:spLocks noGrp="1"/>
-          </p:cNvSpPr>
-          <p:nvPr>
-            <p:ph idx="1"/>
-          </p:nvPr>
-        </p:nvSpPr>
-        <p:spPr/>
-        <p:txBody>
-          <a:bodyPr>
-            <a:normAutofit fontScale="92500"/>
-          </a:bodyPr>
-          <a:lstStyle/>
-          <a:p>
-            <a:pPr marL="457200" indent="0" algn="just" fontAlgn="base">
-              <a:lnSpc>
-                <a:spcPct val="150000"/>
-              </a:lnSpc>
-              <a:spcAft>
-                <a:spcPts val="1800"/>
-              </a:spcAft>
-              <a:buNone/>
-            </a:pPr>
-            <a:r>
-              <a:rPr lang="en-US" sz="2400" dirty="0">
-                <a:effectLst/>
-                <a:latin typeface="Calibri" panose="020F0502020204030204" pitchFamily="34" charset="0"/>
-                <a:cs typeface="Times New Roman" panose="02020603050405020304" pitchFamily="18" charset="0"/>
-              </a:rPr>
-              <a:t>	An accurate and effective inventory management is crucial to the success of a business. Our Inventory Management System streamlines the ordering and reordering process by recording supplier details, ordered product information, and stock received. The system also tracks sales and predicts stock needs to prevent overstocking or running out of stock. It sends alerts for near-expiry products and warns of a potential stock shortage. This system will save time, increase efficiency, and improve customer satisfaction. Invest in our Inventory Management System for a smarter and more product Management.</a:t>
-            </a:r>
-          </a:p>
-          <a:p>
-            <a:pPr marL="457200" indent="0" algn="just" fontAlgn="base">
-              <a:lnSpc>
-                <a:spcPct val="107000"/>
-              </a:lnSpc>
-              <a:spcAft>
-                <a:spcPts val="1800"/>
-              </a:spcAft>
-              <a:buNone/>
-            </a:pPr>
-            <a:endParaRPr lang="en-US" sz="1800" dirty="0">
-              <a:effectLst/>
-              <a:latin typeface="Calibri" panose="020F0502020204030204" pitchFamily="34" charset="0"/>
-              <a:cs typeface="Times New Roman" panose="02020603050405020304" pitchFamily="18" charset="0"/>
-            </a:endParaRPr>
-          </a:p>
-        </p:txBody>
-      </p:sp>
-    </p:spTree>
-  </p:cSld>
-  <p:clrMapOvr>
-    <a:masterClrMapping/>
-  </p:clrMapOvr>
-</p:sld>
-</file>
-
-<file path=ppt/slides/slide6.xml><?xml version="1.0" encoding="utf-8"?>
-<p:sld xmlns:a="http://schemas.openxmlformats.org/drawingml/2006/main" xmlns:r="http://schemas.openxmlformats.org/officeDocument/2006/relationships" xmlns:p="http://schemas.openxmlformats.org/presentationml/2006/main">
-  <p:cSld>
-    <p:spTree>
-      <p:nvGrpSpPr>
-        <p:cNvPr id="1" name=""/>
-        <p:cNvGrpSpPr/>
-        <p:nvPr/>
-      </p:nvGrpSpPr>
-      <p:grpSpPr>
-        <a:xfrm>
-          <a:off x="0" y="0"/>
-          <a:ext cx="0" cy="0"/>
-          <a:chOff x="0" y="0"/>
-          <a:chExt cx="0" cy="0"/>
-        </a:xfrm>
-      </p:grpSpPr>
-      <p:sp>
-        <p:nvSpPr>
-          <p:cNvPr id="3" name="Content Placeholder 2"/>
-          <p:cNvSpPr>
-            <a:spLocks noGrp="1"/>
-          </p:cNvSpPr>
-          <p:nvPr>
-            <p:ph idx="1"/>
-          </p:nvPr>
-        </p:nvSpPr>
-        <p:spPr>
-          <a:xfrm>
-            <a:off x="838200" y="251790"/>
-            <a:ext cx="10515600" cy="6321287"/>
-          </a:xfrm>
-        </p:spPr>
-        <p:txBody>
-          <a:bodyPr>
-            <a:normAutofit lnSpcReduction="10000"/>
-          </a:bodyPr>
-          <a:lstStyle/>
-          <a:p>
-            <a:pPr indent="457200" algn="just" fontAlgn="base">
-              <a:lnSpc>
-                <a:spcPct val="110000"/>
-              </a:lnSpc>
-              <a:spcAft>
-                <a:spcPts val="0"/>
-              </a:spcAft>
-            </a:pPr>
-            <a:r>
-              <a:rPr lang="en-US" sz="2000" dirty="0">
-                <a:effectLst/>
-                <a:latin typeface="Calibri" panose="020F0502020204030204" pitchFamily="34" charset="0"/>
-                <a:cs typeface="Times New Roman" panose="02020603050405020304" pitchFamily="18" charset="0"/>
-              </a:rPr>
-              <a:t>A.</a:t>
-            </a:r>
-            <a:r>
-              <a:rPr lang="en-US" sz="2000" b="1" dirty="0">
-                <a:effectLst/>
-                <a:latin typeface="Calibri" panose="020F0502020204030204" pitchFamily="34" charset="0"/>
-                <a:cs typeface="Times New Roman" panose="02020603050405020304" pitchFamily="18" charset="0"/>
-              </a:rPr>
-              <a:t> User Management</a:t>
-            </a:r>
-            <a:r>
-              <a:rPr lang="en-US" sz="2000" dirty="0">
-                <a:effectLst/>
-                <a:latin typeface="Calibri" panose="020F0502020204030204" pitchFamily="34" charset="0"/>
-                <a:cs typeface="Times New Roman" panose="02020603050405020304" pitchFamily="18" charset="0"/>
-              </a:rPr>
-              <a:t>: The Inventory Management Web App will have individual logins for every person who is part of the company. Each person will have their own set of authorities and limitations.</a:t>
-            </a:r>
-          </a:p>
-          <a:p>
-            <a:pPr indent="457200" algn="just" fontAlgn="base">
-              <a:lnSpc>
-                <a:spcPct val="110000"/>
-              </a:lnSpc>
-              <a:spcAft>
-                <a:spcPts val="0"/>
-              </a:spcAft>
-            </a:pPr>
-            <a:r>
-              <a:rPr lang="en-US" sz="2000" dirty="0">
-                <a:effectLst/>
-                <a:latin typeface="Calibri" panose="020F0502020204030204" pitchFamily="34" charset="0"/>
-                <a:cs typeface="Times New Roman" panose="02020603050405020304" pitchFamily="18" charset="0"/>
-              </a:rPr>
-              <a:t>B.</a:t>
-            </a:r>
-            <a:r>
-              <a:rPr lang="en-US" sz="2000" b="1" dirty="0">
-                <a:effectLst/>
-                <a:latin typeface="Calibri" panose="020F0502020204030204" pitchFamily="34" charset="0"/>
-                <a:cs typeface="Times New Roman" panose="02020603050405020304" pitchFamily="18" charset="0"/>
-              </a:rPr>
-              <a:t> Inventory Tracking</a:t>
-            </a:r>
-            <a:r>
-              <a:rPr lang="en-US" sz="2000" dirty="0">
-                <a:effectLst/>
-                <a:latin typeface="Calibri" panose="020F0502020204030204" pitchFamily="34" charset="0"/>
-                <a:cs typeface="Times New Roman" panose="02020603050405020304" pitchFamily="18" charset="0"/>
-              </a:rPr>
-              <a:t>: Every item will be registered through barcode scanning and the information will be recorded in the web app.</a:t>
-            </a:r>
-          </a:p>
-          <a:p>
-            <a:pPr indent="457200" algn="just" fontAlgn="base">
-              <a:lnSpc>
-                <a:spcPct val="110000"/>
-              </a:lnSpc>
-              <a:spcAft>
-                <a:spcPts val="0"/>
-              </a:spcAft>
-            </a:pPr>
-            <a:r>
-              <a:rPr lang="en-US" sz="2000" dirty="0">
-                <a:effectLst/>
-                <a:latin typeface="Calibri" panose="020F0502020204030204" pitchFamily="34" charset="0"/>
-                <a:cs typeface="Times New Roman" panose="02020603050405020304" pitchFamily="18" charset="0"/>
-              </a:rPr>
-              <a:t>C. </a:t>
-            </a:r>
-            <a:r>
-              <a:rPr lang="en-US" sz="2000" b="1" dirty="0">
-                <a:effectLst/>
-                <a:latin typeface="Calibri" panose="020F0502020204030204" pitchFamily="34" charset="0"/>
-                <a:cs typeface="Times New Roman" panose="02020603050405020304" pitchFamily="18" charset="0"/>
-              </a:rPr>
-              <a:t>Order Management</a:t>
-            </a:r>
-            <a:r>
-              <a:rPr lang="en-US" sz="2000" dirty="0">
-                <a:effectLst/>
-                <a:latin typeface="Calibri" panose="020F0502020204030204" pitchFamily="34" charset="0"/>
-                <a:cs typeface="Times New Roman" panose="02020603050405020304" pitchFamily="18" charset="0"/>
-              </a:rPr>
-              <a:t>: Every time an item is taken out of the warehouse or inventory, the barcode will be entered into the order management section, where the information will be recorded and passed to the inventory tracking to deduct the item count.</a:t>
-            </a:r>
-          </a:p>
-          <a:p>
-            <a:pPr indent="457200" algn="just" fontAlgn="base">
-              <a:lnSpc>
-                <a:spcPct val="110000"/>
-              </a:lnSpc>
-              <a:spcAft>
-                <a:spcPts val="0"/>
-              </a:spcAft>
-            </a:pPr>
-            <a:r>
-              <a:rPr lang="en-US" sz="2000" dirty="0">
-                <a:effectLst/>
-                <a:latin typeface="Calibri" panose="020F0502020204030204" pitchFamily="34" charset="0"/>
-                <a:cs typeface="Times New Roman" panose="02020603050405020304" pitchFamily="18" charset="0"/>
-              </a:rPr>
-              <a:t>D. </a:t>
-            </a:r>
-            <a:r>
-              <a:rPr lang="en-US" sz="2000" b="1" dirty="0">
-                <a:effectLst/>
-                <a:latin typeface="Calibri" panose="020F0502020204030204" pitchFamily="34" charset="0"/>
-                <a:cs typeface="Times New Roman" panose="02020603050405020304" pitchFamily="18" charset="0"/>
-              </a:rPr>
-              <a:t>Real-time Reporting and Analytics</a:t>
-            </a:r>
-            <a:r>
-              <a:rPr lang="en-US" sz="2000" dirty="0">
-                <a:effectLst/>
-                <a:latin typeface="Calibri" panose="020F0502020204030204" pitchFamily="34" charset="0"/>
-                <a:cs typeface="Times New Roman" panose="02020603050405020304" pitchFamily="18" charset="0"/>
-              </a:rPr>
-              <a:t>: All the information gathered will be calculated and sent to the web app for analysis. The app will compare the performance of each product over time, such as daily, weekly, monthly, etc.</a:t>
-            </a:r>
-          </a:p>
-          <a:p>
-            <a:pPr indent="457200" algn="just" fontAlgn="base">
-              <a:lnSpc>
-                <a:spcPct val="110000"/>
-              </a:lnSpc>
-              <a:spcAft>
-                <a:spcPts val="0"/>
-              </a:spcAft>
-            </a:pPr>
-            <a:r>
-              <a:rPr lang="en-US" sz="2000" dirty="0">
-                <a:effectLst/>
-                <a:latin typeface="Calibri" panose="020F0502020204030204" pitchFamily="34" charset="0"/>
-                <a:cs typeface="Times New Roman" panose="02020603050405020304" pitchFamily="18" charset="0"/>
-              </a:rPr>
-              <a:t>E. </a:t>
-            </a:r>
-            <a:r>
-              <a:rPr lang="en-US" sz="2000" b="1" dirty="0">
-                <a:effectLst/>
-                <a:latin typeface="Calibri" panose="020F0502020204030204" pitchFamily="34" charset="0"/>
-                <a:cs typeface="Times New Roman" panose="02020603050405020304" pitchFamily="18" charset="0"/>
-              </a:rPr>
-              <a:t>Notifications</a:t>
-            </a:r>
-            <a:r>
-              <a:rPr lang="en-US" sz="2000" dirty="0">
-                <a:effectLst/>
-                <a:latin typeface="Calibri" panose="020F0502020204030204" pitchFamily="34" charset="0"/>
-                <a:cs typeface="Times New Roman" panose="02020603050405020304" pitchFamily="18" charset="0"/>
-              </a:rPr>
-              <a:t>: After the web app has analyzed the data, it will send notifications to the end-user, as per their pre-defined settings.</a:t>
-            </a:r>
-          </a:p>
-          <a:p>
-            <a:pPr indent="457200" algn="just" fontAlgn="base">
-              <a:lnSpc>
-                <a:spcPct val="110000"/>
-              </a:lnSpc>
-              <a:spcAft>
-                <a:spcPts val="0"/>
-              </a:spcAft>
-            </a:pPr>
-            <a:r>
-              <a:rPr lang="en-US" sz="2000" dirty="0">
-                <a:effectLst/>
-                <a:latin typeface="Calibri" panose="020F0502020204030204" pitchFamily="34" charset="0"/>
-                <a:cs typeface="Times New Roman" panose="02020603050405020304" pitchFamily="18" charset="0"/>
-              </a:rPr>
-              <a:t>F. </a:t>
-            </a:r>
-            <a:r>
-              <a:rPr lang="en-US" sz="2000" b="1" dirty="0">
-                <a:effectLst/>
-                <a:latin typeface="Calibri" panose="020F0502020204030204" pitchFamily="34" charset="0"/>
-                <a:cs typeface="Times New Roman" panose="02020603050405020304" pitchFamily="18" charset="0"/>
-              </a:rPr>
-              <a:t>Staff Management</a:t>
-            </a:r>
-            <a:r>
-              <a:rPr lang="en-US" sz="2000" dirty="0">
-                <a:effectLst/>
-                <a:latin typeface="Calibri" panose="020F0502020204030204" pitchFamily="34" charset="0"/>
-                <a:cs typeface="Times New Roman" panose="02020603050405020304" pitchFamily="18" charset="0"/>
-              </a:rPr>
-              <a:t>: The owner or administrator can assign different levels of authorities to employees based on their roles and responsibilities.</a:t>
-            </a:r>
-          </a:p>
-          <a:p>
-            <a:pPr indent="457200" algn="just" fontAlgn="base">
-              <a:lnSpc>
-                <a:spcPct val="110000"/>
-              </a:lnSpc>
-              <a:spcAft>
-                <a:spcPts val="0"/>
-              </a:spcAft>
-            </a:pPr>
-            <a:r>
-              <a:rPr lang="en-US" sz="2000" dirty="0">
-                <a:effectLst/>
-                <a:latin typeface="Calibri" panose="020F0502020204030204" pitchFamily="34" charset="0"/>
-                <a:cs typeface="Times New Roman" panose="02020603050405020304" pitchFamily="18" charset="0"/>
-              </a:rPr>
-              <a:t>G. </a:t>
-            </a:r>
-            <a:r>
-              <a:rPr lang="en-US" sz="2000" b="1" dirty="0">
-                <a:effectLst/>
-                <a:latin typeface="Calibri" panose="020F0502020204030204" pitchFamily="34" charset="0"/>
-                <a:cs typeface="Times New Roman" panose="02020603050405020304" pitchFamily="18" charset="0"/>
-              </a:rPr>
-              <a:t>Product Management</a:t>
-            </a:r>
-            <a:r>
-              <a:rPr lang="en-US" sz="2000" dirty="0">
-                <a:effectLst/>
-                <a:latin typeface="Calibri" panose="020F0502020204030204" pitchFamily="34" charset="0"/>
-                <a:cs typeface="Times New Roman" panose="02020603050405020304" pitchFamily="18" charset="0"/>
-              </a:rPr>
-              <a:t>: The owner or authorized personnel can edit information about the products, such as item counts, descriptions, etc.</a:t>
-            </a:r>
-          </a:p>
-          <a:p>
-            <a:endParaRPr lang="en-US" dirty="0"/>
-          </a:p>
-          <a:p>
-            <a:endParaRPr lang="en-US" dirty="0"/>
-          </a:p>
-          <a:p>
-            <a:endParaRPr lang="en-US" dirty="0"/>
-          </a:p>
-        </p:txBody>
-      </p:sp>
-    </p:spTree>
-  </p:cSld>
-  <p:clrMapOvr>
-    <a:masterClrMapping/>
-  </p:clrMapOvr>
-</p:sld>
-</file>
-
-<file path=ppt/slides/slide7.xml><?xml version="1.0" encoding="utf-8"?>
-<p:sld xmlns:a="http://schemas.openxmlformats.org/drawingml/2006/main" xmlns:r="http://schemas.openxmlformats.org/officeDocument/2006/relationships" xmlns:p="http://schemas.openxmlformats.org/presentationml/2006/main">
-  <p:cSld>
-    <p:spTree>
-      <p:nvGrpSpPr>
-        <p:cNvPr id="1" name=""/>
-        <p:cNvGrpSpPr/>
-        <p:nvPr/>
-      </p:nvGrpSpPr>
-      <p:grpSpPr>
-        <a:xfrm>
-          <a:off x="0" y="0"/>
-          <a:ext cx="0" cy="0"/>
-          <a:chOff x="0" y="0"/>
-          <a:chExt cx="0" cy="0"/>
-        </a:xfrm>
-      </p:grpSpPr>
-      <p:sp>
-        <p:nvSpPr>
-          <p:cNvPr id="2" name="Title 1"/>
-          <p:cNvSpPr>
-            <a:spLocks noGrp="1"/>
-          </p:cNvSpPr>
-          <p:nvPr>
-            <p:ph type="title"/>
-          </p:nvPr>
-        </p:nvSpPr>
-        <p:spPr>
-          <a:xfrm>
-            <a:off x="838200" y="113333"/>
-            <a:ext cx="10515600" cy="867327"/>
-          </a:xfrm>
-        </p:spPr>
-        <p:txBody>
-          <a:bodyPr>
-            <a:normAutofit fontScale="90000"/>
-          </a:bodyPr>
-          <a:lstStyle/>
-          <a:p>
-            <a:pPr lvl="0" algn="ctr">
-              <a:lnSpc>
-                <a:spcPct val="107000"/>
-              </a:lnSpc>
-              <a:spcBef>
-                <a:spcPts val="1200"/>
-              </a:spcBef>
-              <a:spcAft>
-                <a:spcPts val="0"/>
-              </a:spcAft>
-            </a:pPr>
-            <a:r>
-              <a:rPr lang="en-PH" sz="6000" b="1" dirty="0">
-                <a:effectLst/>
-                <a:latin typeface="Calibri Light" panose="020F0302020204030204" pitchFamily="34" charset="0"/>
-                <a:ea typeface="等线 Light" panose="02010600030101010101" pitchFamily="2" charset="-122"/>
-                <a:cs typeface="Times New Roman" panose="02020603050405020304" pitchFamily="18" charset="0"/>
-              </a:rPr>
-              <a:t>Limitations</a:t>
-            </a:r>
-          </a:p>
-        </p:txBody>
-      </p:sp>
-      <p:sp>
-        <p:nvSpPr>
-          <p:cNvPr id="3" name="Content Placeholder 2"/>
-          <p:cNvSpPr>
-            <a:spLocks noGrp="1"/>
-          </p:cNvSpPr>
-          <p:nvPr>
-            <p:ph idx="1"/>
-          </p:nvPr>
-        </p:nvSpPr>
-        <p:spPr>
-          <a:xfrm>
-            <a:off x="838200" y="980660"/>
-            <a:ext cx="10515600" cy="5658679"/>
-          </a:xfrm>
-        </p:spPr>
-        <p:txBody>
-          <a:bodyPr>
-            <a:normAutofit fontScale="77500" lnSpcReduction="20000"/>
-          </a:bodyPr>
-          <a:lstStyle/>
-          <a:p>
-            <a:pPr indent="0">
-              <a:lnSpc>
-                <a:spcPct val="107000"/>
-              </a:lnSpc>
-              <a:spcBef>
-                <a:spcPts val="0"/>
-              </a:spcBef>
-              <a:spcAft>
-                <a:spcPts val="800"/>
-              </a:spcAft>
-              <a:buNone/>
-            </a:pPr>
-            <a:r>
-              <a:rPr lang="en-US" sz="2600" dirty="0">
-                <a:effectLst/>
-                <a:latin typeface="Calibri" panose="020F0502020204030204" pitchFamily="34" charset="0"/>
-                <a:cs typeface="Times New Roman" panose="02020603050405020304" pitchFamily="18" charset="0"/>
-              </a:rPr>
-              <a:t>	The project focuses on developing a web application: “Inventory Management” that will help Entrepreneurs to manage their business easily and cost effective to save time and Money.</a:t>
-            </a:r>
-          </a:p>
-          <a:p>
-            <a:pPr indent="0" algn="ctr">
-              <a:lnSpc>
-                <a:spcPct val="120000"/>
-              </a:lnSpc>
-              <a:spcBef>
-                <a:spcPts val="0"/>
-              </a:spcBef>
-              <a:spcAft>
-                <a:spcPts val="800"/>
-              </a:spcAft>
-              <a:buNone/>
-            </a:pPr>
-            <a:r>
-              <a:rPr lang="en-US" sz="2600" dirty="0">
-                <a:effectLst/>
-                <a:latin typeface="Calibri" panose="020F0502020204030204" pitchFamily="34" charset="0"/>
-                <a:cs typeface="Times New Roman" panose="02020603050405020304" pitchFamily="18" charset="0"/>
-              </a:rPr>
-              <a:t>The limitations of the "Inventory Management" web app are:</a:t>
-            </a:r>
-          </a:p>
-          <a:p>
-            <a:pPr marL="0" indent="0" fontAlgn="base">
-              <a:lnSpc>
-                <a:spcPct val="120000"/>
-              </a:lnSpc>
-              <a:spcBef>
-                <a:spcPts val="0"/>
-              </a:spcBef>
-              <a:spcAft>
-                <a:spcPts val="1800"/>
-              </a:spcAft>
-              <a:buNone/>
-            </a:pPr>
-            <a:r>
-              <a:rPr lang="en-US" sz="2600" dirty="0">
-                <a:effectLst/>
-                <a:latin typeface="Calibri" panose="020F0502020204030204" pitchFamily="34" charset="0"/>
-                <a:cs typeface="Times New Roman" panose="02020603050405020304" pitchFamily="18" charset="0"/>
-              </a:rPr>
-              <a:t>1. Limited to only tracking in/out items in the warehouse/inventory</a:t>
-            </a:r>
-          </a:p>
-          <a:p>
-            <a:pPr marL="0" indent="0" fontAlgn="base">
-              <a:lnSpc>
-                <a:spcPct val="120000"/>
-              </a:lnSpc>
-              <a:spcBef>
-                <a:spcPts val="0"/>
-              </a:spcBef>
-              <a:spcAft>
-                <a:spcPts val="1800"/>
-              </a:spcAft>
-              <a:buNone/>
-            </a:pPr>
-            <a:r>
-              <a:rPr lang="en-US" sz="2600" dirty="0">
-                <a:effectLst/>
-                <a:latin typeface="Calibri" panose="020F0502020204030204" pitchFamily="34" charset="0"/>
-                <a:cs typeface="Times New Roman" panose="02020603050405020304" pitchFamily="18" charset="0"/>
-              </a:rPr>
-              <a:t>2. Dependent on internet connectivity</a:t>
-            </a:r>
-          </a:p>
-          <a:p>
-            <a:pPr marL="0" indent="0" fontAlgn="base">
-              <a:lnSpc>
-                <a:spcPct val="120000"/>
-              </a:lnSpc>
-              <a:spcBef>
-                <a:spcPts val="0"/>
-              </a:spcBef>
-              <a:spcAft>
-                <a:spcPts val="1800"/>
-              </a:spcAft>
-              <a:buNone/>
-            </a:pPr>
-            <a:r>
-              <a:rPr lang="en-US" sz="2600" dirty="0">
-                <a:effectLst/>
-                <a:latin typeface="Calibri" panose="020F0502020204030204" pitchFamily="34" charset="0"/>
-                <a:cs typeface="Times New Roman" panose="02020603050405020304" pitchFamily="18" charset="0"/>
-              </a:rPr>
-              <a:t>3. Requires physical device/smartphone for all staff members</a:t>
-            </a:r>
-          </a:p>
-          <a:p>
-            <a:pPr marL="0" indent="0" fontAlgn="base">
-              <a:lnSpc>
-                <a:spcPct val="120000"/>
-              </a:lnSpc>
-              <a:spcBef>
-                <a:spcPts val="0"/>
-              </a:spcBef>
-              <a:spcAft>
-                <a:spcPts val="1800"/>
-              </a:spcAft>
-              <a:buNone/>
-            </a:pPr>
-            <a:r>
-              <a:rPr lang="en-US" sz="2600" dirty="0">
-                <a:effectLst/>
-                <a:latin typeface="Calibri" panose="020F0502020204030204" pitchFamily="34" charset="0"/>
-                <a:cs typeface="Times New Roman" panose="02020603050405020304" pitchFamily="18" charset="0"/>
-              </a:rPr>
-              <a:t>4. May have compatibility issues with different devices and operating systems</a:t>
-            </a:r>
-          </a:p>
-          <a:p>
-            <a:pPr marL="0" indent="0" fontAlgn="base">
-              <a:lnSpc>
-                <a:spcPct val="120000"/>
-              </a:lnSpc>
-              <a:spcBef>
-                <a:spcPts val="0"/>
-              </a:spcBef>
-              <a:spcAft>
-                <a:spcPts val="1800"/>
-              </a:spcAft>
-              <a:buNone/>
-            </a:pPr>
-            <a:r>
-              <a:rPr lang="en-US" sz="2600" dirty="0">
-                <a:effectLst/>
-                <a:latin typeface="Calibri" panose="020F0502020204030204" pitchFamily="34" charset="0"/>
-                <a:cs typeface="Times New Roman" panose="02020603050405020304" pitchFamily="18" charset="0"/>
-              </a:rPr>
-              <a:t>5. Security concerns such as data privacy and hacking risks</a:t>
-            </a:r>
-          </a:p>
-          <a:p>
-            <a:pPr marL="0" indent="0" fontAlgn="base">
-              <a:lnSpc>
-                <a:spcPct val="120000"/>
-              </a:lnSpc>
-              <a:spcBef>
-                <a:spcPts val="0"/>
-              </a:spcBef>
-              <a:spcAft>
-                <a:spcPts val="1800"/>
-              </a:spcAft>
-              <a:buNone/>
-            </a:pPr>
-            <a:r>
-              <a:rPr lang="en-US" sz="2600" dirty="0">
-                <a:effectLst/>
-                <a:latin typeface="Calibri" panose="020F0502020204030204" pitchFamily="34" charset="0"/>
-                <a:cs typeface="Times New Roman" panose="02020603050405020304" pitchFamily="18" charset="0"/>
-              </a:rPr>
-              <a:t>6. Possible downtime due to technical issues or maintenance needs</a:t>
-            </a:r>
-          </a:p>
-          <a:p>
-            <a:pPr marL="0" indent="0" fontAlgn="base">
-              <a:lnSpc>
-                <a:spcPct val="120000"/>
-              </a:lnSpc>
-              <a:spcBef>
-                <a:spcPts val="0"/>
-              </a:spcBef>
-              <a:spcAft>
-                <a:spcPts val="1800"/>
-              </a:spcAft>
-              <a:buNone/>
-            </a:pPr>
-            <a:r>
-              <a:rPr lang="en-US" sz="2600" dirty="0">
-                <a:effectLst/>
-                <a:latin typeface="Calibri" panose="020F0502020204030204" pitchFamily="34" charset="0"/>
-                <a:cs typeface="Times New Roman" panose="02020603050405020304" pitchFamily="18" charset="0"/>
-              </a:rPr>
-              <a:t>7. Potential limitations in scalability as the business grows</a:t>
-            </a:r>
-          </a:p>
-          <a:p>
-            <a:pPr marL="0" indent="0" fontAlgn="base">
-              <a:lnSpc>
-                <a:spcPct val="120000"/>
-              </a:lnSpc>
-              <a:spcBef>
-                <a:spcPts val="0"/>
-              </a:spcBef>
-              <a:spcAft>
-                <a:spcPts val="1800"/>
-              </a:spcAft>
-              <a:buNone/>
-            </a:pPr>
-            <a:r>
-              <a:rPr lang="en-US" sz="2600" dirty="0">
-                <a:effectLst/>
-                <a:latin typeface="Calibri" panose="020F0502020204030204" pitchFamily="34" charset="0"/>
-                <a:cs typeface="Times New Roman" panose="02020603050405020304" pitchFamily="18" charset="0"/>
-              </a:rPr>
-              <a:t>8. Limited customization options</a:t>
-            </a:r>
-          </a:p>
-          <a:p>
-            <a:pPr marL="0" indent="0">
-              <a:buNone/>
-            </a:pPr>
-            <a:endParaRPr lang="en-PH" dirty="0"/>
-          </a:p>
-        </p:txBody>
-      </p:sp>
-    </p:spTree>
-  </p:cSld>
-  <p:clrMapOvr>
-    <a:masterClrMapping/>
-  </p:clrMapOvr>
-</p:sld>
-</file>
-
-<file path=ppt/slides/slide8.xml><?xml version="1.0" encoding="utf-8"?>
-<p:sld xmlns:a="http://schemas.openxmlformats.org/drawingml/2006/main" xmlns:r="http://schemas.openxmlformats.org/officeDocument/2006/relationships" xmlns:p="http://schemas.openxmlformats.org/presentationml/2006/main">
-  <p:cSld>
-    <p:spTree>
-      <p:nvGrpSpPr>
-        <p:cNvPr id="1" name=""/>
-        <p:cNvGrpSpPr/>
-        <p:nvPr/>
-      </p:nvGrpSpPr>
-      <p:grpSpPr>
-        <a:xfrm>
-          <a:off x="0" y="0"/>
-          <a:ext cx="0" cy="0"/>
-          <a:chOff x="0" y="0"/>
-          <a:chExt cx="0" cy="0"/>
-        </a:xfrm>
-      </p:grpSpPr>
-      <p:sp>
-        <p:nvSpPr>
-          <p:cNvPr id="2" name="Title 1">
+        </p:nvPicPr>
+        <p:blipFill>
+          <a:blip r:embed="rId1">
             <a:extLst>
-              <a:ext uri="{FF2B5EF4-FFF2-40B4-BE49-F238E27FC236}">
-                <a16:creationId xmlns:a16="http://schemas.microsoft.com/office/drawing/2014/main" id="{F8271D87-78BB-4A3A-A741-FC64E00004ED}"/>
+              <a:ext uri="{28A0092B-C50C-407E-A947-70E740481C1C}">
+                <a14:useLocalDpi xmlns:a14="http://schemas.microsoft.com/office/drawing/2010/main" val="0"/>
               </a:ext>
             </a:extLst>
-          </p:cNvPr>
-          <p:cNvSpPr>
-            <a:spLocks noGrp="1"/>
-          </p:cNvSpPr>
-          <p:nvPr>
-            <p:ph type="title"/>
-          </p:nvPr>
-        </p:nvSpPr>
-        <p:spPr>
-          <a:xfrm>
-            <a:off x="417443" y="139840"/>
-            <a:ext cx="11357113" cy="867325"/>
-          </a:xfrm>
-        </p:spPr>
-        <p:txBody>
-          <a:bodyPr>
-            <a:noAutofit/>
-          </a:bodyPr>
-          <a:lstStyle/>
-          <a:p>
-            <a:r>
-              <a:rPr lang="en-US" sz="6000" b="1" dirty="0">
-                <a:effectLst/>
-                <a:latin typeface="Calibri Light" panose="020F0302020204030204" pitchFamily="34" charset="0"/>
-                <a:ea typeface="等线 Light" panose="02010600030101010101" pitchFamily="2" charset="-122"/>
-                <a:cs typeface="Times New Roman" panose="02020603050405020304" pitchFamily="18" charset="0"/>
-              </a:rPr>
-              <a:t>Theme, Fonts, logo, Technology used</a:t>
-            </a:r>
-            <a:endParaRPr lang="en-PH" sz="6000" dirty="0"/>
-          </a:p>
-        </p:txBody>
-      </p:sp>
-      <p:sp>
-        <p:nvSpPr>
-          <p:cNvPr id="7" name="Content Placeholder 6">
-            <a:extLst>
-              <a:ext uri="{FF2B5EF4-FFF2-40B4-BE49-F238E27FC236}">
-                <a16:creationId xmlns:a16="http://schemas.microsoft.com/office/drawing/2014/main" id="{001BA46F-3DE6-E1AD-91DB-89507D08A083}"/>
-              </a:ext>
-            </a:extLst>
-          </p:cNvPr>
-          <p:cNvSpPr>
-            <a:spLocks noGrp="1"/>
-          </p:cNvSpPr>
-          <p:nvPr>
-            <p:ph idx="1"/>
-          </p:nvPr>
-        </p:nvSpPr>
-        <p:spPr>
-          <a:xfrm>
-            <a:off x="838200" y="1007165"/>
-            <a:ext cx="10515600" cy="5169798"/>
-          </a:xfrm>
-        </p:spPr>
-        <p:txBody>
-          <a:bodyPr>
-            <a:normAutofit/>
-          </a:bodyPr>
-          <a:lstStyle/>
-          <a:p>
-            <a:pPr marL="0" indent="0">
-              <a:buNone/>
-            </a:pPr>
-            <a:r>
-              <a:rPr lang="en-US" dirty="0"/>
-              <a:t>THEME:</a:t>
-            </a:r>
-          </a:p>
-          <a:p>
-            <a:pPr marL="0" indent="0">
-              <a:buNone/>
-            </a:pPr>
-            <a:endParaRPr lang="en-US" dirty="0"/>
-          </a:p>
-          <a:p>
-            <a:pPr marL="0" indent="0">
-              <a:buNone/>
-            </a:pPr>
-            <a:endParaRPr lang="en-US" dirty="0"/>
-          </a:p>
-          <a:p>
-            <a:pPr marL="0" indent="0">
-              <a:buNone/>
-            </a:pPr>
-            <a:r>
-              <a:rPr lang="en-US" dirty="0"/>
-              <a:t>FONTS: INTER, 64, 24, 16, 12</a:t>
-            </a:r>
-          </a:p>
-          <a:p>
-            <a:pPr marL="0" indent="0">
-              <a:buNone/>
-            </a:pPr>
-            <a:r>
-              <a:rPr lang="en-US" dirty="0"/>
-              <a:t>LOGO:</a:t>
-            </a:r>
-          </a:p>
-          <a:p>
-            <a:endParaRPr lang="en-PH" dirty="0"/>
-          </a:p>
-          <a:p>
-            <a:endParaRPr lang="en-PH" dirty="0"/>
-          </a:p>
-          <a:p>
-            <a:pPr marL="0" indent="0">
-              <a:lnSpc>
-                <a:spcPct val="107000"/>
-              </a:lnSpc>
-              <a:spcAft>
-                <a:spcPts val="800"/>
-              </a:spcAft>
-              <a:buNone/>
-            </a:pPr>
-            <a:r>
-              <a:rPr lang="en-PH" dirty="0">
-                <a:effectLst/>
-                <a:latin typeface="Calibri" panose="020F0502020204030204" pitchFamily="34" charset="0"/>
-                <a:cs typeface="Times New Roman" panose="02020603050405020304" pitchFamily="18" charset="0"/>
-              </a:rPr>
-              <a:t>Technology used: HTML 5, CSS 3, BOOTSTRAP, FIGMA.COM, 				         CANVA.COM, LOGO.COM.</a:t>
-            </a:r>
-          </a:p>
-        </p:txBody>
-      </p:sp>
-      <p:sp>
-        <p:nvSpPr>
-          <p:cNvPr id="8" name="Rectangle 3">
-            <a:extLst>
-              <a:ext uri="{FF2B5EF4-FFF2-40B4-BE49-F238E27FC236}">
-                <a16:creationId xmlns:a16="http://schemas.microsoft.com/office/drawing/2014/main" id="{D3022367-E169-6AF3-B0F9-996BB023DA1E}"/>
-              </a:ext>
-            </a:extLst>
-          </p:cNvPr>
-          <p:cNvSpPr>
-            <a:spLocks noChangeArrowheads="1"/>
-          </p:cNvSpPr>
-          <p:nvPr/>
-        </p:nvSpPr>
+          </a:blip>
+          <a:srcRect/>
+          <a:stretch>
+            <a:fillRect/>
+          </a:stretch>
+        </p:blipFill>
         <p:spPr bwMode="auto">
           <a:xfrm>
-            <a:off x="0" y="0"/>
-            <a:ext cx="12192000" cy="457200"/>
+            <a:off x="2343584" y="1207131"/>
+            <a:ext cx="2876952" cy="5184726"/>
           </a:xfrm>
           <a:prstGeom prst="rect">
             <a:avLst/>
@@ -4723,95 +3246,41 @@
             </a:ext>
           </a:extLst>
         </p:spPr>
-        <p:txBody>
-          <a:bodyPr vert="horz" wrap="none" lIns="91440" tIns="45720" rIns="91440" bIns="45720" numCol="1" anchor="ctr" anchorCtr="0" compatLnSpc="1">
-            <a:prstTxWarp prst="textNoShape">
-              <a:avLst/>
-            </a:prstTxWarp>
+      </p:pic>
+      <p:sp>
+        <p:nvSpPr>
+          <p:cNvPr id="4" name="TextBox 3"/>
+          <p:cNvSpPr txBox="1"/>
+          <p:nvPr/>
+        </p:nvSpPr>
+        <p:spPr>
+          <a:xfrm>
+            <a:off x="2388635" y="886008"/>
+            <a:ext cx="2799183" cy="369332"/>
+          </a:xfrm>
+          <a:prstGeom prst="rect">
+            <a:avLst/>
+          </a:prstGeom>
+          <a:noFill/>
+        </p:spPr>
+        <p:txBody>
+          <a:bodyPr wrap="square" rtlCol="0">
             <a:spAutoFit/>
           </a:bodyPr>
           <a:lstStyle/>
           <a:p>
-            <a:pPr marL="0" marR="0" lvl="0" indent="0" algn="l" defTabSz="914400" rtl="0" eaLnBrk="0" fontAlgn="base" latinLnBrk="0" hangingPunct="0">
-              <a:lnSpc>
-                <a:spcPct val="100000"/>
-              </a:lnSpc>
-              <a:spcBef>
-                <a:spcPct val="0"/>
-              </a:spcBef>
-              <a:spcAft>
-                <a:spcPct val="0"/>
-              </a:spcAft>
-              <a:buClrTx/>
-              <a:buSzTx/>
-              <a:buFontTx/>
-              <a:buNone/>
-              <a:tabLst/>
-            </a:pPr>
-            <a:r>
-              <a:rPr kumimoji="0" lang="en-US" altLang="en-US" sz="1100" b="0" i="0" u="none" strike="noStrike" cap="none" normalizeH="0" baseline="0">
-                <a:ln>
-                  <a:noFill/>
-                </a:ln>
-                <a:solidFill>
-                  <a:schemeClr val="tx1"/>
-                </a:solidFill>
-                <a:effectLst/>
-                <a:latin typeface="Calibri" panose="020F0502020204030204" pitchFamily="34" charset="0"/>
-                <a:cs typeface="Calibri" panose="020F0502020204030204" pitchFamily="34" charset="0"/>
-              </a:rPr>
-              <a:t>  </a:t>
-            </a:r>
-            <a:r>
-              <a:rPr kumimoji="0" lang="en-US" altLang="en-US" sz="8200" b="0" i="0" u="none" strike="noStrike" cap="none" normalizeH="0" baseline="0">
-                <a:ln>
-                  <a:noFill/>
-                </a:ln>
-                <a:solidFill>
-                  <a:schemeClr val="tx1"/>
-                </a:solidFill>
-                <a:effectLst/>
-                <a:latin typeface="Calibri" panose="020F0502020204030204" pitchFamily="34" charset="0"/>
-                <a:cs typeface="Calibri" panose="020F0502020204030204" pitchFamily="34" charset="0"/>
-              </a:rPr>
-              <a:t>                          </a:t>
-            </a:r>
-            <a:r>
-              <a:rPr kumimoji="0" lang="en-US" altLang="en-US" sz="1800" b="1" i="0" u="none" strike="noStrike" cap="none" normalizeH="0" baseline="0">
-                <a:ln>
-                  <a:noFill/>
-                </a:ln>
-                <a:solidFill>
-                  <a:schemeClr val="tx1"/>
-                </a:solidFill>
-                <a:effectLst/>
-                <a:latin typeface="Calibri" panose="020F0502020204030204" pitchFamily="34" charset="0"/>
-                <a:cs typeface="Times New Roman" panose="02020603050405020304" pitchFamily="18" charset="0"/>
-              </a:rPr>
-              <a:t>Theme:</a:t>
-            </a:r>
-            <a:endParaRPr kumimoji="0" lang="en-US" altLang="en-US" sz="1800" b="0" i="0" u="none" strike="noStrike" cap="none" normalizeH="0" baseline="0">
-              <a:ln>
-                <a:noFill/>
-              </a:ln>
-              <a:solidFill>
-                <a:schemeClr val="tx1"/>
-              </a:solidFill>
-              <a:effectLst/>
-              <a:latin typeface="Arial" panose="020B0604020202020204" pitchFamily="34" charset="0"/>
-            </a:endParaRPr>
+            <a:pPr algn="ctr"/>
+            <a:r>
+              <a:rPr lang="en-US" dirty="0" smtClean="0"/>
+              <a:t>DESKTOP</a:t>
+            </a:r>
+            <a:endParaRPr lang="en-US" dirty="0" smtClean="0"/>
           </a:p>
         </p:txBody>
       </p:sp>
       <p:pic>
         <p:nvPicPr>
-          <p:cNvPr id="1028" name="Picture 4">
-            <a:extLst>
-              <a:ext uri="{FF2B5EF4-FFF2-40B4-BE49-F238E27FC236}">
-                <a16:creationId xmlns:a16="http://schemas.microsoft.com/office/drawing/2014/main" id="{84F27808-40B0-5B8C-D8E6-C66AF7AC0415}"/>
-              </a:ext>
-            </a:extLst>
-          </p:cNvPr>
+          <p:cNvPr id="1029" name="Picture 5"/>
           <p:cNvPicPr>
             <a:picLocks noChangeAspect="1" noChangeArrowheads="1"/>
           </p:cNvPicPr>
@@ -4832,6 +3301,5109 @@
         </p:blipFill>
         <p:spPr bwMode="auto">
           <a:xfrm>
+            <a:off x="6633903" y="1334082"/>
+            <a:ext cx="1381125" cy="5057775"/>
+          </a:xfrm>
+          <a:prstGeom prst="rect">
+            <a:avLst/>
+          </a:prstGeom>
+          <a:noFill/>
+          <a:ln>
+            <a:noFill/>
+          </a:ln>
+          <a:effectLst/>
+          <a:extLst>
+            <a:ext uri="{909E8E84-426E-40DD-AFC4-6F175D3DCCD1}">
+              <a14:hiddenFill xmlns:a14="http://schemas.microsoft.com/office/drawing/2010/main">
+                <a:solidFill>
+                  <a:schemeClr val="accent1"/>
+                </a:solidFill>
+              </a14:hiddenFill>
+            </a:ext>
+            <a:ext uri="{91240B29-F687-4F45-9708-019B960494DF}">
+              <a14:hiddenLine xmlns:a14="http://schemas.microsoft.com/office/drawing/2010/main" w="9525">
+                <a:solidFill>
+                  <a:schemeClr val="tx1"/>
+                </a:solidFill>
+                <a:miter lim="800000"/>
+                <a:headEnd/>
+                <a:tailEnd/>
+              </a14:hiddenLine>
+            </a:ext>
+            <a:ext uri="{AF507438-7753-43E0-B8FC-AC1667EBCBE1}">
+              <a14:hiddenEffects xmlns:a14="http://schemas.microsoft.com/office/drawing/2010/main">
+                <a:effectLst>
+                  <a:outerShdw dist="35921" dir="2700000" algn="ctr" rotWithShape="0">
+                    <a:schemeClr val="bg2"/>
+                  </a:outerShdw>
+                </a:effectLst>
+              </a14:hiddenEffects>
+            </a:ext>
+          </a:extLst>
+        </p:spPr>
+      </p:pic>
+      <p:sp>
+        <p:nvSpPr>
+          <p:cNvPr id="11" name="TextBox 10"/>
+          <p:cNvSpPr txBox="1"/>
+          <p:nvPr/>
+        </p:nvSpPr>
+        <p:spPr>
+          <a:xfrm>
+            <a:off x="6633903" y="1031991"/>
+            <a:ext cx="1381126" cy="369332"/>
+          </a:xfrm>
+          <a:prstGeom prst="rect">
+            <a:avLst/>
+          </a:prstGeom>
+          <a:noFill/>
+        </p:spPr>
+        <p:txBody>
+          <a:bodyPr wrap="square" rtlCol="0">
+            <a:spAutoFit/>
+          </a:bodyPr>
+          <a:lstStyle/>
+          <a:p>
+            <a:pPr algn="ctr"/>
+            <a:r>
+              <a:rPr lang="en-US" dirty="0" smtClean="0"/>
+              <a:t>TABLET</a:t>
+            </a:r>
+            <a:endParaRPr lang="en-US" dirty="0" smtClean="0"/>
+          </a:p>
+        </p:txBody>
+      </p:sp>
+      <p:pic>
+        <p:nvPicPr>
+          <p:cNvPr id="1030" name="Picture 6"/>
+          <p:cNvPicPr>
+            <a:picLocks noChangeAspect="1" noChangeArrowheads="1"/>
+          </p:cNvPicPr>
+          <p:nvPr/>
+        </p:nvPicPr>
+        <p:blipFill>
+          <a:blip r:embed="rId3">
+            <a:extLst>
+              <a:ext uri="{28A0092B-C50C-407E-A947-70E740481C1C}">
+                <a14:useLocalDpi xmlns:a14="http://schemas.microsoft.com/office/drawing/2010/main" val="0"/>
+              </a:ext>
+            </a:extLst>
+          </a:blip>
+          <a:srcRect/>
+          <a:stretch>
+            <a:fillRect/>
+          </a:stretch>
+        </p:blipFill>
+        <p:spPr bwMode="auto">
+          <a:xfrm>
+            <a:off x="9179702" y="1334083"/>
+            <a:ext cx="1066800" cy="5067300"/>
+          </a:xfrm>
+          <a:prstGeom prst="rect">
+            <a:avLst/>
+          </a:prstGeom>
+          <a:noFill/>
+          <a:ln>
+            <a:noFill/>
+          </a:ln>
+          <a:effectLst/>
+          <a:extLst>
+            <a:ext uri="{909E8E84-426E-40DD-AFC4-6F175D3DCCD1}">
+              <a14:hiddenFill xmlns:a14="http://schemas.microsoft.com/office/drawing/2010/main">
+                <a:solidFill>
+                  <a:schemeClr val="accent1"/>
+                </a:solidFill>
+              </a14:hiddenFill>
+            </a:ext>
+            <a:ext uri="{91240B29-F687-4F45-9708-019B960494DF}">
+              <a14:hiddenLine xmlns:a14="http://schemas.microsoft.com/office/drawing/2010/main" w="9525">
+                <a:solidFill>
+                  <a:schemeClr val="tx1"/>
+                </a:solidFill>
+                <a:miter lim="800000"/>
+                <a:headEnd/>
+                <a:tailEnd/>
+              </a14:hiddenLine>
+            </a:ext>
+            <a:ext uri="{AF507438-7753-43E0-B8FC-AC1667EBCBE1}">
+              <a14:hiddenEffects xmlns:a14="http://schemas.microsoft.com/office/drawing/2010/main">
+                <a:effectLst>
+                  <a:outerShdw dist="35921" dir="2700000" algn="ctr" rotWithShape="0">
+                    <a:schemeClr val="bg2"/>
+                  </a:outerShdw>
+                </a:effectLst>
+              </a14:hiddenEffects>
+            </a:ext>
+          </a:extLst>
+        </p:spPr>
+      </p:pic>
+      <p:sp>
+        <p:nvSpPr>
+          <p:cNvPr id="13" name="TextBox 12"/>
+          <p:cNvSpPr txBox="1"/>
+          <p:nvPr/>
+        </p:nvSpPr>
+        <p:spPr>
+          <a:xfrm>
+            <a:off x="8915253" y="964545"/>
+            <a:ext cx="1595698" cy="369332"/>
+          </a:xfrm>
+          <a:prstGeom prst="rect">
+            <a:avLst/>
+          </a:prstGeom>
+          <a:noFill/>
+        </p:spPr>
+        <p:txBody>
+          <a:bodyPr wrap="square" rtlCol="0">
+            <a:spAutoFit/>
+          </a:bodyPr>
+          <a:lstStyle/>
+          <a:p>
+            <a:pPr algn="ctr"/>
+            <a:r>
+              <a:rPr lang="en-US" dirty="0" smtClean="0"/>
+              <a:t>SMARTPHONE</a:t>
+            </a:r>
+            <a:endParaRPr lang="en-US" dirty="0" smtClean="0"/>
+          </a:p>
+        </p:txBody>
+      </p:sp>
+    </p:spTree>
+  </p:cSld>
+  <p:clrMapOvr>
+    <a:masterClrMapping/>
+  </p:clrMapOvr>
+  <p:timing>
+    <p:tnLst>
+      <p:par>
+        <p:cTn id="1" dur="indefinite" restart="never" nodeType="tmRoot"/>
+      </p:par>
+    </p:tnLst>
+  </p:timing>
+</p:sld>
+</file>
+
+<file path=ppt/slides/slide12.xml><?xml version="1.0" encoding="utf-8"?>
+<p:sld xmlns:a="http://schemas.openxmlformats.org/drawingml/2006/main" xmlns:r="http://schemas.openxmlformats.org/officeDocument/2006/relationships" xmlns:p="http://schemas.openxmlformats.org/presentationml/2006/main">
+  <p:cSld>
+    <p:spTree>
+      <p:nvGrpSpPr>
+        <p:cNvPr id="1" name=""/>
+        <p:cNvGrpSpPr/>
+        <p:nvPr/>
+      </p:nvGrpSpPr>
+      <p:grpSpPr>
+        <a:xfrm>
+          <a:off x="0" y="0"/>
+          <a:ext cx="0" cy="0"/>
+          <a:chOff x="0" y="0"/>
+          <a:chExt cx="0" cy="0"/>
+        </a:xfrm>
+      </p:grpSpPr>
+      <p:sp>
+        <p:nvSpPr>
+          <p:cNvPr id="2" name="Title 1"/>
+          <p:cNvSpPr>
+            <a:spLocks noGrp="1"/>
+          </p:cNvSpPr>
+          <p:nvPr>
+            <p:ph type="title"/>
+          </p:nvPr>
+        </p:nvSpPr>
+        <p:spPr/>
+        <p:txBody>
+          <a:bodyPr/>
+          <a:lstStyle/>
+          <a:p>
+            <a:pPr algn="ctr"/>
+            <a:r>
+              <a:rPr lang="en-US" b="1" dirty="0" smtClean="0"/>
+              <a:t>SIGN IN</a:t>
+            </a:r>
+            <a:endParaRPr lang="en-US" b="1" dirty="0"/>
+          </a:p>
+        </p:txBody>
+      </p:sp>
+      <p:pic>
+        <p:nvPicPr>
+          <p:cNvPr id="2050" name="Picture 2"/>
+          <p:cNvPicPr>
+            <a:picLocks noGrp="1" noChangeAspect="1" noChangeArrowheads="1"/>
+          </p:cNvPicPr>
+          <p:nvPr>
+            <p:ph idx="1"/>
+          </p:nvPr>
+        </p:nvPicPr>
+        <p:blipFill>
+          <a:blip r:embed="rId1">
+            <a:extLst>
+              <a:ext uri="{28A0092B-C50C-407E-A947-70E740481C1C}">
+                <a14:useLocalDpi xmlns:a14="http://schemas.microsoft.com/office/drawing/2010/main" val="0"/>
+              </a:ext>
+            </a:extLst>
+          </a:blip>
+          <a:srcRect/>
+          <a:stretch>
+            <a:fillRect/>
+          </a:stretch>
+        </p:blipFill>
+        <p:spPr bwMode="auto">
+          <a:xfrm>
+            <a:off x="1362266" y="2481524"/>
+            <a:ext cx="3410426" cy="2305372"/>
+          </a:xfrm>
+          <a:prstGeom prst="rect">
+            <a:avLst/>
+          </a:prstGeom>
+          <a:noFill/>
+          <a:ln>
+            <a:noFill/>
+          </a:ln>
+          <a:effectLst/>
+          <a:extLst>
+            <a:ext uri="{909E8E84-426E-40DD-AFC4-6F175D3DCCD1}">
+              <a14:hiddenFill xmlns:a14="http://schemas.microsoft.com/office/drawing/2010/main">
+                <a:solidFill>
+                  <a:schemeClr val="accent1"/>
+                </a:solidFill>
+              </a14:hiddenFill>
+            </a:ext>
+            <a:ext uri="{91240B29-F687-4F45-9708-019B960494DF}">
+              <a14:hiddenLine xmlns:a14="http://schemas.microsoft.com/office/drawing/2010/main" w="9525">
+                <a:solidFill>
+                  <a:schemeClr val="tx1"/>
+                </a:solidFill>
+                <a:miter lim="800000"/>
+                <a:headEnd/>
+                <a:tailEnd/>
+              </a14:hiddenLine>
+            </a:ext>
+            <a:ext uri="{AF507438-7753-43E0-B8FC-AC1667EBCBE1}">
+              <a14:hiddenEffects xmlns:a14="http://schemas.microsoft.com/office/drawing/2010/main">
+                <a:effectLst>
+                  <a:outerShdw dist="35921" dir="2700000" algn="ctr" rotWithShape="0">
+                    <a:schemeClr val="bg2"/>
+                  </a:outerShdw>
+                </a:effectLst>
+              </a14:hiddenEffects>
+            </a:ext>
+          </a:extLst>
+        </p:spPr>
+      </p:pic>
+      <p:pic>
+        <p:nvPicPr>
+          <p:cNvPr id="2051" name="Picture 3"/>
+          <p:cNvPicPr>
+            <a:picLocks noChangeAspect="1" noChangeArrowheads="1"/>
+          </p:cNvPicPr>
+          <p:nvPr/>
+        </p:nvPicPr>
+        <p:blipFill>
+          <a:blip r:embed="rId2">
+            <a:extLst>
+              <a:ext uri="{28A0092B-C50C-407E-A947-70E740481C1C}">
+                <a14:useLocalDpi xmlns:a14="http://schemas.microsoft.com/office/drawing/2010/main" val="0"/>
+              </a:ext>
+            </a:extLst>
+          </a:blip>
+          <a:srcRect/>
+          <a:stretch>
+            <a:fillRect/>
+          </a:stretch>
+        </p:blipFill>
+        <p:spPr bwMode="auto">
+          <a:xfrm>
+            <a:off x="5884928" y="2491371"/>
+            <a:ext cx="2095500" cy="2352675"/>
+          </a:xfrm>
+          <a:prstGeom prst="rect">
+            <a:avLst/>
+          </a:prstGeom>
+          <a:noFill/>
+          <a:ln>
+            <a:noFill/>
+          </a:ln>
+          <a:effectLst/>
+          <a:extLst>
+            <a:ext uri="{909E8E84-426E-40DD-AFC4-6F175D3DCCD1}">
+              <a14:hiddenFill xmlns:a14="http://schemas.microsoft.com/office/drawing/2010/main">
+                <a:solidFill>
+                  <a:schemeClr val="accent1"/>
+                </a:solidFill>
+              </a14:hiddenFill>
+            </a:ext>
+            <a:ext uri="{91240B29-F687-4F45-9708-019B960494DF}">
+              <a14:hiddenLine xmlns:a14="http://schemas.microsoft.com/office/drawing/2010/main" w="9525">
+                <a:solidFill>
+                  <a:schemeClr val="tx1"/>
+                </a:solidFill>
+                <a:miter lim="800000"/>
+                <a:headEnd/>
+                <a:tailEnd/>
+              </a14:hiddenLine>
+            </a:ext>
+            <a:ext uri="{AF507438-7753-43E0-B8FC-AC1667EBCBE1}">
+              <a14:hiddenEffects xmlns:a14="http://schemas.microsoft.com/office/drawing/2010/main">
+                <a:effectLst>
+                  <a:outerShdw dist="35921" dir="2700000" algn="ctr" rotWithShape="0">
+                    <a:schemeClr val="bg2"/>
+                  </a:outerShdw>
+                </a:effectLst>
+              </a14:hiddenEffects>
+            </a:ext>
+          </a:extLst>
+        </p:spPr>
+      </p:pic>
+      <p:pic>
+        <p:nvPicPr>
+          <p:cNvPr id="2052" name="Picture 4"/>
+          <p:cNvPicPr>
+            <a:picLocks noChangeAspect="1" noChangeArrowheads="1"/>
+          </p:cNvPicPr>
+          <p:nvPr/>
+        </p:nvPicPr>
+        <p:blipFill>
+          <a:blip r:embed="rId3">
+            <a:extLst>
+              <a:ext uri="{28A0092B-C50C-407E-A947-70E740481C1C}">
+                <a14:useLocalDpi xmlns:a14="http://schemas.microsoft.com/office/drawing/2010/main" val="0"/>
+              </a:ext>
+            </a:extLst>
+          </a:blip>
+          <a:srcRect/>
+          <a:stretch>
+            <a:fillRect/>
+          </a:stretch>
+        </p:blipFill>
+        <p:spPr bwMode="auto">
+          <a:xfrm>
+            <a:off x="9183266" y="2491371"/>
+            <a:ext cx="1590675" cy="2295525"/>
+          </a:xfrm>
+          <a:prstGeom prst="rect">
+            <a:avLst/>
+          </a:prstGeom>
+          <a:noFill/>
+          <a:ln>
+            <a:noFill/>
+          </a:ln>
+          <a:effectLst/>
+          <a:extLst>
+            <a:ext uri="{909E8E84-426E-40DD-AFC4-6F175D3DCCD1}">
+              <a14:hiddenFill xmlns:a14="http://schemas.microsoft.com/office/drawing/2010/main">
+                <a:solidFill>
+                  <a:schemeClr val="accent1"/>
+                </a:solidFill>
+              </a14:hiddenFill>
+            </a:ext>
+            <a:ext uri="{91240B29-F687-4F45-9708-019B960494DF}">
+              <a14:hiddenLine xmlns:a14="http://schemas.microsoft.com/office/drawing/2010/main" w="9525">
+                <a:solidFill>
+                  <a:schemeClr val="tx1"/>
+                </a:solidFill>
+                <a:miter lim="800000"/>
+                <a:headEnd/>
+                <a:tailEnd/>
+              </a14:hiddenLine>
+            </a:ext>
+            <a:ext uri="{AF507438-7753-43E0-B8FC-AC1667EBCBE1}">
+              <a14:hiddenEffects xmlns:a14="http://schemas.microsoft.com/office/drawing/2010/main">
+                <a:effectLst>
+                  <a:outerShdw dist="35921" dir="2700000" algn="ctr" rotWithShape="0">
+                    <a:schemeClr val="bg2"/>
+                  </a:outerShdw>
+                </a:effectLst>
+              </a14:hiddenEffects>
+            </a:ext>
+          </a:extLst>
+        </p:spPr>
+      </p:pic>
+      <p:sp>
+        <p:nvSpPr>
+          <p:cNvPr id="7" name="TextBox 6"/>
+          <p:cNvSpPr txBox="1"/>
+          <p:nvPr/>
+        </p:nvSpPr>
+        <p:spPr>
+          <a:xfrm>
+            <a:off x="1698168" y="2122039"/>
+            <a:ext cx="2799183" cy="369332"/>
+          </a:xfrm>
+          <a:prstGeom prst="rect">
+            <a:avLst/>
+          </a:prstGeom>
+          <a:noFill/>
+        </p:spPr>
+        <p:txBody>
+          <a:bodyPr wrap="square" rtlCol="0">
+            <a:spAutoFit/>
+          </a:bodyPr>
+          <a:lstStyle/>
+          <a:p>
+            <a:pPr algn="ctr"/>
+            <a:r>
+              <a:rPr lang="en-US" dirty="0" smtClean="0"/>
+              <a:t>DESKTOP</a:t>
+            </a:r>
+            <a:endParaRPr lang="en-US" dirty="0" smtClean="0"/>
+          </a:p>
+        </p:txBody>
+      </p:sp>
+      <p:sp>
+        <p:nvSpPr>
+          <p:cNvPr id="8" name="TextBox 7"/>
+          <p:cNvSpPr txBox="1"/>
+          <p:nvPr/>
+        </p:nvSpPr>
+        <p:spPr>
+          <a:xfrm>
+            <a:off x="6242115" y="2122039"/>
+            <a:ext cx="1381126" cy="369332"/>
+          </a:xfrm>
+          <a:prstGeom prst="rect">
+            <a:avLst/>
+          </a:prstGeom>
+          <a:noFill/>
+        </p:spPr>
+        <p:txBody>
+          <a:bodyPr wrap="square" rtlCol="0">
+            <a:spAutoFit/>
+          </a:bodyPr>
+          <a:lstStyle/>
+          <a:p>
+            <a:pPr algn="ctr"/>
+            <a:r>
+              <a:rPr lang="en-US" dirty="0" smtClean="0"/>
+              <a:t>TABLET</a:t>
+            </a:r>
+            <a:endParaRPr lang="en-US" dirty="0" smtClean="0"/>
+          </a:p>
+        </p:txBody>
+      </p:sp>
+      <p:sp>
+        <p:nvSpPr>
+          <p:cNvPr id="9" name="TextBox 8"/>
+          <p:cNvSpPr txBox="1"/>
+          <p:nvPr/>
+        </p:nvSpPr>
+        <p:spPr>
+          <a:xfrm>
+            <a:off x="9183266" y="2122039"/>
+            <a:ext cx="1595698" cy="369332"/>
+          </a:xfrm>
+          <a:prstGeom prst="rect">
+            <a:avLst/>
+          </a:prstGeom>
+          <a:noFill/>
+        </p:spPr>
+        <p:txBody>
+          <a:bodyPr wrap="square" rtlCol="0">
+            <a:spAutoFit/>
+          </a:bodyPr>
+          <a:lstStyle/>
+          <a:p>
+            <a:pPr algn="ctr"/>
+            <a:r>
+              <a:rPr lang="en-US" dirty="0" smtClean="0"/>
+              <a:t>SMARTPHONE</a:t>
+            </a:r>
+            <a:endParaRPr lang="en-US" dirty="0" smtClean="0"/>
+          </a:p>
+        </p:txBody>
+      </p:sp>
+    </p:spTree>
+  </p:cSld>
+  <p:clrMapOvr>
+    <a:masterClrMapping/>
+  </p:clrMapOvr>
+  <p:timing>
+    <p:tnLst>
+      <p:par>
+        <p:cTn id="1" dur="indefinite" restart="never" nodeType="tmRoot"/>
+      </p:par>
+    </p:tnLst>
+  </p:timing>
+</p:sld>
+</file>
+
+<file path=ppt/slides/slide13.xml><?xml version="1.0" encoding="utf-8"?>
+<p:sld xmlns:a="http://schemas.openxmlformats.org/drawingml/2006/main" xmlns:r="http://schemas.openxmlformats.org/officeDocument/2006/relationships" xmlns:p="http://schemas.openxmlformats.org/presentationml/2006/main">
+  <p:cSld>
+    <p:spTree>
+      <p:nvGrpSpPr>
+        <p:cNvPr id="1" name=""/>
+        <p:cNvGrpSpPr/>
+        <p:nvPr/>
+      </p:nvGrpSpPr>
+      <p:grpSpPr>
+        <a:xfrm>
+          <a:off x="0" y="0"/>
+          <a:ext cx="0" cy="0"/>
+          <a:chOff x="0" y="0"/>
+          <a:chExt cx="0" cy="0"/>
+        </a:xfrm>
+      </p:grpSpPr>
+      <p:sp>
+        <p:nvSpPr>
+          <p:cNvPr id="2" name="Title 1"/>
+          <p:cNvSpPr>
+            <a:spLocks noGrp="1"/>
+          </p:cNvSpPr>
+          <p:nvPr>
+            <p:ph type="title"/>
+          </p:nvPr>
+        </p:nvSpPr>
+        <p:spPr/>
+        <p:txBody>
+          <a:bodyPr/>
+          <a:lstStyle/>
+          <a:p>
+            <a:pPr algn="ctr"/>
+            <a:r>
+              <a:rPr lang="en-US" b="1" dirty="0" smtClean="0"/>
+              <a:t>SIGN UP</a:t>
+            </a:r>
+            <a:endParaRPr lang="en-US" b="1" dirty="0"/>
+          </a:p>
+        </p:txBody>
+      </p:sp>
+      <p:pic>
+        <p:nvPicPr>
+          <p:cNvPr id="3074" name="Picture 2"/>
+          <p:cNvPicPr>
+            <a:picLocks noGrp="1" noChangeAspect="1" noChangeArrowheads="1"/>
+          </p:cNvPicPr>
+          <p:nvPr>
+            <p:ph idx="1"/>
+          </p:nvPr>
+        </p:nvPicPr>
+        <p:blipFill>
+          <a:blip r:embed="rId1">
+            <a:extLst>
+              <a:ext uri="{28A0092B-C50C-407E-A947-70E740481C1C}">
+                <a14:useLocalDpi xmlns:a14="http://schemas.microsoft.com/office/drawing/2010/main" val="0"/>
+              </a:ext>
+            </a:extLst>
+          </a:blip>
+          <a:srcRect/>
+          <a:stretch>
+            <a:fillRect/>
+          </a:stretch>
+        </p:blipFill>
+        <p:spPr bwMode="auto">
+          <a:xfrm>
+            <a:off x="1698741" y="2620442"/>
+            <a:ext cx="2972215" cy="2105319"/>
+          </a:xfrm>
+          <a:prstGeom prst="rect">
+            <a:avLst/>
+          </a:prstGeom>
+          <a:noFill/>
+          <a:ln>
+            <a:noFill/>
+          </a:ln>
+          <a:effectLst/>
+          <a:extLst>
+            <a:ext uri="{909E8E84-426E-40DD-AFC4-6F175D3DCCD1}">
+              <a14:hiddenFill xmlns:a14="http://schemas.microsoft.com/office/drawing/2010/main">
+                <a:solidFill>
+                  <a:schemeClr val="accent1"/>
+                </a:solidFill>
+              </a14:hiddenFill>
+            </a:ext>
+            <a:ext uri="{91240B29-F687-4F45-9708-019B960494DF}">
+              <a14:hiddenLine xmlns:a14="http://schemas.microsoft.com/office/drawing/2010/main" w="9525">
+                <a:solidFill>
+                  <a:schemeClr val="tx1"/>
+                </a:solidFill>
+                <a:miter lim="800000"/>
+                <a:headEnd/>
+                <a:tailEnd/>
+              </a14:hiddenLine>
+            </a:ext>
+            <a:ext uri="{AF507438-7753-43E0-B8FC-AC1667EBCBE1}">
+              <a14:hiddenEffects xmlns:a14="http://schemas.microsoft.com/office/drawing/2010/main">
+                <a:effectLst>
+                  <a:outerShdw dist="35921" dir="2700000" algn="ctr" rotWithShape="0">
+                    <a:schemeClr val="bg2"/>
+                  </a:outerShdw>
+                </a:effectLst>
+              </a14:hiddenEffects>
+            </a:ext>
+          </a:extLst>
+        </p:spPr>
+      </p:pic>
+      <p:pic>
+        <p:nvPicPr>
+          <p:cNvPr id="3075" name="Picture 3"/>
+          <p:cNvPicPr>
+            <a:picLocks noChangeAspect="1" noChangeArrowheads="1"/>
+          </p:cNvPicPr>
+          <p:nvPr/>
+        </p:nvPicPr>
+        <p:blipFill>
+          <a:blip r:embed="rId2">
+            <a:extLst>
+              <a:ext uri="{28A0092B-C50C-407E-A947-70E740481C1C}">
+                <a14:useLocalDpi xmlns:a14="http://schemas.microsoft.com/office/drawing/2010/main" val="0"/>
+              </a:ext>
+            </a:extLst>
+          </a:blip>
+          <a:srcRect/>
+          <a:stretch>
+            <a:fillRect/>
+          </a:stretch>
+        </p:blipFill>
+        <p:spPr bwMode="auto">
+          <a:xfrm>
+            <a:off x="6041605" y="2600130"/>
+            <a:ext cx="1819275" cy="2200275"/>
+          </a:xfrm>
+          <a:prstGeom prst="rect">
+            <a:avLst/>
+          </a:prstGeom>
+          <a:noFill/>
+          <a:ln>
+            <a:noFill/>
+          </a:ln>
+          <a:effectLst/>
+          <a:extLst>
+            <a:ext uri="{909E8E84-426E-40DD-AFC4-6F175D3DCCD1}">
+              <a14:hiddenFill xmlns:a14="http://schemas.microsoft.com/office/drawing/2010/main">
+                <a:solidFill>
+                  <a:schemeClr val="accent1"/>
+                </a:solidFill>
+              </a14:hiddenFill>
+            </a:ext>
+            <a:ext uri="{91240B29-F687-4F45-9708-019B960494DF}">
+              <a14:hiddenLine xmlns:a14="http://schemas.microsoft.com/office/drawing/2010/main" w="9525">
+                <a:solidFill>
+                  <a:schemeClr val="tx1"/>
+                </a:solidFill>
+                <a:miter lim="800000"/>
+                <a:headEnd/>
+                <a:tailEnd/>
+              </a14:hiddenLine>
+            </a:ext>
+            <a:ext uri="{AF507438-7753-43E0-B8FC-AC1667EBCBE1}">
+              <a14:hiddenEffects xmlns:a14="http://schemas.microsoft.com/office/drawing/2010/main">
+                <a:effectLst>
+                  <a:outerShdw dist="35921" dir="2700000" algn="ctr" rotWithShape="0">
+                    <a:schemeClr val="bg2"/>
+                  </a:outerShdw>
+                </a:effectLst>
+              </a14:hiddenEffects>
+            </a:ext>
+          </a:extLst>
+        </p:spPr>
+      </p:pic>
+      <p:pic>
+        <p:nvPicPr>
+          <p:cNvPr id="3076" name="Picture 4"/>
+          <p:cNvPicPr>
+            <a:picLocks noChangeAspect="1" noChangeArrowheads="1"/>
+          </p:cNvPicPr>
+          <p:nvPr/>
+        </p:nvPicPr>
+        <p:blipFill>
+          <a:blip r:embed="rId3">
+            <a:extLst>
+              <a:ext uri="{28A0092B-C50C-407E-A947-70E740481C1C}">
+                <a14:useLocalDpi xmlns:a14="http://schemas.microsoft.com/office/drawing/2010/main" val="0"/>
+              </a:ext>
+            </a:extLst>
+          </a:blip>
+          <a:srcRect/>
+          <a:stretch>
+            <a:fillRect/>
+          </a:stretch>
+        </p:blipFill>
+        <p:spPr bwMode="auto">
+          <a:xfrm>
+            <a:off x="9130134" y="2600130"/>
+            <a:ext cx="1352550" cy="2247900"/>
+          </a:xfrm>
+          <a:prstGeom prst="rect">
+            <a:avLst/>
+          </a:prstGeom>
+          <a:noFill/>
+          <a:ln>
+            <a:noFill/>
+          </a:ln>
+          <a:effectLst/>
+          <a:extLst>
+            <a:ext uri="{909E8E84-426E-40DD-AFC4-6F175D3DCCD1}">
+              <a14:hiddenFill xmlns:a14="http://schemas.microsoft.com/office/drawing/2010/main">
+                <a:solidFill>
+                  <a:schemeClr val="accent1"/>
+                </a:solidFill>
+              </a14:hiddenFill>
+            </a:ext>
+            <a:ext uri="{91240B29-F687-4F45-9708-019B960494DF}">
+              <a14:hiddenLine xmlns:a14="http://schemas.microsoft.com/office/drawing/2010/main" w="9525">
+                <a:solidFill>
+                  <a:schemeClr val="tx1"/>
+                </a:solidFill>
+                <a:miter lim="800000"/>
+                <a:headEnd/>
+                <a:tailEnd/>
+              </a14:hiddenLine>
+            </a:ext>
+            <a:ext uri="{AF507438-7753-43E0-B8FC-AC1667EBCBE1}">
+              <a14:hiddenEffects xmlns:a14="http://schemas.microsoft.com/office/drawing/2010/main">
+                <a:effectLst>
+                  <a:outerShdw dist="35921" dir="2700000" algn="ctr" rotWithShape="0">
+                    <a:schemeClr val="bg2"/>
+                  </a:outerShdw>
+                </a:effectLst>
+              </a14:hiddenEffects>
+            </a:ext>
+          </a:extLst>
+        </p:spPr>
+      </p:pic>
+      <p:sp>
+        <p:nvSpPr>
+          <p:cNvPr id="7" name="TextBox 6"/>
+          <p:cNvSpPr txBox="1"/>
+          <p:nvPr/>
+        </p:nvSpPr>
+        <p:spPr>
+          <a:xfrm>
+            <a:off x="1772814" y="2230798"/>
+            <a:ext cx="2799183" cy="369332"/>
+          </a:xfrm>
+          <a:prstGeom prst="rect">
+            <a:avLst/>
+          </a:prstGeom>
+          <a:noFill/>
+        </p:spPr>
+        <p:txBody>
+          <a:bodyPr wrap="square" rtlCol="0">
+            <a:spAutoFit/>
+          </a:bodyPr>
+          <a:lstStyle/>
+          <a:p>
+            <a:pPr algn="ctr"/>
+            <a:r>
+              <a:rPr lang="en-US" dirty="0" smtClean="0"/>
+              <a:t>DESKTOP</a:t>
+            </a:r>
+            <a:endParaRPr lang="en-US" dirty="0" smtClean="0"/>
+          </a:p>
+        </p:txBody>
+      </p:sp>
+      <p:sp>
+        <p:nvSpPr>
+          <p:cNvPr id="8" name="TextBox 7"/>
+          <p:cNvSpPr txBox="1"/>
+          <p:nvPr/>
+        </p:nvSpPr>
+        <p:spPr>
+          <a:xfrm>
+            <a:off x="6260679" y="2230798"/>
+            <a:ext cx="1381126" cy="369332"/>
+          </a:xfrm>
+          <a:prstGeom prst="rect">
+            <a:avLst/>
+          </a:prstGeom>
+          <a:noFill/>
+        </p:spPr>
+        <p:txBody>
+          <a:bodyPr wrap="square" rtlCol="0">
+            <a:spAutoFit/>
+          </a:bodyPr>
+          <a:lstStyle/>
+          <a:p>
+            <a:pPr algn="ctr"/>
+            <a:r>
+              <a:rPr lang="en-US" dirty="0" smtClean="0"/>
+              <a:t>TABLET</a:t>
+            </a:r>
+            <a:endParaRPr lang="en-US" dirty="0" smtClean="0"/>
+          </a:p>
+        </p:txBody>
+      </p:sp>
+      <p:sp>
+        <p:nvSpPr>
+          <p:cNvPr id="9" name="TextBox 8"/>
+          <p:cNvSpPr txBox="1"/>
+          <p:nvPr/>
+        </p:nvSpPr>
+        <p:spPr>
+          <a:xfrm>
+            <a:off x="9008560" y="2230798"/>
+            <a:ext cx="1595698" cy="369332"/>
+          </a:xfrm>
+          <a:prstGeom prst="rect">
+            <a:avLst/>
+          </a:prstGeom>
+          <a:noFill/>
+        </p:spPr>
+        <p:txBody>
+          <a:bodyPr wrap="square" rtlCol="0">
+            <a:spAutoFit/>
+          </a:bodyPr>
+          <a:lstStyle/>
+          <a:p>
+            <a:pPr algn="ctr"/>
+            <a:r>
+              <a:rPr lang="en-US" dirty="0" smtClean="0"/>
+              <a:t>SMARTPHONE</a:t>
+            </a:r>
+            <a:endParaRPr lang="en-US" dirty="0" smtClean="0"/>
+          </a:p>
+        </p:txBody>
+      </p:sp>
+    </p:spTree>
+  </p:cSld>
+  <p:clrMapOvr>
+    <a:masterClrMapping/>
+  </p:clrMapOvr>
+  <p:timing>
+    <p:tnLst>
+      <p:par>
+        <p:cTn id="1" dur="indefinite" restart="never" nodeType="tmRoot"/>
+      </p:par>
+    </p:tnLst>
+  </p:timing>
+</p:sld>
+</file>
+
+<file path=ppt/slides/slide14.xml><?xml version="1.0" encoding="utf-8"?>
+<p:sld xmlns:a="http://schemas.openxmlformats.org/drawingml/2006/main" xmlns:r="http://schemas.openxmlformats.org/officeDocument/2006/relationships" xmlns:p="http://schemas.openxmlformats.org/presentationml/2006/main">
+  <p:cSld>
+    <p:spTree>
+      <p:nvGrpSpPr>
+        <p:cNvPr id="1" name=""/>
+        <p:cNvGrpSpPr/>
+        <p:nvPr/>
+      </p:nvGrpSpPr>
+      <p:grpSpPr>
+        <a:xfrm>
+          <a:off x="0" y="0"/>
+          <a:ext cx="0" cy="0"/>
+          <a:chOff x="0" y="0"/>
+          <a:chExt cx="0" cy="0"/>
+        </a:xfrm>
+      </p:grpSpPr>
+      <p:sp>
+        <p:nvSpPr>
+          <p:cNvPr id="2" name="Title 1"/>
+          <p:cNvSpPr>
+            <a:spLocks noGrp="1"/>
+          </p:cNvSpPr>
+          <p:nvPr>
+            <p:ph type="title"/>
+          </p:nvPr>
+        </p:nvSpPr>
+        <p:spPr>
+          <a:xfrm>
+            <a:off x="825322" y="164557"/>
+            <a:ext cx="10515600" cy="913439"/>
+          </a:xfrm>
+        </p:spPr>
+        <p:txBody>
+          <a:bodyPr/>
+          <a:lstStyle/>
+          <a:p>
+            <a:pPr algn="ctr"/>
+            <a:r>
+              <a:rPr lang="en-US" b="1" dirty="0" smtClean="0"/>
+              <a:t>STORE</a:t>
+            </a:r>
+            <a:endParaRPr lang="en-US" b="1" dirty="0"/>
+          </a:p>
+        </p:txBody>
+      </p:sp>
+      <p:pic>
+        <p:nvPicPr>
+          <p:cNvPr id="5122" name="Picture 2"/>
+          <p:cNvPicPr>
+            <a:picLocks noGrp="1" noChangeAspect="1" noChangeArrowheads="1"/>
+          </p:cNvPicPr>
+          <p:nvPr>
+            <p:ph idx="1"/>
+          </p:nvPr>
+        </p:nvPicPr>
+        <p:blipFill>
+          <a:blip r:embed="rId1">
+            <a:extLst>
+              <a:ext uri="{28A0092B-C50C-407E-A947-70E740481C1C}">
+                <a14:useLocalDpi xmlns:a14="http://schemas.microsoft.com/office/drawing/2010/main" val="0"/>
+              </a:ext>
+            </a:extLst>
+          </a:blip>
+          <a:srcRect/>
+          <a:stretch>
+            <a:fillRect/>
+          </a:stretch>
+        </p:blipFill>
+        <p:spPr bwMode="auto">
+          <a:xfrm>
+            <a:off x="1806882" y="1568048"/>
+            <a:ext cx="2473649" cy="4351338"/>
+          </a:xfrm>
+          <a:prstGeom prst="rect">
+            <a:avLst/>
+          </a:prstGeom>
+          <a:noFill/>
+          <a:ln>
+            <a:noFill/>
+          </a:ln>
+          <a:effectLst/>
+          <a:extLst>
+            <a:ext uri="{909E8E84-426E-40DD-AFC4-6F175D3DCCD1}">
+              <a14:hiddenFill xmlns:a14="http://schemas.microsoft.com/office/drawing/2010/main">
+                <a:solidFill>
+                  <a:schemeClr val="accent1"/>
+                </a:solidFill>
+              </a14:hiddenFill>
+            </a:ext>
+            <a:ext uri="{91240B29-F687-4F45-9708-019B960494DF}">
+              <a14:hiddenLine xmlns:a14="http://schemas.microsoft.com/office/drawing/2010/main" w="9525">
+                <a:solidFill>
+                  <a:schemeClr val="tx1"/>
+                </a:solidFill>
+                <a:miter lim="800000"/>
+                <a:headEnd/>
+                <a:tailEnd/>
+              </a14:hiddenLine>
+            </a:ext>
+            <a:ext uri="{AF507438-7753-43E0-B8FC-AC1667EBCBE1}">
+              <a14:hiddenEffects xmlns:a14="http://schemas.microsoft.com/office/drawing/2010/main">
+                <a:effectLst>
+                  <a:outerShdw dist="35921" dir="2700000" algn="ctr" rotWithShape="0">
+                    <a:schemeClr val="bg2"/>
+                  </a:outerShdw>
+                </a:effectLst>
+              </a14:hiddenEffects>
+            </a:ext>
+          </a:extLst>
+        </p:spPr>
+      </p:pic>
+      <p:pic>
+        <p:nvPicPr>
+          <p:cNvPr id="5123" name="Picture 3"/>
+          <p:cNvPicPr>
+            <a:picLocks noChangeAspect="1" noChangeArrowheads="1"/>
+          </p:cNvPicPr>
+          <p:nvPr/>
+        </p:nvPicPr>
+        <p:blipFill>
+          <a:blip r:embed="rId2">
+            <a:extLst>
+              <a:ext uri="{28A0092B-C50C-407E-A947-70E740481C1C}">
+                <a14:useLocalDpi xmlns:a14="http://schemas.microsoft.com/office/drawing/2010/main" val="0"/>
+              </a:ext>
+            </a:extLst>
+          </a:blip>
+          <a:srcRect/>
+          <a:stretch>
+            <a:fillRect/>
+          </a:stretch>
+        </p:blipFill>
+        <p:spPr bwMode="auto">
+          <a:xfrm>
+            <a:off x="5633947" y="1421304"/>
+            <a:ext cx="1828800" cy="5248275"/>
+          </a:xfrm>
+          <a:prstGeom prst="rect">
+            <a:avLst/>
+          </a:prstGeom>
+          <a:noFill/>
+          <a:ln>
+            <a:noFill/>
+          </a:ln>
+          <a:effectLst/>
+          <a:extLst>
+            <a:ext uri="{909E8E84-426E-40DD-AFC4-6F175D3DCCD1}">
+              <a14:hiddenFill xmlns:a14="http://schemas.microsoft.com/office/drawing/2010/main">
+                <a:solidFill>
+                  <a:schemeClr val="accent1"/>
+                </a:solidFill>
+              </a14:hiddenFill>
+            </a:ext>
+            <a:ext uri="{91240B29-F687-4F45-9708-019B960494DF}">
+              <a14:hiddenLine xmlns:a14="http://schemas.microsoft.com/office/drawing/2010/main" w="9525">
+                <a:solidFill>
+                  <a:schemeClr val="tx1"/>
+                </a:solidFill>
+                <a:miter lim="800000"/>
+                <a:headEnd/>
+                <a:tailEnd/>
+              </a14:hiddenLine>
+            </a:ext>
+            <a:ext uri="{AF507438-7753-43E0-B8FC-AC1667EBCBE1}">
+              <a14:hiddenEffects xmlns:a14="http://schemas.microsoft.com/office/drawing/2010/main">
+                <a:effectLst>
+                  <a:outerShdw dist="35921" dir="2700000" algn="ctr" rotWithShape="0">
+                    <a:schemeClr val="bg2"/>
+                  </a:outerShdw>
+                </a:effectLst>
+              </a14:hiddenEffects>
+            </a:ext>
+          </a:extLst>
+        </p:spPr>
+      </p:pic>
+      <p:pic>
+        <p:nvPicPr>
+          <p:cNvPr id="5124" name="Picture 4"/>
+          <p:cNvPicPr>
+            <a:picLocks noChangeAspect="1" noChangeArrowheads="1"/>
+          </p:cNvPicPr>
+          <p:nvPr/>
+        </p:nvPicPr>
+        <p:blipFill>
+          <a:blip r:embed="rId3">
+            <a:extLst>
+              <a:ext uri="{28A0092B-C50C-407E-A947-70E740481C1C}">
+                <a14:useLocalDpi xmlns:a14="http://schemas.microsoft.com/office/drawing/2010/main" val="0"/>
+              </a:ext>
+            </a:extLst>
+          </a:blip>
+          <a:srcRect/>
+          <a:stretch>
+            <a:fillRect/>
+          </a:stretch>
+        </p:blipFill>
+        <p:spPr bwMode="auto">
+          <a:xfrm>
+            <a:off x="9109141" y="1108050"/>
+            <a:ext cx="1381125" cy="5505450"/>
+          </a:xfrm>
+          <a:prstGeom prst="rect">
+            <a:avLst/>
+          </a:prstGeom>
+          <a:noFill/>
+          <a:ln>
+            <a:noFill/>
+          </a:ln>
+          <a:effectLst/>
+          <a:extLst>
+            <a:ext uri="{909E8E84-426E-40DD-AFC4-6F175D3DCCD1}">
+              <a14:hiddenFill xmlns:a14="http://schemas.microsoft.com/office/drawing/2010/main">
+                <a:solidFill>
+                  <a:schemeClr val="accent1"/>
+                </a:solidFill>
+              </a14:hiddenFill>
+            </a:ext>
+            <a:ext uri="{91240B29-F687-4F45-9708-019B960494DF}">
+              <a14:hiddenLine xmlns:a14="http://schemas.microsoft.com/office/drawing/2010/main" w="9525">
+                <a:solidFill>
+                  <a:schemeClr val="tx1"/>
+                </a:solidFill>
+                <a:miter lim="800000"/>
+                <a:headEnd/>
+                <a:tailEnd/>
+              </a14:hiddenLine>
+            </a:ext>
+            <a:ext uri="{AF507438-7753-43E0-B8FC-AC1667EBCBE1}">
+              <a14:hiddenEffects xmlns:a14="http://schemas.microsoft.com/office/drawing/2010/main">
+                <a:effectLst>
+                  <a:outerShdw dist="35921" dir="2700000" algn="ctr" rotWithShape="0">
+                    <a:schemeClr val="bg2"/>
+                  </a:outerShdw>
+                </a:effectLst>
+              </a14:hiddenEffects>
+            </a:ext>
+          </a:extLst>
+        </p:spPr>
+      </p:pic>
+      <p:sp>
+        <p:nvSpPr>
+          <p:cNvPr id="7" name="TextBox 6"/>
+          <p:cNvSpPr txBox="1"/>
+          <p:nvPr/>
+        </p:nvSpPr>
+        <p:spPr>
+          <a:xfrm>
+            <a:off x="1656904" y="1236638"/>
+            <a:ext cx="2799183" cy="369332"/>
+          </a:xfrm>
+          <a:prstGeom prst="rect">
+            <a:avLst/>
+          </a:prstGeom>
+          <a:noFill/>
+        </p:spPr>
+        <p:txBody>
+          <a:bodyPr wrap="square" rtlCol="0">
+            <a:spAutoFit/>
+          </a:bodyPr>
+          <a:lstStyle/>
+          <a:p>
+            <a:pPr algn="ctr"/>
+            <a:r>
+              <a:rPr lang="en-US" dirty="0" smtClean="0"/>
+              <a:t>DESKTOP</a:t>
+            </a:r>
+            <a:endParaRPr lang="en-US" dirty="0" smtClean="0"/>
+          </a:p>
+        </p:txBody>
+      </p:sp>
+      <p:sp>
+        <p:nvSpPr>
+          <p:cNvPr id="8" name="TextBox 7"/>
+          <p:cNvSpPr txBox="1"/>
+          <p:nvPr/>
+        </p:nvSpPr>
+        <p:spPr>
+          <a:xfrm>
+            <a:off x="5857784" y="1077996"/>
+            <a:ext cx="1381126" cy="369332"/>
+          </a:xfrm>
+          <a:prstGeom prst="rect">
+            <a:avLst/>
+          </a:prstGeom>
+          <a:noFill/>
+        </p:spPr>
+        <p:txBody>
+          <a:bodyPr wrap="square" rtlCol="0">
+            <a:spAutoFit/>
+          </a:bodyPr>
+          <a:lstStyle/>
+          <a:p>
+            <a:pPr algn="ctr"/>
+            <a:r>
+              <a:rPr lang="en-US" dirty="0" smtClean="0"/>
+              <a:t>TABLET</a:t>
+            </a:r>
+            <a:endParaRPr lang="en-US" dirty="0" smtClean="0"/>
+          </a:p>
+        </p:txBody>
+      </p:sp>
+      <p:sp>
+        <p:nvSpPr>
+          <p:cNvPr id="9" name="TextBox 8"/>
+          <p:cNvSpPr txBox="1"/>
+          <p:nvPr/>
+        </p:nvSpPr>
+        <p:spPr>
+          <a:xfrm>
+            <a:off x="9001854" y="810026"/>
+            <a:ext cx="1595698" cy="369332"/>
+          </a:xfrm>
+          <a:prstGeom prst="rect">
+            <a:avLst/>
+          </a:prstGeom>
+          <a:noFill/>
+        </p:spPr>
+        <p:txBody>
+          <a:bodyPr wrap="square" rtlCol="0">
+            <a:spAutoFit/>
+          </a:bodyPr>
+          <a:lstStyle/>
+          <a:p>
+            <a:pPr algn="ctr"/>
+            <a:r>
+              <a:rPr lang="en-US" dirty="0" smtClean="0"/>
+              <a:t>SMARTPHONE</a:t>
+            </a:r>
+            <a:endParaRPr lang="en-US" dirty="0" smtClean="0"/>
+          </a:p>
+        </p:txBody>
+      </p:sp>
+    </p:spTree>
+  </p:cSld>
+  <p:clrMapOvr>
+    <a:masterClrMapping/>
+  </p:clrMapOvr>
+  <p:timing>
+    <p:tnLst>
+      <p:par>
+        <p:cTn id="1" dur="indefinite" restart="never" nodeType="tmRoot"/>
+      </p:par>
+    </p:tnLst>
+  </p:timing>
+</p:sld>
+</file>
+
+<file path=ppt/slides/slide15.xml><?xml version="1.0" encoding="utf-8"?>
+<p:sld xmlns:a="http://schemas.openxmlformats.org/drawingml/2006/main" xmlns:r="http://schemas.openxmlformats.org/officeDocument/2006/relationships" xmlns:p="http://schemas.openxmlformats.org/presentationml/2006/main">
+  <p:cSld>
+    <p:spTree>
+      <p:nvGrpSpPr>
+        <p:cNvPr id="1" name=""/>
+        <p:cNvGrpSpPr/>
+        <p:nvPr/>
+      </p:nvGrpSpPr>
+      <p:grpSpPr>
+        <a:xfrm>
+          <a:off x="0" y="0"/>
+          <a:ext cx="0" cy="0"/>
+          <a:chOff x="0" y="0"/>
+          <a:chExt cx="0" cy="0"/>
+        </a:xfrm>
+      </p:grpSpPr>
+      <p:sp>
+        <p:nvSpPr>
+          <p:cNvPr id="2" name="Title 1"/>
+          <p:cNvSpPr>
+            <a:spLocks noGrp="1"/>
+          </p:cNvSpPr>
+          <p:nvPr>
+            <p:ph type="title"/>
+          </p:nvPr>
+        </p:nvSpPr>
+        <p:spPr/>
+        <p:txBody>
+          <a:bodyPr/>
+          <a:lstStyle/>
+          <a:p>
+            <a:pPr algn="ctr"/>
+            <a:r>
+              <a:rPr lang="en-US" b="1" dirty="0" smtClean="0"/>
+              <a:t>ADD PRODUCT</a:t>
+            </a:r>
+            <a:endParaRPr lang="en-US" b="1" dirty="0"/>
+          </a:p>
+        </p:txBody>
+      </p:sp>
+      <p:pic>
+        <p:nvPicPr>
+          <p:cNvPr id="6146" name="Picture 2"/>
+          <p:cNvPicPr>
+            <a:picLocks noGrp="1" noChangeAspect="1" noChangeArrowheads="1"/>
+          </p:cNvPicPr>
+          <p:nvPr>
+            <p:ph idx="1"/>
+          </p:nvPr>
+        </p:nvPicPr>
+        <p:blipFill>
+          <a:blip r:embed="rId1">
+            <a:extLst>
+              <a:ext uri="{28A0092B-C50C-407E-A947-70E740481C1C}">
+                <a14:useLocalDpi xmlns:a14="http://schemas.microsoft.com/office/drawing/2010/main" val="0"/>
+              </a:ext>
+            </a:extLst>
+          </a:blip>
+          <a:srcRect/>
+          <a:stretch>
+            <a:fillRect/>
+          </a:stretch>
+        </p:blipFill>
+        <p:spPr bwMode="auto">
+          <a:xfrm>
+            <a:off x="963247" y="2608880"/>
+            <a:ext cx="3620005" cy="2676899"/>
+          </a:xfrm>
+          <a:prstGeom prst="rect">
+            <a:avLst/>
+          </a:prstGeom>
+          <a:noFill/>
+          <a:ln>
+            <a:noFill/>
+          </a:ln>
+          <a:effectLst/>
+          <a:extLst>
+            <a:ext uri="{909E8E84-426E-40DD-AFC4-6F175D3DCCD1}">
+              <a14:hiddenFill xmlns:a14="http://schemas.microsoft.com/office/drawing/2010/main">
+                <a:solidFill>
+                  <a:schemeClr val="accent1"/>
+                </a:solidFill>
+              </a14:hiddenFill>
+            </a:ext>
+            <a:ext uri="{91240B29-F687-4F45-9708-019B960494DF}">
+              <a14:hiddenLine xmlns:a14="http://schemas.microsoft.com/office/drawing/2010/main" w="9525">
+                <a:solidFill>
+                  <a:schemeClr val="tx1"/>
+                </a:solidFill>
+                <a:miter lim="800000"/>
+                <a:headEnd/>
+                <a:tailEnd/>
+              </a14:hiddenLine>
+            </a:ext>
+            <a:ext uri="{AF507438-7753-43E0-B8FC-AC1667EBCBE1}">
+              <a14:hiddenEffects xmlns:a14="http://schemas.microsoft.com/office/drawing/2010/main">
+                <a:effectLst>
+                  <a:outerShdw dist="35921" dir="2700000" algn="ctr" rotWithShape="0">
+                    <a:schemeClr val="bg2"/>
+                  </a:outerShdw>
+                </a:effectLst>
+              </a14:hiddenEffects>
+            </a:ext>
+          </a:extLst>
+        </p:spPr>
+      </p:pic>
+      <p:pic>
+        <p:nvPicPr>
+          <p:cNvPr id="6147" name="Picture 3"/>
+          <p:cNvPicPr>
+            <a:picLocks noChangeAspect="1" noChangeArrowheads="1"/>
+          </p:cNvPicPr>
+          <p:nvPr/>
+        </p:nvPicPr>
+        <p:blipFill>
+          <a:blip r:embed="rId2">
+            <a:extLst>
+              <a:ext uri="{28A0092B-C50C-407E-A947-70E740481C1C}">
+                <a14:useLocalDpi xmlns:a14="http://schemas.microsoft.com/office/drawing/2010/main" val="0"/>
+              </a:ext>
+            </a:extLst>
+          </a:blip>
+          <a:srcRect/>
+          <a:stretch>
+            <a:fillRect/>
+          </a:stretch>
+        </p:blipFill>
+        <p:spPr bwMode="auto">
+          <a:xfrm>
+            <a:off x="5689555" y="2418568"/>
+            <a:ext cx="2181225" cy="3114675"/>
+          </a:xfrm>
+          <a:prstGeom prst="rect">
+            <a:avLst/>
+          </a:prstGeom>
+          <a:noFill/>
+          <a:ln>
+            <a:noFill/>
+          </a:ln>
+          <a:effectLst/>
+          <a:extLst>
+            <a:ext uri="{909E8E84-426E-40DD-AFC4-6F175D3DCCD1}">
+              <a14:hiddenFill xmlns:a14="http://schemas.microsoft.com/office/drawing/2010/main">
+                <a:solidFill>
+                  <a:schemeClr val="accent1"/>
+                </a:solidFill>
+              </a14:hiddenFill>
+            </a:ext>
+            <a:ext uri="{91240B29-F687-4F45-9708-019B960494DF}">
+              <a14:hiddenLine xmlns:a14="http://schemas.microsoft.com/office/drawing/2010/main" w="9525">
+                <a:solidFill>
+                  <a:schemeClr val="tx1"/>
+                </a:solidFill>
+                <a:miter lim="800000"/>
+                <a:headEnd/>
+                <a:tailEnd/>
+              </a14:hiddenLine>
+            </a:ext>
+            <a:ext uri="{AF507438-7753-43E0-B8FC-AC1667EBCBE1}">
+              <a14:hiddenEffects xmlns:a14="http://schemas.microsoft.com/office/drawing/2010/main">
+                <a:effectLst>
+                  <a:outerShdw dist="35921" dir="2700000" algn="ctr" rotWithShape="0">
+                    <a:schemeClr val="bg2"/>
+                  </a:outerShdw>
+                </a:effectLst>
+              </a14:hiddenEffects>
+            </a:ext>
+          </a:extLst>
+        </p:spPr>
+      </p:pic>
+      <p:pic>
+        <p:nvPicPr>
+          <p:cNvPr id="6148" name="Picture 4"/>
+          <p:cNvPicPr>
+            <a:picLocks noChangeAspect="1" noChangeArrowheads="1"/>
+          </p:cNvPicPr>
+          <p:nvPr/>
+        </p:nvPicPr>
+        <p:blipFill>
+          <a:blip r:embed="rId3">
+            <a:extLst>
+              <a:ext uri="{28A0092B-C50C-407E-A947-70E740481C1C}">
+                <a14:useLocalDpi xmlns:a14="http://schemas.microsoft.com/office/drawing/2010/main" val="0"/>
+              </a:ext>
+            </a:extLst>
+          </a:blip>
+          <a:srcRect/>
+          <a:stretch>
+            <a:fillRect/>
+          </a:stretch>
+        </p:blipFill>
+        <p:spPr bwMode="auto">
+          <a:xfrm>
+            <a:off x="9089176" y="2389993"/>
+            <a:ext cx="1666875" cy="3143250"/>
+          </a:xfrm>
+          <a:prstGeom prst="rect">
+            <a:avLst/>
+          </a:prstGeom>
+          <a:noFill/>
+          <a:ln>
+            <a:noFill/>
+          </a:ln>
+          <a:effectLst/>
+          <a:extLst>
+            <a:ext uri="{909E8E84-426E-40DD-AFC4-6F175D3DCCD1}">
+              <a14:hiddenFill xmlns:a14="http://schemas.microsoft.com/office/drawing/2010/main">
+                <a:solidFill>
+                  <a:schemeClr val="accent1"/>
+                </a:solidFill>
+              </a14:hiddenFill>
+            </a:ext>
+            <a:ext uri="{91240B29-F687-4F45-9708-019B960494DF}">
+              <a14:hiddenLine xmlns:a14="http://schemas.microsoft.com/office/drawing/2010/main" w="9525">
+                <a:solidFill>
+                  <a:schemeClr val="tx1"/>
+                </a:solidFill>
+                <a:miter lim="800000"/>
+                <a:headEnd/>
+                <a:tailEnd/>
+              </a14:hiddenLine>
+            </a:ext>
+            <a:ext uri="{AF507438-7753-43E0-B8FC-AC1667EBCBE1}">
+              <a14:hiddenEffects xmlns:a14="http://schemas.microsoft.com/office/drawing/2010/main">
+                <a:effectLst>
+                  <a:outerShdw dist="35921" dir="2700000" algn="ctr" rotWithShape="0">
+                    <a:schemeClr val="bg2"/>
+                  </a:outerShdw>
+                </a:effectLst>
+              </a14:hiddenEffects>
+            </a:ext>
+          </a:extLst>
+        </p:spPr>
+      </p:pic>
+      <p:sp>
+        <p:nvSpPr>
+          <p:cNvPr id="7" name="TextBox 6"/>
+          <p:cNvSpPr txBox="1"/>
+          <p:nvPr/>
+        </p:nvSpPr>
+        <p:spPr>
+          <a:xfrm>
+            <a:off x="1283416" y="2233902"/>
+            <a:ext cx="2799183" cy="369332"/>
+          </a:xfrm>
+          <a:prstGeom prst="rect">
+            <a:avLst/>
+          </a:prstGeom>
+          <a:noFill/>
+        </p:spPr>
+        <p:txBody>
+          <a:bodyPr wrap="square" rtlCol="0">
+            <a:spAutoFit/>
+          </a:bodyPr>
+          <a:lstStyle/>
+          <a:p>
+            <a:pPr algn="ctr"/>
+            <a:r>
+              <a:rPr lang="en-US" dirty="0" smtClean="0"/>
+              <a:t>DESKTOP</a:t>
+            </a:r>
+            <a:endParaRPr lang="en-US" dirty="0" smtClean="0"/>
+          </a:p>
+        </p:txBody>
+      </p:sp>
+      <p:sp>
+        <p:nvSpPr>
+          <p:cNvPr id="8" name="TextBox 7"/>
+          <p:cNvSpPr txBox="1"/>
+          <p:nvPr/>
+        </p:nvSpPr>
+        <p:spPr>
+          <a:xfrm>
+            <a:off x="6089604" y="2049236"/>
+            <a:ext cx="1381126" cy="369332"/>
+          </a:xfrm>
+          <a:prstGeom prst="rect">
+            <a:avLst/>
+          </a:prstGeom>
+          <a:noFill/>
+        </p:spPr>
+        <p:txBody>
+          <a:bodyPr wrap="square" rtlCol="0">
+            <a:spAutoFit/>
+          </a:bodyPr>
+          <a:lstStyle/>
+          <a:p>
+            <a:pPr algn="ctr"/>
+            <a:r>
+              <a:rPr lang="en-US" dirty="0" smtClean="0"/>
+              <a:t>TABLET</a:t>
+            </a:r>
+            <a:endParaRPr lang="en-US" dirty="0" smtClean="0"/>
+          </a:p>
+        </p:txBody>
+      </p:sp>
+      <p:sp>
+        <p:nvSpPr>
+          <p:cNvPr id="9" name="TextBox 8"/>
+          <p:cNvSpPr txBox="1"/>
+          <p:nvPr/>
+        </p:nvSpPr>
+        <p:spPr>
+          <a:xfrm>
+            <a:off x="9089176" y="2049236"/>
+            <a:ext cx="1595698" cy="369332"/>
+          </a:xfrm>
+          <a:prstGeom prst="rect">
+            <a:avLst/>
+          </a:prstGeom>
+          <a:noFill/>
+        </p:spPr>
+        <p:txBody>
+          <a:bodyPr wrap="square" rtlCol="0">
+            <a:spAutoFit/>
+          </a:bodyPr>
+          <a:lstStyle/>
+          <a:p>
+            <a:pPr algn="ctr"/>
+            <a:r>
+              <a:rPr lang="en-US" dirty="0" smtClean="0"/>
+              <a:t>SMARTPHONE</a:t>
+            </a:r>
+            <a:endParaRPr lang="en-US" dirty="0" smtClean="0"/>
+          </a:p>
+        </p:txBody>
+      </p:sp>
+    </p:spTree>
+  </p:cSld>
+  <p:clrMapOvr>
+    <a:masterClrMapping/>
+  </p:clrMapOvr>
+</p:sld>
+</file>
+
+<file path=ppt/slides/slide16.xml><?xml version="1.0" encoding="utf-8"?>
+<p:sld xmlns:a="http://schemas.openxmlformats.org/drawingml/2006/main" xmlns:r="http://schemas.openxmlformats.org/officeDocument/2006/relationships" xmlns:p="http://schemas.openxmlformats.org/presentationml/2006/main">
+  <p:cSld>
+    <p:spTree>
+      <p:nvGrpSpPr>
+        <p:cNvPr id="1" name=""/>
+        <p:cNvGrpSpPr/>
+        <p:nvPr/>
+      </p:nvGrpSpPr>
+      <p:grpSpPr>
+        <a:xfrm>
+          <a:off x="0" y="0"/>
+          <a:ext cx="0" cy="0"/>
+          <a:chOff x="0" y="0"/>
+          <a:chExt cx="0" cy="0"/>
+        </a:xfrm>
+      </p:grpSpPr>
+      <p:sp>
+        <p:nvSpPr>
+          <p:cNvPr id="2" name="Title 1"/>
+          <p:cNvSpPr>
+            <a:spLocks noGrp="1"/>
+          </p:cNvSpPr>
+          <p:nvPr>
+            <p:ph type="title"/>
+          </p:nvPr>
+        </p:nvSpPr>
+        <p:spPr/>
+        <p:txBody>
+          <a:bodyPr/>
+          <a:lstStyle/>
+          <a:p>
+            <a:pPr algn="ctr"/>
+            <a:r>
+              <a:rPr lang="en-US" b="1" dirty="0" smtClean="0"/>
+              <a:t>ORDER MANAGEMENT</a:t>
+            </a:r>
+            <a:endParaRPr lang="en-US" b="1" dirty="0"/>
+          </a:p>
+        </p:txBody>
+      </p:sp>
+      <p:pic>
+        <p:nvPicPr>
+          <p:cNvPr id="7170" name="Picture 2"/>
+          <p:cNvPicPr>
+            <a:picLocks noGrp="1" noChangeAspect="1" noChangeArrowheads="1"/>
+          </p:cNvPicPr>
+          <p:nvPr>
+            <p:ph idx="1"/>
+          </p:nvPr>
+        </p:nvPicPr>
+        <p:blipFill>
+          <a:blip r:embed="rId1">
+            <a:extLst>
+              <a:ext uri="{28A0092B-C50C-407E-A947-70E740481C1C}">
+                <a14:useLocalDpi xmlns:a14="http://schemas.microsoft.com/office/drawing/2010/main" val="0"/>
+              </a:ext>
+            </a:extLst>
+          </a:blip>
+          <a:srcRect/>
+          <a:stretch>
+            <a:fillRect/>
+          </a:stretch>
+        </p:blipFill>
+        <p:spPr bwMode="auto">
+          <a:xfrm>
+            <a:off x="1419650" y="2345978"/>
+            <a:ext cx="3505690" cy="2486372"/>
+          </a:xfrm>
+          <a:prstGeom prst="rect">
+            <a:avLst/>
+          </a:prstGeom>
+          <a:noFill/>
+          <a:ln>
+            <a:noFill/>
+          </a:ln>
+          <a:effectLst/>
+          <a:extLst>
+            <a:ext uri="{909E8E84-426E-40DD-AFC4-6F175D3DCCD1}">
+              <a14:hiddenFill xmlns:a14="http://schemas.microsoft.com/office/drawing/2010/main">
+                <a:solidFill>
+                  <a:schemeClr val="accent1"/>
+                </a:solidFill>
+              </a14:hiddenFill>
+            </a:ext>
+            <a:ext uri="{91240B29-F687-4F45-9708-019B960494DF}">
+              <a14:hiddenLine xmlns:a14="http://schemas.microsoft.com/office/drawing/2010/main" w="9525">
+                <a:solidFill>
+                  <a:schemeClr val="tx1"/>
+                </a:solidFill>
+                <a:miter lim="800000"/>
+                <a:headEnd/>
+                <a:tailEnd/>
+              </a14:hiddenLine>
+            </a:ext>
+            <a:ext uri="{AF507438-7753-43E0-B8FC-AC1667EBCBE1}">
+              <a14:hiddenEffects xmlns:a14="http://schemas.microsoft.com/office/drawing/2010/main">
+                <a:effectLst>
+                  <a:outerShdw dist="35921" dir="2700000" algn="ctr" rotWithShape="0">
+                    <a:schemeClr val="bg2"/>
+                  </a:outerShdw>
+                </a:effectLst>
+              </a14:hiddenEffects>
+            </a:ext>
+          </a:extLst>
+        </p:spPr>
+      </p:pic>
+      <p:pic>
+        <p:nvPicPr>
+          <p:cNvPr id="7171" name="Picture 3"/>
+          <p:cNvPicPr>
+            <a:picLocks noChangeAspect="1" noChangeArrowheads="1"/>
+          </p:cNvPicPr>
+          <p:nvPr/>
+        </p:nvPicPr>
+        <p:blipFill>
+          <a:blip r:embed="rId2">
+            <a:extLst>
+              <a:ext uri="{28A0092B-C50C-407E-A947-70E740481C1C}">
+                <a14:useLocalDpi xmlns:a14="http://schemas.microsoft.com/office/drawing/2010/main" val="0"/>
+              </a:ext>
+            </a:extLst>
+          </a:blip>
+          <a:srcRect/>
+          <a:stretch>
+            <a:fillRect/>
+          </a:stretch>
+        </p:blipFill>
+        <p:spPr bwMode="auto">
+          <a:xfrm>
+            <a:off x="5967590" y="2293290"/>
+            <a:ext cx="2114550" cy="2609850"/>
+          </a:xfrm>
+          <a:prstGeom prst="rect">
+            <a:avLst/>
+          </a:prstGeom>
+          <a:noFill/>
+          <a:ln>
+            <a:noFill/>
+          </a:ln>
+          <a:effectLst/>
+          <a:extLst>
+            <a:ext uri="{909E8E84-426E-40DD-AFC4-6F175D3DCCD1}">
+              <a14:hiddenFill xmlns:a14="http://schemas.microsoft.com/office/drawing/2010/main">
+                <a:solidFill>
+                  <a:schemeClr val="accent1"/>
+                </a:solidFill>
+              </a14:hiddenFill>
+            </a:ext>
+            <a:ext uri="{91240B29-F687-4F45-9708-019B960494DF}">
+              <a14:hiddenLine xmlns:a14="http://schemas.microsoft.com/office/drawing/2010/main" w="9525">
+                <a:solidFill>
+                  <a:schemeClr val="tx1"/>
+                </a:solidFill>
+                <a:miter lim="800000"/>
+                <a:headEnd/>
+                <a:tailEnd/>
+              </a14:hiddenLine>
+            </a:ext>
+            <a:ext uri="{AF507438-7753-43E0-B8FC-AC1667EBCBE1}">
+              <a14:hiddenEffects xmlns:a14="http://schemas.microsoft.com/office/drawing/2010/main">
+                <a:effectLst>
+                  <a:outerShdw dist="35921" dir="2700000" algn="ctr" rotWithShape="0">
+                    <a:schemeClr val="bg2"/>
+                  </a:outerShdw>
+                </a:effectLst>
+              </a14:hiddenEffects>
+            </a:ext>
+          </a:extLst>
+        </p:spPr>
+      </p:pic>
+      <p:pic>
+        <p:nvPicPr>
+          <p:cNvPr id="7172" name="Picture 4"/>
+          <p:cNvPicPr>
+            <a:picLocks noChangeAspect="1" noChangeArrowheads="1"/>
+          </p:cNvPicPr>
+          <p:nvPr/>
+        </p:nvPicPr>
+        <p:blipFill>
+          <a:blip r:embed="rId3">
+            <a:extLst>
+              <a:ext uri="{28A0092B-C50C-407E-A947-70E740481C1C}">
+                <a14:useLocalDpi xmlns:a14="http://schemas.microsoft.com/office/drawing/2010/main" val="0"/>
+              </a:ext>
+            </a:extLst>
+          </a:blip>
+          <a:srcRect/>
+          <a:stretch>
+            <a:fillRect/>
+          </a:stretch>
+        </p:blipFill>
+        <p:spPr bwMode="auto">
+          <a:xfrm>
+            <a:off x="9156388" y="2198040"/>
+            <a:ext cx="1609725" cy="2705100"/>
+          </a:xfrm>
+          <a:prstGeom prst="rect">
+            <a:avLst/>
+          </a:prstGeom>
+          <a:noFill/>
+          <a:ln>
+            <a:noFill/>
+          </a:ln>
+          <a:effectLst/>
+          <a:extLst>
+            <a:ext uri="{909E8E84-426E-40DD-AFC4-6F175D3DCCD1}">
+              <a14:hiddenFill xmlns:a14="http://schemas.microsoft.com/office/drawing/2010/main">
+                <a:solidFill>
+                  <a:schemeClr val="accent1"/>
+                </a:solidFill>
+              </a14:hiddenFill>
+            </a:ext>
+            <a:ext uri="{91240B29-F687-4F45-9708-019B960494DF}">
+              <a14:hiddenLine xmlns:a14="http://schemas.microsoft.com/office/drawing/2010/main" w="9525">
+                <a:solidFill>
+                  <a:schemeClr val="tx1"/>
+                </a:solidFill>
+                <a:miter lim="800000"/>
+                <a:headEnd/>
+                <a:tailEnd/>
+              </a14:hiddenLine>
+            </a:ext>
+            <a:ext uri="{AF507438-7753-43E0-B8FC-AC1667EBCBE1}">
+              <a14:hiddenEffects xmlns:a14="http://schemas.microsoft.com/office/drawing/2010/main">
+                <a:effectLst>
+                  <a:outerShdw dist="35921" dir="2700000" algn="ctr" rotWithShape="0">
+                    <a:schemeClr val="bg2"/>
+                  </a:outerShdw>
+                </a:effectLst>
+              </a14:hiddenEffects>
+            </a:ext>
+          </a:extLst>
+        </p:spPr>
+      </p:pic>
+      <p:sp>
+        <p:nvSpPr>
+          <p:cNvPr id="7" name="TextBox 6"/>
+          <p:cNvSpPr txBox="1"/>
+          <p:nvPr/>
+        </p:nvSpPr>
+        <p:spPr>
+          <a:xfrm>
+            <a:off x="1772818" y="1989201"/>
+            <a:ext cx="2799183" cy="369332"/>
+          </a:xfrm>
+          <a:prstGeom prst="rect">
+            <a:avLst/>
+          </a:prstGeom>
+          <a:noFill/>
+        </p:spPr>
+        <p:txBody>
+          <a:bodyPr wrap="square" rtlCol="0">
+            <a:spAutoFit/>
+          </a:bodyPr>
+          <a:lstStyle/>
+          <a:p>
+            <a:pPr algn="ctr"/>
+            <a:r>
+              <a:rPr lang="en-US" dirty="0" smtClean="0"/>
+              <a:t>DESKTOP</a:t>
+            </a:r>
+            <a:endParaRPr lang="en-US" dirty="0" smtClean="0"/>
+          </a:p>
+        </p:txBody>
+      </p:sp>
+      <p:sp>
+        <p:nvSpPr>
+          <p:cNvPr id="8" name="TextBox 7"/>
+          <p:cNvSpPr txBox="1"/>
+          <p:nvPr/>
+        </p:nvSpPr>
+        <p:spPr>
+          <a:xfrm>
+            <a:off x="6334305" y="1933325"/>
+            <a:ext cx="1381126" cy="369332"/>
+          </a:xfrm>
+          <a:prstGeom prst="rect">
+            <a:avLst/>
+          </a:prstGeom>
+          <a:noFill/>
+        </p:spPr>
+        <p:txBody>
+          <a:bodyPr wrap="square" rtlCol="0">
+            <a:spAutoFit/>
+          </a:bodyPr>
+          <a:lstStyle/>
+          <a:p>
+            <a:pPr algn="ctr"/>
+            <a:r>
+              <a:rPr lang="en-US" dirty="0" smtClean="0"/>
+              <a:t>TABLET</a:t>
+            </a:r>
+            <a:endParaRPr lang="en-US" dirty="0" smtClean="0"/>
+          </a:p>
+        </p:txBody>
+      </p:sp>
+      <p:sp>
+        <p:nvSpPr>
+          <p:cNvPr id="9" name="TextBox 8"/>
+          <p:cNvSpPr txBox="1"/>
+          <p:nvPr/>
+        </p:nvSpPr>
+        <p:spPr>
+          <a:xfrm>
+            <a:off x="9153571" y="1881809"/>
+            <a:ext cx="1595698" cy="369332"/>
+          </a:xfrm>
+          <a:prstGeom prst="rect">
+            <a:avLst/>
+          </a:prstGeom>
+          <a:noFill/>
+        </p:spPr>
+        <p:txBody>
+          <a:bodyPr wrap="square" rtlCol="0">
+            <a:spAutoFit/>
+          </a:bodyPr>
+          <a:lstStyle/>
+          <a:p>
+            <a:pPr algn="ctr"/>
+            <a:r>
+              <a:rPr lang="en-US" dirty="0" smtClean="0"/>
+              <a:t>SMARTPHONE</a:t>
+            </a:r>
+            <a:endParaRPr lang="en-US" dirty="0" smtClean="0"/>
+          </a:p>
+        </p:txBody>
+      </p:sp>
+    </p:spTree>
+  </p:cSld>
+  <p:clrMapOvr>
+    <a:masterClrMapping/>
+  </p:clrMapOvr>
+</p:sld>
+</file>
+
+<file path=ppt/slides/slide17.xml><?xml version="1.0" encoding="utf-8"?>
+<p:sld xmlns:a="http://schemas.openxmlformats.org/drawingml/2006/main" xmlns:r="http://schemas.openxmlformats.org/officeDocument/2006/relationships" xmlns:p="http://schemas.openxmlformats.org/presentationml/2006/main">
+  <p:cSld>
+    <p:spTree>
+      <p:nvGrpSpPr>
+        <p:cNvPr id="1" name=""/>
+        <p:cNvGrpSpPr/>
+        <p:nvPr/>
+      </p:nvGrpSpPr>
+      <p:grpSpPr>
+        <a:xfrm>
+          <a:off x="0" y="0"/>
+          <a:ext cx="0" cy="0"/>
+          <a:chOff x="0" y="0"/>
+          <a:chExt cx="0" cy="0"/>
+        </a:xfrm>
+      </p:grpSpPr>
+      <p:sp>
+        <p:nvSpPr>
+          <p:cNvPr id="2" name="Title 1"/>
+          <p:cNvSpPr>
+            <a:spLocks noGrp="1"/>
+          </p:cNvSpPr>
+          <p:nvPr>
+            <p:ph type="title"/>
+          </p:nvPr>
+        </p:nvSpPr>
+        <p:spPr/>
+        <p:txBody>
+          <a:bodyPr/>
+          <a:lstStyle/>
+          <a:p>
+            <a:pPr algn="ctr"/>
+            <a:r>
+              <a:rPr lang="en-US" b="1" dirty="0" smtClean="0"/>
+              <a:t>SUPPLIERS</a:t>
+            </a:r>
+            <a:endParaRPr lang="en-US" b="1" dirty="0"/>
+          </a:p>
+        </p:txBody>
+      </p:sp>
+      <p:pic>
+        <p:nvPicPr>
+          <p:cNvPr id="9218" name="Picture 2"/>
+          <p:cNvPicPr>
+            <a:picLocks noGrp="1" noChangeAspect="1" noChangeArrowheads="1"/>
+          </p:cNvPicPr>
+          <p:nvPr>
+            <p:ph idx="1"/>
+          </p:nvPr>
+        </p:nvPicPr>
+        <p:blipFill>
+          <a:blip r:embed="rId1">
+            <a:extLst>
+              <a:ext uri="{28A0092B-C50C-407E-A947-70E740481C1C}">
+                <a14:useLocalDpi xmlns:a14="http://schemas.microsoft.com/office/drawing/2010/main" val="0"/>
+              </a:ext>
+            </a:extLst>
+          </a:blip>
+          <a:srcRect/>
+          <a:stretch>
+            <a:fillRect/>
+          </a:stretch>
+        </p:blipFill>
+        <p:spPr bwMode="auto">
+          <a:xfrm>
+            <a:off x="1216064" y="2740541"/>
+            <a:ext cx="3629532" cy="2629267"/>
+          </a:xfrm>
+          <a:prstGeom prst="rect">
+            <a:avLst/>
+          </a:prstGeom>
+          <a:noFill/>
+          <a:ln>
+            <a:noFill/>
+          </a:ln>
+          <a:effectLst/>
+          <a:extLst>
+            <a:ext uri="{909E8E84-426E-40DD-AFC4-6F175D3DCCD1}">
+              <a14:hiddenFill xmlns:a14="http://schemas.microsoft.com/office/drawing/2010/main">
+                <a:solidFill>
+                  <a:schemeClr val="accent1"/>
+                </a:solidFill>
+              </a14:hiddenFill>
+            </a:ext>
+            <a:ext uri="{91240B29-F687-4F45-9708-019B960494DF}">
+              <a14:hiddenLine xmlns:a14="http://schemas.microsoft.com/office/drawing/2010/main" w="9525">
+                <a:solidFill>
+                  <a:schemeClr val="tx1"/>
+                </a:solidFill>
+                <a:miter lim="800000"/>
+                <a:headEnd/>
+                <a:tailEnd/>
+              </a14:hiddenLine>
+            </a:ext>
+            <a:ext uri="{AF507438-7753-43E0-B8FC-AC1667EBCBE1}">
+              <a14:hiddenEffects xmlns:a14="http://schemas.microsoft.com/office/drawing/2010/main">
+                <a:effectLst>
+                  <a:outerShdw dist="35921" dir="2700000" algn="ctr" rotWithShape="0">
+                    <a:schemeClr val="bg2"/>
+                  </a:outerShdw>
+                </a:effectLst>
+              </a14:hiddenEffects>
+            </a:ext>
+          </a:extLst>
+        </p:spPr>
+      </p:pic>
+      <p:pic>
+        <p:nvPicPr>
+          <p:cNvPr id="9219" name="Picture 3"/>
+          <p:cNvPicPr>
+            <a:picLocks noChangeAspect="1" noChangeArrowheads="1"/>
+          </p:cNvPicPr>
+          <p:nvPr/>
+        </p:nvPicPr>
+        <p:blipFill>
+          <a:blip r:embed="rId2">
+            <a:extLst>
+              <a:ext uri="{28A0092B-C50C-407E-A947-70E740481C1C}">
+                <a14:useLocalDpi xmlns:a14="http://schemas.microsoft.com/office/drawing/2010/main" val="0"/>
+              </a:ext>
+            </a:extLst>
+          </a:blip>
+          <a:srcRect/>
+          <a:stretch>
+            <a:fillRect/>
+          </a:stretch>
+        </p:blipFill>
+        <p:spPr bwMode="auto">
+          <a:xfrm>
+            <a:off x="5940273" y="2762742"/>
+            <a:ext cx="2190750" cy="2790825"/>
+          </a:xfrm>
+          <a:prstGeom prst="rect">
+            <a:avLst/>
+          </a:prstGeom>
+          <a:noFill/>
+          <a:ln>
+            <a:noFill/>
+          </a:ln>
+          <a:effectLst/>
+          <a:extLst>
+            <a:ext uri="{909E8E84-426E-40DD-AFC4-6F175D3DCCD1}">
+              <a14:hiddenFill xmlns:a14="http://schemas.microsoft.com/office/drawing/2010/main">
+                <a:solidFill>
+                  <a:schemeClr val="accent1"/>
+                </a:solidFill>
+              </a14:hiddenFill>
+            </a:ext>
+            <a:ext uri="{91240B29-F687-4F45-9708-019B960494DF}">
+              <a14:hiddenLine xmlns:a14="http://schemas.microsoft.com/office/drawing/2010/main" w="9525">
+                <a:solidFill>
+                  <a:schemeClr val="tx1"/>
+                </a:solidFill>
+                <a:miter lim="800000"/>
+                <a:headEnd/>
+                <a:tailEnd/>
+              </a14:hiddenLine>
+            </a:ext>
+            <a:ext uri="{AF507438-7753-43E0-B8FC-AC1667EBCBE1}">
+              <a14:hiddenEffects xmlns:a14="http://schemas.microsoft.com/office/drawing/2010/main">
+                <a:effectLst>
+                  <a:outerShdw dist="35921" dir="2700000" algn="ctr" rotWithShape="0">
+                    <a:schemeClr val="bg2"/>
+                  </a:outerShdw>
+                </a:effectLst>
+              </a14:hiddenEffects>
+            </a:ext>
+          </a:extLst>
+        </p:spPr>
+      </p:pic>
+      <p:pic>
+        <p:nvPicPr>
+          <p:cNvPr id="9220" name="Picture 4"/>
+          <p:cNvPicPr>
+            <a:picLocks noChangeAspect="1" noChangeArrowheads="1"/>
+          </p:cNvPicPr>
+          <p:nvPr/>
+        </p:nvPicPr>
+        <p:blipFill>
+          <a:blip r:embed="rId3">
+            <a:extLst>
+              <a:ext uri="{28A0092B-C50C-407E-A947-70E740481C1C}">
+                <a14:useLocalDpi xmlns:a14="http://schemas.microsoft.com/office/drawing/2010/main" val="0"/>
+              </a:ext>
+            </a:extLst>
+          </a:blip>
+          <a:srcRect/>
+          <a:stretch>
+            <a:fillRect/>
+          </a:stretch>
+        </p:blipFill>
+        <p:spPr bwMode="auto">
+          <a:xfrm>
+            <a:off x="9230842" y="2753217"/>
+            <a:ext cx="1676400" cy="2800350"/>
+          </a:xfrm>
+          <a:prstGeom prst="rect">
+            <a:avLst/>
+          </a:prstGeom>
+          <a:noFill/>
+          <a:ln>
+            <a:noFill/>
+          </a:ln>
+          <a:effectLst/>
+          <a:extLst>
+            <a:ext uri="{909E8E84-426E-40DD-AFC4-6F175D3DCCD1}">
+              <a14:hiddenFill xmlns:a14="http://schemas.microsoft.com/office/drawing/2010/main">
+                <a:solidFill>
+                  <a:schemeClr val="accent1"/>
+                </a:solidFill>
+              </a14:hiddenFill>
+            </a:ext>
+            <a:ext uri="{91240B29-F687-4F45-9708-019B960494DF}">
+              <a14:hiddenLine xmlns:a14="http://schemas.microsoft.com/office/drawing/2010/main" w="9525">
+                <a:solidFill>
+                  <a:schemeClr val="tx1"/>
+                </a:solidFill>
+                <a:miter lim="800000"/>
+                <a:headEnd/>
+                <a:tailEnd/>
+              </a14:hiddenLine>
+            </a:ext>
+            <a:ext uri="{AF507438-7753-43E0-B8FC-AC1667EBCBE1}">
+              <a14:hiddenEffects xmlns:a14="http://schemas.microsoft.com/office/drawing/2010/main">
+                <a:effectLst>
+                  <a:outerShdw dist="35921" dir="2700000" algn="ctr" rotWithShape="0">
+                    <a:schemeClr val="bg2"/>
+                  </a:outerShdw>
+                </a:effectLst>
+              </a14:hiddenEffects>
+            </a:ext>
+          </a:extLst>
+        </p:spPr>
+      </p:pic>
+      <p:sp>
+        <p:nvSpPr>
+          <p:cNvPr id="7" name="TextBox 6"/>
+          <p:cNvSpPr txBox="1"/>
+          <p:nvPr/>
+        </p:nvSpPr>
+        <p:spPr>
+          <a:xfrm>
+            <a:off x="1656907" y="2375571"/>
+            <a:ext cx="2799183" cy="369332"/>
+          </a:xfrm>
+          <a:prstGeom prst="rect">
+            <a:avLst/>
+          </a:prstGeom>
+          <a:noFill/>
+        </p:spPr>
+        <p:txBody>
+          <a:bodyPr wrap="square" rtlCol="0">
+            <a:spAutoFit/>
+          </a:bodyPr>
+          <a:lstStyle/>
+          <a:p>
+            <a:pPr algn="ctr"/>
+            <a:r>
+              <a:rPr lang="en-US" dirty="0" smtClean="0"/>
+              <a:t>DESKTOP</a:t>
+            </a:r>
+            <a:endParaRPr lang="en-US" dirty="0" smtClean="0"/>
+          </a:p>
+        </p:txBody>
+      </p:sp>
+      <p:sp>
+        <p:nvSpPr>
+          <p:cNvPr id="8" name="TextBox 7"/>
+          <p:cNvSpPr txBox="1"/>
+          <p:nvPr/>
+        </p:nvSpPr>
+        <p:spPr>
+          <a:xfrm>
+            <a:off x="6372942" y="2409848"/>
+            <a:ext cx="1381126" cy="369332"/>
+          </a:xfrm>
+          <a:prstGeom prst="rect">
+            <a:avLst/>
+          </a:prstGeom>
+          <a:noFill/>
+        </p:spPr>
+        <p:txBody>
+          <a:bodyPr wrap="square" rtlCol="0">
+            <a:spAutoFit/>
+          </a:bodyPr>
+          <a:lstStyle/>
+          <a:p>
+            <a:pPr algn="ctr"/>
+            <a:r>
+              <a:rPr lang="en-US" dirty="0" smtClean="0"/>
+              <a:t>TABLET</a:t>
+            </a:r>
+            <a:endParaRPr lang="en-US" dirty="0" smtClean="0"/>
+          </a:p>
+        </p:txBody>
+      </p:sp>
+      <p:sp>
+        <p:nvSpPr>
+          <p:cNvPr id="9" name="TextBox 8"/>
+          <p:cNvSpPr txBox="1"/>
+          <p:nvPr/>
+        </p:nvSpPr>
+        <p:spPr>
+          <a:xfrm>
+            <a:off x="9256603" y="2396969"/>
+            <a:ext cx="1595698" cy="369332"/>
+          </a:xfrm>
+          <a:prstGeom prst="rect">
+            <a:avLst/>
+          </a:prstGeom>
+          <a:noFill/>
+        </p:spPr>
+        <p:txBody>
+          <a:bodyPr wrap="square" rtlCol="0">
+            <a:spAutoFit/>
+          </a:bodyPr>
+          <a:lstStyle/>
+          <a:p>
+            <a:pPr algn="ctr"/>
+            <a:r>
+              <a:rPr lang="en-US" dirty="0" smtClean="0"/>
+              <a:t>SMARTPHONE</a:t>
+            </a:r>
+            <a:endParaRPr lang="en-US" dirty="0" smtClean="0"/>
+          </a:p>
+        </p:txBody>
+      </p:sp>
+    </p:spTree>
+  </p:cSld>
+  <p:clrMapOvr>
+    <a:masterClrMapping/>
+  </p:clrMapOvr>
+</p:sld>
+</file>
+
+<file path=ppt/slides/slide18.xml><?xml version="1.0" encoding="utf-8"?>
+<p:sld xmlns:a="http://schemas.openxmlformats.org/drawingml/2006/main" xmlns:r="http://schemas.openxmlformats.org/officeDocument/2006/relationships" xmlns:p="http://schemas.openxmlformats.org/presentationml/2006/main">
+  <p:cSld>
+    <p:spTree>
+      <p:nvGrpSpPr>
+        <p:cNvPr id="1" name=""/>
+        <p:cNvGrpSpPr/>
+        <p:nvPr/>
+      </p:nvGrpSpPr>
+      <p:grpSpPr>
+        <a:xfrm>
+          <a:off x="0" y="0"/>
+          <a:ext cx="0" cy="0"/>
+          <a:chOff x="0" y="0"/>
+          <a:chExt cx="0" cy="0"/>
+        </a:xfrm>
+      </p:grpSpPr>
+      <p:sp>
+        <p:nvSpPr>
+          <p:cNvPr id="2" name="Title 1"/>
+          <p:cNvSpPr>
+            <a:spLocks noGrp="1"/>
+          </p:cNvSpPr>
+          <p:nvPr>
+            <p:ph type="title"/>
+          </p:nvPr>
+        </p:nvSpPr>
+        <p:spPr/>
+        <p:txBody>
+          <a:bodyPr/>
+          <a:lstStyle/>
+          <a:p>
+            <a:pPr algn="ctr"/>
+            <a:r>
+              <a:rPr lang="en-US" b="1" dirty="0" smtClean="0"/>
+              <a:t>STAFF MANAGMENT</a:t>
+            </a:r>
+            <a:endParaRPr lang="en-US" b="1" dirty="0"/>
+          </a:p>
+        </p:txBody>
+      </p:sp>
+      <p:pic>
+        <p:nvPicPr>
+          <p:cNvPr id="8194" name="Picture 2"/>
+          <p:cNvPicPr>
+            <a:picLocks noGrp="1" noChangeAspect="1" noChangeArrowheads="1"/>
+          </p:cNvPicPr>
+          <p:nvPr>
+            <p:ph idx="1"/>
+          </p:nvPr>
+        </p:nvPicPr>
+        <p:blipFill>
+          <a:blip r:embed="rId1">
+            <a:extLst>
+              <a:ext uri="{28A0092B-C50C-407E-A947-70E740481C1C}">
+                <a14:useLocalDpi xmlns:a14="http://schemas.microsoft.com/office/drawing/2010/main" val="0"/>
+              </a:ext>
+            </a:extLst>
+          </a:blip>
+          <a:srcRect/>
+          <a:stretch>
+            <a:fillRect/>
+          </a:stretch>
+        </p:blipFill>
+        <p:spPr bwMode="auto">
+          <a:xfrm>
+            <a:off x="1181406" y="2547833"/>
+            <a:ext cx="3982006" cy="2838846"/>
+          </a:xfrm>
+          <a:prstGeom prst="rect">
+            <a:avLst/>
+          </a:prstGeom>
+          <a:noFill/>
+          <a:ln>
+            <a:noFill/>
+          </a:ln>
+          <a:effectLst/>
+          <a:extLst>
+            <a:ext uri="{909E8E84-426E-40DD-AFC4-6F175D3DCCD1}">
+              <a14:hiddenFill xmlns:a14="http://schemas.microsoft.com/office/drawing/2010/main">
+                <a:solidFill>
+                  <a:schemeClr val="accent1"/>
+                </a:solidFill>
+              </a14:hiddenFill>
+            </a:ext>
+            <a:ext uri="{91240B29-F687-4F45-9708-019B960494DF}">
+              <a14:hiddenLine xmlns:a14="http://schemas.microsoft.com/office/drawing/2010/main" w="9525">
+                <a:solidFill>
+                  <a:schemeClr val="tx1"/>
+                </a:solidFill>
+                <a:miter lim="800000"/>
+                <a:headEnd/>
+                <a:tailEnd/>
+              </a14:hiddenLine>
+            </a:ext>
+            <a:ext uri="{AF507438-7753-43E0-B8FC-AC1667EBCBE1}">
+              <a14:hiddenEffects xmlns:a14="http://schemas.microsoft.com/office/drawing/2010/main">
+                <a:effectLst>
+                  <a:outerShdw dist="35921" dir="2700000" algn="ctr" rotWithShape="0">
+                    <a:schemeClr val="bg2"/>
+                  </a:outerShdw>
+                </a:effectLst>
+              </a14:hiddenEffects>
+            </a:ext>
+          </a:extLst>
+        </p:spPr>
+      </p:pic>
+      <p:sp>
+        <p:nvSpPr>
+          <p:cNvPr id="5" name="TextBox 4"/>
+          <p:cNvSpPr txBox="1"/>
+          <p:nvPr/>
+        </p:nvSpPr>
+        <p:spPr>
+          <a:xfrm>
+            <a:off x="1772818" y="2156628"/>
+            <a:ext cx="2799183" cy="369332"/>
+          </a:xfrm>
+          <a:prstGeom prst="rect">
+            <a:avLst/>
+          </a:prstGeom>
+          <a:noFill/>
+        </p:spPr>
+        <p:txBody>
+          <a:bodyPr wrap="square" rtlCol="0">
+            <a:spAutoFit/>
+          </a:bodyPr>
+          <a:lstStyle/>
+          <a:p>
+            <a:pPr algn="ctr"/>
+            <a:r>
+              <a:rPr lang="en-US" dirty="0" smtClean="0"/>
+              <a:t>DESKTOP</a:t>
+            </a:r>
+            <a:endParaRPr lang="en-US" dirty="0" smtClean="0"/>
+          </a:p>
+        </p:txBody>
+      </p:sp>
+      <p:sp>
+        <p:nvSpPr>
+          <p:cNvPr id="6" name="TextBox 5"/>
+          <p:cNvSpPr txBox="1"/>
+          <p:nvPr/>
+        </p:nvSpPr>
+        <p:spPr>
+          <a:xfrm>
+            <a:off x="6527490" y="2190905"/>
+            <a:ext cx="1381126" cy="369332"/>
+          </a:xfrm>
+          <a:prstGeom prst="rect">
+            <a:avLst/>
+          </a:prstGeom>
+          <a:noFill/>
+        </p:spPr>
+        <p:txBody>
+          <a:bodyPr wrap="square" rtlCol="0">
+            <a:spAutoFit/>
+          </a:bodyPr>
+          <a:lstStyle/>
+          <a:p>
+            <a:pPr algn="ctr"/>
+            <a:r>
+              <a:rPr lang="en-US" dirty="0" smtClean="0"/>
+              <a:t>TABLET</a:t>
+            </a:r>
+            <a:endParaRPr lang="en-US" dirty="0" smtClean="0"/>
+          </a:p>
+        </p:txBody>
+      </p:sp>
+      <p:sp>
+        <p:nvSpPr>
+          <p:cNvPr id="7" name="TextBox 6"/>
+          <p:cNvSpPr txBox="1"/>
+          <p:nvPr/>
+        </p:nvSpPr>
+        <p:spPr>
+          <a:xfrm>
+            <a:off x="9153571" y="2203784"/>
+            <a:ext cx="1595698" cy="369332"/>
+          </a:xfrm>
+          <a:prstGeom prst="rect">
+            <a:avLst/>
+          </a:prstGeom>
+          <a:noFill/>
+        </p:spPr>
+        <p:txBody>
+          <a:bodyPr wrap="square" rtlCol="0">
+            <a:spAutoFit/>
+          </a:bodyPr>
+          <a:lstStyle/>
+          <a:p>
+            <a:pPr algn="ctr"/>
+            <a:r>
+              <a:rPr lang="en-US" dirty="0" smtClean="0"/>
+              <a:t>SMARTPHONE</a:t>
+            </a:r>
+            <a:endParaRPr lang="en-US" dirty="0" smtClean="0"/>
+          </a:p>
+        </p:txBody>
+      </p:sp>
+      <p:pic>
+        <p:nvPicPr>
+          <p:cNvPr id="8195" name="Picture 3"/>
+          <p:cNvPicPr>
+            <a:picLocks noChangeAspect="1" noChangeArrowheads="1"/>
+          </p:cNvPicPr>
+          <p:nvPr/>
+        </p:nvPicPr>
+        <p:blipFill>
+          <a:blip r:embed="rId2">
+            <a:extLst>
+              <a:ext uri="{28A0092B-C50C-407E-A947-70E740481C1C}">
+                <a14:useLocalDpi xmlns:a14="http://schemas.microsoft.com/office/drawing/2010/main" val="0"/>
+              </a:ext>
+            </a:extLst>
+          </a:blip>
+          <a:srcRect/>
+          <a:stretch>
+            <a:fillRect/>
+          </a:stretch>
+        </p:blipFill>
+        <p:spPr bwMode="auto">
+          <a:xfrm>
+            <a:off x="6097588" y="2572376"/>
+            <a:ext cx="2133600" cy="2724150"/>
+          </a:xfrm>
+          <a:prstGeom prst="rect">
+            <a:avLst/>
+          </a:prstGeom>
+          <a:noFill/>
+          <a:ln>
+            <a:noFill/>
+          </a:ln>
+          <a:effectLst/>
+          <a:extLst>
+            <a:ext uri="{909E8E84-426E-40DD-AFC4-6F175D3DCCD1}">
+              <a14:hiddenFill xmlns:a14="http://schemas.microsoft.com/office/drawing/2010/main">
+                <a:solidFill>
+                  <a:schemeClr val="accent1"/>
+                </a:solidFill>
+              </a14:hiddenFill>
+            </a:ext>
+            <a:ext uri="{91240B29-F687-4F45-9708-019B960494DF}">
+              <a14:hiddenLine xmlns:a14="http://schemas.microsoft.com/office/drawing/2010/main" w="9525">
+                <a:solidFill>
+                  <a:schemeClr val="tx1"/>
+                </a:solidFill>
+                <a:miter lim="800000"/>
+                <a:headEnd/>
+                <a:tailEnd/>
+              </a14:hiddenLine>
+            </a:ext>
+            <a:ext uri="{AF507438-7753-43E0-B8FC-AC1667EBCBE1}">
+              <a14:hiddenEffects xmlns:a14="http://schemas.microsoft.com/office/drawing/2010/main">
+                <a:effectLst>
+                  <a:outerShdw dist="35921" dir="2700000" algn="ctr" rotWithShape="0">
+                    <a:schemeClr val="bg2"/>
+                  </a:outerShdw>
+                </a:effectLst>
+              </a14:hiddenEffects>
+            </a:ext>
+          </a:extLst>
+        </p:spPr>
+      </p:pic>
+      <p:pic>
+        <p:nvPicPr>
+          <p:cNvPr id="8196" name="Picture 4"/>
+          <p:cNvPicPr>
+            <a:picLocks noChangeAspect="1" noChangeArrowheads="1"/>
+          </p:cNvPicPr>
+          <p:nvPr/>
+        </p:nvPicPr>
+        <p:blipFill>
+          <a:blip r:embed="rId3">
+            <a:extLst>
+              <a:ext uri="{28A0092B-C50C-407E-A947-70E740481C1C}">
+                <a14:useLocalDpi xmlns:a14="http://schemas.microsoft.com/office/drawing/2010/main" val="0"/>
+              </a:ext>
+            </a:extLst>
+          </a:blip>
+          <a:srcRect/>
+          <a:stretch>
+            <a:fillRect/>
+          </a:stretch>
+        </p:blipFill>
+        <p:spPr bwMode="auto">
+          <a:xfrm>
+            <a:off x="9153571" y="2572376"/>
+            <a:ext cx="1619250" cy="2724150"/>
+          </a:xfrm>
+          <a:prstGeom prst="rect">
+            <a:avLst/>
+          </a:prstGeom>
+          <a:noFill/>
+          <a:ln>
+            <a:noFill/>
+          </a:ln>
+          <a:effectLst/>
+          <a:extLst>
+            <a:ext uri="{909E8E84-426E-40DD-AFC4-6F175D3DCCD1}">
+              <a14:hiddenFill xmlns:a14="http://schemas.microsoft.com/office/drawing/2010/main">
+                <a:solidFill>
+                  <a:schemeClr val="accent1"/>
+                </a:solidFill>
+              </a14:hiddenFill>
+            </a:ext>
+            <a:ext uri="{91240B29-F687-4F45-9708-019B960494DF}">
+              <a14:hiddenLine xmlns:a14="http://schemas.microsoft.com/office/drawing/2010/main" w="9525">
+                <a:solidFill>
+                  <a:schemeClr val="tx1"/>
+                </a:solidFill>
+                <a:miter lim="800000"/>
+                <a:headEnd/>
+                <a:tailEnd/>
+              </a14:hiddenLine>
+            </a:ext>
+            <a:ext uri="{AF507438-7753-43E0-B8FC-AC1667EBCBE1}">
+              <a14:hiddenEffects xmlns:a14="http://schemas.microsoft.com/office/drawing/2010/main">
+                <a:effectLst>
+                  <a:outerShdw dist="35921" dir="2700000" algn="ctr" rotWithShape="0">
+                    <a:schemeClr val="bg2"/>
+                  </a:outerShdw>
+                </a:effectLst>
+              </a14:hiddenEffects>
+            </a:ext>
+          </a:extLst>
+        </p:spPr>
+      </p:pic>
+    </p:spTree>
+  </p:cSld>
+  <p:clrMapOvr>
+    <a:masterClrMapping/>
+  </p:clrMapOvr>
+</p:sld>
+</file>
+
+<file path=ppt/slides/slide19.xml><?xml version="1.0" encoding="utf-8"?>
+<p:sld xmlns:a="http://schemas.openxmlformats.org/drawingml/2006/main" xmlns:r="http://schemas.openxmlformats.org/officeDocument/2006/relationships" xmlns:p="http://schemas.openxmlformats.org/presentationml/2006/main">
+  <p:cSld>
+    <p:spTree>
+      <p:nvGrpSpPr>
+        <p:cNvPr id="1" name=""/>
+        <p:cNvGrpSpPr/>
+        <p:nvPr/>
+      </p:nvGrpSpPr>
+      <p:grpSpPr>
+        <a:xfrm>
+          <a:off x="0" y="0"/>
+          <a:ext cx="0" cy="0"/>
+          <a:chOff x="0" y="0"/>
+          <a:chExt cx="0" cy="0"/>
+        </a:xfrm>
+      </p:grpSpPr>
+      <p:sp>
+        <p:nvSpPr>
+          <p:cNvPr id="2" name="Title 1"/>
+          <p:cNvSpPr>
+            <a:spLocks noGrp="1"/>
+          </p:cNvSpPr>
+          <p:nvPr>
+            <p:ph type="title"/>
+          </p:nvPr>
+        </p:nvSpPr>
+        <p:spPr/>
+        <p:txBody>
+          <a:bodyPr/>
+          <a:lstStyle/>
+          <a:p>
+            <a:pPr algn="ctr"/>
+            <a:r>
+              <a:rPr lang="en-US" b="1" dirty="0" smtClean="0"/>
+              <a:t>SETTINGS</a:t>
+            </a:r>
+            <a:endParaRPr lang="en-US" b="1" dirty="0"/>
+          </a:p>
+        </p:txBody>
+      </p:sp>
+      <p:sp>
+        <p:nvSpPr>
+          <p:cNvPr id="5" name="TextBox 4"/>
+          <p:cNvSpPr txBox="1"/>
+          <p:nvPr/>
+        </p:nvSpPr>
+        <p:spPr>
+          <a:xfrm>
+            <a:off x="1927362" y="2195271"/>
+            <a:ext cx="2799183" cy="369332"/>
+          </a:xfrm>
+          <a:prstGeom prst="rect">
+            <a:avLst/>
+          </a:prstGeom>
+          <a:noFill/>
+        </p:spPr>
+        <p:txBody>
+          <a:bodyPr wrap="square" rtlCol="0">
+            <a:spAutoFit/>
+          </a:bodyPr>
+          <a:lstStyle/>
+          <a:p>
+            <a:pPr algn="ctr"/>
+            <a:r>
+              <a:rPr lang="en-US" dirty="0" smtClean="0"/>
+              <a:t>DESKTOP</a:t>
+            </a:r>
+            <a:endParaRPr lang="en-US" dirty="0" smtClean="0"/>
+          </a:p>
+        </p:txBody>
+      </p:sp>
+      <p:sp>
+        <p:nvSpPr>
+          <p:cNvPr id="6" name="TextBox 5"/>
+          <p:cNvSpPr txBox="1"/>
+          <p:nvPr/>
+        </p:nvSpPr>
+        <p:spPr>
+          <a:xfrm>
+            <a:off x="6407218" y="2182185"/>
+            <a:ext cx="1381126" cy="369332"/>
+          </a:xfrm>
+          <a:prstGeom prst="rect">
+            <a:avLst/>
+          </a:prstGeom>
+          <a:noFill/>
+        </p:spPr>
+        <p:txBody>
+          <a:bodyPr wrap="square" rtlCol="0">
+            <a:spAutoFit/>
+          </a:bodyPr>
+          <a:lstStyle/>
+          <a:p>
+            <a:pPr algn="ctr"/>
+            <a:r>
+              <a:rPr lang="en-US" dirty="0" smtClean="0"/>
+              <a:t>TABLET</a:t>
+            </a:r>
+            <a:endParaRPr lang="en-US" dirty="0" smtClean="0"/>
+          </a:p>
+        </p:txBody>
+      </p:sp>
+      <p:sp>
+        <p:nvSpPr>
+          <p:cNvPr id="7" name="TextBox 6"/>
+          <p:cNvSpPr txBox="1"/>
+          <p:nvPr/>
+        </p:nvSpPr>
+        <p:spPr>
+          <a:xfrm>
+            <a:off x="9230845" y="2165147"/>
+            <a:ext cx="1595698" cy="369332"/>
+          </a:xfrm>
+          <a:prstGeom prst="rect">
+            <a:avLst/>
+          </a:prstGeom>
+          <a:noFill/>
+        </p:spPr>
+        <p:txBody>
+          <a:bodyPr wrap="square" rtlCol="0">
+            <a:spAutoFit/>
+          </a:bodyPr>
+          <a:lstStyle/>
+          <a:p>
+            <a:pPr algn="ctr"/>
+            <a:r>
+              <a:rPr lang="en-US" dirty="0" smtClean="0"/>
+              <a:t>SMARTPHONE</a:t>
+            </a:r>
+            <a:endParaRPr lang="en-US" dirty="0" smtClean="0"/>
+          </a:p>
+        </p:txBody>
+      </p:sp>
+      <p:pic>
+        <p:nvPicPr>
+          <p:cNvPr id="8" name="Picture 2"/>
+          <p:cNvPicPr>
+            <a:picLocks noGrp="1" noChangeAspect="1" noChangeArrowheads="1"/>
+          </p:cNvPicPr>
+          <p:nvPr>
+            <p:ph idx="1"/>
+          </p:nvPr>
+        </p:nvPicPr>
+        <p:blipFill>
+          <a:blip r:embed="rId1">
+            <a:extLst>
+              <a:ext uri="{28A0092B-C50C-407E-A947-70E740481C1C}">
+                <a14:useLocalDpi xmlns:a14="http://schemas.microsoft.com/office/drawing/2010/main" val="0"/>
+              </a:ext>
+            </a:extLst>
+          </a:blip>
+          <a:srcRect/>
+          <a:stretch>
+            <a:fillRect/>
+          </a:stretch>
+        </p:blipFill>
+        <p:spPr bwMode="auto">
+          <a:xfrm>
+            <a:off x="1474962" y="2682276"/>
+            <a:ext cx="3600953" cy="2686425"/>
+          </a:xfrm>
+          <a:prstGeom prst="rect">
+            <a:avLst/>
+          </a:prstGeom>
+          <a:noFill/>
+          <a:ln>
+            <a:noFill/>
+          </a:ln>
+          <a:effectLst/>
+          <a:extLst>
+            <a:ext uri="{909E8E84-426E-40DD-AFC4-6F175D3DCCD1}">
+              <a14:hiddenFill xmlns:a14="http://schemas.microsoft.com/office/drawing/2010/main">
+                <a:solidFill>
+                  <a:schemeClr val="accent1"/>
+                </a:solidFill>
+              </a14:hiddenFill>
+            </a:ext>
+            <a:ext uri="{91240B29-F687-4F45-9708-019B960494DF}">
+              <a14:hiddenLine xmlns:a14="http://schemas.microsoft.com/office/drawing/2010/main" w="9525">
+                <a:solidFill>
+                  <a:schemeClr val="tx1"/>
+                </a:solidFill>
+                <a:miter lim="800000"/>
+                <a:headEnd/>
+                <a:tailEnd/>
+              </a14:hiddenLine>
+            </a:ext>
+            <a:ext uri="{AF507438-7753-43E0-B8FC-AC1667EBCBE1}">
+              <a14:hiddenEffects xmlns:a14="http://schemas.microsoft.com/office/drawing/2010/main">
+                <a:effectLst>
+                  <a:outerShdw dist="35921" dir="2700000" algn="ctr" rotWithShape="0">
+                    <a:schemeClr val="bg2"/>
+                  </a:outerShdw>
+                </a:effectLst>
+              </a14:hiddenEffects>
+            </a:ext>
+          </a:extLst>
+        </p:spPr>
+      </p:pic>
+      <p:pic>
+        <p:nvPicPr>
+          <p:cNvPr id="11266" name="Picture 2"/>
+          <p:cNvPicPr>
+            <a:picLocks noChangeAspect="1" noChangeArrowheads="1"/>
+          </p:cNvPicPr>
+          <p:nvPr/>
+        </p:nvPicPr>
+        <p:blipFill>
+          <a:blip r:embed="rId2">
+            <a:extLst>
+              <a:ext uri="{28A0092B-C50C-407E-A947-70E740481C1C}">
+                <a14:useLocalDpi xmlns:a14="http://schemas.microsoft.com/office/drawing/2010/main" val="0"/>
+              </a:ext>
+            </a:extLst>
+          </a:blip>
+          <a:srcRect/>
+          <a:stretch>
+            <a:fillRect/>
+          </a:stretch>
+        </p:blipFill>
+        <p:spPr bwMode="auto">
+          <a:xfrm>
+            <a:off x="5991471" y="2701906"/>
+            <a:ext cx="2238375" cy="2533650"/>
+          </a:xfrm>
+          <a:prstGeom prst="rect">
+            <a:avLst/>
+          </a:prstGeom>
+          <a:noFill/>
+          <a:ln>
+            <a:noFill/>
+          </a:ln>
+          <a:effectLst/>
+          <a:extLst>
+            <a:ext uri="{909E8E84-426E-40DD-AFC4-6F175D3DCCD1}">
+              <a14:hiddenFill xmlns:a14="http://schemas.microsoft.com/office/drawing/2010/main">
+                <a:solidFill>
+                  <a:schemeClr val="accent1"/>
+                </a:solidFill>
+              </a14:hiddenFill>
+            </a:ext>
+            <a:ext uri="{91240B29-F687-4F45-9708-019B960494DF}">
+              <a14:hiddenLine xmlns:a14="http://schemas.microsoft.com/office/drawing/2010/main" w="9525">
+                <a:solidFill>
+                  <a:schemeClr val="tx1"/>
+                </a:solidFill>
+                <a:miter lim="800000"/>
+                <a:headEnd/>
+                <a:tailEnd/>
+              </a14:hiddenLine>
+            </a:ext>
+            <a:ext uri="{AF507438-7753-43E0-B8FC-AC1667EBCBE1}">
+              <a14:hiddenEffects xmlns:a14="http://schemas.microsoft.com/office/drawing/2010/main">
+                <a:effectLst>
+                  <a:outerShdw dist="35921" dir="2700000" algn="ctr" rotWithShape="0">
+                    <a:schemeClr val="bg2"/>
+                  </a:outerShdw>
+                </a:effectLst>
+              </a14:hiddenEffects>
+            </a:ext>
+          </a:extLst>
+        </p:spPr>
+      </p:pic>
+      <p:pic>
+        <p:nvPicPr>
+          <p:cNvPr id="11267" name="Picture 3"/>
+          <p:cNvPicPr>
+            <a:picLocks noChangeAspect="1" noChangeArrowheads="1"/>
+          </p:cNvPicPr>
+          <p:nvPr/>
+        </p:nvPicPr>
+        <p:blipFill>
+          <a:blip r:embed="rId3">
+            <a:extLst>
+              <a:ext uri="{28A0092B-C50C-407E-A947-70E740481C1C}">
+                <a14:useLocalDpi xmlns:a14="http://schemas.microsoft.com/office/drawing/2010/main" val="0"/>
+              </a:ext>
+            </a:extLst>
+          </a:blip>
+          <a:srcRect/>
+          <a:stretch>
+            <a:fillRect/>
+          </a:stretch>
+        </p:blipFill>
+        <p:spPr bwMode="auto">
+          <a:xfrm>
+            <a:off x="9204475" y="2736652"/>
+            <a:ext cx="1647825" cy="2486025"/>
+          </a:xfrm>
+          <a:prstGeom prst="rect">
+            <a:avLst/>
+          </a:prstGeom>
+          <a:noFill/>
+          <a:ln>
+            <a:noFill/>
+          </a:ln>
+          <a:effectLst/>
+          <a:extLst>
+            <a:ext uri="{909E8E84-426E-40DD-AFC4-6F175D3DCCD1}">
+              <a14:hiddenFill xmlns:a14="http://schemas.microsoft.com/office/drawing/2010/main">
+                <a:solidFill>
+                  <a:schemeClr val="accent1"/>
+                </a:solidFill>
+              </a14:hiddenFill>
+            </a:ext>
+            <a:ext uri="{91240B29-F687-4F45-9708-019B960494DF}">
+              <a14:hiddenLine xmlns:a14="http://schemas.microsoft.com/office/drawing/2010/main" w="9525">
+                <a:solidFill>
+                  <a:schemeClr val="tx1"/>
+                </a:solidFill>
+                <a:miter lim="800000"/>
+                <a:headEnd/>
+                <a:tailEnd/>
+              </a14:hiddenLine>
+            </a:ext>
+            <a:ext uri="{AF507438-7753-43E0-B8FC-AC1667EBCBE1}">
+              <a14:hiddenEffects xmlns:a14="http://schemas.microsoft.com/office/drawing/2010/main">
+                <a:effectLst>
+                  <a:outerShdw dist="35921" dir="2700000" algn="ctr" rotWithShape="0">
+                    <a:schemeClr val="bg2"/>
+                  </a:outerShdw>
+                </a:effectLst>
+              </a14:hiddenEffects>
+            </a:ext>
+          </a:extLst>
+        </p:spPr>
+      </p:pic>
+    </p:spTree>
+  </p:cSld>
+  <p:clrMapOvr>
+    <a:masterClrMapping/>
+  </p:clrMapOvr>
+</p:sld>
+</file>
+
+<file path=ppt/slides/slide2.xml><?xml version="1.0" encoding="utf-8"?>
+<p:sld xmlns:a="http://schemas.openxmlformats.org/drawingml/2006/main" xmlns:r="http://schemas.openxmlformats.org/officeDocument/2006/relationships" xmlns:p="http://schemas.openxmlformats.org/presentationml/2006/main">
+  <p:cSld>
+    <p:spTree>
+      <p:nvGrpSpPr>
+        <p:cNvPr id="1" name=""/>
+        <p:cNvGrpSpPr/>
+        <p:nvPr/>
+      </p:nvGrpSpPr>
+      <p:grpSpPr>
+        <a:xfrm>
+          <a:off x="0" y="0"/>
+          <a:ext cx="0" cy="0"/>
+          <a:chOff x="0" y="0"/>
+          <a:chExt cx="0" cy="0"/>
+        </a:xfrm>
+      </p:grpSpPr>
+      <p:sp>
+        <p:nvSpPr>
+          <p:cNvPr id="2" name="Title 1"/>
+          <p:cNvSpPr>
+            <a:spLocks noGrp="1"/>
+          </p:cNvSpPr>
+          <p:nvPr>
+            <p:ph type="title"/>
+          </p:nvPr>
+        </p:nvSpPr>
+        <p:spPr>
+          <a:xfrm>
+            <a:off x="838200" y="272360"/>
+            <a:ext cx="10571922" cy="999849"/>
+          </a:xfrm>
+        </p:spPr>
+        <p:txBody>
+          <a:bodyPr>
+            <a:normAutofit/>
+          </a:bodyPr>
+          <a:lstStyle/>
+          <a:p>
+            <a:pPr algn="ctr"/>
+            <a:r>
+              <a:rPr lang="en-US" sz="6000" b="1" dirty="0"/>
+              <a:t>BACKGROUND OF THE PROJECT</a:t>
+            </a:r>
+            <a:endParaRPr lang="en-PH" sz="6000" b="1" dirty="0"/>
+          </a:p>
+        </p:txBody>
+      </p:sp>
+      <p:sp>
+        <p:nvSpPr>
+          <p:cNvPr id="3" name="Content Placeholder 2"/>
+          <p:cNvSpPr>
+            <a:spLocks noGrp="1"/>
+          </p:cNvSpPr>
+          <p:nvPr>
+            <p:ph idx="1"/>
+          </p:nvPr>
+        </p:nvSpPr>
+        <p:spPr>
+          <a:xfrm>
+            <a:off x="838200" y="1272209"/>
+            <a:ext cx="10571922" cy="5088834"/>
+          </a:xfrm>
+        </p:spPr>
+        <p:txBody>
+          <a:bodyPr>
+            <a:noAutofit/>
+          </a:bodyPr>
+          <a:lstStyle/>
+          <a:p>
+            <a:pPr marL="457200" indent="0" algn="just" fontAlgn="base">
+              <a:lnSpc>
+                <a:spcPct val="107000"/>
+              </a:lnSpc>
+              <a:spcAft>
+                <a:spcPts val="1800"/>
+              </a:spcAft>
+              <a:buNone/>
+            </a:pPr>
+            <a:r>
+              <a:rPr lang="en-US" sz="2400" dirty="0">
+                <a:effectLst/>
+                <a:latin typeface="Calibri" panose="020F0502020204030204" pitchFamily="34" charset="0"/>
+                <a:cs typeface="Times New Roman" panose="02020603050405020304" pitchFamily="18" charset="0"/>
+              </a:rPr>
+              <a:t>	In these challenging times, people are constantly looking for ways to improve their lives and increase their income. As the saying goes, </a:t>
+            </a:r>
+            <a:r>
+              <a:rPr lang="en-US" sz="2400" i="1" dirty="0">
+                <a:effectLst/>
+                <a:latin typeface="Calibri" panose="020F0502020204030204" pitchFamily="34" charset="0"/>
+                <a:cs typeface="Times New Roman" panose="02020603050405020304" pitchFamily="18" charset="0"/>
+              </a:rPr>
+              <a:t>"If you want to become a scientist, learn from scientists. But if you want to become a millionaire, learn from millionaires." -Anonymous.</a:t>
+            </a:r>
+            <a:r>
+              <a:rPr lang="en-US" sz="2400" dirty="0">
+                <a:effectLst/>
+                <a:latin typeface="Calibri" panose="020F0502020204030204" pitchFamily="34" charset="0"/>
+                <a:cs typeface="Times New Roman" panose="02020603050405020304" pitchFamily="18" charset="0"/>
+              </a:rPr>
+              <a:t> Entrepreneurship is a great way to do this, and many people start by running a business while also working full-time. However, this can be stressful and time-consuming, and it can be difficult to keep track of everything while you're away from your business.</a:t>
+            </a:r>
+            <a:endParaRPr lang="en-US" sz="2400" dirty="0">
+              <a:effectLst/>
+              <a:latin typeface="Calibri" panose="020F0502020204030204" pitchFamily="34" charset="0"/>
+              <a:cs typeface="Times New Roman" panose="02020603050405020304" pitchFamily="18" charset="0"/>
+            </a:endParaRPr>
+          </a:p>
+          <a:p>
+            <a:pPr indent="0" fontAlgn="base">
+              <a:lnSpc>
+                <a:spcPct val="107000"/>
+              </a:lnSpc>
+              <a:spcAft>
+                <a:spcPts val="1800"/>
+              </a:spcAft>
+              <a:buNone/>
+            </a:pPr>
+            <a:r>
+              <a:rPr lang="en-US" sz="2400" kern="1200" dirty="0">
+                <a:solidFill>
+                  <a:srgbClr val="000000"/>
+                </a:solidFill>
+                <a:effectLst/>
+                <a:latin typeface="Calibri" panose="020F0502020204030204" pitchFamily="34" charset="0"/>
+                <a:ea typeface="等线" panose="020B0503020204020204" pitchFamily="2" charset="-122"/>
+                <a:cs typeface="Times New Roman" panose="02020603050405020304" pitchFamily="18" charset="0"/>
+              </a:rPr>
+              <a:t>	But with our inventory management system, </a:t>
+            </a:r>
+            <a:r>
+              <a:rPr lang="en-US" sz="2400" dirty="0">
+                <a:effectLst/>
+                <a:latin typeface="Calibri" panose="020F0502020204030204" pitchFamily="34" charset="0"/>
+                <a:cs typeface="Times New Roman" panose="02020603050405020304" pitchFamily="18" charset="0"/>
+              </a:rPr>
+              <a:t>you can stay in control of your business no matter where you are. Imagine being able to check your phone and with just a few clicks, you can notify your staff and stay informed about what's happening in your business. For those who are serious about becoming wealthy,</a:t>
+            </a:r>
+            <a:r>
+              <a:rPr lang="en-US" sz="2400" b="1" i="1" dirty="0">
+                <a:effectLst/>
+                <a:latin typeface="Calibri" panose="020F0502020204030204" pitchFamily="34" charset="0"/>
+                <a:cs typeface="Times New Roman" panose="02020603050405020304" pitchFamily="18" charset="0"/>
+              </a:rPr>
+              <a:t> Time is Money</a:t>
+            </a:r>
+            <a:r>
+              <a:rPr lang="en-US" sz="2400" dirty="0">
+                <a:effectLst/>
+                <a:latin typeface="Calibri" panose="020F0502020204030204" pitchFamily="34" charset="0"/>
+                <a:cs typeface="Times New Roman" panose="02020603050405020304" pitchFamily="18" charset="0"/>
+              </a:rPr>
+              <a:t> </a:t>
+            </a:r>
+            <a:r>
+              <a:rPr lang="en-US" sz="2400" b="1" i="1" dirty="0">
+                <a:effectLst/>
+                <a:latin typeface="Calibri" panose="020F0502020204030204" pitchFamily="34" charset="0"/>
+                <a:cs typeface="Times New Roman" panose="02020603050405020304" pitchFamily="18" charset="0"/>
+              </a:rPr>
+              <a:t>And with our inventory management system, you'll save both.</a:t>
+            </a:r>
+            <a:endParaRPr lang="en-US" sz="2400" dirty="0">
+              <a:effectLst/>
+              <a:latin typeface="Calibri" panose="020F0502020204030204" pitchFamily="34" charset="0"/>
+              <a:cs typeface="Times New Roman" panose="02020603050405020304" pitchFamily="18" charset="0"/>
+            </a:endParaRPr>
+          </a:p>
+        </p:txBody>
+      </p:sp>
+    </p:spTree>
+  </p:cSld>
+  <p:clrMapOvr>
+    <a:masterClrMapping/>
+  </p:clrMapOvr>
+</p:sld>
+</file>
+
+<file path=ppt/slides/slide20.xml><?xml version="1.0" encoding="utf-8"?>
+<p:sld xmlns:a="http://schemas.openxmlformats.org/drawingml/2006/main" xmlns:r="http://schemas.openxmlformats.org/officeDocument/2006/relationships" xmlns:p="http://schemas.openxmlformats.org/presentationml/2006/main">
+  <p:cSld>
+    <p:spTree>
+      <p:nvGrpSpPr>
+        <p:cNvPr id="1" name=""/>
+        <p:cNvGrpSpPr/>
+        <p:nvPr/>
+      </p:nvGrpSpPr>
+      <p:grpSpPr>
+        <a:xfrm>
+          <a:off x="0" y="0"/>
+          <a:ext cx="0" cy="0"/>
+          <a:chOff x="0" y="0"/>
+          <a:chExt cx="0" cy="0"/>
+        </a:xfrm>
+      </p:grpSpPr>
+      <p:sp>
+        <p:nvSpPr>
+          <p:cNvPr id="2" name="Title 1"/>
+          <p:cNvSpPr>
+            <a:spLocks noGrp="1"/>
+          </p:cNvSpPr>
+          <p:nvPr>
+            <p:ph type="title"/>
+          </p:nvPr>
+        </p:nvSpPr>
+        <p:spPr>
+          <a:xfrm>
+            <a:off x="838200" y="339367"/>
+            <a:ext cx="10515600" cy="1325563"/>
+          </a:xfrm>
+        </p:spPr>
+        <p:txBody>
+          <a:bodyPr/>
+          <a:lstStyle/>
+          <a:p>
+            <a:pPr algn="ctr"/>
+            <a:r>
+              <a:rPr lang="en-US" b="1" dirty="0" smtClean="0"/>
+              <a:t>MAINTENANCE</a:t>
+            </a:r>
+            <a:endParaRPr lang="en-US" b="1" dirty="0"/>
+          </a:p>
+        </p:txBody>
+      </p:sp>
+      <p:sp>
+        <p:nvSpPr>
+          <p:cNvPr id="6" name="TextBox 5"/>
+          <p:cNvSpPr txBox="1"/>
+          <p:nvPr/>
+        </p:nvSpPr>
+        <p:spPr>
+          <a:xfrm>
+            <a:off x="6372942" y="2139389"/>
+            <a:ext cx="1381126" cy="369332"/>
+          </a:xfrm>
+          <a:prstGeom prst="rect">
+            <a:avLst/>
+          </a:prstGeom>
+          <a:noFill/>
+        </p:spPr>
+        <p:txBody>
+          <a:bodyPr wrap="square" rtlCol="0">
+            <a:spAutoFit/>
+          </a:bodyPr>
+          <a:lstStyle/>
+          <a:p>
+            <a:pPr algn="ctr"/>
+            <a:r>
+              <a:rPr lang="en-US" dirty="0" smtClean="0"/>
+              <a:t>TABLET</a:t>
+            </a:r>
+            <a:endParaRPr lang="en-US" dirty="0" smtClean="0"/>
+          </a:p>
+        </p:txBody>
+      </p:sp>
+      <p:sp>
+        <p:nvSpPr>
+          <p:cNvPr id="7" name="TextBox 6"/>
+          <p:cNvSpPr txBox="1"/>
+          <p:nvPr/>
+        </p:nvSpPr>
+        <p:spPr>
+          <a:xfrm>
+            <a:off x="1862971" y="2156628"/>
+            <a:ext cx="2799183" cy="369332"/>
+          </a:xfrm>
+          <a:prstGeom prst="rect">
+            <a:avLst/>
+          </a:prstGeom>
+          <a:noFill/>
+        </p:spPr>
+        <p:txBody>
+          <a:bodyPr wrap="square" rtlCol="0">
+            <a:spAutoFit/>
+          </a:bodyPr>
+          <a:lstStyle/>
+          <a:p>
+            <a:pPr algn="ctr"/>
+            <a:r>
+              <a:rPr lang="en-US" dirty="0" smtClean="0"/>
+              <a:t>DESKTOP</a:t>
+            </a:r>
+            <a:endParaRPr lang="en-US" dirty="0" smtClean="0"/>
+          </a:p>
+        </p:txBody>
+      </p:sp>
+      <p:sp>
+        <p:nvSpPr>
+          <p:cNvPr id="9" name="TextBox 8"/>
+          <p:cNvSpPr txBox="1"/>
+          <p:nvPr/>
+        </p:nvSpPr>
+        <p:spPr>
+          <a:xfrm>
+            <a:off x="9217966" y="2113631"/>
+            <a:ext cx="1595698" cy="369332"/>
+          </a:xfrm>
+          <a:prstGeom prst="rect">
+            <a:avLst/>
+          </a:prstGeom>
+          <a:noFill/>
+        </p:spPr>
+        <p:txBody>
+          <a:bodyPr wrap="square" rtlCol="0">
+            <a:spAutoFit/>
+          </a:bodyPr>
+          <a:lstStyle/>
+          <a:p>
+            <a:pPr algn="ctr"/>
+            <a:r>
+              <a:rPr lang="en-US" dirty="0" smtClean="0"/>
+              <a:t>SMARTPHONE</a:t>
+            </a:r>
+            <a:endParaRPr lang="en-US" dirty="0" smtClean="0"/>
+          </a:p>
+        </p:txBody>
+      </p:sp>
+      <p:pic>
+        <p:nvPicPr>
+          <p:cNvPr id="10243" name="Picture 3"/>
+          <p:cNvPicPr>
+            <a:picLocks noGrp="1" noChangeAspect="1" noChangeArrowheads="1"/>
+          </p:cNvPicPr>
+          <p:nvPr>
+            <p:ph idx="1"/>
+          </p:nvPr>
+        </p:nvPicPr>
+        <p:blipFill>
+          <a:blip r:embed="rId1">
+            <a:extLst>
+              <a:ext uri="{28A0092B-C50C-407E-A947-70E740481C1C}">
+                <a14:useLocalDpi xmlns:a14="http://schemas.microsoft.com/office/drawing/2010/main" val="0"/>
+              </a:ext>
+            </a:extLst>
+          </a:blip>
+          <a:srcRect/>
+          <a:stretch>
+            <a:fillRect/>
+          </a:stretch>
+        </p:blipFill>
+        <p:spPr bwMode="auto">
+          <a:xfrm>
+            <a:off x="1446471" y="2639905"/>
+            <a:ext cx="3658111" cy="2619741"/>
+          </a:xfrm>
+          <a:prstGeom prst="rect">
+            <a:avLst/>
+          </a:prstGeom>
+          <a:noFill/>
+          <a:ln>
+            <a:noFill/>
+          </a:ln>
+          <a:effectLst/>
+          <a:extLst>
+            <a:ext uri="{909E8E84-426E-40DD-AFC4-6F175D3DCCD1}">
+              <a14:hiddenFill xmlns:a14="http://schemas.microsoft.com/office/drawing/2010/main">
+                <a:solidFill>
+                  <a:schemeClr val="accent1"/>
+                </a:solidFill>
+              </a14:hiddenFill>
+            </a:ext>
+            <a:ext uri="{91240B29-F687-4F45-9708-019B960494DF}">
+              <a14:hiddenLine xmlns:a14="http://schemas.microsoft.com/office/drawing/2010/main" w="9525">
+                <a:solidFill>
+                  <a:schemeClr val="tx1"/>
+                </a:solidFill>
+                <a:miter lim="800000"/>
+                <a:headEnd/>
+                <a:tailEnd/>
+              </a14:hiddenLine>
+            </a:ext>
+            <a:ext uri="{AF507438-7753-43E0-B8FC-AC1667EBCBE1}">
+              <a14:hiddenEffects xmlns:a14="http://schemas.microsoft.com/office/drawing/2010/main">
+                <a:effectLst>
+                  <a:outerShdw dist="35921" dir="2700000" algn="ctr" rotWithShape="0">
+                    <a:schemeClr val="bg2"/>
+                  </a:outerShdw>
+                </a:effectLst>
+              </a14:hiddenEffects>
+            </a:ext>
+          </a:extLst>
+        </p:spPr>
+      </p:pic>
+      <p:pic>
+        <p:nvPicPr>
+          <p:cNvPr id="10244" name="Picture 4"/>
+          <p:cNvPicPr>
+            <a:picLocks noChangeAspect="1" noChangeArrowheads="1"/>
+          </p:cNvPicPr>
+          <p:nvPr/>
+        </p:nvPicPr>
+        <p:blipFill>
+          <a:blip r:embed="rId2">
+            <a:extLst>
+              <a:ext uri="{28A0092B-C50C-407E-A947-70E740481C1C}">
+                <a14:useLocalDpi xmlns:a14="http://schemas.microsoft.com/office/drawing/2010/main" val="0"/>
+              </a:ext>
+            </a:extLst>
+          </a:blip>
+          <a:srcRect/>
+          <a:stretch>
+            <a:fillRect/>
+          </a:stretch>
+        </p:blipFill>
+        <p:spPr bwMode="auto">
+          <a:xfrm>
+            <a:off x="5963367" y="2628992"/>
+            <a:ext cx="2200275" cy="2619375"/>
+          </a:xfrm>
+          <a:prstGeom prst="rect">
+            <a:avLst/>
+          </a:prstGeom>
+          <a:noFill/>
+          <a:ln>
+            <a:noFill/>
+          </a:ln>
+          <a:effectLst/>
+          <a:extLst>
+            <a:ext uri="{909E8E84-426E-40DD-AFC4-6F175D3DCCD1}">
+              <a14:hiddenFill xmlns:a14="http://schemas.microsoft.com/office/drawing/2010/main">
+                <a:solidFill>
+                  <a:schemeClr val="accent1"/>
+                </a:solidFill>
+              </a14:hiddenFill>
+            </a:ext>
+            <a:ext uri="{91240B29-F687-4F45-9708-019B960494DF}">
+              <a14:hiddenLine xmlns:a14="http://schemas.microsoft.com/office/drawing/2010/main" w="9525">
+                <a:solidFill>
+                  <a:schemeClr val="tx1"/>
+                </a:solidFill>
+                <a:miter lim="800000"/>
+                <a:headEnd/>
+                <a:tailEnd/>
+              </a14:hiddenLine>
+            </a:ext>
+            <a:ext uri="{AF507438-7753-43E0-B8FC-AC1667EBCBE1}">
+              <a14:hiddenEffects xmlns:a14="http://schemas.microsoft.com/office/drawing/2010/main">
+                <a:effectLst>
+                  <a:outerShdw dist="35921" dir="2700000" algn="ctr" rotWithShape="0">
+                    <a:schemeClr val="bg2"/>
+                  </a:outerShdw>
+                </a:effectLst>
+              </a14:hiddenEffects>
+            </a:ext>
+          </a:extLst>
+        </p:spPr>
+      </p:pic>
+      <p:pic>
+        <p:nvPicPr>
+          <p:cNvPr id="10245" name="Picture 5"/>
+          <p:cNvPicPr>
+            <a:picLocks noChangeAspect="1" noChangeArrowheads="1"/>
+          </p:cNvPicPr>
+          <p:nvPr/>
+        </p:nvPicPr>
+        <p:blipFill>
+          <a:blip r:embed="rId3">
+            <a:extLst>
+              <a:ext uri="{28A0092B-C50C-407E-A947-70E740481C1C}">
+                <a14:useLocalDpi xmlns:a14="http://schemas.microsoft.com/office/drawing/2010/main" val="0"/>
+              </a:ext>
+            </a:extLst>
+          </a:blip>
+          <a:srcRect/>
+          <a:stretch>
+            <a:fillRect/>
+          </a:stretch>
+        </p:blipFill>
+        <p:spPr bwMode="auto">
+          <a:xfrm>
+            <a:off x="9185426" y="2612759"/>
+            <a:ext cx="1666875" cy="2609850"/>
+          </a:xfrm>
+          <a:prstGeom prst="rect">
+            <a:avLst/>
+          </a:prstGeom>
+          <a:noFill/>
+          <a:ln>
+            <a:noFill/>
+          </a:ln>
+          <a:effectLst/>
+          <a:extLst>
+            <a:ext uri="{909E8E84-426E-40DD-AFC4-6F175D3DCCD1}">
+              <a14:hiddenFill xmlns:a14="http://schemas.microsoft.com/office/drawing/2010/main">
+                <a:solidFill>
+                  <a:schemeClr val="accent1"/>
+                </a:solidFill>
+              </a14:hiddenFill>
+            </a:ext>
+            <a:ext uri="{91240B29-F687-4F45-9708-019B960494DF}">
+              <a14:hiddenLine xmlns:a14="http://schemas.microsoft.com/office/drawing/2010/main" w="9525">
+                <a:solidFill>
+                  <a:schemeClr val="tx1"/>
+                </a:solidFill>
+                <a:miter lim="800000"/>
+                <a:headEnd/>
+                <a:tailEnd/>
+              </a14:hiddenLine>
+            </a:ext>
+            <a:ext uri="{AF507438-7753-43E0-B8FC-AC1667EBCBE1}">
+              <a14:hiddenEffects xmlns:a14="http://schemas.microsoft.com/office/drawing/2010/main">
+                <a:effectLst>
+                  <a:outerShdw dist="35921" dir="2700000" algn="ctr" rotWithShape="0">
+                    <a:schemeClr val="bg2"/>
+                  </a:outerShdw>
+                </a:effectLst>
+              </a14:hiddenEffects>
+            </a:ext>
+          </a:extLst>
+        </p:spPr>
+      </p:pic>
+    </p:spTree>
+  </p:cSld>
+  <p:clrMapOvr>
+    <a:masterClrMapping/>
+  </p:clrMapOvr>
+</p:sld>
+</file>
+
+<file path=ppt/slides/slide3.xml><?xml version="1.0" encoding="utf-8"?>
+<p:sld xmlns:a="http://schemas.openxmlformats.org/drawingml/2006/main" xmlns:r="http://schemas.openxmlformats.org/officeDocument/2006/relationships" xmlns:p="http://schemas.openxmlformats.org/presentationml/2006/main">
+  <p:cSld>
+    <p:spTree>
+      <p:nvGrpSpPr>
+        <p:cNvPr id="1" name=""/>
+        <p:cNvGrpSpPr/>
+        <p:nvPr/>
+      </p:nvGrpSpPr>
+      <p:grpSpPr>
+        <a:xfrm>
+          <a:off x="0" y="0"/>
+          <a:ext cx="0" cy="0"/>
+          <a:chOff x="0" y="0"/>
+          <a:chExt cx="0" cy="0"/>
+        </a:xfrm>
+      </p:grpSpPr>
+      <p:sp>
+        <p:nvSpPr>
+          <p:cNvPr id="2" name="Title 1"/>
+          <p:cNvSpPr>
+            <a:spLocks noGrp="1"/>
+          </p:cNvSpPr>
+          <p:nvPr>
+            <p:ph type="title"/>
+          </p:nvPr>
+        </p:nvSpPr>
+        <p:spPr>
+          <a:xfrm>
+            <a:off x="838200" y="198783"/>
+            <a:ext cx="10515600" cy="757951"/>
+          </a:xfrm>
+        </p:spPr>
+        <p:txBody>
+          <a:bodyPr>
+            <a:noAutofit/>
+          </a:bodyPr>
+          <a:lstStyle/>
+          <a:p>
+            <a:pPr lvl="0" algn="ctr">
+              <a:lnSpc>
+                <a:spcPct val="107000"/>
+              </a:lnSpc>
+              <a:spcAft>
+                <a:spcPts val="800"/>
+              </a:spcAft>
+            </a:pPr>
+            <a:r>
+              <a:rPr lang="en-PH" sz="6000" b="1" dirty="0">
+                <a:effectLst/>
+                <a:latin typeface="Calibri" panose="020F0502020204030204" pitchFamily="34" charset="0"/>
+                <a:cs typeface="Times New Roman" panose="02020603050405020304" pitchFamily="18" charset="0"/>
+              </a:rPr>
+              <a:t>Statement of the Problem</a:t>
+            </a:r>
+            <a:endParaRPr lang="en-PH" sz="6000" dirty="0">
+              <a:effectLst/>
+              <a:latin typeface="Calibri" panose="020F0502020204030204" pitchFamily="34" charset="0"/>
+              <a:cs typeface="Times New Roman" panose="02020603050405020304" pitchFamily="18" charset="0"/>
+            </a:endParaRPr>
+          </a:p>
+        </p:txBody>
+      </p:sp>
+      <p:sp>
+        <p:nvSpPr>
+          <p:cNvPr id="3" name="Content Placeholder 2"/>
+          <p:cNvSpPr>
+            <a:spLocks noGrp="1"/>
+          </p:cNvSpPr>
+          <p:nvPr>
+            <p:ph idx="1"/>
+          </p:nvPr>
+        </p:nvSpPr>
+        <p:spPr>
+          <a:xfrm>
+            <a:off x="838200" y="1285461"/>
+            <a:ext cx="10515600" cy="4929072"/>
+          </a:xfrm>
+        </p:spPr>
+        <p:txBody>
+          <a:bodyPr>
+            <a:noAutofit/>
+          </a:bodyPr>
+          <a:lstStyle/>
+          <a:p>
+            <a:pPr marL="457200" indent="0" algn="just">
+              <a:lnSpc>
+                <a:spcPct val="107000"/>
+              </a:lnSpc>
+              <a:spcAft>
+                <a:spcPts val="800"/>
+              </a:spcAft>
+              <a:buNone/>
+            </a:pPr>
+            <a:r>
+              <a:rPr lang="en-US" sz="2400" dirty="0">
+                <a:effectLst/>
+                <a:latin typeface="Calibri" panose="020F0502020204030204" pitchFamily="34" charset="0"/>
+                <a:cs typeface="Times New Roman" panose="02020603050405020304" pitchFamily="18" charset="0"/>
+              </a:rPr>
+              <a:t>	The propose Inventory management project aims to provide solution on a common problem encountered by a most business owners due to poor inventory management system.</a:t>
+            </a:r>
+            <a:endParaRPr lang="en-US" sz="2400" dirty="0">
+              <a:effectLst/>
+              <a:latin typeface="Calibri" panose="020F0502020204030204" pitchFamily="34" charset="0"/>
+              <a:cs typeface="Times New Roman" panose="02020603050405020304" pitchFamily="18" charset="0"/>
+            </a:endParaRPr>
+          </a:p>
+          <a:p>
+            <a:pPr indent="0" algn="just">
+              <a:lnSpc>
+                <a:spcPct val="107000"/>
+              </a:lnSpc>
+              <a:spcAft>
+                <a:spcPts val="800"/>
+              </a:spcAft>
+              <a:buNone/>
+            </a:pPr>
+            <a:r>
+              <a:rPr lang="en-US" sz="2400" dirty="0">
+                <a:effectLst/>
+                <a:latin typeface="Calibri" panose="020F0502020204030204" pitchFamily="34" charset="0"/>
+                <a:cs typeface="Times New Roman" panose="02020603050405020304" pitchFamily="18" charset="0"/>
+              </a:rPr>
+              <a:t>	Specifically, on the following questions:</a:t>
+            </a:r>
+            <a:endParaRPr lang="en-US" sz="2400" dirty="0">
+              <a:effectLst/>
+              <a:latin typeface="Calibri" panose="020F0502020204030204" pitchFamily="34" charset="0"/>
+              <a:cs typeface="Times New Roman" panose="02020603050405020304" pitchFamily="18" charset="0"/>
+            </a:endParaRPr>
+          </a:p>
+          <a:p>
+            <a:pPr marL="914400" algn="just">
+              <a:lnSpc>
+                <a:spcPct val="107000"/>
+              </a:lnSpc>
+              <a:spcAft>
+                <a:spcPts val="800"/>
+              </a:spcAft>
+            </a:pPr>
+            <a:r>
+              <a:rPr lang="en-US" sz="2400" dirty="0">
+                <a:effectLst/>
+                <a:latin typeface="Calibri" panose="020F0502020204030204" pitchFamily="34" charset="0"/>
+                <a:cs typeface="Times New Roman" panose="02020603050405020304" pitchFamily="18" charset="0"/>
+              </a:rPr>
+              <a:t>1. How to prevent in demand product from running out of stock?</a:t>
+            </a:r>
+            <a:endParaRPr lang="en-US" sz="2400" dirty="0">
+              <a:effectLst/>
+              <a:latin typeface="Calibri" panose="020F0502020204030204" pitchFamily="34" charset="0"/>
+              <a:cs typeface="Times New Roman" panose="02020603050405020304" pitchFamily="18" charset="0"/>
+            </a:endParaRPr>
+          </a:p>
+          <a:p>
+            <a:pPr marL="914400" algn="just">
+              <a:lnSpc>
+                <a:spcPct val="107000"/>
+              </a:lnSpc>
+              <a:spcAft>
+                <a:spcPts val="800"/>
+              </a:spcAft>
+            </a:pPr>
+            <a:r>
+              <a:rPr lang="en-US" sz="2400" dirty="0">
+                <a:effectLst/>
+                <a:latin typeface="Calibri" panose="020F0502020204030204" pitchFamily="34" charset="0"/>
+                <a:cs typeface="Times New Roman" panose="02020603050405020304" pitchFamily="18" charset="0"/>
+              </a:rPr>
+              <a:t>2. How minimize overstock product?</a:t>
+            </a:r>
+            <a:endParaRPr lang="en-US" sz="2400" dirty="0">
+              <a:effectLst/>
+              <a:latin typeface="Calibri" panose="020F0502020204030204" pitchFamily="34" charset="0"/>
+              <a:cs typeface="Times New Roman" panose="02020603050405020304" pitchFamily="18" charset="0"/>
+            </a:endParaRPr>
+          </a:p>
+          <a:p>
+            <a:pPr marL="914400" algn="just">
+              <a:lnSpc>
+                <a:spcPct val="107000"/>
+              </a:lnSpc>
+              <a:spcAft>
+                <a:spcPts val="800"/>
+              </a:spcAft>
+            </a:pPr>
+            <a:r>
+              <a:rPr lang="en-US" sz="2400" dirty="0">
+                <a:effectLst/>
+                <a:latin typeface="Calibri" panose="020F0502020204030204" pitchFamily="34" charset="0"/>
+                <a:cs typeface="Times New Roman" panose="02020603050405020304" pitchFamily="18" charset="0"/>
+              </a:rPr>
+              <a:t>3. How to avoid losing sales due to expiry or expired product.</a:t>
+            </a:r>
+            <a:endParaRPr lang="en-US" sz="2400" dirty="0">
+              <a:effectLst/>
+              <a:latin typeface="Calibri" panose="020F0502020204030204" pitchFamily="34" charset="0"/>
+              <a:cs typeface="Times New Roman" panose="02020603050405020304" pitchFamily="18" charset="0"/>
+            </a:endParaRPr>
+          </a:p>
+          <a:p>
+            <a:pPr marL="914400" algn="just">
+              <a:lnSpc>
+                <a:spcPct val="107000"/>
+              </a:lnSpc>
+              <a:spcAft>
+                <a:spcPts val="800"/>
+              </a:spcAft>
+            </a:pPr>
+            <a:r>
+              <a:rPr lang="en-US" sz="2400" dirty="0">
+                <a:effectLst/>
+                <a:latin typeface="Calibri" panose="020F0502020204030204" pitchFamily="34" charset="0"/>
+                <a:cs typeface="Times New Roman" panose="02020603050405020304" pitchFamily="18" charset="0"/>
+              </a:rPr>
+              <a:t>4. How to choose better supplier amongst existing one?</a:t>
+            </a:r>
+            <a:endParaRPr lang="en-US" sz="2400" dirty="0">
+              <a:effectLst/>
+              <a:latin typeface="Calibri" panose="020F0502020204030204" pitchFamily="34" charset="0"/>
+              <a:cs typeface="Times New Roman" panose="02020603050405020304" pitchFamily="18" charset="0"/>
+            </a:endParaRPr>
+          </a:p>
+          <a:p>
+            <a:pPr marL="914400" algn="just">
+              <a:lnSpc>
+                <a:spcPct val="107000"/>
+              </a:lnSpc>
+              <a:spcAft>
+                <a:spcPts val="800"/>
+              </a:spcAft>
+            </a:pPr>
+            <a:r>
+              <a:rPr lang="en-US" sz="2400" dirty="0">
+                <a:effectLst/>
+                <a:latin typeface="Calibri" panose="020F0502020204030204" pitchFamily="34" charset="0"/>
+                <a:cs typeface="Times New Roman" panose="02020603050405020304" pitchFamily="18" charset="0"/>
+              </a:rPr>
+              <a:t>5. How to minimize stolen goods?</a:t>
+            </a:r>
+            <a:endParaRPr lang="en-US" sz="2400" dirty="0">
+              <a:effectLst/>
+              <a:latin typeface="Calibri" panose="020F0502020204030204" pitchFamily="34" charset="0"/>
+              <a:cs typeface="Times New Roman" panose="02020603050405020304" pitchFamily="18" charset="0"/>
+            </a:endParaRPr>
+          </a:p>
+        </p:txBody>
+      </p:sp>
+    </p:spTree>
+  </p:cSld>
+  <p:clrMapOvr>
+    <a:masterClrMapping/>
+  </p:clrMapOvr>
+</p:sld>
+</file>
+
+<file path=ppt/slides/slide4.xml><?xml version="1.0" encoding="utf-8"?>
+<p:sld xmlns:a="http://schemas.openxmlformats.org/drawingml/2006/main" xmlns:r="http://schemas.openxmlformats.org/officeDocument/2006/relationships" xmlns:p="http://schemas.openxmlformats.org/presentationml/2006/main">
+  <p:cSld>
+    <p:spTree>
+      <p:nvGrpSpPr>
+        <p:cNvPr id="1" name=""/>
+        <p:cNvGrpSpPr/>
+        <p:nvPr/>
+      </p:nvGrpSpPr>
+      <p:grpSpPr>
+        <a:xfrm>
+          <a:off x="0" y="0"/>
+          <a:ext cx="0" cy="0"/>
+          <a:chOff x="0" y="0"/>
+          <a:chExt cx="0" cy="0"/>
+        </a:xfrm>
+      </p:grpSpPr>
+      <p:sp>
+        <p:nvSpPr>
+          <p:cNvPr id="2" name="Title 1"/>
+          <p:cNvSpPr>
+            <a:spLocks noGrp="1"/>
+          </p:cNvSpPr>
+          <p:nvPr>
+            <p:ph type="title"/>
+          </p:nvPr>
+        </p:nvSpPr>
+        <p:spPr>
+          <a:xfrm>
+            <a:off x="838200" y="365125"/>
+            <a:ext cx="10515600" cy="1119117"/>
+          </a:xfrm>
+        </p:spPr>
+        <p:txBody>
+          <a:bodyPr>
+            <a:normAutofit/>
+          </a:bodyPr>
+          <a:lstStyle/>
+          <a:p>
+            <a:pPr marL="0" marR="0" algn="ctr">
+              <a:spcBef>
+                <a:spcPts val="0"/>
+              </a:spcBef>
+              <a:spcAft>
+                <a:spcPts val="0"/>
+              </a:spcAft>
+            </a:pPr>
+            <a:r>
+              <a:rPr lang="en-PH" sz="6000" b="1" kern="100" dirty="0">
+                <a:solidFill>
+                  <a:srgbClr val="000000"/>
+                </a:solidFill>
+                <a:effectLst/>
+                <a:latin typeface="Times New Roman" panose="02020603050405020304" pitchFamily="18" charset="0"/>
+                <a:ea typeface="SimSun" panose="02010600030101010101" pitchFamily="2" charset="-122"/>
+              </a:rPr>
+              <a:t>Project Solution</a:t>
+            </a:r>
+            <a:endParaRPr lang="en-PH" sz="6000" kern="100" dirty="0">
+              <a:effectLst/>
+              <a:latin typeface="Times New Roman" panose="02020603050405020304" pitchFamily="18" charset="0"/>
+              <a:ea typeface="SimSun" panose="02010600030101010101" pitchFamily="2" charset="-122"/>
+            </a:endParaRPr>
+          </a:p>
+        </p:txBody>
+      </p:sp>
+      <p:sp>
+        <p:nvSpPr>
+          <p:cNvPr id="3" name="Content Placeholder 2"/>
+          <p:cNvSpPr>
+            <a:spLocks noGrp="1"/>
+          </p:cNvSpPr>
+          <p:nvPr>
+            <p:ph idx="1"/>
+          </p:nvPr>
+        </p:nvSpPr>
+        <p:spPr>
+          <a:xfrm>
+            <a:off x="838200" y="1484242"/>
+            <a:ext cx="10515600" cy="4890054"/>
+          </a:xfrm>
+        </p:spPr>
+        <p:txBody>
+          <a:bodyPr/>
+          <a:lstStyle/>
+          <a:p>
+            <a:pPr marL="457200" indent="0" algn="just">
+              <a:lnSpc>
+                <a:spcPct val="107000"/>
+              </a:lnSpc>
+              <a:spcAft>
+                <a:spcPts val="800"/>
+              </a:spcAft>
+              <a:buNone/>
+            </a:pPr>
+            <a:r>
+              <a:rPr lang="en-PH" sz="2400" dirty="0"/>
+              <a:t>	</a:t>
+            </a:r>
+            <a:r>
+              <a:rPr lang="en-US" sz="2400" dirty="0">
+                <a:effectLst/>
+                <a:latin typeface="Calibri" panose="020F0502020204030204" pitchFamily="34" charset="0"/>
+                <a:cs typeface="Times New Roman" panose="02020603050405020304" pitchFamily="18" charset="0"/>
+              </a:rPr>
+              <a:t>The general solution or objective of this project is to develop the “Inventory Management System” a clear, accurate and effective one.</a:t>
+            </a:r>
+            <a:endParaRPr lang="en-US" sz="2400" dirty="0">
+              <a:effectLst/>
+              <a:latin typeface="Calibri" panose="020F0502020204030204" pitchFamily="34" charset="0"/>
+              <a:cs typeface="Times New Roman" panose="02020603050405020304" pitchFamily="18" charset="0"/>
+            </a:endParaRPr>
+          </a:p>
+          <a:p>
+            <a:pPr marL="342900" lvl="0" indent="-342900" algn="just">
+              <a:lnSpc>
+                <a:spcPct val="108000"/>
+              </a:lnSpc>
+              <a:spcAft>
+                <a:spcPts val="800"/>
+              </a:spcAft>
+              <a:buFont typeface="Times New Roman" panose="02020603050405020304" pitchFamily="18" charset="0"/>
+              <a:buAutoNum type="arabicPeriod"/>
+            </a:pPr>
+            <a:r>
+              <a:rPr lang="en-US" sz="2400" dirty="0">
+                <a:effectLst/>
+                <a:latin typeface="Calibri" panose="020F0502020204030204" pitchFamily="34" charset="0"/>
+                <a:cs typeface="Times New Roman" panose="02020603050405020304" pitchFamily="18" charset="0"/>
+              </a:rPr>
+              <a:t>Real-time updates on stock levels</a:t>
+            </a:r>
+            <a:endParaRPr lang="en-US" sz="2400" dirty="0">
+              <a:effectLst/>
+              <a:latin typeface="Calibri" panose="020F0502020204030204" pitchFamily="34" charset="0"/>
+              <a:cs typeface="Times New Roman" panose="02020603050405020304" pitchFamily="18" charset="0"/>
+            </a:endParaRPr>
+          </a:p>
+          <a:p>
+            <a:pPr marL="342900" lvl="0" indent="-342900" algn="just">
+              <a:lnSpc>
+                <a:spcPct val="108000"/>
+              </a:lnSpc>
+              <a:spcAft>
+                <a:spcPts val="800"/>
+              </a:spcAft>
+              <a:buFont typeface="Times New Roman" panose="02020603050405020304" pitchFamily="18" charset="0"/>
+              <a:buAutoNum type="arabicPeriod"/>
+            </a:pPr>
+            <a:r>
+              <a:rPr lang="en-US" sz="2400" dirty="0">
+                <a:effectLst/>
+                <a:latin typeface="Calibri" panose="020F0502020204030204" pitchFamily="34" charset="0"/>
+                <a:cs typeface="Times New Roman" panose="02020603050405020304" pitchFamily="18" charset="0"/>
+              </a:rPr>
+              <a:t>Compare product performance from past and present</a:t>
+            </a:r>
+            <a:endParaRPr lang="en-US" sz="2400" dirty="0">
+              <a:effectLst/>
+              <a:latin typeface="Calibri" panose="020F0502020204030204" pitchFamily="34" charset="0"/>
+              <a:cs typeface="Times New Roman" panose="02020603050405020304" pitchFamily="18" charset="0"/>
+            </a:endParaRPr>
+          </a:p>
+          <a:p>
+            <a:pPr marL="342900" lvl="0" indent="-342900" algn="just">
+              <a:lnSpc>
+                <a:spcPct val="108000"/>
+              </a:lnSpc>
+              <a:spcAft>
+                <a:spcPts val="800"/>
+              </a:spcAft>
+              <a:buFont typeface="Times New Roman" panose="02020603050405020304" pitchFamily="18" charset="0"/>
+              <a:buAutoNum type="arabicPeriod"/>
+            </a:pPr>
+            <a:r>
+              <a:rPr lang="en-US" sz="2400" dirty="0">
+                <a:effectLst/>
+                <a:latin typeface="Calibri" panose="020F0502020204030204" pitchFamily="34" charset="0"/>
+                <a:cs typeface="Times New Roman" panose="02020603050405020304" pitchFamily="18" charset="0"/>
+              </a:rPr>
+              <a:t>Provide alerts when items are low</a:t>
+            </a:r>
+            <a:endParaRPr lang="en-US" sz="2400" dirty="0">
+              <a:effectLst/>
+              <a:latin typeface="Calibri" panose="020F0502020204030204" pitchFamily="34" charset="0"/>
+              <a:cs typeface="Times New Roman" panose="02020603050405020304" pitchFamily="18" charset="0"/>
+            </a:endParaRPr>
+          </a:p>
+          <a:p>
+            <a:pPr marL="342900" lvl="0" indent="-342900" algn="just">
+              <a:lnSpc>
+                <a:spcPct val="108000"/>
+              </a:lnSpc>
+              <a:spcAft>
+                <a:spcPts val="800"/>
+              </a:spcAft>
+              <a:buFont typeface="Times New Roman" panose="02020603050405020304" pitchFamily="18" charset="0"/>
+              <a:buAutoNum type="arabicPeriod"/>
+            </a:pPr>
+            <a:r>
+              <a:rPr lang="en-US" sz="2400" dirty="0">
+                <a:effectLst/>
+                <a:latin typeface="Calibri" panose="020F0502020204030204" pitchFamily="34" charset="0"/>
+                <a:cs typeface="Times New Roman" panose="02020603050405020304" pitchFamily="18" charset="0"/>
+              </a:rPr>
+              <a:t>Identify </a:t>
+            </a:r>
+            <a:r>
+              <a:rPr lang="en-US" sz="2400" dirty="0" smtClean="0">
+                <a:effectLst/>
+                <a:latin typeface="Calibri" panose="020F0502020204030204" pitchFamily="34" charset="0"/>
+                <a:cs typeface="Times New Roman" panose="02020603050405020304" pitchFamily="18" charset="0"/>
+              </a:rPr>
+              <a:t>items </a:t>
+            </a:r>
+            <a:r>
+              <a:rPr lang="en-US" sz="2400" dirty="0">
+                <a:effectLst/>
+                <a:latin typeface="Calibri" panose="020F0502020204030204" pitchFamily="34" charset="0"/>
+                <a:cs typeface="Times New Roman" panose="02020603050405020304" pitchFamily="18" charset="0"/>
+              </a:rPr>
+              <a:t>that are hard to sell</a:t>
+            </a:r>
+            <a:endParaRPr lang="en-US" sz="2400" dirty="0">
+              <a:effectLst/>
+              <a:latin typeface="Calibri" panose="020F0502020204030204" pitchFamily="34" charset="0"/>
+              <a:cs typeface="Times New Roman" panose="02020603050405020304" pitchFamily="18" charset="0"/>
+            </a:endParaRPr>
+          </a:p>
+          <a:p>
+            <a:pPr marL="342900" lvl="0" indent="-342900" algn="just">
+              <a:lnSpc>
+                <a:spcPct val="108000"/>
+              </a:lnSpc>
+              <a:spcAft>
+                <a:spcPts val="800"/>
+              </a:spcAft>
+              <a:buFont typeface="Times New Roman" panose="02020603050405020304" pitchFamily="18" charset="0"/>
+              <a:buAutoNum type="arabicPeriod"/>
+            </a:pPr>
+            <a:r>
+              <a:rPr lang="en-US" sz="2400" dirty="0">
+                <a:effectLst/>
+                <a:latin typeface="Calibri" panose="020F0502020204030204" pitchFamily="34" charset="0"/>
+                <a:cs typeface="Times New Roman" panose="02020603050405020304" pitchFamily="18" charset="0"/>
+              </a:rPr>
+              <a:t>Provide detailed reports and Analytic</a:t>
+            </a:r>
+            <a:endParaRPr lang="en-US" sz="2400" dirty="0">
+              <a:effectLst/>
+              <a:latin typeface="Calibri" panose="020F0502020204030204" pitchFamily="34" charset="0"/>
+              <a:cs typeface="Times New Roman" panose="02020603050405020304" pitchFamily="18" charset="0"/>
+            </a:endParaRPr>
+          </a:p>
+          <a:p>
+            <a:pPr marL="342900" lvl="0" indent="-342900" algn="just">
+              <a:lnSpc>
+                <a:spcPct val="108000"/>
+              </a:lnSpc>
+              <a:spcAft>
+                <a:spcPts val="800"/>
+              </a:spcAft>
+              <a:buFont typeface="Times New Roman" panose="02020603050405020304" pitchFamily="18" charset="0"/>
+              <a:buAutoNum type="arabicPeriod"/>
+            </a:pPr>
+            <a:r>
+              <a:rPr lang="en-US" sz="2400" dirty="0">
+                <a:effectLst/>
+                <a:latin typeface="Calibri" panose="020F0502020204030204" pitchFamily="34" charset="0"/>
+                <a:cs typeface="Times New Roman" panose="02020603050405020304" pitchFamily="18" charset="0"/>
+              </a:rPr>
+              <a:t>Only authorized persons set by owner will access the </a:t>
+            </a:r>
+            <a:r>
+              <a:rPr lang="en-US" sz="2400" dirty="0" smtClean="0">
+                <a:effectLst/>
+                <a:latin typeface="Calibri" panose="020F0502020204030204" pitchFamily="34" charset="0"/>
+                <a:cs typeface="Times New Roman" panose="02020603050405020304" pitchFamily="18" charset="0"/>
+              </a:rPr>
+              <a:t>inventory/warehouse</a:t>
+            </a:r>
+            <a:endParaRPr lang="en-US" sz="2400" dirty="0">
+              <a:effectLst/>
+              <a:latin typeface="Calibri" panose="020F0502020204030204" pitchFamily="34" charset="0"/>
+              <a:cs typeface="Times New Roman" panose="02020603050405020304" pitchFamily="18" charset="0"/>
+            </a:endParaRPr>
+          </a:p>
+          <a:p>
+            <a:endParaRPr lang="en-PH" dirty="0"/>
+          </a:p>
+        </p:txBody>
+      </p:sp>
+    </p:spTree>
+  </p:cSld>
+  <p:clrMapOvr>
+    <a:masterClrMapping/>
+  </p:clrMapOvr>
+</p:sld>
+</file>
+
+<file path=ppt/slides/slide5.xml><?xml version="1.0" encoding="utf-8"?>
+<p:sld xmlns:a="http://schemas.openxmlformats.org/drawingml/2006/main" xmlns:r="http://schemas.openxmlformats.org/officeDocument/2006/relationships" xmlns:p="http://schemas.openxmlformats.org/presentationml/2006/main">
+  <p:cSld>
+    <p:spTree>
+      <p:nvGrpSpPr>
+        <p:cNvPr id="1" name=""/>
+        <p:cNvGrpSpPr/>
+        <p:nvPr/>
+      </p:nvGrpSpPr>
+      <p:grpSpPr>
+        <a:xfrm>
+          <a:off x="0" y="0"/>
+          <a:ext cx="0" cy="0"/>
+          <a:chOff x="0" y="0"/>
+          <a:chExt cx="0" cy="0"/>
+        </a:xfrm>
+      </p:grpSpPr>
+      <p:sp>
+        <p:nvSpPr>
+          <p:cNvPr id="2" name="Title 1"/>
+          <p:cNvSpPr>
+            <a:spLocks noGrp="1"/>
+          </p:cNvSpPr>
+          <p:nvPr>
+            <p:ph type="title"/>
+          </p:nvPr>
+        </p:nvSpPr>
+        <p:spPr/>
+        <p:txBody>
+          <a:bodyPr>
+            <a:normAutofit/>
+          </a:bodyPr>
+          <a:lstStyle/>
+          <a:p>
+            <a:pPr lvl="0" algn="ctr">
+              <a:lnSpc>
+                <a:spcPct val="107000"/>
+              </a:lnSpc>
+              <a:spcBef>
+                <a:spcPts val="1200"/>
+              </a:spcBef>
+              <a:spcAft>
+                <a:spcPts val="0"/>
+              </a:spcAft>
+            </a:pPr>
+            <a:r>
+              <a:rPr lang="en-PH" sz="6000" b="1" dirty="0">
+                <a:effectLst/>
+                <a:latin typeface="Calibri Light" panose="020F0302020204030204" pitchFamily="34" charset="0"/>
+                <a:ea typeface="等线 Light" panose="02010600030101010101" pitchFamily="2" charset="-122"/>
+                <a:cs typeface="Times New Roman" panose="02020603050405020304" pitchFamily="18" charset="0"/>
+              </a:rPr>
+              <a:t>System Features</a:t>
+            </a:r>
+            <a:endParaRPr lang="en-PH" sz="6000" b="1" dirty="0">
+              <a:effectLst/>
+              <a:latin typeface="Calibri Light" panose="020F0302020204030204" pitchFamily="34" charset="0"/>
+              <a:ea typeface="等线 Light" panose="02010600030101010101" pitchFamily="2" charset="-122"/>
+              <a:cs typeface="Times New Roman" panose="02020603050405020304" pitchFamily="18" charset="0"/>
+            </a:endParaRPr>
+          </a:p>
+        </p:txBody>
+      </p:sp>
+      <p:sp>
+        <p:nvSpPr>
+          <p:cNvPr id="3" name="Content Placeholder 2"/>
+          <p:cNvSpPr>
+            <a:spLocks noGrp="1"/>
+          </p:cNvSpPr>
+          <p:nvPr>
+            <p:ph idx="1"/>
+          </p:nvPr>
+        </p:nvSpPr>
+        <p:spPr/>
+        <p:txBody>
+          <a:bodyPr>
+            <a:normAutofit fontScale="92500"/>
+          </a:bodyPr>
+          <a:lstStyle/>
+          <a:p>
+            <a:pPr marL="457200" indent="0" algn="just" fontAlgn="base">
+              <a:lnSpc>
+                <a:spcPct val="150000"/>
+              </a:lnSpc>
+              <a:spcAft>
+                <a:spcPts val="1800"/>
+              </a:spcAft>
+              <a:buNone/>
+            </a:pPr>
+            <a:r>
+              <a:rPr lang="en-US" sz="2400" dirty="0">
+                <a:effectLst/>
+                <a:latin typeface="Calibri" panose="020F0502020204030204" pitchFamily="34" charset="0"/>
+                <a:cs typeface="Times New Roman" panose="02020603050405020304" pitchFamily="18" charset="0"/>
+              </a:rPr>
+              <a:t>	An accurate and effective inventory management is crucial to the success of a business. Our Inventory Management System streamlines the ordering and reordering process by recording supplier details, ordered product information, and stock received. The system also tracks sales and predicts stock needs to prevent overstocking or running out of stock. It sends alerts for near-expiry products and warns of a potential stock shortage. This system will save time, increase efficiency, and improve customer satisfaction. Invest in our Inventory Management System for a smarter and more product Management.</a:t>
+            </a:r>
+            <a:endParaRPr lang="en-US" sz="2400" dirty="0">
+              <a:effectLst/>
+              <a:latin typeface="Calibri" panose="020F0502020204030204" pitchFamily="34" charset="0"/>
+              <a:cs typeface="Times New Roman" panose="02020603050405020304" pitchFamily="18" charset="0"/>
+            </a:endParaRPr>
+          </a:p>
+          <a:p>
+            <a:pPr marL="457200" indent="0" algn="just" fontAlgn="base">
+              <a:lnSpc>
+                <a:spcPct val="107000"/>
+              </a:lnSpc>
+              <a:spcAft>
+                <a:spcPts val="1800"/>
+              </a:spcAft>
+              <a:buNone/>
+            </a:pPr>
+            <a:endParaRPr lang="en-US" sz="1800" dirty="0">
+              <a:effectLst/>
+              <a:latin typeface="Calibri" panose="020F0502020204030204" pitchFamily="34" charset="0"/>
+              <a:cs typeface="Times New Roman" panose="02020603050405020304" pitchFamily="18" charset="0"/>
+            </a:endParaRPr>
+          </a:p>
+        </p:txBody>
+      </p:sp>
+    </p:spTree>
+  </p:cSld>
+  <p:clrMapOvr>
+    <a:masterClrMapping/>
+  </p:clrMapOvr>
+</p:sld>
+</file>
+
+<file path=ppt/slides/slide6.xml><?xml version="1.0" encoding="utf-8"?>
+<p:sld xmlns:a="http://schemas.openxmlformats.org/drawingml/2006/main" xmlns:r="http://schemas.openxmlformats.org/officeDocument/2006/relationships" xmlns:p="http://schemas.openxmlformats.org/presentationml/2006/main">
+  <p:cSld>
+    <p:spTree>
+      <p:nvGrpSpPr>
+        <p:cNvPr id="1" name=""/>
+        <p:cNvGrpSpPr/>
+        <p:nvPr/>
+      </p:nvGrpSpPr>
+      <p:grpSpPr>
+        <a:xfrm>
+          <a:off x="0" y="0"/>
+          <a:ext cx="0" cy="0"/>
+          <a:chOff x="0" y="0"/>
+          <a:chExt cx="0" cy="0"/>
+        </a:xfrm>
+      </p:grpSpPr>
+      <p:sp>
+        <p:nvSpPr>
+          <p:cNvPr id="3" name="Content Placeholder 2"/>
+          <p:cNvSpPr>
+            <a:spLocks noGrp="1"/>
+          </p:cNvSpPr>
+          <p:nvPr>
+            <p:ph idx="1"/>
+          </p:nvPr>
+        </p:nvSpPr>
+        <p:spPr>
+          <a:xfrm>
+            <a:off x="838200" y="251790"/>
+            <a:ext cx="10515600" cy="6321287"/>
+          </a:xfrm>
+        </p:spPr>
+        <p:txBody>
+          <a:bodyPr>
+            <a:normAutofit lnSpcReduction="10000"/>
+          </a:bodyPr>
+          <a:lstStyle/>
+          <a:p>
+            <a:pPr indent="457200" algn="just" fontAlgn="base">
+              <a:lnSpc>
+                <a:spcPct val="110000"/>
+              </a:lnSpc>
+              <a:spcAft>
+                <a:spcPts val="0"/>
+              </a:spcAft>
+            </a:pPr>
+            <a:r>
+              <a:rPr lang="en-US" sz="2000" dirty="0">
+                <a:effectLst/>
+                <a:latin typeface="Calibri" panose="020F0502020204030204" pitchFamily="34" charset="0"/>
+                <a:cs typeface="Times New Roman" panose="02020603050405020304" pitchFamily="18" charset="0"/>
+              </a:rPr>
+              <a:t>A.</a:t>
+            </a:r>
+            <a:r>
+              <a:rPr lang="en-US" sz="2000" b="1" dirty="0">
+                <a:effectLst/>
+                <a:latin typeface="Calibri" panose="020F0502020204030204" pitchFamily="34" charset="0"/>
+                <a:cs typeface="Times New Roman" panose="02020603050405020304" pitchFamily="18" charset="0"/>
+              </a:rPr>
+              <a:t> User Management</a:t>
+            </a:r>
+            <a:r>
+              <a:rPr lang="en-US" sz="2000" dirty="0">
+                <a:effectLst/>
+                <a:latin typeface="Calibri" panose="020F0502020204030204" pitchFamily="34" charset="0"/>
+                <a:cs typeface="Times New Roman" panose="02020603050405020304" pitchFamily="18" charset="0"/>
+              </a:rPr>
+              <a:t>: The Inventory Management Web App will have individual logins for every person who is part of the company. Each person will have their own set of authorities and limitations.</a:t>
+            </a:r>
+            <a:endParaRPr lang="en-US" sz="2000" dirty="0">
+              <a:effectLst/>
+              <a:latin typeface="Calibri" panose="020F0502020204030204" pitchFamily="34" charset="0"/>
+              <a:cs typeface="Times New Roman" panose="02020603050405020304" pitchFamily="18" charset="0"/>
+            </a:endParaRPr>
+          </a:p>
+          <a:p>
+            <a:pPr indent="457200" algn="just" fontAlgn="base">
+              <a:lnSpc>
+                <a:spcPct val="110000"/>
+              </a:lnSpc>
+              <a:spcAft>
+                <a:spcPts val="0"/>
+              </a:spcAft>
+            </a:pPr>
+            <a:r>
+              <a:rPr lang="en-US" sz="2000" dirty="0">
+                <a:effectLst/>
+                <a:latin typeface="Calibri" panose="020F0502020204030204" pitchFamily="34" charset="0"/>
+                <a:cs typeface="Times New Roman" panose="02020603050405020304" pitchFamily="18" charset="0"/>
+              </a:rPr>
+              <a:t>B.</a:t>
+            </a:r>
+            <a:r>
+              <a:rPr lang="en-US" sz="2000" b="1" dirty="0">
+                <a:effectLst/>
+                <a:latin typeface="Calibri" panose="020F0502020204030204" pitchFamily="34" charset="0"/>
+                <a:cs typeface="Times New Roman" panose="02020603050405020304" pitchFamily="18" charset="0"/>
+              </a:rPr>
+              <a:t> Inventory Tracking</a:t>
+            </a:r>
+            <a:r>
+              <a:rPr lang="en-US" sz="2000" dirty="0">
+                <a:effectLst/>
+                <a:latin typeface="Calibri" panose="020F0502020204030204" pitchFamily="34" charset="0"/>
+                <a:cs typeface="Times New Roman" panose="02020603050405020304" pitchFamily="18" charset="0"/>
+              </a:rPr>
+              <a:t>: Every item will be registered through barcode scanning and the information will be recorded in the web app.</a:t>
+            </a:r>
+            <a:endParaRPr lang="en-US" sz="2000" dirty="0">
+              <a:effectLst/>
+              <a:latin typeface="Calibri" panose="020F0502020204030204" pitchFamily="34" charset="0"/>
+              <a:cs typeface="Times New Roman" panose="02020603050405020304" pitchFamily="18" charset="0"/>
+            </a:endParaRPr>
+          </a:p>
+          <a:p>
+            <a:pPr indent="457200" algn="just" fontAlgn="base">
+              <a:lnSpc>
+                <a:spcPct val="110000"/>
+              </a:lnSpc>
+              <a:spcAft>
+                <a:spcPts val="0"/>
+              </a:spcAft>
+            </a:pPr>
+            <a:r>
+              <a:rPr lang="en-US" sz="2000" dirty="0">
+                <a:effectLst/>
+                <a:latin typeface="Calibri" panose="020F0502020204030204" pitchFamily="34" charset="0"/>
+                <a:cs typeface="Times New Roman" panose="02020603050405020304" pitchFamily="18" charset="0"/>
+              </a:rPr>
+              <a:t>C. </a:t>
+            </a:r>
+            <a:r>
+              <a:rPr lang="en-US" sz="2000" b="1" dirty="0">
+                <a:effectLst/>
+                <a:latin typeface="Calibri" panose="020F0502020204030204" pitchFamily="34" charset="0"/>
+                <a:cs typeface="Times New Roman" panose="02020603050405020304" pitchFamily="18" charset="0"/>
+              </a:rPr>
+              <a:t>Order Management</a:t>
+            </a:r>
+            <a:r>
+              <a:rPr lang="en-US" sz="2000" dirty="0">
+                <a:effectLst/>
+                <a:latin typeface="Calibri" panose="020F0502020204030204" pitchFamily="34" charset="0"/>
+                <a:cs typeface="Times New Roman" panose="02020603050405020304" pitchFamily="18" charset="0"/>
+              </a:rPr>
+              <a:t>: Every time an item is taken out of the warehouse or inventory, the barcode will be entered into the order management section, where the information will be recorded and passed to the inventory tracking to deduct the item count.</a:t>
+            </a:r>
+            <a:endParaRPr lang="en-US" sz="2000" dirty="0">
+              <a:effectLst/>
+              <a:latin typeface="Calibri" panose="020F0502020204030204" pitchFamily="34" charset="0"/>
+              <a:cs typeface="Times New Roman" panose="02020603050405020304" pitchFamily="18" charset="0"/>
+            </a:endParaRPr>
+          </a:p>
+          <a:p>
+            <a:pPr indent="457200" algn="just" fontAlgn="base">
+              <a:lnSpc>
+                <a:spcPct val="110000"/>
+              </a:lnSpc>
+              <a:spcAft>
+                <a:spcPts val="0"/>
+              </a:spcAft>
+            </a:pPr>
+            <a:r>
+              <a:rPr lang="en-US" sz="2000" dirty="0">
+                <a:effectLst/>
+                <a:latin typeface="Calibri" panose="020F0502020204030204" pitchFamily="34" charset="0"/>
+                <a:cs typeface="Times New Roman" panose="02020603050405020304" pitchFamily="18" charset="0"/>
+              </a:rPr>
+              <a:t>D. </a:t>
+            </a:r>
+            <a:r>
+              <a:rPr lang="en-US" sz="2000" b="1" dirty="0">
+                <a:effectLst/>
+                <a:latin typeface="Calibri" panose="020F0502020204030204" pitchFamily="34" charset="0"/>
+                <a:cs typeface="Times New Roman" panose="02020603050405020304" pitchFamily="18" charset="0"/>
+              </a:rPr>
+              <a:t>Real-time Reporting and Analytics</a:t>
+            </a:r>
+            <a:r>
+              <a:rPr lang="en-US" sz="2000" dirty="0">
+                <a:effectLst/>
+                <a:latin typeface="Calibri" panose="020F0502020204030204" pitchFamily="34" charset="0"/>
+                <a:cs typeface="Times New Roman" panose="02020603050405020304" pitchFamily="18" charset="0"/>
+              </a:rPr>
+              <a:t>: All the information gathered will be calculated and sent to the web app for analysis. The app will compare the performance of each product over time, such as daily, weekly, monthly, etc.</a:t>
+            </a:r>
+            <a:endParaRPr lang="en-US" sz="2000" dirty="0">
+              <a:effectLst/>
+              <a:latin typeface="Calibri" panose="020F0502020204030204" pitchFamily="34" charset="0"/>
+              <a:cs typeface="Times New Roman" panose="02020603050405020304" pitchFamily="18" charset="0"/>
+            </a:endParaRPr>
+          </a:p>
+          <a:p>
+            <a:pPr indent="457200" algn="just" fontAlgn="base">
+              <a:lnSpc>
+                <a:spcPct val="110000"/>
+              </a:lnSpc>
+              <a:spcAft>
+                <a:spcPts val="0"/>
+              </a:spcAft>
+            </a:pPr>
+            <a:r>
+              <a:rPr lang="en-US" sz="2000" dirty="0">
+                <a:effectLst/>
+                <a:latin typeface="Calibri" panose="020F0502020204030204" pitchFamily="34" charset="0"/>
+                <a:cs typeface="Times New Roman" panose="02020603050405020304" pitchFamily="18" charset="0"/>
+              </a:rPr>
+              <a:t>E. </a:t>
+            </a:r>
+            <a:r>
+              <a:rPr lang="en-US" sz="2000" b="1" dirty="0">
+                <a:effectLst/>
+                <a:latin typeface="Calibri" panose="020F0502020204030204" pitchFamily="34" charset="0"/>
+                <a:cs typeface="Times New Roman" panose="02020603050405020304" pitchFamily="18" charset="0"/>
+              </a:rPr>
+              <a:t>Notifications</a:t>
+            </a:r>
+            <a:r>
+              <a:rPr lang="en-US" sz="2000" dirty="0">
+                <a:effectLst/>
+                <a:latin typeface="Calibri" panose="020F0502020204030204" pitchFamily="34" charset="0"/>
+                <a:cs typeface="Times New Roman" panose="02020603050405020304" pitchFamily="18" charset="0"/>
+              </a:rPr>
+              <a:t>: After the web app has analyzed the data, it will send notifications to the end-user, as per their pre-defined settings.</a:t>
+            </a:r>
+            <a:endParaRPr lang="en-US" sz="2000" dirty="0">
+              <a:effectLst/>
+              <a:latin typeface="Calibri" panose="020F0502020204030204" pitchFamily="34" charset="0"/>
+              <a:cs typeface="Times New Roman" panose="02020603050405020304" pitchFamily="18" charset="0"/>
+            </a:endParaRPr>
+          </a:p>
+          <a:p>
+            <a:pPr indent="457200" algn="just" fontAlgn="base">
+              <a:lnSpc>
+                <a:spcPct val="110000"/>
+              </a:lnSpc>
+              <a:spcAft>
+                <a:spcPts val="0"/>
+              </a:spcAft>
+            </a:pPr>
+            <a:r>
+              <a:rPr lang="en-US" sz="2000" dirty="0">
+                <a:effectLst/>
+                <a:latin typeface="Calibri" panose="020F0502020204030204" pitchFamily="34" charset="0"/>
+                <a:cs typeface="Times New Roman" panose="02020603050405020304" pitchFamily="18" charset="0"/>
+              </a:rPr>
+              <a:t>F. </a:t>
+            </a:r>
+            <a:r>
+              <a:rPr lang="en-US" sz="2000" b="1" dirty="0">
+                <a:effectLst/>
+                <a:latin typeface="Calibri" panose="020F0502020204030204" pitchFamily="34" charset="0"/>
+                <a:cs typeface="Times New Roman" panose="02020603050405020304" pitchFamily="18" charset="0"/>
+              </a:rPr>
+              <a:t>Staff Management</a:t>
+            </a:r>
+            <a:r>
+              <a:rPr lang="en-US" sz="2000" dirty="0">
+                <a:effectLst/>
+                <a:latin typeface="Calibri" panose="020F0502020204030204" pitchFamily="34" charset="0"/>
+                <a:cs typeface="Times New Roman" panose="02020603050405020304" pitchFamily="18" charset="0"/>
+              </a:rPr>
+              <a:t>: The owner or administrator can assign different levels of authorities to employees based on their roles and responsibilities.</a:t>
+            </a:r>
+            <a:endParaRPr lang="en-US" sz="2000" dirty="0">
+              <a:effectLst/>
+              <a:latin typeface="Calibri" panose="020F0502020204030204" pitchFamily="34" charset="0"/>
+              <a:cs typeface="Times New Roman" panose="02020603050405020304" pitchFamily="18" charset="0"/>
+            </a:endParaRPr>
+          </a:p>
+          <a:p>
+            <a:pPr indent="457200" algn="just" fontAlgn="base">
+              <a:lnSpc>
+                <a:spcPct val="110000"/>
+              </a:lnSpc>
+              <a:spcAft>
+                <a:spcPts val="0"/>
+              </a:spcAft>
+            </a:pPr>
+            <a:r>
+              <a:rPr lang="en-US" sz="2000" dirty="0">
+                <a:effectLst/>
+                <a:latin typeface="Calibri" panose="020F0502020204030204" pitchFamily="34" charset="0"/>
+                <a:cs typeface="Times New Roman" panose="02020603050405020304" pitchFamily="18" charset="0"/>
+              </a:rPr>
+              <a:t>G. </a:t>
+            </a:r>
+            <a:r>
+              <a:rPr lang="en-US" sz="2000" b="1" dirty="0">
+                <a:effectLst/>
+                <a:latin typeface="Calibri" panose="020F0502020204030204" pitchFamily="34" charset="0"/>
+                <a:cs typeface="Times New Roman" panose="02020603050405020304" pitchFamily="18" charset="0"/>
+              </a:rPr>
+              <a:t>Product Management</a:t>
+            </a:r>
+            <a:r>
+              <a:rPr lang="en-US" sz="2000" dirty="0">
+                <a:effectLst/>
+                <a:latin typeface="Calibri" panose="020F0502020204030204" pitchFamily="34" charset="0"/>
+                <a:cs typeface="Times New Roman" panose="02020603050405020304" pitchFamily="18" charset="0"/>
+              </a:rPr>
+              <a:t>: The owner or authorized personnel can edit information about the products, such as item counts, descriptions, etc.</a:t>
+            </a:r>
+            <a:endParaRPr lang="en-US" sz="2000" dirty="0">
+              <a:effectLst/>
+              <a:latin typeface="Calibri" panose="020F0502020204030204" pitchFamily="34" charset="0"/>
+              <a:cs typeface="Times New Roman" panose="02020603050405020304" pitchFamily="18" charset="0"/>
+            </a:endParaRPr>
+          </a:p>
+          <a:p>
+            <a:endParaRPr lang="en-US" dirty="0"/>
+          </a:p>
+          <a:p>
+            <a:endParaRPr lang="en-US" dirty="0"/>
+          </a:p>
+          <a:p>
+            <a:endParaRPr lang="en-US" dirty="0"/>
+          </a:p>
+        </p:txBody>
+      </p:sp>
+    </p:spTree>
+  </p:cSld>
+  <p:clrMapOvr>
+    <a:masterClrMapping/>
+  </p:clrMapOvr>
+</p:sld>
+</file>
+
+<file path=ppt/slides/slide7.xml><?xml version="1.0" encoding="utf-8"?>
+<p:sld xmlns:a="http://schemas.openxmlformats.org/drawingml/2006/main" xmlns:r="http://schemas.openxmlformats.org/officeDocument/2006/relationships" xmlns:p="http://schemas.openxmlformats.org/presentationml/2006/main">
+  <p:cSld>
+    <p:spTree>
+      <p:nvGrpSpPr>
+        <p:cNvPr id="1" name=""/>
+        <p:cNvGrpSpPr/>
+        <p:nvPr/>
+      </p:nvGrpSpPr>
+      <p:grpSpPr>
+        <a:xfrm>
+          <a:off x="0" y="0"/>
+          <a:ext cx="0" cy="0"/>
+          <a:chOff x="0" y="0"/>
+          <a:chExt cx="0" cy="0"/>
+        </a:xfrm>
+      </p:grpSpPr>
+      <p:sp>
+        <p:nvSpPr>
+          <p:cNvPr id="2" name="Title 1"/>
+          <p:cNvSpPr>
+            <a:spLocks noGrp="1"/>
+          </p:cNvSpPr>
+          <p:nvPr>
+            <p:ph type="title"/>
+          </p:nvPr>
+        </p:nvSpPr>
+        <p:spPr>
+          <a:xfrm>
+            <a:off x="838200" y="113333"/>
+            <a:ext cx="10515600" cy="867327"/>
+          </a:xfrm>
+        </p:spPr>
+        <p:txBody>
+          <a:bodyPr>
+            <a:normAutofit fontScale="90000"/>
+          </a:bodyPr>
+          <a:lstStyle/>
+          <a:p>
+            <a:pPr lvl="0" algn="ctr">
+              <a:lnSpc>
+                <a:spcPct val="107000"/>
+              </a:lnSpc>
+              <a:spcBef>
+                <a:spcPts val="1200"/>
+              </a:spcBef>
+              <a:spcAft>
+                <a:spcPts val="0"/>
+              </a:spcAft>
+            </a:pPr>
+            <a:r>
+              <a:rPr lang="en-PH" sz="6000" b="1" dirty="0">
+                <a:effectLst/>
+                <a:latin typeface="Calibri Light" panose="020F0302020204030204" pitchFamily="34" charset="0"/>
+                <a:ea typeface="等线 Light" panose="02010600030101010101" pitchFamily="2" charset="-122"/>
+                <a:cs typeface="Times New Roman" panose="02020603050405020304" pitchFamily="18" charset="0"/>
+              </a:rPr>
+              <a:t>Limitations</a:t>
+            </a:r>
+            <a:endParaRPr lang="en-PH" sz="6000" b="1" dirty="0">
+              <a:effectLst/>
+              <a:latin typeface="Calibri Light" panose="020F0302020204030204" pitchFamily="34" charset="0"/>
+              <a:ea typeface="等线 Light" panose="02010600030101010101" pitchFamily="2" charset="-122"/>
+              <a:cs typeface="Times New Roman" panose="02020603050405020304" pitchFamily="18" charset="0"/>
+            </a:endParaRPr>
+          </a:p>
+        </p:txBody>
+      </p:sp>
+      <p:sp>
+        <p:nvSpPr>
+          <p:cNvPr id="3" name="Content Placeholder 2"/>
+          <p:cNvSpPr>
+            <a:spLocks noGrp="1"/>
+          </p:cNvSpPr>
+          <p:nvPr>
+            <p:ph idx="1"/>
+          </p:nvPr>
+        </p:nvSpPr>
+        <p:spPr>
+          <a:xfrm>
+            <a:off x="838200" y="980660"/>
+            <a:ext cx="10515600" cy="5658679"/>
+          </a:xfrm>
+        </p:spPr>
+        <p:txBody>
+          <a:bodyPr>
+            <a:normAutofit fontScale="77500" lnSpcReduction="20000"/>
+          </a:bodyPr>
+          <a:lstStyle/>
+          <a:p>
+            <a:pPr indent="0">
+              <a:lnSpc>
+                <a:spcPct val="107000"/>
+              </a:lnSpc>
+              <a:spcBef>
+                <a:spcPts val="0"/>
+              </a:spcBef>
+              <a:spcAft>
+                <a:spcPts val="800"/>
+              </a:spcAft>
+              <a:buNone/>
+            </a:pPr>
+            <a:r>
+              <a:rPr lang="en-US" sz="2600" dirty="0">
+                <a:effectLst/>
+                <a:latin typeface="Calibri" panose="020F0502020204030204" pitchFamily="34" charset="0"/>
+                <a:cs typeface="Times New Roman" panose="02020603050405020304" pitchFamily="18" charset="0"/>
+              </a:rPr>
+              <a:t>	The project focuses on developing a web application: “Inventory Management” that will help Entrepreneurs to manage their business easily and cost effective to save time and Money.</a:t>
+            </a:r>
+            <a:endParaRPr lang="en-US" sz="2600" dirty="0">
+              <a:effectLst/>
+              <a:latin typeface="Calibri" panose="020F0502020204030204" pitchFamily="34" charset="0"/>
+              <a:cs typeface="Times New Roman" panose="02020603050405020304" pitchFamily="18" charset="0"/>
+            </a:endParaRPr>
+          </a:p>
+          <a:p>
+            <a:pPr indent="0" algn="ctr">
+              <a:lnSpc>
+                <a:spcPct val="120000"/>
+              </a:lnSpc>
+              <a:spcBef>
+                <a:spcPts val="0"/>
+              </a:spcBef>
+              <a:spcAft>
+                <a:spcPts val="800"/>
+              </a:spcAft>
+              <a:buNone/>
+            </a:pPr>
+            <a:r>
+              <a:rPr lang="en-US" sz="2600" dirty="0">
+                <a:effectLst/>
+                <a:latin typeface="Calibri" panose="020F0502020204030204" pitchFamily="34" charset="0"/>
+                <a:cs typeface="Times New Roman" panose="02020603050405020304" pitchFamily="18" charset="0"/>
+              </a:rPr>
+              <a:t>The limitations of the "Inventory Management" web app are:</a:t>
+            </a:r>
+            <a:endParaRPr lang="en-US" sz="2600" dirty="0">
+              <a:effectLst/>
+              <a:latin typeface="Calibri" panose="020F0502020204030204" pitchFamily="34" charset="0"/>
+              <a:cs typeface="Times New Roman" panose="02020603050405020304" pitchFamily="18" charset="0"/>
+            </a:endParaRPr>
+          </a:p>
+          <a:p>
+            <a:pPr marL="0" indent="0" fontAlgn="base">
+              <a:lnSpc>
+                <a:spcPct val="120000"/>
+              </a:lnSpc>
+              <a:spcBef>
+                <a:spcPts val="0"/>
+              </a:spcBef>
+              <a:spcAft>
+                <a:spcPts val="1800"/>
+              </a:spcAft>
+              <a:buNone/>
+            </a:pPr>
+            <a:r>
+              <a:rPr lang="en-US" sz="2600" dirty="0">
+                <a:effectLst/>
+                <a:latin typeface="Calibri" panose="020F0502020204030204" pitchFamily="34" charset="0"/>
+                <a:cs typeface="Times New Roman" panose="02020603050405020304" pitchFamily="18" charset="0"/>
+              </a:rPr>
+              <a:t>1. Limited to only tracking in/out items in the warehouse/inventory</a:t>
+            </a:r>
+            <a:endParaRPr lang="en-US" sz="2600" dirty="0">
+              <a:effectLst/>
+              <a:latin typeface="Calibri" panose="020F0502020204030204" pitchFamily="34" charset="0"/>
+              <a:cs typeface="Times New Roman" panose="02020603050405020304" pitchFamily="18" charset="0"/>
+            </a:endParaRPr>
+          </a:p>
+          <a:p>
+            <a:pPr marL="0" indent="0" fontAlgn="base">
+              <a:lnSpc>
+                <a:spcPct val="120000"/>
+              </a:lnSpc>
+              <a:spcBef>
+                <a:spcPts val="0"/>
+              </a:spcBef>
+              <a:spcAft>
+                <a:spcPts val="1800"/>
+              </a:spcAft>
+              <a:buNone/>
+            </a:pPr>
+            <a:r>
+              <a:rPr lang="en-US" sz="2600" dirty="0">
+                <a:effectLst/>
+                <a:latin typeface="Calibri" panose="020F0502020204030204" pitchFamily="34" charset="0"/>
+                <a:cs typeface="Times New Roman" panose="02020603050405020304" pitchFamily="18" charset="0"/>
+              </a:rPr>
+              <a:t>2. Dependent on internet connectivity</a:t>
+            </a:r>
+            <a:endParaRPr lang="en-US" sz="2600" dirty="0">
+              <a:effectLst/>
+              <a:latin typeface="Calibri" panose="020F0502020204030204" pitchFamily="34" charset="0"/>
+              <a:cs typeface="Times New Roman" panose="02020603050405020304" pitchFamily="18" charset="0"/>
+            </a:endParaRPr>
+          </a:p>
+          <a:p>
+            <a:pPr marL="0" indent="0" fontAlgn="base">
+              <a:lnSpc>
+                <a:spcPct val="120000"/>
+              </a:lnSpc>
+              <a:spcBef>
+                <a:spcPts val="0"/>
+              </a:spcBef>
+              <a:spcAft>
+                <a:spcPts val="1800"/>
+              </a:spcAft>
+              <a:buNone/>
+            </a:pPr>
+            <a:r>
+              <a:rPr lang="en-US" sz="2600" dirty="0">
+                <a:effectLst/>
+                <a:latin typeface="Calibri" panose="020F0502020204030204" pitchFamily="34" charset="0"/>
+                <a:cs typeface="Times New Roman" panose="02020603050405020304" pitchFamily="18" charset="0"/>
+              </a:rPr>
+              <a:t>3. Requires physical device/smartphone for all staff members</a:t>
+            </a:r>
+            <a:endParaRPr lang="en-US" sz="2600" dirty="0">
+              <a:effectLst/>
+              <a:latin typeface="Calibri" panose="020F0502020204030204" pitchFamily="34" charset="0"/>
+              <a:cs typeface="Times New Roman" panose="02020603050405020304" pitchFamily="18" charset="0"/>
+            </a:endParaRPr>
+          </a:p>
+          <a:p>
+            <a:pPr marL="0" indent="0" fontAlgn="base">
+              <a:lnSpc>
+                <a:spcPct val="120000"/>
+              </a:lnSpc>
+              <a:spcBef>
+                <a:spcPts val="0"/>
+              </a:spcBef>
+              <a:spcAft>
+                <a:spcPts val="1800"/>
+              </a:spcAft>
+              <a:buNone/>
+            </a:pPr>
+            <a:r>
+              <a:rPr lang="en-US" sz="2600" dirty="0">
+                <a:effectLst/>
+                <a:latin typeface="Calibri" panose="020F0502020204030204" pitchFamily="34" charset="0"/>
+                <a:cs typeface="Times New Roman" panose="02020603050405020304" pitchFamily="18" charset="0"/>
+              </a:rPr>
+              <a:t>4. May have compatibility issues with different devices and operating systems</a:t>
+            </a:r>
+            <a:endParaRPr lang="en-US" sz="2600" dirty="0">
+              <a:effectLst/>
+              <a:latin typeface="Calibri" panose="020F0502020204030204" pitchFamily="34" charset="0"/>
+              <a:cs typeface="Times New Roman" panose="02020603050405020304" pitchFamily="18" charset="0"/>
+            </a:endParaRPr>
+          </a:p>
+          <a:p>
+            <a:pPr marL="0" indent="0" fontAlgn="base">
+              <a:lnSpc>
+                <a:spcPct val="120000"/>
+              </a:lnSpc>
+              <a:spcBef>
+                <a:spcPts val="0"/>
+              </a:spcBef>
+              <a:spcAft>
+                <a:spcPts val="1800"/>
+              </a:spcAft>
+              <a:buNone/>
+            </a:pPr>
+            <a:r>
+              <a:rPr lang="en-US" sz="2600" dirty="0">
+                <a:effectLst/>
+                <a:latin typeface="Calibri" panose="020F0502020204030204" pitchFamily="34" charset="0"/>
+                <a:cs typeface="Times New Roman" panose="02020603050405020304" pitchFamily="18" charset="0"/>
+              </a:rPr>
+              <a:t>5. Security concerns such as data privacy and hacking risks</a:t>
+            </a:r>
+            <a:endParaRPr lang="en-US" sz="2600" dirty="0">
+              <a:effectLst/>
+              <a:latin typeface="Calibri" panose="020F0502020204030204" pitchFamily="34" charset="0"/>
+              <a:cs typeface="Times New Roman" panose="02020603050405020304" pitchFamily="18" charset="0"/>
+            </a:endParaRPr>
+          </a:p>
+          <a:p>
+            <a:pPr marL="0" indent="0" fontAlgn="base">
+              <a:lnSpc>
+                <a:spcPct val="120000"/>
+              </a:lnSpc>
+              <a:spcBef>
+                <a:spcPts val="0"/>
+              </a:spcBef>
+              <a:spcAft>
+                <a:spcPts val="1800"/>
+              </a:spcAft>
+              <a:buNone/>
+            </a:pPr>
+            <a:r>
+              <a:rPr lang="en-US" sz="2600" dirty="0">
+                <a:effectLst/>
+                <a:latin typeface="Calibri" panose="020F0502020204030204" pitchFamily="34" charset="0"/>
+                <a:cs typeface="Times New Roman" panose="02020603050405020304" pitchFamily="18" charset="0"/>
+              </a:rPr>
+              <a:t>6. Possible downtime due to technical issues or maintenance needs</a:t>
+            </a:r>
+            <a:endParaRPr lang="en-US" sz="2600" dirty="0">
+              <a:effectLst/>
+              <a:latin typeface="Calibri" panose="020F0502020204030204" pitchFamily="34" charset="0"/>
+              <a:cs typeface="Times New Roman" panose="02020603050405020304" pitchFamily="18" charset="0"/>
+            </a:endParaRPr>
+          </a:p>
+          <a:p>
+            <a:pPr marL="0" indent="0" fontAlgn="base">
+              <a:lnSpc>
+                <a:spcPct val="120000"/>
+              </a:lnSpc>
+              <a:spcBef>
+                <a:spcPts val="0"/>
+              </a:spcBef>
+              <a:spcAft>
+                <a:spcPts val="1800"/>
+              </a:spcAft>
+              <a:buNone/>
+            </a:pPr>
+            <a:r>
+              <a:rPr lang="en-US" sz="2600" dirty="0">
+                <a:effectLst/>
+                <a:latin typeface="Calibri" panose="020F0502020204030204" pitchFamily="34" charset="0"/>
+                <a:cs typeface="Times New Roman" panose="02020603050405020304" pitchFamily="18" charset="0"/>
+              </a:rPr>
+              <a:t>7. Potential limitations in scalability as the business grows</a:t>
+            </a:r>
+            <a:endParaRPr lang="en-US" sz="2600" dirty="0">
+              <a:effectLst/>
+              <a:latin typeface="Calibri" panose="020F0502020204030204" pitchFamily="34" charset="0"/>
+              <a:cs typeface="Times New Roman" panose="02020603050405020304" pitchFamily="18" charset="0"/>
+            </a:endParaRPr>
+          </a:p>
+          <a:p>
+            <a:pPr marL="0" indent="0" fontAlgn="base">
+              <a:lnSpc>
+                <a:spcPct val="120000"/>
+              </a:lnSpc>
+              <a:spcBef>
+                <a:spcPts val="0"/>
+              </a:spcBef>
+              <a:spcAft>
+                <a:spcPts val="1800"/>
+              </a:spcAft>
+              <a:buNone/>
+            </a:pPr>
+            <a:r>
+              <a:rPr lang="en-US" sz="2600" dirty="0">
+                <a:effectLst/>
+                <a:latin typeface="Calibri" panose="020F0502020204030204" pitchFamily="34" charset="0"/>
+                <a:cs typeface="Times New Roman" panose="02020603050405020304" pitchFamily="18" charset="0"/>
+              </a:rPr>
+              <a:t>8. Limited customization options</a:t>
+            </a:r>
+            <a:endParaRPr lang="en-US" sz="2600" dirty="0">
+              <a:effectLst/>
+              <a:latin typeface="Calibri" panose="020F0502020204030204" pitchFamily="34" charset="0"/>
+              <a:cs typeface="Times New Roman" panose="02020603050405020304" pitchFamily="18" charset="0"/>
+            </a:endParaRPr>
+          </a:p>
+          <a:p>
+            <a:pPr marL="0" indent="0">
+              <a:buNone/>
+            </a:pPr>
+            <a:endParaRPr lang="en-PH" dirty="0"/>
+          </a:p>
+        </p:txBody>
+      </p:sp>
+    </p:spTree>
+  </p:cSld>
+  <p:clrMapOvr>
+    <a:masterClrMapping/>
+  </p:clrMapOvr>
+</p:sld>
+</file>
+
+<file path=ppt/slides/slide8.xml><?xml version="1.0" encoding="utf-8"?>
+<p:sld xmlns:a="http://schemas.openxmlformats.org/drawingml/2006/main" xmlns:r="http://schemas.openxmlformats.org/officeDocument/2006/relationships" xmlns:p="http://schemas.openxmlformats.org/presentationml/2006/main">
+  <p:cSld>
+    <p:spTree>
+      <p:nvGrpSpPr>
+        <p:cNvPr id="1" name=""/>
+        <p:cNvGrpSpPr/>
+        <p:nvPr/>
+      </p:nvGrpSpPr>
+      <p:grpSpPr>
+        <a:xfrm>
+          <a:off x="0" y="0"/>
+          <a:ext cx="0" cy="0"/>
+          <a:chOff x="0" y="0"/>
+          <a:chExt cx="0" cy="0"/>
+        </a:xfrm>
+      </p:grpSpPr>
+      <p:sp>
+        <p:nvSpPr>
+          <p:cNvPr id="2" name="Title 1"/>
+          <p:cNvSpPr>
+            <a:spLocks noGrp="1"/>
+          </p:cNvSpPr>
+          <p:nvPr>
+            <p:ph type="title"/>
+          </p:nvPr>
+        </p:nvSpPr>
+        <p:spPr>
+          <a:xfrm>
+            <a:off x="417443" y="139840"/>
+            <a:ext cx="11357113" cy="867325"/>
+          </a:xfrm>
+        </p:spPr>
+        <p:txBody>
+          <a:bodyPr>
+            <a:noAutofit/>
+          </a:bodyPr>
+          <a:lstStyle/>
+          <a:p>
+            <a:r>
+              <a:rPr lang="en-US" sz="6000" b="1" dirty="0">
+                <a:effectLst/>
+                <a:latin typeface="Calibri Light" panose="020F0302020204030204" pitchFamily="34" charset="0"/>
+                <a:ea typeface="等线 Light" panose="02010600030101010101" pitchFamily="2" charset="-122"/>
+                <a:cs typeface="Times New Roman" panose="02020603050405020304" pitchFamily="18" charset="0"/>
+              </a:rPr>
+              <a:t>Theme, Fonts, logo, Technology used</a:t>
+            </a:r>
+            <a:endParaRPr lang="en-PH" sz="6000" dirty="0"/>
+          </a:p>
+        </p:txBody>
+      </p:sp>
+      <p:sp>
+        <p:nvSpPr>
+          <p:cNvPr id="7" name="Content Placeholder 6"/>
+          <p:cNvSpPr>
+            <a:spLocks noGrp="1"/>
+          </p:cNvSpPr>
+          <p:nvPr>
+            <p:ph idx="1"/>
+          </p:nvPr>
+        </p:nvSpPr>
+        <p:spPr>
+          <a:xfrm>
+            <a:off x="838200" y="1007165"/>
+            <a:ext cx="10515600" cy="5169798"/>
+          </a:xfrm>
+        </p:spPr>
+        <p:txBody>
+          <a:bodyPr>
+            <a:normAutofit/>
+          </a:bodyPr>
+          <a:lstStyle/>
+          <a:p>
+            <a:pPr marL="0" indent="0">
+              <a:buNone/>
+            </a:pPr>
+            <a:r>
+              <a:rPr lang="en-US" dirty="0"/>
+              <a:t>THEME:</a:t>
+            </a:r>
+            <a:endParaRPr lang="en-US" dirty="0"/>
+          </a:p>
+          <a:p>
+            <a:pPr marL="0" indent="0">
+              <a:buNone/>
+            </a:pPr>
+            <a:endParaRPr lang="en-US" dirty="0"/>
+          </a:p>
+          <a:p>
+            <a:pPr marL="0" indent="0">
+              <a:buNone/>
+            </a:pPr>
+            <a:endParaRPr lang="en-US" dirty="0"/>
+          </a:p>
+          <a:p>
+            <a:pPr marL="0" indent="0">
+              <a:buNone/>
+            </a:pPr>
+            <a:r>
+              <a:rPr lang="en-US" dirty="0"/>
+              <a:t>FONTS: INTER, 64, 24, 16, 12</a:t>
+            </a:r>
+            <a:endParaRPr lang="en-US" dirty="0"/>
+          </a:p>
+          <a:p>
+            <a:pPr marL="0" indent="0">
+              <a:buNone/>
+            </a:pPr>
+            <a:r>
+              <a:rPr lang="en-US" dirty="0"/>
+              <a:t>LOGO:</a:t>
+            </a:r>
+            <a:endParaRPr lang="en-US" dirty="0"/>
+          </a:p>
+          <a:p>
+            <a:endParaRPr lang="en-PH" dirty="0"/>
+          </a:p>
+          <a:p>
+            <a:endParaRPr lang="en-PH" dirty="0"/>
+          </a:p>
+          <a:p>
+            <a:pPr marL="0" indent="0">
+              <a:lnSpc>
+                <a:spcPct val="107000"/>
+              </a:lnSpc>
+              <a:spcAft>
+                <a:spcPts val="800"/>
+              </a:spcAft>
+              <a:buNone/>
+            </a:pPr>
+            <a:r>
+              <a:rPr lang="en-PH" dirty="0">
+                <a:effectLst/>
+                <a:latin typeface="Calibri" panose="020F0502020204030204" pitchFamily="34" charset="0"/>
+                <a:cs typeface="Times New Roman" panose="02020603050405020304" pitchFamily="18" charset="0"/>
+              </a:rPr>
+              <a:t>Technology used: HTML 5, CSS 3, BOOTSTRAP, FIGMA.COM, 				         CANVA.COM, LOGO.COM.</a:t>
+            </a:r>
+            <a:endParaRPr lang="en-PH" dirty="0">
+              <a:effectLst/>
+              <a:latin typeface="Calibri" panose="020F0502020204030204" pitchFamily="34" charset="0"/>
+              <a:cs typeface="Times New Roman" panose="02020603050405020304" pitchFamily="18" charset="0"/>
+            </a:endParaRPr>
+          </a:p>
+        </p:txBody>
+      </p:sp>
+      <p:sp>
+        <p:nvSpPr>
+          <p:cNvPr id="8" name="Rectangle 3"/>
+          <p:cNvSpPr>
+            <a:spLocks noChangeArrowheads="1"/>
+          </p:cNvSpPr>
+          <p:nvPr/>
+        </p:nvSpPr>
+        <p:spPr bwMode="auto">
+          <a:xfrm>
+            <a:off x="0" y="-448508"/>
+            <a:ext cx="6481261" cy="1354217"/>
+          </a:xfrm>
+          <a:prstGeom prst="rect">
+            <a:avLst/>
+          </a:prstGeom>
+          <a:noFill/>
+          <a:ln>
+            <a:noFill/>
+          </a:ln>
+          <a:effectLst/>
+          <a:extLst>
+            <a:ext uri="{909E8E84-426E-40DD-AFC4-6F175D3DCCD1}">
+              <a14:hiddenFill xmlns:a14="http://schemas.microsoft.com/office/drawing/2010/main">
+                <a:solidFill>
+                  <a:schemeClr val="accent1"/>
+                </a:solidFill>
+              </a14:hiddenFill>
+            </a:ext>
+            <a:ext uri="{91240B29-F687-4F45-9708-019B960494DF}">
+              <a14:hiddenLine xmlns:a14="http://schemas.microsoft.com/office/drawing/2010/main" w="9525">
+                <a:solidFill>
+                  <a:schemeClr val="tx1"/>
+                </a:solidFill>
+                <a:miter lim="800000"/>
+                <a:headEnd/>
+                <a:tailEnd/>
+              </a14:hiddenLine>
+            </a:ext>
+            <a:ext uri="{AF507438-7753-43E0-B8FC-AC1667EBCBE1}">
+              <a14:hiddenEffects xmlns:a14="http://schemas.microsoft.com/office/drawing/2010/main">
+                <a:effectLst>
+                  <a:outerShdw dist="35921" dir="2700000" algn="ctr" rotWithShape="0">
+                    <a:schemeClr val="bg2"/>
+                  </a:outerShdw>
+                </a:effectLst>
+              </a14:hiddenEffects>
+            </a:ext>
+          </a:extLst>
+        </p:spPr>
+        <p:txBody>
+          <a:bodyPr vert="horz" wrap="none" lIns="91440" tIns="45720" rIns="91440" bIns="45720" numCol="1" anchor="ctr" anchorCtr="0" compatLnSpc="1">
+            <a:spAutoFit/>
+          </a:bodyPr>
+          <a:lstStyle/>
+          <a:p>
+            <a:pPr marL="0" marR="0" lvl="0" indent="0" algn="l" defTabSz="914400" rtl="0" eaLnBrk="0" fontAlgn="base" latinLnBrk="0" hangingPunct="0">
+              <a:lnSpc>
+                <a:spcPct val="100000"/>
+              </a:lnSpc>
+              <a:spcBef>
+                <a:spcPct val="0"/>
+              </a:spcBef>
+              <a:spcAft>
+                <a:spcPct val="0"/>
+              </a:spcAft>
+              <a:buClrTx/>
+              <a:buSzTx/>
+              <a:buFontTx/>
+              <a:buNone/>
+            </a:pPr>
+            <a:r>
+              <a:rPr kumimoji="0" lang="en-US" altLang="en-US" sz="1100" b="0" i="0" u="none" strike="noStrike" cap="none" normalizeH="0" baseline="0" dirty="0">
+                <a:ln>
+                  <a:noFill/>
+                </a:ln>
+                <a:solidFill>
+                  <a:schemeClr val="tx1"/>
+                </a:solidFill>
+                <a:effectLst/>
+                <a:latin typeface="Calibri" panose="020F0502020204030204" pitchFamily="34" charset="0"/>
+                <a:cs typeface="Calibri" panose="020F0502020204030204" pitchFamily="34" charset="0"/>
+              </a:rPr>
+              <a:t>  </a:t>
+            </a:r>
+            <a:r>
+              <a:rPr kumimoji="0" lang="en-US" altLang="en-US" sz="8200" b="0" i="0" u="none" strike="noStrike" cap="none" normalizeH="0" baseline="0" dirty="0">
+                <a:ln>
+                  <a:noFill/>
+                </a:ln>
+                <a:solidFill>
+                  <a:schemeClr val="tx1"/>
+                </a:solidFill>
+                <a:effectLst/>
+                <a:latin typeface="Calibri" panose="020F0502020204030204" pitchFamily="34" charset="0"/>
+                <a:cs typeface="Calibri" panose="020F0502020204030204" pitchFamily="34" charset="0"/>
+              </a:rPr>
+              <a:t>                          </a:t>
+            </a:r>
+            <a:r>
+              <a:rPr kumimoji="0" lang="en-US" altLang="en-US" sz="1800" b="1" i="0" u="none" strike="noStrike" cap="none" normalizeH="0" baseline="0" dirty="0" smtClean="0">
+                <a:ln>
+                  <a:noFill/>
+                </a:ln>
+                <a:solidFill>
+                  <a:schemeClr val="tx1"/>
+                </a:solidFill>
+                <a:effectLst/>
+                <a:latin typeface="Calibri" panose="020F0502020204030204" pitchFamily="34" charset="0"/>
+                <a:cs typeface="Times New Roman" panose="02020603050405020304" pitchFamily="18" charset="0"/>
+              </a:rPr>
+              <a:t>:</a:t>
+            </a:r>
+            <a:endParaRPr kumimoji="0" lang="en-US" altLang="en-US" sz="1800" b="0" i="0" u="none" strike="noStrike" cap="none" normalizeH="0" baseline="0" dirty="0">
+              <a:ln>
+                <a:noFill/>
+              </a:ln>
+              <a:solidFill>
+                <a:schemeClr val="tx1"/>
+              </a:solidFill>
+              <a:effectLst/>
+              <a:latin typeface="Arial" panose="020B0604020202020204" pitchFamily="34" charset="0"/>
+            </a:endParaRPr>
+          </a:p>
+        </p:txBody>
+      </p:sp>
+      <p:pic>
+        <p:nvPicPr>
+          <p:cNvPr id="1028" name="Picture 4"/>
+          <p:cNvPicPr>
+            <a:picLocks noChangeAspect="1" noChangeArrowheads="1"/>
+          </p:cNvPicPr>
+          <p:nvPr/>
+        </p:nvPicPr>
+        <p:blipFill>
+          <a:blip r:embed="rId1">
+            <a:extLst>
+              <a:ext uri="{28A0092B-C50C-407E-A947-70E740481C1C}">
+                <a14:useLocalDpi xmlns:a14="http://schemas.microsoft.com/office/drawing/2010/main" val="0"/>
+              </a:ext>
+            </a:extLst>
+          </a:blip>
+          <a:srcRect/>
+          <a:stretch>
+            <a:fillRect/>
+          </a:stretch>
+        </p:blipFill>
+        <p:spPr bwMode="auto">
+          <a:xfrm>
             <a:off x="2648778" y="1147005"/>
             <a:ext cx="5943600" cy="1314450"/>
           </a:xfrm>
@@ -4852,20 +8424,14 @@
       </p:pic>
       <p:pic>
         <p:nvPicPr>
-          <p:cNvPr id="9" name="Picture 8" descr="logo">
-            <a:extLst>
-              <a:ext uri="{FF2B5EF4-FFF2-40B4-BE49-F238E27FC236}">
-                <a16:creationId xmlns:a16="http://schemas.microsoft.com/office/drawing/2014/main" id="{F7BECEC7-65DF-03FF-68E1-6CF7F48242FD}"/>
-              </a:ext>
-            </a:extLst>
-          </p:cNvPr>
+          <p:cNvPr id="9" name="Picture 8" descr="logo"/>
           <p:cNvPicPr>
             <a:picLocks noChangeAspect="1"/>
           </p:cNvPicPr>
           <p:nvPr/>
         </p:nvPicPr>
         <p:blipFill>
-          <a:blip r:embed="rId3"/>
+          <a:blip r:embed="rId2"/>
           <a:stretch>
             <a:fillRect/>
           </a:stretch>
@@ -4881,11 +8447,6 @@
         </p:spPr>
       </p:pic>
     </p:spTree>
-    <p:extLst>
-      <p:ext uri="{BB962C8B-B14F-4D97-AF65-F5344CB8AC3E}">
-        <p14:creationId xmlns:p14="http://schemas.microsoft.com/office/powerpoint/2010/main" val="1563219516"/>
-      </p:ext>
-    </p:extLst>
   </p:cSld>
   <p:clrMapOvr>
     <a:masterClrMapping/>
@@ -4912,13 +8473,7 @@
       </p:grpSpPr>
       <p:sp>
         <p:nvSpPr>
-          <p:cNvPr id="2" name="Title 1">
-            <a:extLst>
-              <a:ext uri="{FF2B5EF4-FFF2-40B4-BE49-F238E27FC236}">
-                <a16:creationId xmlns:a16="http://schemas.microsoft.com/office/drawing/2014/main" id="{1A8B7F74-F5C4-24A7-B2DA-171C1ECBF7D7}"/>
-              </a:ext>
-            </a:extLst>
-          </p:cNvPr>
+          <p:cNvPr id="2" name="Title 1"/>
           <p:cNvSpPr>
             <a:spLocks noGrp="1"/>
           </p:cNvSpPr>
@@ -4949,13 +8504,7 @@
       </p:sp>
       <p:sp>
         <p:nvSpPr>
-          <p:cNvPr id="5" name="Rectangle 4">
-            <a:extLst>
-              <a:ext uri="{FF2B5EF4-FFF2-40B4-BE49-F238E27FC236}">
-                <a16:creationId xmlns:a16="http://schemas.microsoft.com/office/drawing/2014/main" id="{7E7C0734-82ED-C48A-3FB3-E68445BECE84}"/>
-              </a:ext>
-            </a:extLst>
-          </p:cNvPr>
+          <p:cNvPr id="5" name="Rectangle 4"/>
           <p:cNvSpPr/>
           <p:nvPr/>
         </p:nvSpPr>
@@ -4997,13 +8546,7 @@
       </p:sp>
       <p:sp>
         <p:nvSpPr>
-          <p:cNvPr id="9" name="Rectangle 8">
-            <a:extLst>
-              <a:ext uri="{FF2B5EF4-FFF2-40B4-BE49-F238E27FC236}">
-                <a16:creationId xmlns:a16="http://schemas.microsoft.com/office/drawing/2014/main" id="{EF160242-6A5F-30D8-D437-A6C13CB341F3}"/>
-              </a:ext>
-            </a:extLst>
-          </p:cNvPr>
+          <p:cNvPr id="9" name="Rectangle 8"/>
           <p:cNvSpPr/>
           <p:nvPr/>
         </p:nvSpPr>
@@ -5045,13 +8588,7 @@
       </p:sp>
       <p:sp>
         <p:nvSpPr>
-          <p:cNvPr id="10" name="Rectangle 9">
-            <a:extLst>
-              <a:ext uri="{FF2B5EF4-FFF2-40B4-BE49-F238E27FC236}">
-                <a16:creationId xmlns:a16="http://schemas.microsoft.com/office/drawing/2014/main" id="{BB20754E-3E5D-CB4A-FFCD-A6531F52E84F}"/>
-              </a:ext>
-            </a:extLst>
-          </p:cNvPr>
+          <p:cNvPr id="10" name="Rectangle 9"/>
           <p:cNvSpPr/>
           <p:nvPr/>
         </p:nvSpPr>
@@ -5093,13 +8630,7 @@
       </p:sp>
       <p:sp>
         <p:nvSpPr>
-          <p:cNvPr id="11" name="Rectangle 10">
-            <a:extLst>
-              <a:ext uri="{FF2B5EF4-FFF2-40B4-BE49-F238E27FC236}">
-                <a16:creationId xmlns:a16="http://schemas.microsoft.com/office/drawing/2014/main" id="{B6DDC867-F288-67AF-9811-C448DA5FE9E5}"/>
-              </a:ext>
-            </a:extLst>
-          </p:cNvPr>
+          <p:cNvPr id="11" name="Rectangle 10"/>
           <p:cNvSpPr/>
           <p:nvPr/>
         </p:nvSpPr>
@@ -5141,13 +8672,7 @@
       </p:sp>
       <p:sp>
         <p:nvSpPr>
-          <p:cNvPr id="12" name="Rectangle 11">
-            <a:extLst>
-              <a:ext uri="{FF2B5EF4-FFF2-40B4-BE49-F238E27FC236}">
-                <a16:creationId xmlns:a16="http://schemas.microsoft.com/office/drawing/2014/main" id="{4BDBC706-8398-4E8E-089B-256DB2C1CFC3}"/>
-              </a:ext>
-            </a:extLst>
-          </p:cNvPr>
+          <p:cNvPr id="12" name="Rectangle 11"/>
           <p:cNvSpPr/>
           <p:nvPr/>
         </p:nvSpPr>
@@ -5189,13 +8714,7 @@
       </p:sp>
       <p:sp>
         <p:nvSpPr>
-          <p:cNvPr id="13" name="Rectangle 12">
-            <a:extLst>
-              <a:ext uri="{FF2B5EF4-FFF2-40B4-BE49-F238E27FC236}">
-                <a16:creationId xmlns:a16="http://schemas.microsoft.com/office/drawing/2014/main" id="{90C4FC74-F8F0-7313-17E5-6BD8204F9585}"/>
-              </a:ext>
-            </a:extLst>
-          </p:cNvPr>
+          <p:cNvPr id="13" name="Rectangle 12"/>
           <p:cNvSpPr/>
           <p:nvPr/>
         </p:nvSpPr>
@@ -5237,13 +8756,7 @@
       </p:sp>
       <p:sp>
         <p:nvSpPr>
-          <p:cNvPr id="14" name="Rectangle 13">
-            <a:extLst>
-              <a:ext uri="{FF2B5EF4-FFF2-40B4-BE49-F238E27FC236}">
-                <a16:creationId xmlns:a16="http://schemas.microsoft.com/office/drawing/2014/main" id="{BAF2B61B-7FD9-403C-2A64-A4F92EB97BAF}"/>
-              </a:ext>
-            </a:extLst>
-          </p:cNvPr>
+          <p:cNvPr id="14" name="Rectangle 13"/>
           <p:cNvSpPr/>
           <p:nvPr/>
         </p:nvSpPr>
@@ -5285,13 +8798,7 @@
       </p:sp>
       <p:sp>
         <p:nvSpPr>
-          <p:cNvPr id="15" name="Rectangle 14">
-            <a:extLst>
-              <a:ext uri="{FF2B5EF4-FFF2-40B4-BE49-F238E27FC236}">
-                <a16:creationId xmlns:a16="http://schemas.microsoft.com/office/drawing/2014/main" id="{57232484-2274-D1AC-A236-021184426A81}"/>
-              </a:ext>
-            </a:extLst>
-          </p:cNvPr>
+          <p:cNvPr id="15" name="Rectangle 14"/>
           <p:cNvSpPr/>
           <p:nvPr/>
         </p:nvSpPr>
@@ -5333,13 +8840,7 @@
       </p:sp>
       <p:sp>
         <p:nvSpPr>
-          <p:cNvPr id="16" name="Rectangle 15">
-            <a:extLst>
-              <a:ext uri="{FF2B5EF4-FFF2-40B4-BE49-F238E27FC236}">
-                <a16:creationId xmlns:a16="http://schemas.microsoft.com/office/drawing/2014/main" id="{6DA6727D-0AA4-A6DF-74BF-53D168B05F68}"/>
-              </a:ext>
-            </a:extLst>
-          </p:cNvPr>
+          <p:cNvPr id="16" name="Rectangle 15"/>
           <p:cNvSpPr/>
           <p:nvPr/>
         </p:nvSpPr>
@@ -5381,13 +8882,7 @@
       </p:sp>
       <p:sp>
         <p:nvSpPr>
-          <p:cNvPr id="17" name="Rectangle 16">
-            <a:extLst>
-              <a:ext uri="{FF2B5EF4-FFF2-40B4-BE49-F238E27FC236}">
-                <a16:creationId xmlns:a16="http://schemas.microsoft.com/office/drawing/2014/main" id="{C27480E4-B070-FA20-35BE-D791422FFAD1}"/>
-              </a:ext>
-            </a:extLst>
-          </p:cNvPr>
+          <p:cNvPr id="17" name="Rectangle 16"/>
           <p:cNvSpPr/>
           <p:nvPr/>
         </p:nvSpPr>
@@ -5429,13 +8924,7 @@
       </p:sp>
       <p:sp>
         <p:nvSpPr>
-          <p:cNvPr id="18" name="Rectangle 17">
-            <a:extLst>
-              <a:ext uri="{FF2B5EF4-FFF2-40B4-BE49-F238E27FC236}">
-                <a16:creationId xmlns:a16="http://schemas.microsoft.com/office/drawing/2014/main" id="{26A7657F-FE1A-EC78-A075-B8ED7CD99A5E}"/>
-              </a:ext>
-            </a:extLst>
-          </p:cNvPr>
+          <p:cNvPr id="18" name="Rectangle 17"/>
           <p:cNvSpPr/>
           <p:nvPr/>
         </p:nvSpPr>
@@ -5477,15 +8966,8 @@
       </p:sp>
       <p:cxnSp>
         <p:nvCxnSpPr>
-          <p:cNvPr id="20" name="Straight Connector 19">
-            <a:extLst>
-              <a:ext uri="{FF2B5EF4-FFF2-40B4-BE49-F238E27FC236}">
-                <a16:creationId xmlns:a16="http://schemas.microsoft.com/office/drawing/2014/main" id="{E677AA59-10FA-3C4C-D47E-2949E3579A06}"/>
-              </a:ext>
-            </a:extLst>
-          </p:cNvPr>
+          <p:cNvPr id="20" name="Straight Connector 19"/>
           <p:cNvCxnSpPr>
-            <a:cxnSpLocks/>
             <a:stCxn id="5" idx="2"/>
             <a:endCxn id="9" idx="0"/>
           </p:cNvCxnSpPr>
@@ -5517,15 +8999,8 @@
       </p:cxnSp>
       <p:cxnSp>
         <p:nvCxnSpPr>
-          <p:cNvPr id="23" name="Straight Connector 22">
-            <a:extLst>
-              <a:ext uri="{FF2B5EF4-FFF2-40B4-BE49-F238E27FC236}">
-                <a16:creationId xmlns:a16="http://schemas.microsoft.com/office/drawing/2014/main" id="{53D5BE14-9444-0D53-1468-68FB3F7750D8}"/>
-              </a:ext>
-            </a:extLst>
-          </p:cNvPr>
+          <p:cNvPr id="23" name="Straight Connector 22"/>
           <p:cNvCxnSpPr>
-            <a:cxnSpLocks/>
             <a:stCxn id="9" idx="2"/>
             <a:endCxn id="10" idx="0"/>
           </p:cNvCxnSpPr>
@@ -5557,15 +9032,8 @@
       </p:cxnSp>
       <p:cxnSp>
         <p:nvCxnSpPr>
-          <p:cNvPr id="27" name="Straight Connector 26">
-            <a:extLst>
-              <a:ext uri="{FF2B5EF4-FFF2-40B4-BE49-F238E27FC236}">
-                <a16:creationId xmlns:a16="http://schemas.microsoft.com/office/drawing/2014/main" id="{C86DB794-D559-9CB6-3DDE-3CBCA47D29B9}"/>
-              </a:ext>
-            </a:extLst>
-          </p:cNvPr>
+          <p:cNvPr id="27" name="Straight Connector 26"/>
           <p:cNvCxnSpPr>
-            <a:cxnSpLocks/>
             <a:stCxn id="9" idx="2"/>
             <a:endCxn id="11" idx="0"/>
           </p:cNvCxnSpPr>
@@ -5597,15 +9065,8 @@
       </p:cxnSp>
       <p:cxnSp>
         <p:nvCxnSpPr>
-          <p:cNvPr id="31" name="Straight Connector 30">
-            <a:extLst>
-              <a:ext uri="{FF2B5EF4-FFF2-40B4-BE49-F238E27FC236}">
-                <a16:creationId xmlns:a16="http://schemas.microsoft.com/office/drawing/2014/main" id="{03659872-9D28-FE83-9B36-3B54FCB62266}"/>
-              </a:ext>
-            </a:extLst>
-          </p:cNvPr>
+          <p:cNvPr id="31" name="Straight Connector 30"/>
           <p:cNvCxnSpPr>
-            <a:cxnSpLocks/>
             <a:stCxn id="11" idx="2"/>
             <a:endCxn id="12" idx="0"/>
           </p:cNvCxnSpPr>
@@ -5637,15 +9098,8 @@
       </p:cxnSp>
       <p:cxnSp>
         <p:nvCxnSpPr>
-          <p:cNvPr id="34" name="Straight Connector 33">
-            <a:extLst>
-              <a:ext uri="{FF2B5EF4-FFF2-40B4-BE49-F238E27FC236}">
-                <a16:creationId xmlns:a16="http://schemas.microsoft.com/office/drawing/2014/main" id="{B2ABBEA2-373E-F837-BC2E-693666194EBC}"/>
-              </a:ext>
-            </a:extLst>
-          </p:cNvPr>
+          <p:cNvPr id="34" name="Straight Connector 33"/>
           <p:cNvCxnSpPr>
-            <a:cxnSpLocks/>
             <a:stCxn id="10" idx="3"/>
             <a:endCxn id="11" idx="1"/>
           </p:cNvCxnSpPr>
@@ -5677,15 +9131,8 @@
       </p:cxnSp>
       <p:cxnSp>
         <p:nvCxnSpPr>
-          <p:cNvPr id="37" name="Connector: Elbow 36">
-            <a:extLst>
-              <a:ext uri="{FF2B5EF4-FFF2-40B4-BE49-F238E27FC236}">
-                <a16:creationId xmlns:a16="http://schemas.microsoft.com/office/drawing/2014/main" id="{B67F14DC-6328-34BC-47F6-49F1623108A0}"/>
-              </a:ext>
-            </a:extLst>
-          </p:cNvPr>
+          <p:cNvPr id="37" name="Connector: Elbow 36"/>
           <p:cNvCxnSpPr>
-            <a:cxnSpLocks/>
             <a:stCxn id="12" idx="2"/>
             <a:endCxn id="16" idx="0"/>
           </p:cNvCxnSpPr>
@@ -5717,15 +9164,8 @@
       </p:cxnSp>
       <p:cxnSp>
         <p:nvCxnSpPr>
-          <p:cNvPr id="40" name="Connector: Elbow 39">
-            <a:extLst>
-              <a:ext uri="{FF2B5EF4-FFF2-40B4-BE49-F238E27FC236}">
-                <a16:creationId xmlns:a16="http://schemas.microsoft.com/office/drawing/2014/main" id="{9D4BB6DF-252A-2B6F-0D01-AC707B6F42F6}"/>
-              </a:ext>
-            </a:extLst>
-          </p:cNvPr>
+          <p:cNvPr id="40" name="Connector: Elbow 39"/>
           <p:cNvCxnSpPr>
-            <a:cxnSpLocks/>
             <a:stCxn id="12" idx="2"/>
             <a:endCxn id="14" idx="0"/>
           </p:cNvCxnSpPr>
@@ -5757,15 +9197,8 @@
       </p:cxnSp>
       <p:cxnSp>
         <p:nvCxnSpPr>
-          <p:cNvPr id="43" name="Connector: Elbow 42">
-            <a:extLst>
-              <a:ext uri="{FF2B5EF4-FFF2-40B4-BE49-F238E27FC236}">
-                <a16:creationId xmlns:a16="http://schemas.microsoft.com/office/drawing/2014/main" id="{53749ADC-746F-8C16-8D21-C5F569412D4D}"/>
-              </a:ext>
-            </a:extLst>
-          </p:cNvPr>
+          <p:cNvPr id="43" name="Connector: Elbow 42"/>
           <p:cNvCxnSpPr>
-            <a:cxnSpLocks/>
             <a:stCxn id="12" idx="2"/>
             <a:endCxn id="17" idx="0"/>
           </p:cNvCxnSpPr>
@@ -5797,15 +9230,8 @@
       </p:cxnSp>
       <p:cxnSp>
         <p:nvCxnSpPr>
-          <p:cNvPr id="46" name="Connector: Elbow 45">
-            <a:extLst>
-              <a:ext uri="{FF2B5EF4-FFF2-40B4-BE49-F238E27FC236}">
-                <a16:creationId xmlns:a16="http://schemas.microsoft.com/office/drawing/2014/main" id="{2FC29962-8B25-62E1-6E64-9C333B1D95B5}"/>
-              </a:ext>
-            </a:extLst>
-          </p:cNvPr>
+          <p:cNvPr id="46" name="Connector: Elbow 45"/>
           <p:cNvCxnSpPr>
-            <a:cxnSpLocks/>
             <a:stCxn id="12" idx="2"/>
             <a:endCxn id="15" idx="0"/>
           </p:cNvCxnSpPr>
@@ -5837,15 +9263,8 @@
       </p:cxnSp>
       <p:cxnSp>
         <p:nvCxnSpPr>
-          <p:cNvPr id="49" name="Connector: Elbow 48">
-            <a:extLst>
-              <a:ext uri="{FF2B5EF4-FFF2-40B4-BE49-F238E27FC236}">
-                <a16:creationId xmlns:a16="http://schemas.microsoft.com/office/drawing/2014/main" id="{5E3525F0-22B0-DA13-DD23-8FAAF7A398A3}"/>
-              </a:ext>
-            </a:extLst>
-          </p:cNvPr>
+          <p:cNvPr id="49" name="Connector: Elbow 48"/>
           <p:cNvCxnSpPr>
-            <a:cxnSpLocks/>
             <a:stCxn id="12" idx="2"/>
             <a:endCxn id="13" idx="0"/>
           </p:cNvCxnSpPr>
@@ -5877,15 +9296,8 @@
       </p:cxnSp>
       <p:cxnSp>
         <p:nvCxnSpPr>
-          <p:cNvPr id="52" name="Straight Arrow Connector 51">
-            <a:extLst>
-              <a:ext uri="{FF2B5EF4-FFF2-40B4-BE49-F238E27FC236}">
-                <a16:creationId xmlns:a16="http://schemas.microsoft.com/office/drawing/2014/main" id="{ADC49E26-12B8-C19C-C192-15E85EF560A8}"/>
-              </a:ext>
-            </a:extLst>
-          </p:cNvPr>
+          <p:cNvPr id="52" name="Straight Arrow Connector 51"/>
           <p:cNvCxnSpPr>
-            <a:cxnSpLocks/>
             <a:stCxn id="16" idx="2"/>
             <a:endCxn id="18" idx="0"/>
           </p:cNvCxnSpPr>
@@ -5920,15 +9332,8 @@
       </p:cxnSp>
       <p:cxnSp>
         <p:nvCxnSpPr>
-          <p:cNvPr id="55" name="Straight Arrow Connector 54">
-            <a:extLst>
-              <a:ext uri="{FF2B5EF4-FFF2-40B4-BE49-F238E27FC236}">
-                <a16:creationId xmlns:a16="http://schemas.microsoft.com/office/drawing/2014/main" id="{C6F026EB-81FE-D54B-F114-49FFFF970663}"/>
-              </a:ext>
-            </a:extLst>
-          </p:cNvPr>
+          <p:cNvPr id="55" name="Straight Arrow Connector 54"/>
           <p:cNvCxnSpPr>
-            <a:cxnSpLocks/>
             <a:stCxn id="14" idx="2"/>
             <a:endCxn id="18" idx="0"/>
           </p:cNvCxnSpPr>
@@ -5963,15 +9368,8 @@
       </p:cxnSp>
       <p:cxnSp>
         <p:nvCxnSpPr>
-          <p:cNvPr id="58" name="Straight Arrow Connector 57">
-            <a:extLst>
-              <a:ext uri="{FF2B5EF4-FFF2-40B4-BE49-F238E27FC236}">
-                <a16:creationId xmlns:a16="http://schemas.microsoft.com/office/drawing/2014/main" id="{E14E7C03-99E9-E31F-346C-0BBD09A50791}"/>
-              </a:ext>
-            </a:extLst>
-          </p:cNvPr>
+          <p:cNvPr id="58" name="Straight Arrow Connector 57"/>
           <p:cNvCxnSpPr>
-            <a:cxnSpLocks/>
             <a:stCxn id="17" idx="2"/>
             <a:endCxn id="18" idx="0"/>
           </p:cNvCxnSpPr>
@@ -6006,15 +9404,8 @@
       </p:cxnSp>
       <p:cxnSp>
         <p:nvCxnSpPr>
-          <p:cNvPr id="61" name="Straight Arrow Connector 60">
-            <a:extLst>
-              <a:ext uri="{FF2B5EF4-FFF2-40B4-BE49-F238E27FC236}">
-                <a16:creationId xmlns:a16="http://schemas.microsoft.com/office/drawing/2014/main" id="{770A4BB4-B2C6-0495-92C9-B4298C95FAE8}"/>
-              </a:ext>
-            </a:extLst>
-          </p:cNvPr>
+          <p:cNvPr id="61" name="Straight Arrow Connector 60"/>
           <p:cNvCxnSpPr>
-            <a:cxnSpLocks/>
             <a:stCxn id="15" idx="2"/>
             <a:endCxn id="18" idx="0"/>
           </p:cNvCxnSpPr>
@@ -6049,15 +9440,8 @@
       </p:cxnSp>
       <p:cxnSp>
         <p:nvCxnSpPr>
-          <p:cNvPr id="64" name="Straight Arrow Connector 63">
-            <a:extLst>
-              <a:ext uri="{FF2B5EF4-FFF2-40B4-BE49-F238E27FC236}">
-                <a16:creationId xmlns:a16="http://schemas.microsoft.com/office/drawing/2014/main" id="{6BFBF693-1439-FC3E-E016-5B84EE8A77FD}"/>
-              </a:ext>
-            </a:extLst>
-          </p:cNvPr>
+          <p:cNvPr id="64" name="Straight Arrow Connector 63"/>
           <p:cNvCxnSpPr>
-            <a:cxnSpLocks/>
             <a:stCxn id="13" idx="2"/>
             <a:endCxn id="18" idx="0"/>
           </p:cNvCxnSpPr>
@@ -6091,11 +9475,6 @@
         </p:style>
       </p:cxnSp>
     </p:spTree>
-    <p:extLst>
-      <p:ext uri="{BB962C8B-B14F-4D97-AF65-F5344CB8AC3E}">
-        <p14:creationId xmlns:p14="http://schemas.microsoft.com/office/powerpoint/2010/main" val="381988631"/>
-      </p:ext>
-    </p:extLst>
   </p:cSld>
   <p:clrMapOvr>
     <a:masterClrMapping/>
@@ -6354,8 +9733,6 @@
       </a:bgFillStyleLst>
     </a:fmtScheme>
   </a:themeElements>
-  <a:objectDefaults/>
-  <a:extraClrSchemeLst/>
   <a:extLst>
     <a:ext uri="{05A4C25C-085E-4340-85A3-A5531E510DB2}">
       <thm15:themeFamily xmlns:thm15="http://schemas.microsoft.com/office/thememl/2012/main" name="Office Theme" id="{62F939B6-93AF-4DB8-9C6B-D6C7DFDC589F}" vid="{4A3C46E8-61CC-4603-A589-7422A47A8E4A}"/>

--- a/MINI PROJECT 1 final.pptx
+++ b/MINI PROJECT 1 final.pptx
@@ -2,7 +2,7 @@
 <file path=ppt/presentation.xml><?xml version="1.0" encoding="utf-8"?>
 <p:presentation xmlns:a="http://schemas.openxmlformats.org/drawingml/2006/main" xmlns:r="http://schemas.openxmlformats.org/officeDocument/2006/relationships" xmlns:p="http://schemas.openxmlformats.org/presentationml/2006/main">
   <p:sldMasterIdLst>
-    <p:sldMasterId id="2147483743" r:id="rId1"/>
+    <p:sldMasterId id="2147483760" r:id="rId1"/>
   </p:sldMasterIdLst>
   <p:sldIdLst>
     <p:sldId id="277" r:id="rId2"/>
@@ -26,6 +26,7 @@
     <p:sldId id="272" r:id="rId20"/>
     <p:sldId id="275" r:id="rId21"/>
     <p:sldId id="274" r:id="rId22"/>
+    <p:sldId id="278" r:id="rId23"/>
   </p:sldIdLst>
   <p:sldSz cx="12192000" cy="6858000"/>
   <p:notesSz cx="6858000" cy="9144000"/>
@@ -184,6 +185,11 @@
             <p14:sldId id="274"/>
           </p14:sldIdLst>
         </p14:section>
+        <p14:section name="Actual Site" id="{2B4C6C85-A641-43DD-BD19-6EFAB0F54307}">
+          <p14:sldIdLst>
+            <p14:sldId id="278"/>
+          </p14:sldIdLst>
+        </p14:section>
       </p14:sectionLst>
     </p:ext>
     <p:ext uri="{EFAFB233-063F-42B5-8137-9DF3F51BA10A}">
@@ -205,7 +211,7 @@
 </file>
 
 <file path=ppt/slideLayouts/slideLayout1.xml><?xml version="1.0" encoding="utf-8"?>
-<p:sldLayout xmlns:a="http://schemas.openxmlformats.org/drawingml/2006/main" xmlns:r="http://schemas.openxmlformats.org/officeDocument/2006/relationships" xmlns:p="http://schemas.openxmlformats.org/presentationml/2006/main" type="title" preserve="1">
+<p:sldLayout xmlns:a="http://schemas.openxmlformats.org/drawingml/2006/main" xmlns:r="http://schemas.openxmlformats.org/officeDocument/2006/relationships" xmlns:p="http://schemas.openxmlformats.org/presentationml/2006/main" showMasterSp="0" type="title" preserve="1">
   <p:cSld name="Title Slide">
     <p:spTree>
       <p:nvGrpSpPr>
@@ -223,6 +229,44 @@
       </p:grpSpPr>
       <p:sp>
         <p:nvSpPr>
+          <p:cNvPr id="7" name="Rectangle 6"/>
+          <p:cNvSpPr/>
+          <p:nvPr/>
+        </p:nvSpPr>
+        <p:spPr>
+          <a:xfrm>
+            <a:off x="-6843" y="2059012"/>
+            <a:ext cx="12195668" cy="1828800"/>
+          </a:xfrm>
+          <a:prstGeom prst="rect">
+            <a:avLst/>
+          </a:prstGeom>
+          <a:solidFill>
+            <a:schemeClr val="tx1"/>
+          </a:solidFill>
+          <a:ln>
+            <a:noFill/>
+          </a:ln>
+        </p:spPr>
+        <p:style>
+          <a:lnRef idx="2">
+            <a:schemeClr val="accent1">
+              <a:shade val="50000"/>
+            </a:schemeClr>
+          </a:lnRef>
+          <a:fillRef idx="1">
+            <a:schemeClr val="accent1"/>
+          </a:fillRef>
+          <a:effectRef idx="0">
+            <a:schemeClr val="accent1"/>
+          </a:effectRef>
+          <a:fontRef idx="minor">
+            <a:schemeClr val="lt1"/>
+          </a:fontRef>
+        </p:style>
+      </p:sp>
+      <p:sp>
+        <p:nvSpPr>
           <p:cNvPr id="2" name="Title 1"/>
           <p:cNvSpPr>
             <a:spLocks noGrp="1"/>
@@ -233,17 +277,20 @@
         </p:nvSpPr>
         <p:spPr>
           <a:xfrm>
-            <a:off x="2589213" y="2514600"/>
-            <a:ext cx="8915399" cy="2262781"/>
-          </a:xfrm>
-        </p:spPr>
-        <p:txBody>
-          <a:bodyPr anchor="b">
+            <a:off x="365759" y="2166364"/>
+            <a:ext cx="11471565" cy="1739347"/>
+          </a:xfrm>
+        </p:spPr>
+        <p:txBody>
+          <a:bodyPr tIns="45720" bIns="45720" anchor="ctr">
             <a:normAutofit/>
           </a:bodyPr>
           <a:lstStyle>
-            <a:lvl1pPr>
-              <a:defRPr sz="5400"/>
+            <a:lvl1pPr algn="ctr">
+              <a:lnSpc>
+                <a:spcPct val="80000"/>
+              </a:lnSpc>
+              <a:defRPr sz="6000" spc="150" baseline="0"/>
             </a:lvl1pPr>
           </a:lstStyle>
           <a:p>
@@ -267,103 +314,50 @@
         </p:nvSpPr>
         <p:spPr>
           <a:xfrm>
-            <a:off x="2589213" y="4777379"/>
-            <a:ext cx="8915399" cy="1126283"/>
-          </a:xfrm>
-        </p:spPr>
-        <p:txBody>
-          <a:bodyPr anchor="t"/>
+            <a:off x="1524000" y="3996250"/>
+            <a:ext cx="9144000" cy="1309255"/>
+          </a:xfrm>
+        </p:spPr>
+        <p:txBody>
+          <a:bodyPr>
+            <a:normAutofit/>
+          </a:bodyPr>
           <a:lstStyle>
-            <a:lvl1pPr marL="0" indent="0" algn="l">
+            <a:lvl1pPr marL="0" indent="0" algn="ctr">
               <a:buNone/>
-              <a:defRPr>
-                <a:solidFill>
-                  <a:schemeClr val="tx1">
-                    <a:lumMod val="65000"/>
-                    <a:lumOff val="35000"/>
-                  </a:schemeClr>
-                </a:solidFill>
-              </a:defRPr>
+              <a:defRPr sz="2000"/>
             </a:lvl1pPr>
             <a:lvl2pPr marL="457200" indent="0" algn="ctr">
               <a:buNone/>
-              <a:defRPr>
-                <a:solidFill>
-                  <a:schemeClr val="tx1">
-                    <a:tint val="75000"/>
-                  </a:schemeClr>
-                </a:solidFill>
-              </a:defRPr>
+              <a:defRPr sz="2000"/>
             </a:lvl2pPr>
             <a:lvl3pPr marL="914400" indent="0" algn="ctr">
               <a:buNone/>
-              <a:defRPr>
-                <a:solidFill>
-                  <a:schemeClr val="tx1">
-                    <a:tint val="75000"/>
-                  </a:schemeClr>
-                </a:solidFill>
-              </a:defRPr>
+              <a:defRPr sz="2000"/>
             </a:lvl3pPr>
             <a:lvl4pPr marL="1371600" indent="0" algn="ctr">
               <a:buNone/>
-              <a:defRPr>
-                <a:solidFill>
-                  <a:schemeClr val="tx1">
-                    <a:tint val="75000"/>
-                  </a:schemeClr>
-                </a:solidFill>
-              </a:defRPr>
+              <a:defRPr sz="2000"/>
             </a:lvl4pPr>
             <a:lvl5pPr marL="1828800" indent="0" algn="ctr">
               <a:buNone/>
-              <a:defRPr>
-                <a:solidFill>
-                  <a:schemeClr val="tx1">
-                    <a:tint val="75000"/>
-                  </a:schemeClr>
-                </a:solidFill>
-              </a:defRPr>
+              <a:defRPr sz="2000"/>
             </a:lvl5pPr>
             <a:lvl6pPr marL="2286000" indent="0" algn="ctr">
               <a:buNone/>
-              <a:defRPr>
-                <a:solidFill>
-                  <a:schemeClr val="tx1">
-                    <a:tint val="75000"/>
-                  </a:schemeClr>
-                </a:solidFill>
-              </a:defRPr>
+              <a:defRPr sz="2000"/>
             </a:lvl6pPr>
             <a:lvl7pPr marL="2743200" indent="0" algn="ctr">
               <a:buNone/>
-              <a:defRPr>
-                <a:solidFill>
-                  <a:schemeClr val="tx1">
-                    <a:tint val="75000"/>
-                  </a:schemeClr>
-                </a:solidFill>
-              </a:defRPr>
+              <a:defRPr sz="2000"/>
             </a:lvl7pPr>
             <a:lvl8pPr marL="3200400" indent="0" algn="ctr">
               <a:buNone/>
-              <a:defRPr>
-                <a:solidFill>
-                  <a:schemeClr val="tx1">
-                    <a:tint val="75000"/>
-                  </a:schemeClr>
-                </a:solidFill>
-              </a:defRPr>
+              <a:defRPr sz="2000"/>
             </a:lvl8pPr>
             <a:lvl9pPr marL="3657600" indent="0" algn="ctr">
               <a:buNone/>
-              <a:defRPr>
-                <a:solidFill>
-                  <a:schemeClr val="tx1">
-                    <a:tint val="75000"/>
-                  </a:schemeClr>
-                </a:solidFill>
-              </a:defRPr>
+              <a:defRPr sz="2000"/>
             </a:lvl9pPr>
           </a:lstStyle>
           <a:p>
@@ -392,7 +386,7 @@
           <a:p>
             <a:fld id="{D9962669-56AE-4347-90EE-8C5DDA719B74}" type="datetimeFigureOut">
               <a:rPr lang="en-PH" smtClean="0"/>
-              <a:t>02/02/2023</a:t>
+              <a:t>03/02/2023</a:t>
             </a:fld>
             <a:endParaRPr lang="en-PH"/>
           </a:p>
@@ -419,88 +413,6 @@
       </p:sp>
       <p:sp>
         <p:nvSpPr>
-          <p:cNvPr id="7" name="Freeform 6"/>
-          <p:cNvSpPr/>
-          <p:nvPr/>
-        </p:nvSpPr>
-        <p:spPr bwMode="auto">
-          <a:xfrm>
-            <a:off x="0" y="4323810"/>
-            <a:ext cx="1744652" cy="778589"/>
-          </a:xfrm>
-          <a:custGeom>
-            <a:avLst/>
-            <a:gdLst/>
-            <a:ahLst/>
-            <a:cxnLst/>
-            <a:rect l="0" t="0" r="r" b="b"/>
-            <a:pathLst>
-              <a:path w="372" h="166">
-                <a:moveTo>
-                  <a:pt x="287" y="166"/>
-                </a:moveTo>
-                <a:cubicBezTo>
-                  <a:pt x="290" y="166"/>
-                  <a:pt x="292" y="165"/>
-                  <a:pt x="293" y="164"/>
-                </a:cubicBezTo>
-                <a:cubicBezTo>
-                  <a:pt x="293" y="163"/>
-                  <a:pt x="294" y="163"/>
-                  <a:pt x="294" y="163"/>
-                </a:cubicBezTo>
-                <a:cubicBezTo>
-                  <a:pt x="370" y="87"/>
-                  <a:pt x="370" y="87"/>
-                  <a:pt x="370" y="87"/>
-                </a:cubicBezTo>
-                <a:cubicBezTo>
-                  <a:pt x="372" y="85"/>
-                  <a:pt x="372" y="81"/>
-                  <a:pt x="370" y="78"/>
-                </a:cubicBezTo>
-                <a:cubicBezTo>
-                  <a:pt x="294" y="3"/>
-                  <a:pt x="294" y="3"/>
-                  <a:pt x="294" y="3"/>
-                </a:cubicBezTo>
-                <a:cubicBezTo>
-                  <a:pt x="294" y="2"/>
-                  <a:pt x="293" y="2"/>
-                  <a:pt x="293" y="2"/>
-                </a:cubicBezTo>
-                <a:cubicBezTo>
-                  <a:pt x="292" y="1"/>
-                  <a:pt x="290" y="0"/>
-                  <a:pt x="287" y="0"/>
-                </a:cubicBezTo>
-                <a:cubicBezTo>
-                  <a:pt x="0" y="0"/>
-                  <a:pt x="0" y="0"/>
-                  <a:pt x="0" y="0"/>
-                </a:cubicBezTo>
-                <a:cubicBezTo>
-                  <a:pt x="0" y="166"/>
-                  <a:pt x="0" y="166"/>
-                  <a:pt x="0" y="166"/>
-                </a:cubicBezTo>
-                <a:lnTo>
-                  <a:pt x="287" y="166"/>
-                </a:lnTo>
-                <a:close/>
-              </a:path>
-            </a:pathLst>
-          </a:custGeom>
-          <a:solidFill>
-            <a:schemeClr val="accent1"/>
-          </a:solidFill>
-          <a:ln>
-            <a:noFill/>
-          </a:ln>
-        </p:spPr>
-      </p:sp>
-      <p:sp>
-        <p:nvSpPr>
           <p:cNvPr id="6" name="Slide Number Placeholder 5"/>
           <p:cNvSpPr>
             <a:spLocks noGrp="1"/>
@@ -509,12 +421,7 @@
             <p:ph type="sldNum" sz="quarter" idx="12"/>
           </p:nvPr>
         </p:nvSpPr>
-        <p:spPr>
-          <a:xfrm>
-            <a:off x="531812" y="4529540"/>
-            <a:ext cx="779767" cy="365125"/>
-          </a:xfrm>
-        </p:spPr>
+        <p:spPr/>
         <p:txBody>
           <a:bodyPr/>
           <a:lstStyle/>
@@ -530,20 +437,20 @@
     </p:spTree>
     <p:extLst>
       <p:ext uri="{BB962C8B-B14F-4D97-AF65-F5344CB8AC3E}">
-        <p14:creationId xmlns:p14="http://schemas.microsoft.com/office/powerpoint/2010/main" val="2251182156"/>
+        <p14:creationId xmlns:p14="http://schemas.microsoft.com/office/powerpoint/2010/main" val="3333180422"/>
       </p:ext>
     </p:extLst>
   </p:cSld>
   <p:clrMapOvr>
     <a:masterClrMapping/>
   </p:clrMapOvr>
-  <mc:AlternateContent xmlns:mc="http://schemas.openxmlformats.org/markup-compatibility/2006">
-    <mc:Choice xmlns:p159="http://schemas.microsoft.com/office/powerpoint/2015/09/main" Requires="p159">
+  <mc:AlternateContent xmlns:mc="http://schemas.openxmlformats.org/markup-compatibility/2006" xmlns:p159="http://schemas.microsoft.com/office/powerpoint/2015/09/main">
+    <mc:Choice Requires="p159">
       <p:transition xmlns:p14="http://schemas.microsoft.com/office/powerpoint/2010/main" spd="slow" p14:dur="2000">
         <p159:morph option="byObject"/>
       </p:transition>
     </mc:Choice>
-    <mc:Fallback>
+    <mc:Fallback xmlns="">
       <p:transition spd="slow">
         <p:fade/>
       </p:transition>
@@ -553,1857 +460,6 @@
 </file>
 
 <file path=ppt/slideLayouts/slideLayout10.xml><?xml version="1.0" encoding="utf-8"?>
-<p:sldLayout xmlns:a="http://schemas.openxmlformats.org/drawingml/2006/main" xmlns:r="http://schemas.openxmlformats.org/officeDocument/2006/relationships" xmlns:p="http://schemas.openxmlformats.org/presentationml/2006/main" preserve="1">
-  <p:cSld name="Title and Caption">
-    <p:spTree>
-      <p:nvGrpSpPr>
-        <p:cNvPr id="1" name=""/>
-        <p:cNvGrpSpPr/>
-        <p:nvPr/>
-      </p:nvGrpSpPr>
-      <p:grpSpPr>
-        <a:xfrm>
-          <a:off x="0" y="0"/>
-          <a:ext cx="0" cy="0"/>
-          <a:chOff x="0" y="0"/>
-          <a:chExt cx="0" cy="0"/>
-        </a:xfrm>
-      </p:grpSpPr>
-      <p:sp>
-        <p:nvSpPr>
-          <p:cNvPr id="2" name="Title 1"/>
-          <p:cNvSpPr>
-            <a:spLocks noGrp="1"/>
-          </p:cNvSpPr>
-          <p:nvPr>
-            <p:ph type="title"/>
-          </p:nvPr>
-        </p:nvSpPr>
-        <p:spPr>
-          <a:xfrm>
-            <a:off x="2589212" y="609600"/>
-            <a:ext cx="8915399" cy="3117040"/>
-          </a:xfrm>
-        </p:spPr>
-        <p:txBody>
-          <a:bodyPr anchor="ctr">
-            <a:normAutofit/>
-          </a:bodyPr>
-          <a:lstStyle>
-            <a:lvl1pPr algn="l">
-              <a:defRPr sz="4800" b="0" cap="none"/>
-            </a:lvl1pPr>
-          </a:lstStyle>
-          <a:p>
-            <a:r>
-              <a:rPr lang="en-US"/>
-              <a:t>Click to edit Master title style</a:t>
-            </a:r>
-            <a:endParaRPr lang="en-US" dirty="0"/>
-          </a:p>
-        </p:txBody>
-      </p:sp>
-      <p:sp>
-        <p:nvSpPr>
-          <p:cNvPr id="3" name="Text Placeholder 2"/>
-          <p:cNvSpPr>
-            <a:spLocks noGrp="1"/>
-          </p:cNvSpPr>
-          <p:nvPr>
-            <p:ph type="body" idx="1"/>
-          </p:nvPr>
-        </p:nvSpPr>
-        <p:spPr>
-          <a:xfrm>
-            <a:off x="2589212" y="4354046"/>
-            <a:ext cx="8915399" cy="1555864"/>
-          </a:xfrm>
-        </p:spPr>
-        <p:txBody>
-          <a:bodyPr anchor="ctr">
-            <a:normAutofit/>
-          </a:bodyPr>
-          <a:lstStyle>
-            <a:lvl1pPr marL="0" indent="0" algn="l">
-              <a:buNone/>
-              <a:defRPr sz="1800">
-                <a:solidFill>
-                  <a:schemeClr val="tx1">
-                    <a:lumMod val="65000"/>
-                    <a:lumOff val="35000"/>
-                  </a:schemeClr>
-                </a:solidFill>
-              </a:defRPr>
-            </a:lvl1pPr>
-            <a:lvl2pPr marL="457200" indent="0">
-              <a:buNone/>
-              <a:defRPr sz="1800">
-                <a:solidFill>
-                  <a:schemeClr val="tx1">
-                    <a:tint val="75000"/>
-                  </a:schemeClr>
-                </a:solidFill>
-              </a:defRPr>
-            </a:lvl2pPr>
-            <a:lvl3pPr marL="914400" indent="0">
-              <a:buNone/>
-              <a:defRPr sz="1600">
-                <a:solidFill>
-                  <a:schemeClr val="tx1">
-                    <a:tint val="75000"/>
-                  </a:schemeClr>
-                </a:solidFill>
-              </a:defRPr>
-            </a:lvl3pPr>
-            <a:lvl4pPr marL="1371600" indent="0">
-              <a:buNone/>
-              <a:defRPr sz="1400">
-                <a:solidFill>
-                  <a:schemeClr val="tx1">
-                    <a:tint val="75000"/>
-                  </a:schemeClr>
-                </a:solidFill>
-              </a:defRPr>
-            </a:lvl4pPr>
-            <a:lvl5pPr marL="1828800" indent="0">
-              <a:buNone/>
-              <a:defRPr sz="1400">
-                <a:solidFill>
-                  <a:schemeClr val="tx1">
-                    <a:tint val="75000"/>
-                  </a:schemeClr>
-                </a:solidFill>
-              </a:defRPr>
-            </a:lvl5pPr>
-            <a:lvl6pPr marL="2286000" indent="0">
-              <a:buNone/>
-              <a:defRPr sz="1400">
-                <a:solidFill>
-                  <a:schemeClr val="tx1">
-                    <a:tint val="75000"/>
-                  </a:schemeClr>
-                </a:solidFill>
-              </a:defRPr>
-            </a:lvl6pPr>
-            <a:lvl7pPr marL="2743200" indent="0">
-              <a:buNone/>
-              <a:defRPr sz="1400">
-                <a:solidFill>
-                  <a:schemeClr val="tx1">
-                    <a:tint val="75000"/>
-                  </a:schemeClr>
-                </a:solidFill>
-              </a:defRPr>
-            </a:lvl7pPr>
-            <a:lvl8pPr marL="3200400" indent="0">
-              <a:buNone/>
-              <a:defRPr sz="1400">
-                <a:solidFill>
-                  <a:schemeClr val="tx1">
-                    <a:tint val="75000"/>
-                  </a:schemeClr>
-                </a:solidFill>
-              </a:defRPr>
-            </a:lvl8pPr>
-            <a:lvl9pPr marL="3657600" indent="0">
-              <a:buNone/>
-              <a:defRPr sz="1400">
-                <a:solidFill>
-                  <a:schemeClr val="tx1">
-                    <a:tint val="75000"/>
-                  </a:schemeClr>
-                </a:solidFill>
-              </a:defRPr>
-            </a:lvl9pPr>
-          </a:lstStyle>
-          <a:p>
-            <a:pPr lvl="0"/>
-            <a:r>
-              <a:rPr lang="en-US"/>
-              <a:t>Click to edit Master text styles</a:t>
-            </a:r>
-          </a:p>
-        </p:txBody>
-      </p:sp>
-      <p:sp>
-        <p:nvSpPr>
-          <p:cNvPr id="4" name="Date Placeholder 3"/>
-          <p:cNvSpPr>
-            <a:spLocks noGrp="1"/>
-          </p:cNvSpPr>
-          <p:nvPr>
-            <p:ph type="dt" sz="half" idx="10"/>
-          </p:nvPr>
-        </p:nvSpPr>
-        <p:spPr/>
-        <p:txBody>
-          <a:bodyPr/>
-          <a:lstStyle/>
-          <a:p>
-            <a:fld id="{D9962669-56AE-4347-90EE-8C5DDA719B74}" type="datetimeFigureOut">
-              <a:rPr lang="en-PH" smtClean="0"/>
-              <a:t>02/02/2023</a:t>
-            </a:fld>
-            <a:endParaRPr lang="en-PH"/>
-          </a:p>
-        </p:txBody>
-      </p:sp>
-      <p:sp>
-        <p:nvSpPr>
-          <p:cNvPr id="5" name="Footer Placeholder 4"/>
-          <p:cNvSpPr>
-            <a:spLocks noGrp="1"/>
-          </p:cNvSpPr>
-          <p:nvPr>
-            <p:ph type="ftr" sz="quarter" idx="11"/>
-          </p:nvPr>
-        </p:nvSpPr>
-        <p:spPr/>
-        <p:txBody>
-          <a:bodyPr/>
-          <a:lstStyle/>
-          <a:p>
-            <a:endParaRPr lang="en-PH"/>
-          </a:p>
-        </p:txBody>
-      </p:sp>
-      <p:sp>
-        <p:nvSpPr>
-          <p:cNvPr id="9" name="Freeform 11"/>
-          <p:cNvSpPr/>
-          <p:nvPr/>
-        </p:nvSpPr>
-        <p:spPr bwMode="auto">
-          <a:xfrm flipV="1">
-            <a:off x="-4189" y="3178175"/>
-            <a:ext cx="1588527" cy="507297"/>
-          </a:xfrm>
-          <a:custGeom>
-            <a:avLst/>
-            <a:gdLst/>
-            <a:ahLst/>
-            <a:cxnLst/>
-            <a:rect l="l" t="t" r="r" b="b"/>
-            <a:pathLst>
-              <a:path w="9248" h="10000">
-                <a:moveTo>
-                  <a:pt x="9248" y="4701"/>
-                </a:moveTo>
-                <a:lnTo>
-                  <a:pt x="7915" y="188"/>
-                </a:lnTo>
-                <a:cubicBezTo>
-                  <a:pt x="7906" y="156"/>
-                  <a:pt x="7895" y="126"/>
-                  <a:pt x="7886" y="94"/>
-                </a:cubicBezTo>
-                <a:cubicBezTo>
-                  <a:pt x="7859" y="0"/>
-                  <a:pt x="7831" y="0"/>
-                  <a:pt x="7803" y="0"/>
-                </a:cubicBezTo>
-                <a:lnTo>
-                  <a:pt x="7275" y="0"/>
-                </a:lnTo>
-                <a:lnTo>
-                  <a:pt x="0" y="70"/>
-                </a:lnTo>
-                <a:cubicBezTo>
-                  <a:pt x="8" y="3380"/>
-                  <a:pt x="17" y="6690"/>
-                  <a:pt x="25" y="10000"/>
-                </a:cubicBezTo>
-                <a:lnTo>
-                  <a:pt x="7275" y="9966"/>
-                </a:lnTo>
-                <a:lnTo>
-                  <a:pt x="7803" y="9966"/>
-                </a:lnTo>
-                <a:cubicBezTo>
-                  <a:pt x="7831" y="9966"/>
-                  <a:pt x="7859" y="9872"/>
-                  <a:pt x="7886" y="9872"/>
-                </a:cubicBezTo>
-                <a:cubicBezTo>
-                  <a:pt x="7886" y="9778"/>
-                  <a:pt x="7915" y="9778"/>
-                  <a:pt x="7915" y="9778"/>
-                </a:cubicBezTo>
-                <a:lnTo>
-                  <a:pt x="9248" y="5265"/>
-                </a:lnTo>
-                <a:cubicBezTo>
-                  <a:pt x="9303" y="5077"/>
-                  <a:pt x="9303" y="4889"/>
-                  <a:pt x="9248" y="4701"/>
-                </a:cubicBezTo>
-                <a:close/>
-              </a:path>
-            </a:pathLst>
-          </a:custGeom>
-          <a:solidFill>
-            <a:schemeClr val="accent1"/>
-          </a:solidFill>
-          <a:ln>
-            <a:noFill/>
-          </a:ln>
-        </p:spPr>
-      </p:sp>
-      <p:sp>
-        <p:nvSpPr>
-          <p:cNvPr id="6" name="Slide Number Placeholder 5"/>
-          <p:cNvSpPr>
-            <a:spLocks noGrp="1"/>
-          </p:cNvSpPr>
-          <p:nvPr>
-            <p:ph type="sldNum" sz="quarter" idx="12"/>
-          </p:nvPr>
-        </p:nvSpPr>
-        <p:spPr>
-          <a:xfrm>
-            <a:off x="531812" y="3244139"/>
-            <a:ext cx="779767" cy="365125"/>
-          </a:xfrm>
-        </p:spPr>
-        <p:txBody>
-          <a:bodyPr/>
-          <a:lstStyle/>
-          <a:p>
-            <a:fld id="{AACEB63A-F49B-451D-B324-72165565036C}" type="slidenum">
-              <a:rPr lang="en-PH" smtClean="0"/>
-              <a:t>‹#›</a:t>
-            </a:fld>
-            <a:endParaRPr lang="en-PH"/>
-          </a:p>
-        </p:txBody>
-      </p:sp>
-    </p:spTree>
-    <p:extLst>
-      <p:ext uri="{BB962C8B-B14F-4D97-AF65-F5344CB8AC3E}">
-        <p14:creationId xmlns:p14="http://schemas.microsoft.com/office/powerpoint/2010/main" val="3384440089"/>
-      </p:ext>
-    </p:extLst>
-  </p:cSld>
-  <p:clrMapOvr>
-    <a:masterClrMapping/>
-  </p:clrMapOvr>
-  <mc:AlternateContent xmlns:mc="http://schemas.openxmlformats.org/markup-compatibility/2006">
-    <mc:Choice xmlns:p159="http://schemas.microsoft.com/office/powerpoint/2015/09/main" Requires="p159">
-      <p:transition xmlns:p14="http://schemas.microsoft.com/office/powerpoint/2010/main" spd="slow" p14:dur="2000">
-        <p159:morph option="byObject"/>
-      </p:transition>
-    </mc:Choice>
-    <mc:Fallback>
-      <p:transition spd="slow">
-        <p:fade/>
-      </p:transition>
-    </mc:Fallback>
-  </mc:AlternateContent>
-</p:sldLayout>
-</file>
-
-<file path=ppt/slideLayouts/slideLayout11.xml><?xml version="1.0" encoding="utf-8"?>
-<p:sldLayout xmlns:a="http://schemas.openxmlformats.org/drawingml/2006/main" xmlns:r="http://schemas.openxmlformats.org/officeDocument/2006/relationships" xmlns:p="http://schemas.openxmlformats.org/presentationml/2006/main" preserve="1">
-  <p:cSld name="Quote with Caption">
-    <p:spTree>
-      <p:nvGrpSpPr>
-        <p:cNvPr id="1" name=""/>
-        <p:cNvGrpSpPr/>
-        <p:nvPr/>
-      </p:nvGrpSpPr>
-      <p:grpSpPr>
-        <a:xfrm>
-          <a:off x="0" y="0"/>
-          <a:ext cx="0" cy="0"/>
-          <a:chOff x="0" y="0"/>
-          <a:chExt cx="0" cy="0"/>
-        </a:xfrm>
-      </p:grpSpPr>
-      <p:sp>
-        <p:nvSpPr>
-          <p:cNvPr id="2" name="Title 1"/>
-          <p:cNvSpPr>
-            <a:spLocks noGrp="1"/>
-          </p:cNvSpPr>
-          <p:nvPr>
-            <p:ph type="title"/>
-          </p:nvPr>
-        </p:nvSpPr>
-        <p:spPr>
-          <a:xfrm>
-            <a:off x="2849949" y="609600"/>
-            <a:ext cx="8393926" cy="2895600"/>
-          </a:xfrm>
-        </p:spPr>
-        <p:txBody>
-          <a:bodyPr anchor="ctr">
-            <a:normAutofit/>
-          </a:bodyPr>
-          <a:lstStyle>
-            <a:lvl1pPr algn="l">
-              <a:defRPr sz="4800" b="0" cap="none"/>
-            </a:lvl1pPr>
-          </a:lstStyle>
-          <a:p>
-            <a:r>
-              <a:rPr lang="en-US"/>
-              <a:t>Click to edit Master title style</a:t>
-            </a:r>
-            <a:endParaRPr lang="en-US" dirty="0"/>
-          </a:p>
-        </p:txBody>
-      </p:sp>
-      <p:sp>
-        <p:nvSpPr>
-          <p:cNvPr id="13" name="Text Placeholder 9"/>
-          <p:cNvSpPr>
-            <a:spLocks noGrp="1"/>
-          </p:cNvSpPr>
-          <p:nvPr>
-            <p:ph type="body" sz="quarter" idx="13"/>
-          </p:nvPr>
-        </p:nvSpPr>
-        <p:spPr>
-          <a:xfrm>
-            <a:off x="3275012" y="3505200"/>
-            <a:ext cx="7536554" cy="381000"/>
-          </a:xfrm>
-        </p:spPr>
-        <p:txBody>
-          <a:bodyPr anchor="ctr">
-            <a:noAutofit/>
-          </a:bodyPr>
-          <a:lstStyle>
-            <a:lvl1pPr marL="0" indent="0">
-              <a:buFontTx/>
-              <a:buNone/>
-              <a:defRPr sz="1600">
-                <a:solidFill>
-                  <a:schemeClr val="tx1">
-                    <a:lumMod val="50000"/>
-                    <a:lumOff val="50000"/>
-                  </a:schemeClr>
-                </a:solidFill>
-              </a:defRPr>
-            </a:lvl1pPr>
-            <a:lvl2pPr marL="457200" indent="0">
-              <a:buFontTx/>
-              <a:buNone/>
-              <a:defRPr/>
-            </a:lvl2pPr>
-            <a:lvl3pPr marL="914400" indent="0">
-              <a:buFontTx/>
-              <a:buNone/>
-              <a:defRPr/>
-            </a:lvl3pPr>
-            <a:lvl4pPr marL="1371600" indent="0">
-              <a:buFontTx/>
-              <a:buNone/>
-              <a:defRPr/>
-            </a:lvl4pPr>
-            <a:lvl5pPr marL="1828800" indent="0">
-              <a:buFontTx/>
-              <a:buNone/>
-              <a:defRPr/>
-            </a:lvl5pPr>
-          </a:lstStyle>
-          <a:p>
-            <a:pPr lvl="0"/>
-            <a:r>
-              <a:rPr lang="en-US"/>
-              <a:t>Click to edit Master text styles</a:t>
-            </a:r>
-          </a:p>
-        </p:txBody>
-      </p:sp>
-      <p:sp>
-        <p:nvSpPr>
-          <p:cNvPr id="3" name="Text Placeholder 2"/>
-          <p:cNvSpPr>
-            <a:spLocks noGrp="1"/>
-          </p:cNvSpPr>
-          <p:nvPr>
-            <p:ph type="body" idx="1"/>
-          </p:nvPr>
-        </p:nvSpPr>
-        <p:spPr>
-          <a:xfrm>
-            <a:off x="2589212" y="4354046"/>
-            <a:ext cx="8915399" cy="1555864"/>
-          </a:xfrm>
-        </p:spPr>
-        <p:txBody>
-          <a:bodyPr anchor="ctr">
-            <a:normAutofit/>
-          </a:bodyPr>
-          <a:lstStyle>
-            <a:lvl1pPr marL="0" indent="0" algn="l">
-              <a:buNone/>
-              <a:defRPr sz="1800">
-                <a:solidFill>
-                  <a:schemeClr val="tx1">
-                    <a:lumMod val="65000"/>
-                    <a:lumOff val="35000"/>
-                  </a:schemeClr>
-                </a:solidFill>
-              </a:defRPr>
-            </a:lvl1pPr>
-            <a:lvl2pPr marL="457200" indent="0">
-              <a:buNone/>
-              <a:defRPr sz="1800">
-                <a:solidFill>
-                  <a:schemeClr val="tx1">
-                    <a:tint val="75000"/>
-                  </a:schemeClr>
-                </a:solidFill>
-              </a:defRPr>
-            </a:lvl2pPr>
-            <a:lvl3pPr marL="914400" indent="0">
-              <a:buNone/>
-              <a:defRPr sz="1600">
-                <a:solidFill>
-                  <a:schemeClr val="tx1">
-                    <a:tint val="75000"/>
-                  </a:schemeClr>
-                </a:solidFill>
-              </a:defRPr>
-            </a:lvl3pPr>
-            <a:lvl4pPr marL="1371600" indent="0">
-              <a:buNone/>
-              <a:defRPr sz="1400">
-                <a:solidFill>
-                  <a:schemeClr val="tx1">
-                    <a:tint val="75000"/>
-                  </a:schemeClr>
-                </a:solidFill>
-              </a:defRPr>
-            </a:lvl4pPr>
-            <a:lvl5pPr marL="1828800" indent="0">
-              <a:buNone/>
-              <a:defRPr sz="1400">
-                <a:solidFill>
-                  <a:schemeClr val="tx1">
-                    <a:tint val="75000"/>
-                  </a:schemeClr>
-                </a:solidFill>
-              </a:defRPr>
-            </a:lvl5pPr>
-            <a:lvl6pPr marL="2286000" indent="0">
-              <a:buNone/>
-              <a:defRPr sz="1400">
-                <a:solidFill>
-                  <a:schemeClr val="tx1">
-                    <a:tint val="75000"/>
-                  </a:schemeClr>
-                </a:solidFill>
-              </a:defRPr>
-            </a:lvl6pPr>
-            <a:lvl7pPr marL="2743200" indent="0">
-              <a:buNone/>
-              <a:defRPr sz="1400">
-                <a:solidFill>
-                  <a:schemeClr val="tx1">
-                    <a:tint val="75000"/>
-                  </a:schemeClr>
-                </a:solidFill>
-              </a:defRPr>
-            </a:lvl7pPr>
-            <a:lvl8pPr marL="3200400" indent="0">
-              <a:buNone/>
-              <a:defRPr sz="1400">
-                <a:solidFill>
-                  <a:schemeClr val="tx1">
-                    <a:tint val="75000"/>
-                  </a:schemeClr>
-                </a:solidFill>
-              </a:defRPr>
-            </a:lvl8pPr>
-            <a:lvl9pPr marL="3657600" indent="0">
-              <a:buNone/>
-              <a:defRPr sz="1400">
-                <a:solidFill>
-                  <a:schemeClr val="tx1">
-                    <a:tint val="75000"/>
-                  </a:schemeClr>
-                </a:solidFill>
-              </a:defRPr>
-            </a:lvl9pPr>
-          </a:lstStyle>
-          <a:p>
-            <a:pPr lvl="0"/>
-            <a:r>
-              <a:rPr lang="en-US"/>
-              <a:t>Click to edit Master text styles</a:t>
-            </a:r>
-          </a:p>
-        </p:txBody>
-      </p:sp>
-      <p:sp>
-        <p:nvSpPr>
-          <p:cNvPr id="4" name="Date Placeholder 3"/>
-          <p:cNvSpPr>
-            <a:spLocks noGrp="1"/>
-          </p:cNvSpPr>
-          <p:nvPr>
-            <p:ph type="dt" sz="half" idx="10"/>
-          </p:nvPr>
-        </p:nvSpPr>
-        <p:spPr/>
-        <p:txBody>
-          <a:bodyPr/>
-          <a:lstStyle/>
-          <a:p>
-            <a:fld id="{D9962669-56AE-4347-90EE-8C5DDA719B74}" type="datetimeFigureOut">
-              <a:rPr lang="en-PH" smtClean="0"/>
-              <a:t>02/02/2023</a:t>
-            </a:fld>
-            <a:endParaRPr lang="en-PH"/>
-          </a:p>
-        </p:txBody>
-      </p:sp>
-      <p:sp>
-        <p:nvSpPr>
-          <p:cNvPr id="5" name="Footer Placeholder 4"/>
-          <p:cNvSpPr>
-            <a:spLocks noGrp="1"/>
-          </p:cNvSpPr>
-          <p:nvPr>
-            <p:ph type="ftr" sz="quarter" idx="11"/>
-          </p:nvPr>
-        </p:nvSpPr>
-        <p:spPr/>
-        <p:txBody>
-          <a:bodyPr/>
-          <a:lstStyle/>
-          <a:p>
-            <a:endParaRPr lang="en-PH"/>
-          </a:p>
-        </p:txBody>
-      </p:sp>
-      <p:sp>
-        <p:nvSpPr>
-          <p:cNvPr id="11" name="Freeform 11"/>
-          <p:cNvSpPr/>
-          <p:nvPr/>
-        </p:nvSpPr>
-        <p:spPr bwMode="auto">
-          <a:xfrm flipV="1">
-            <a:off x="-4189" y="3178175"/>
-            <a:ext cx="1588527" cy="507297"/>
-          </a:xfrm>
-          <a:custGeom>
-            <a:avLst/>
-            <a:gdLst/>
-            <a:ahLst/>
-            <a:cxnLst/>
-            <a:rect l="l" t="t" r="r" b="b"/>
-            <a:pathLst>
-              <a:path w="9248" h="10000">
-                <a:moveTo>
-                  <a:pt x="9248" y="4701"/>
-                </a:moveTo>
-                <a:lnTo>
-                  <a:pt x="7915" y="188"/>
-                </a:lnTo>
-                <a:cubicBezTo>
-                  <a:pt x="7906" y="156"/>
-                  <a:pt x="7895" y="126"/>
-                  <a:pt x="7886" y="94"/>
-                </a:cubicBezTo>
-                <a:cubicBezTo>
-                  <a:pt x="7859" y="0"/>
-                  <a:pt x="7831" y="0"/>
-                  <a:pt x="7803" y="0"/>
-                </a:cubicBezTo>
-                <a:lnTo>
-                  <a:pt x="7275" y="0"/>
-                </a:lnTo>
-                <a:lnTo>
-                  <a:pt x="0" y="70"/>
-                </a:lnTo>
-                <a:cubicBezTo>
-                  <a:pt x="8" y="3380"/>
-                  <a:pt x="17" y="6690"/>
-                  <a:pt x="25" y="10000"/>
-                </a:cubicBezTo>
-                <a:lnTo>
-                  <a:pt x="7275" y="9966"/>
-                </a:lnTo>
-                <a:lnTo>
-                  <a:pt x="7803" y="9966"/>
-                </a:lnTo>
-                <a:cubicBezTo>
-                  <a:pt x="7831" y="9966"/>
-                  <a:pt x="7859" y="9872"/>
-                  <a:pt x="7886" y="9872"/>
-                </a:cubicBezTo>
-                <a:cubicBezTo>
-                  <a:pt x="7886" y="9778"/>
-                  <a:pt x="7915" y="9778"/>
-                  <a:pt x="7915" y="9778"/>
-                </a:cubicBezTo>
-                <a:lnTo>
-                  <a:pt x="9248" y="5265"/>
-                </a:lnTo>
-                <a:cubicBezTo>
-                  <a:pt x="9303" y="5077"/>
-                  <a:pt x="9303" y="4889"/>
-                  <a:pt x="9248" y="4701"/>
-                </a:cubicBezTo>
-                <a:close/>
-              </a:path>
-            </a:pathLst>
-          </a:custGeom>
-          <a:solidFill>
-            <a:schemeClr val="accent1"/>
-          </a:solidFill>
-          <a:ln>
-            <a:noFill/>
-          </a:ln>
-        </p:spPr>
-      </p:sp>
-      <p:sp>
-        <p:nvSpPr>
-          <p:cNvPr id="6" name="Slide Number Placeholder 5"/>
-          <p:cNvSpPr>
-            <a:spLocks noGrp="1"/>
-          </p:cNvSpPr>
-          <p:nvPr>
-            <p:ph type="sldNum" sz="quarter" idx="12"/>
-          </p:nvPr>
-        </p:nvSpPr>
-        <p:spPr>
-          <a:xfrm>
-            <a:off x="531812" y="3244139"/>
-            <a:ext cx="779767" cy="365125"/>
-          </a:xfrm>
-        </p:spPr>
-        <p:txBody>
-          <a:bodyPr/>
-          <a:lstStyle/>
-          <a:p>
-            <a:fld id="{AACEB63A-F49B-451D-B324-72165565036C}" type="slidenum">
-              <a:rPr lang="en-PH" smtClean="0"/>
-              <a:t>‹#›</a:t>
-            </a:fld>
-            <a:endParaRPr lang="en-PH"/>
-          </a:p>
-        </p:txBody>
-      </p:sp>
-      <p:sp>
-        <p:nvSpPr>
-          <p:cNvPr id="14" name="TextBox 13"/>
-          <p:cNvSpPr txBox="1"/>
-          <p:nvPr/>
-        </p:nvSpPr>
-        <p:spPr>
-          <a:xfrm>
-            <a:off x="2467652" y="648005"/>
-            <a:ext cx="609600" cy="584776"/>
-          </a:xfrm>
-          <a:prstGeom prst="rect">
-            <a:avLst/>
-          </a:prstGeom>
-        </p:spPr>
-        <p:txBody>
-          <a:bodyPr vert="horz" lIns="91440" tIns="45720" rIns="91440" bIns="45720" rtlCol="0" anchor="ctr">
-            <a:noAutofit/>
-          </a:bodyPr>
-          <a:lstStyle/>
-          <a:p>
-            <a:pPr lvl="0"/>
-            <a:r>
-              <a:rPr lang="en-US" sz="8000" baseline="0" dirty="0">
-                <a:ln w="3175" cmpd="sng">
-                  <a:noFill/>
-                </a:ln>
-                <a:solidFill>
-                  <a:schemeClr val="accent1"/>
-                </a:solidFill>
-                <a:effectLst/>
-                <a:latin typeface="Arial"/>
-              </a:rPr>
-              <a:t>“</a:t>
-            </a:r>
-          </a:p>
-        </p:txBody>
-      </p:sp>
-      <p:sp>
-        <p:nvSpPr>
-          <p:cNvPr id="15" name="TextBox 14"/>
-          <p:cNvSpPr txBox="1"/>
-          <p:nvPr/>
-        </p:nvSpPr>
-        <p:spPr>
-          <a:xfrm>
-            <a:off x="11114852" y="2905306"/>
-            <a:ext cx="609600" cy="584776"/>
-          </a:xfrm>
-          <a:prstGeom prst="rect">
-            <a:avLst/>
-          </a:prstGeom>
-        </p:spPr>
-        <p:txBody>
-          <a:bodyPr vert="horz" lIns="91440" tIns="45720" rIns="91440" bIns="45720" rtlCol="0" anchor="ctr">
-            <a:noAutofit/>
-          </a:bodyPr>
-          <a:lstStyle/>
-          <a:p>
-            <a:pPr lvl="0"/>
-            <a:r>
-              <a:rPr lang="en-US" sz="8000" baseline="0" dirty="0">
-                <a:ln w="3175" cmpd="sng">
-                  <a:noFill/>
-                </a:ln>
-                <a:solidFill>
-                  <a:schemeClr val="accent1"/>
-                </a:solidFill>
-                <a:effectLst/>
-                <a:latin typeface="Arial"/>
-              </a:rPr>
-              <a:t>”</a:t>
-            </a:r>
-          </a:p>
-        </p:txBody>
-      </p:sp>
-    </p:spTree>
-    <p:extLst>
-      <p:ext uri="{BB962C8B-B14F-4D97-AF65-F5344CB8AC3E}">
-        <p14:creationId xmlns:p14="http://schemas.microsoft.com/office/powerpoint/2010/main" val="2481799548"/>
-      </p:ext>
-    </p:extLst>
-  </p:cSld>
-  <p:clrMapOvr>
-    <a:masterClrMapping/>
-  </p:clrMapOvr>
-  <mc:AlternateContent xmlns:mc="http://schemas.openxmlformats.org/markup-compatibility/2006">
-    <mc:Choice xmlns:p159="http://schemas.microsoft.com/office/powerpoint/2015/09/main" Requires="p159">
-      <p:transition xmlns:p14="http://schemas.microsoft.com/office/powerpoint/2010/main" spd="slow" p14:dur="2000">
-        <p159:morph option="byObject"/>
-      </p:transition>
-    </mc:Choice>
-    <mc:Fallback>
-      <p:transition spd="slow">
-        <p:fade/>
-      </p:transition>
-    </mc:Fallback>
-  </mc:AlternateContent>
-</p:sldLayout>
-</file>
-
-<file path=ppt/slideLayouts/slideLayout12.xml><?xml version="1.0" encoding="utf-8"?>
-<p:sldLayout xmlns:a="http://schemas.openxmlformats.org/drawingml/2006/main" xmlns:r="http://schemas.openxmlformats.org/officeDocument/2006/relationships" xmlns:p="http://schemas.openxmlformats.org/presentationml/2006/main" preserve="1">
-  <p:cSld name="Name Card">
-    <p:spTree>
-      <p:nvGrpSpPr>
-        <p:cNvPr id="1" name=""/>
-        <p:cNvGrpSpPr/>
-        <p:nvPr/>
-      </p:nvGrpSpPr>
-      <p:grpSpPr>
-        <a:xfrm>
-          <a:off x="0" y="0"/>
-          <a:ext cx="0" cy="0"/>
-          <a:chOff x="0" y="0"/>
-          <a:chExt cx="0" cy="0"/>
-        </a:xfrm>
-      </p:grpSpPr>
-      <p:sp>
-        <p:nvSpPr>
-          <p:cNvPr id="2" name="Title 1"/>
-          <p:cNvSpPr>
-            <a:spLocks noGrp="1"/>
-          </p:cNvSpPr>
-          <p:nvPr>
-            <p:ph type="title"/>
-          </p:nvPr>
-        </p:nvSpPr>
-        <p:spPr>
-          <a:xfrm>
-            <a:off x="2589213" y="2438400"/>
-            <a:ext cx="8915400" cy="2724845"/>
-          </a:xfrm>
-        </p:spPr>
-        <p:txBody>
-          <a:bodyPr anchor="b">
-            <a:normAutofit/>
-          </a:bodyPr>
-          <a:lstStyle>
-            <a:lvl1pPr algn="l">
-              <a:defRPr sz="4800" b="0"/>
-            </a:lvl1pPr>
-          </a:lstStyle>
-          <a:p>
-            <a:r>
-              <a:rPr lang="en-US"/>
-              <a:t>Click to edit Master title style</a:t>
-            </a:r>
-            <a:endParaRPr lang="en-US" dirty="0"/>
-          </a:p>
-        </p:txBody>
-      </p:sp>
-      <p:sp>
-        <p:nvSpPr>
-          <p:cNvPr id="4" name="Text Placeholder 3"/>
-          <p:cNvSpPr>
-            <a:spLocks noGrp="1"/>
-          </p:cNvSpPr>
-          <p:nvPr>
-            <p:ph type="body" sz="half" idx="2"/>
-          </p:nvPr>
-        </p:nvSpPr>
-        <p:spPr>
-          <a:xfrm>
-            <a:off x="2589213" y="5181600"/>
-            <a:ext cx="8915400" cy="729622"/>
-          </a:xfrm>
-        </p:spPr>
-        <p:txBody>
-          <a:bodyPr vert="horz" lIns="91440" tIns="45720" rIns="91440" bIns="45720" rtlCol="0" anchor="t">
-            <a:normAutofit/>
-          </a:bodyPr>
-          <a:lstStyle>
-            <a:lvl1pPr>
-              <a:buNone/>
-              <a:defRPr lang="en-US">
-                <a:solidFill>
-                  <a:schemeClr val="tx1">
-                    <a:lumMod val="65000"/>
-                    <a:lumOff val="35000"/>
-                  </a:schemeClr>
-                </a:solidFill>
-              </a:defRPr>
-            </a:lvl1pPr>
-          </a:lstStyle>
-          <a:p>
-            <a:pPr marL="0" lvl="0" indent="0">
-              <a:buNone/>
-            </a:pPr>
-            <a:r>
-              <a:rPr lang="en-US"/>
-              <a:t>Click to edit Master text styles</a:t>
-            </a:r>
-          </a:p>
-        </p:txBody>
-      </p:sp>
-      <p:sp>
-        <p:nvSpPr>
-          <p:cNvPr id="5" name="Date Placeholder 4"/>
-          <p:cNvSpPr>
-            <a:spLocks noGrp="1"/>
-          </p:cNvSpPr>
-          <p:nvPr>
-            <p:ph type="dt" sz="half" idx="10"/>
-          </p:nvPr>
-        </p:nvSpPr>
-        <p:spPr/>
-        <p:txBody>
-          <a:bodyPr/>
-          <a:lstStyle/>
-          <a:p>
-            <a:fld id="{D9962669-56AE-4347-90EE-8C5DDA719B74}" type="datetimeFigureOut">
-              <a:rPr lang="en-PH" smtClean="0"/>
-              <a:t>02/02/2023</a:t>
-            </a:fld>
-            <a:endParaRPr lang="en-PH"/>
-          </a:p>
-        </p:txBody>
-      </p:sp>
-      <p:sp>
-        <p:nvSpPr>
-          <p:cNvPr id="6" name="Footer Placeholder 5"/>
-          <p:cNvSpPr>
-            <a:spLocks noGrp="1"/>
-          </p:cNvSpPr>
-          <p:nvPr>
-            <p:ph type="ftr" sz="quarter" idx="11"/>
-          </p:nvPr>
-        </p:nvSpPr>
-        <p:spPr/>
-        <p:txBody>
-          <a:bodyPr/>
-          <a:lstStyle/>
-          <a:p>
-            <a:endParaRPr lang="en-PH"/>
-          </a:p>
-        </p:txBody>
-      </p:sp>
-      <p:sp>
-        <p:nvSpPr>
-          <p:cNvPr id="9" name="Freeform 11"/>
-          <p:cNvSpPr/>
-          <p:nvPr/>
-        </p:nvSpPr>
-        <p:spPr bwMode="auto">
-          <a:xfrm flipV="1">
-            <a:off x="-4189" y="4911725"/>
-            <a:ext cx="1588527" cy="507297"/>
-          </a:xfrm>
-          <a:custGeom>
-            <a:avLst/>
-            <a:gdLst/>
-            <a:ahLst/>
-            <a:cxnLst/>
-            <a:rect l="l" t="t" r="r" b="b"/>
-            <a:pathLst>
-              <a:path w="9248" h="10000">
-                <a:moveTo>
-                  <a:pt x="9248" y="4701"/>
-                </a:moveTo>
-                <a:lnTo>
-                  <a:pt x="7915" y="188"/>
-                </a:lnTo>
-                <a:cubicBezTo>
-                  <a:pt x="7906" y="156"/>
-                  <a:pt x="7895" y="126"/>
-                  <a:pt x="7886" y="94"/>
-                </a:cubicBezTo>
-                <a:cubicBezTo>
-                  <a:pt x="7859" y="0"/>
-                  <a:pt x="7831" y="0"/>
-                  <a:pt x="7803" y="0"/>
-                </a:cubicBezTo>
-                <a:lnTo>
-                  <a:pt x="7275" y="0"/>
-                </a:lnTo>
-                <a:lnTo>
-                  <a:pt x="0" y="70"/>
-                </a:lnTo>
-                <a:cubicBezTo>
-                  <a:pt x="8" y="3380"/>
-                  <a:pt x="17" y="6690"/>
-                  <a:pt x="25" y="10000"/>
-                </a:cubicBezTo>
-                <a:lnTo>
-                  <a:pt x="7275" y="9966"/>
-                </a:lnTo>
-                <a:lnTo>
-                  <a:pt x="7803" y="9966"/>
-                </a:lnTo>
-                <a:cubicBezTo>
-                  <a:pt x="7831" y="9966"/>
-                  <a:pt x="7859" y="9872"/>
-                  <a:pt x="7886" y="9872"/>
-                </a:cubicBezTo>
-                <a:cubicBezTo>
-                  <a:pt x="7886" y="9778"/>
-                  <a:pt x="7915" y="9778"/>
-                  <a:pt x="7915" y="9778"/>
-                </a:cubicBezTo>
-                <a:lnTo>
-                  <a:pt x="9248" y="5265"/>
-                </a:lnTo>
-                <a:cubicBezTo>
-                  <a:pt x="9303" y="5077"/>
-                  <a:pt x="9303" y="4889"/>
-                  <a:pt x="9248" y="4701"/>
-                </a:cubicBezTo>
-                <a:close/>
-              </a:path>
-            </a:pathLst>
-          </a:custGeom>
-          <a:solidFill>
-            <a:schemeClr val="accent1"/>
-          </a:solidFill>
-          <a:ln>
-            <a:noFill/>
-          </a:ln>
-        </p:spPr>
-      </p:sp>
-      <p:sp>
-        <p:nvSpPr>
-          <p:cNvPr id="7" name="Slide Number Placeholder 6"/>
-          <p:cNvSpPr>
-            <a:spLocks noGrp="1"/>
-          </p:cNvSpPr>
-          <p:nvPr>
-            <p:ph type="sldNum" sz="quarter" idx="12"/>
-          </p:nvPr>
-        </p:nvSpPr>
-        <p:spPr>
-          <a:xfrm>
-            <a:off x="531812" y="4983087"/>
-            <a:ext cx="779767" cy="365125"/>
-          </a:xfrm>
-        </p:spPr>
-        <p:txBody>
-          <a:bodyPr/>
-          <a:lstStyle/>
-          <a:p>
-            <a:fld id="{AACEB63A-F49B-451D-B324-72165565036C}" type="slidenum">
-              <a:rPr lang="en-PH" smtClean="0"/>
-              <a:t>‹#›</a:t>
-            </a:fld>
-            <a:endParaRPr lang="en-PH"/>
-          </a:p>
-        </p:txBody>
-      </p:sp>
-    </p:spTree>
-    <p:extLst>
-      <p:ext uri="{BB962C8B-B14F-4D97-AF65-F5344CB8AC3E}">
-        <p14:creationId xmlns:p14="http://schemas.microsoft.com/office/powerpoint/2010/main" val="695588779"/>
-      </p:ext>
-    </p:extLst>
-  </p:cSld>
-  <p:clrMapOvr>
-    <a:masterClrMapping/>
-  </p:clrMapOvr>
-  <mc:AlternateContent xmlns:mc="http://schemas.openxmlformats.org/markup-compatibility/2006">
-    <mc:Choice xmlns:p159="http://schemas.microsoft.com/office/powerpoint/2015/09/main" Requires="p159">
-      <p:transition xmlns:p14="http://schemas.microsoft.com/office/powerpoint/2010/main" spd="slow" p14:dur="2000">
-        <p159:morph option="byObject"/>
-      </p:transition>
-    </mc:Choice>
-    <mc:Fallback>
-      <p:transition spd="slow">
-        <p:fade/>
-      </p:transition>
-    </mc:Fallback>
-  </mc:AlternateContent>
-</p:sldLayout>
-</file>
-
-<file path=ppt/slideLayouts/slideLayout13.xml><?xml version="1.0" encoding="utf-8"?>
-<p:sldLayout xmlns:a="http://schemas.openxmlformats.org/drawingml/2006/main" xmlns:r="http://schemas.openxmlformats.org/officeDocument/2006/relationships" xmlns:p="http://schemas.openxmlformats.org/presentationml/2006/main" preserve="1">
-  <p:cSld name="Quote Name Card">
-    <p:spTree>
-      <p:nvGrpSpPr>
-        <p:cNvPr id="1" name=""/>
-        <p:cNvGrpSpPr/>
-        <p:nvPr/>
-      </p:nvGrpSpPr>
-      <p:grpSpPr>
-        <a:xfrm>
-          <a:off x="0" y="0"/>
-          <a:ext cx="0" cy="0"/>
-          <a:chOff x="0" y="0"/>
-          <a:chExt cx="0" cy="0"/>
-        </a:xfrm>
-      </p:grpSpPr>
-      <p:sp>
-        <p:nvSpPr>
-          <p:cNvPr id="12" name="Title 1"/>
-          <p:cNvSpPr>
-            <a:spLocks noGrp="1"/>
-          </p:cNvSpPr>
-          <p:nvPr>
-            <p:ph type="title"/>
-          </p:nvPr>
-        </p:nvSpPr>
-        <p:spPr>
-          <a:xfrm>
-            <a:off x="2849949" y="609600"/>
-            <a:ext cx="8393926" cy="2895600"/>
-          </a:xfrm>
-        </p:spPr>
-        <p:txBody>
-          <a:bodyPr anchor="ctr">
-            <a:normAutofit/>
-          </a:bodyPr>
-          <a:lstStyle>
-            <a:lvl1pPr algn="l">
-              <a:defRPr sz="4800" b="0" cap="none"/>
-            </a:lvl1pPr>
-          </a:lstStyle>
-          <a:p>
-            <a:r>
-              <a:rPr lang="en-US"/>
-              <a:t>Click to edit Master title style</a:t>
-            </a:r>
-            <a:endParaRPr lang="en-US" dirty="0"/>
-          </a:p>
-        </p:txBody>
-      </p:sp>
-      <p:sp>
-        <p:nvSpPr>
-          <p:cNvPr id="21" name="Text Placeholder 9"/>
-          <p:cNvSpPr>
-            <a:spLocks noGrp="1"/>
-          </p:cNvSpPr>
-          <p:nvPr>
-            <p:ph type="body" sz="quarter" idx="13"/>
-          </p:nvPr>
-        </p:nvSpPr>
-        <p:spPr>
-          <a:xfrm>
-            <a:off x="2589212" y="4343400"/>
-            <a:ext cx="8915400" cy="838200"/>
-          </a:xfrm>
-        </p:spPr>
-        <p:txBody>
-          <a:bodyPr anchor="b">
-            <a:noAutofit/>
-          </a:bodyPr>
-          <a:lstStyle>
-            <a:lvl1pPr marL="0" indent="0">
-              <a:buFontTx/>
-              <a:buNone/>
-              <a:defRPr sz="2400">
-                <a:solidFill>
-                  <a:schemeClr val="accent1"/>
-                </a:solidFill>
-              </a:defRPr>
-            </a:lvl1pPr>
-            <a:lvl2pPr marL="457200" indent="0">
-              <a:buFontTx/>
-              <a:buNone/>
-              <a:defRPr/>
-            </a:lvl2pPr>
-            <a:lvl3pPr marL="914400" indent="0">
-              <a:buFontTx/>
-              <a:buNone/>
-              <a:defRPr/>
-            </a:lvl3pPr>
-            <a:lvl4pPr marL="1371600" indent="0">
-              <a:buFontTx/>
-              <a:buNone/>
-              <a:defRPr/>
-            </a:lvl4pPr>
-            <a:lvl5pPr marL="1828800" indent="0">
-              <a:buFontTx/>
-              <a:buNone/>
-              <a:defRPr/>
-            </a:lvl5pPr>
-          </a:lstStyle>
-          <a:p>
-            <a:pPr lvl="0"/>
-            <a:r>
-              <a:rPr lang="en-US"/>
-              <a:t>Click to edit Master text styles</a:t>
-            </a:r>
-          </a:p>
-        </p:txBody>
-      </p:sp>
-      <p:sp>
-        <p:nvSpPr>
-          <p:cNvPr id="4" name="Text Placeholder 3"/>
-          <p:cNvSpPr>
-            <a:spLocks noGrp="1"/>
-          </p:cNvSpPr>
-          <p:nvPr>
-            <p:ph type="body" sz="half" idx="2"/>
-          </p:nvPr>
-        </p:nvSpPr>
-        <p:spPr>
-          <a:xfrm>
-            <a:off x="2589213" y="5181600"/>
-            <a:ext cx="8915400" cy="729622"/>
-          </a:xfrm>
-        </p:spPr>
-        <p:txBody>
-          <a:bodyPr vert="horz" lIns="91440" tIns="45720" rIns="91440" bIns="45720" rtlCol="0" anchor="t">
-            <a:normAutofit/>
-          </a:bodyPr>
-          <a:lstStyle>
-            <a:lvl1pPr>
-              <a:buNone/>
-              <a:defRPr lang="en-US">
-                <a:solidFill>
-                  <a:schemeClr val="tx1">
-                    <a:lumMod val="65000"/>
-                    <a:lumOff val="35000"/>
-                  </a:schemeClr>
-                </a:solidFill>
-              </a:defRPr>
-            </a:lvl1pPr>
-          </a:lstStyle>
-          <a:p>
-            <a:pPr marL="0" lvl="0" indent="0">
-              <a:buNone/>
-            </a:pPr>
-            <a:r>
-              <a:rPr lang="en-US"/>
-              <a:t>Click to edit Master text styles</a:t>
-            </a:r>
-          </a:p>
-        </p:txBody>
-      </p:sp>
-      <p:sp>
-        <p:nvSpPr>
-          <p:cNvPr id="5" name="Date Placeholder 4"/>
-          <p:cNvSpPr>
-            <a:spLocks noGrp="1"/>
-          </p:cNvSpPr>
-          <p:nvPr>
-            <p:ph type="dt" sz="half" idx="10"/>
-          </p:nvPr>
-        </p:nvSpPr>
-        <p:spPr/>
-        <p:txBody>
-          <a:bodyPr/>
-          <a:lstStyle/>
-          <a:p>
-            <a:fld id="{D9962669-56AE-4347-90EE-8C5DDA719B74}" type="datetimeFigureOut">
-              <a:rPr lang="en-PH" smtClean="0"/>
-              <a:t>02/02/2023</a:t>
-            </a:fld>
-            <a:endParaRPr lang="en-PH"/>
-          </a:p>
-        </p:txBody>
-      </p:sp>
-      <p:sp>
-        <p:nvSpPr>
-          <p:cNvPr id="6" name="Footer Placeholder 5"/>
-          <p:cNvSpPr>
-            <a:spLocks noGrp="1"/>
-          </p:cNvSpPr>
-          <p:nvPr>
-            <p:ph type="ftr" sz="quarter" idx="11"/>
-          </p:nvPr>
-        </p:nvSpPr>
-        <p:spPr/>
-        <p:txBody>
-          <a:bodyPr/>
-          <a:lstStyle/>
-          <a:p>
-            <a:endParaRPr lang="en-PH"/>
-          </a:p>
-        </p:txBody>
-      </p:sp>
-      <p:sp>
-        <p:nvSpPr>
-          <p:cNvPr id="11" name="Freeform 11"/>
-          <p:cNvSpPr/>
-          <p:nvPr/>
-        </p:nvSpPr>
-        <p:spPr bwMode="auto">
-          <a:xfrm flipV="1">
-            <a:off x="-4189" y="4911725"/>
-            <a:ext cx="1588527" cy="507297"/>
-          </a:xfrm>
-          <a:custGeom>
-            <a:avLst/>
-            <a:gdLst/>
-            <a:ahLst/>
-            <a:cxnLst/>
-            <a:rect l="l" t="t" r="r" b="b"/>
-            <a:pathLst>
-              <a:path w="9248" h="10000">
-                <a:moveTo>
-                  <a:pt x="9248" y="4701"/>
-                </a:moveTo>
-                <a:lnTo>
-                  <a:pt x="7915" y="188"/>
-                </a:lnTo>
-                <a:cubicBezTo>
-                  <a:pt x="7906" y="156"/>
-                  <a:pt x="7895" y="126"/>
-                  <a:pt x="7886" y="94"/>
-                </a:cubicBezTo>
-                <a:cubicBezTo>
-                  <a:pt x="7859" y="0"/>
-                  <a:pt x="7831" y="0"/>
-                  <a:pt x="7803" y="0"/>
-                </a:cubicBezTo>
-                <a:lnTo>
-                  <a:pt x="7275" y="0"/>
-                </a:lnTo>
-                <a:lnTo>
-                  <a:pt x="0" y="70"/>
-                </a:lnTo>
-                <a:cubicBezTo>
-                  <a:pt x="8" y="3380"/>
-                  <a:pt x="17" y="6690"/>
-                  <a:pt x="25" y="10000"/>
-                </a:cubicBezTo>
-                <a:lnTo>
-                  <a:pt x="7275" y="9966"/>
-                </a:lnTo>
-                <a:lnTo>
-                  <a:pt x="7803" y="9966"/>
-                </a:lnTo>
-                <a:cubicBezTo>
-                  <a:pt x="7831" y="9966"/>
-                  <a:pt x="7859" y="9872"/>
-                  <a:pt x="7886" y="9872"/>
-                </a:cubicBezTo>
-                <a:cubicBezTo>
-                  <a:pt x="7886" y="9778"/>
-                  <a:pt x="7915" y="9778"/>
-                  <a:pt x="7915" y="9778"/>
-                </a:cubicBezTo>
-                <a:lnTo>
-                  <a:pt x="9248" y="5265"/>
-                </a:lnTo>
-                <a:cubicBezTo>
-                  <a:pt x="9303" y="5077"/>
-                  <a:pt x="9303" y="4889"/>
-                  <a:pt x="9248" y="4701"/>
-                </a:cubicBezTo>
-                <a:close/>
-              </a:path>
-            </a:pathLst>
-          </a:custGeom>
-          <a:solidFill>
-            <a:schemeClr val="accent1"/>
-          </a:solidFill>
-          <a:ln>
-            <a:noFill/>
-          </a:ln>
-        </p:spPr>
-      </p:sp>
-      <p:sp>
-        <p:nvSpPr>
-          <p:cNvPr id="7" name="Slide Number Placeholder 6"/>
-          <p:cNvSpPr>
-            <a:spLocks noGrp="1"/>
-          </p:cNvSpPr>
-          <p:nvPr>
-            <p:ph type="sldNum" sz="quarter" idx="12"/>
-          </p:nvPr>
-        </p:nvSpPr>
-        <p:spPr>
-          <a:xfrm>
-            <a:off x="531812" y="4983087"/>
-            <a:ext cx="779767" cy="365125"/>
-          </a:xfrm>
-        </p:spPr>
-        <p:txBody>
-          <a:bodyPr/>
-          <a:lstStyle/>
-          <a:p>
-            <a:fld id="{AACEB63A-F49B-451D-B324-72165565036C}" type="slidenum">
-              <a:rPr lang="en-PH" smtClean="0"/>
-              <a:t>‹#›</a:t>
-            </a:fld>
-            <a:endParaRPr lang="en-PH"/>
-          </a:p>
-        </p:txBody>
-      </p:sp>
-      <p:sp>
-        <p:nvSpPr>
-          <p:cNvPr id="17" name="TextBox 16"/>
-          <p:cNvSpPr txBox="1"/>
-          <p:nvPr/>
-        </p:nvSpPr>
-        <p:spPr>
-          <a:xfrm>
-            <a:off x="2467652" y="648005"/>
-            <a:ext cx="609600" cy="584776"/>
-          </a:xfrm>
-          <a:prstGeom prst="rect">
-            <a:avLst/>
-          </a:prstGeom>
-        </p:spPr>
-        <p:txBody>
-          <a:bodyPr vert="horz" lIns="91440" tIns="45720" rIns="91440" bIns="45720" rtlCol="0" anchor="ctr">
-            <a:noAutofit/>
-          </a:bodyPr>
-          <a:lstStyle/>
-          <a:p>
-            <a:pPr lvl="0"/>
-            <a:r>
-              <a:rPr lang="en-US" sz="8000" baseline="0" dirty="0">
-                <a:ln w="3175" cmpd="sng">
-                  <a:noFill/>
-                </a:ln>
-                <a:solidFill>
-                  <a:schemeClr val="accent1"/>
-                </a:solidFill>
-                <a:effectLst/>
-                <a:latin typeface="Arial"/>
-              </a:rPr>
-              <a:t>“</a:t>
-            </a:r>
-          </a:p>
-        </p:txBody>
-      </p:sp>
-      <p:sp>
-        <p:nvSpPr>
-          <p:cNvPr id="18" name="TextBox 17"/>
-          <p:cNvSpPr txBox="1"/>
-          <p:nvPr/>
-        </p:nvSpPr>
-        <p:spPr>
-          <a:xfrm>
-            <a:off x="11114852" y="2905306"/>
-            <a:ext cx="609600" cy="584776"/>
-          </a:xfrm>
-          <a:prstGeom prst="rect">
-            <a:avLst/>
-          </a:prstGeom>
-        </p:spPr>
-        <p:txBody>
-          <a:bodyPr vert="horz" lIns="91440" tIns="45720" rIns="91440" bIns="45720" rtlCol="0" anchor="ctr">
-            <a:noAutofit/>
-          </a:bodyPr>
-          <a:lstStyle/>
-          <a:p>
-            <a:pPr lvl="0"/>
-            <a:r>
-              <a:rPr lang="en-US" sz="8000" baseline="0" dirty="0">
-                <a:ln w="3175" cmpd="sng">
-                  <a:noFill/>
-                </a:ln>
-                <a:solidFill>
-                  <a:schemeClr val="accent1"/>
-                </a:solidFill>
-                <a:effectLst/>
-                <a:latin typeface="Arial"/>
-              </a:rPr>
-              <a:t>”</a:t>
-            </a:r>
-          </a:p>
-        </p:txBody>
-      </p:sp>
-    </p:spTree>
-    <p:extLst>
-      <p:ext uri="{BB962C8B-B14F-4D97-AF65-F5344CB8AC3E}">
-        <p14:creationId xmlns:p14="http://schemas.microsoft.com/office/powerpoint/2010/main" val="2200231247"/>
-      </p:ext>
-    </p:extLst>
-  </p:cSld>
-  <p:clrMapOvr>
-    <a:masterClrMapping/>
-  </p:clrMapOvr>
-  <mc:AlternateContent xmlns:mc="http://schemas.openxmlformats.org/markup-compatibility/2006">
-    <mc:Choice xmlns:p159="http://schemas.microsoft.com/office/powerpoint/2015/09/main" Requires="p159">
-      <p:transition xmlns:p14="http://schemas.microsoft.com/office/powerpoint/2010/main" spd="slow" p14:dur="2000">
-        <p159:morph option="byObject"/>
-      </p:transition>
-    </mc:Choice>
-    <mc:Fallback>
-      <p:transition spd="slow">
-        <p:fade/>
-      </p:transition>
-    </mc:Fallback>
-  </mc:AlternateContent>
-</p:sldLayout>
-</file>
-
-<file path=ppt/slideLayouts/slideLayout14.xml><?xml version="1.0" encoding="utf-8"?>
-<p:sldLayout xmlns:a="http://schemas.openxmlformats.org/drawingml/2006/main" xmlns:r="http://schemas.openxmlformats.org/officeDocument/2006/relationships" xmlns:p="http://schemas.openxmlformats.org/presentationml/2006/main" preserve="1">
-  <p:cSld name="True or False">
-    <p:spTree>
-      <p:nvGrpSpPr>
-        <p:cNvPr id="1" name=""/>
-        <p:cNvGrpSpPr/>
-        <p:nvPr/>
-      </p:nvGrpSpPr>
-      <p:grpSpPr>
-        <a:xfrm>
-          <a:off x="0" y="0"/>
-          <a:ext cx="0" cy="0"/>
-          <a:chOff x="0" y="0"/>
-          <a:chExt cx="0" cy="0"/>
-        </a:xfrm>
-      </p:grpSpPr>
-      <p:sp>
-        <p:nvSpPr>
-          <p:cNvPr id="2" name="Title 1"/>
-          <p:cNvSpPr>
-            <a:spLocks noGrp="1"/>
-          </p:cNvSpPr>
-          <p:nvPr>
-            <p:ph type="title"/>
-          </p:nvPr>
-        </p:nvSpPr>
-        <p:spPr>
-          <a:xfrm>
-            <a:off x="2589212" y="627407"/>
-            <a:ext cx="8915399" cy="2880020"/>
-          </a:xfrm>
-        </p:spPr>
-        <p:txBody>
-          <a:bodyPr anchor="ctr">
-            <a:normAutofit/>
-          </a:bodyPr>
-          <a:lstStyle>
-            <a:lvl1pPr algn="l">
-              <a:defRPr sz="4800" b="0"/>
-            </a:lvl1pPr>
-          </a:lstStyle>
-          <a:p>
-            <a:r>
-              <a:rPr lang="en-US"/>
-              <a:t>Click to edit Master title style</a:t>
-            </a:r>
-            <a:endParaRPr lang="en-US" dirty="0"/>
-          </a:p>
-        </p:txBody>
-      </p:sp>
-      <p:sp>
-        <p:nvSpPr>
-          <p:cNvPr id="21" name="Text Placeholder 9"/>
-          <p:cNvSpPr>
-            <a:spLocks noGrp="1"/>
-          </p:cNvSpPr>
-          <p:nvPr>
-            <p:ph type="body" sz="quarter" idx="13"/>
-          </p:nvPr>
-        </p:nvSpPr>
-        <p:spPr>
-          <a:xfrm>
-            <a:off x="2589212" y="4343400"/>
-            <a:ext cx="8915400" cy="838200"/>
-          </a:xfrm>
-        </p:spPr>
-        <p:txBody>
-          <a:bodyPr anchor="b">
-            <a:noAutofit/>
-          </a:bodyPr>
-          <a:lstStyle>
-            <a:lvl1pPr marL="0" indent="0">
-              <a:buFontTx/>
-              <a:buNone/>
-              <a:defRPr sz="2400">
-                <a:solidFill>
-                  <a:schemeClr val="accent1"/>
-                </a:solidFill>
-              </a:defRPr>
-            </a:lvl1pPr>
-            <a:lvl2pPr marL="457200" indent="0">
-              <a:buFontTx/>
-              <a:buNone/>
-              <a:defRPr/>
-            </a:lvl2pPr>
-            <a:lvl3pPr marL="914400" indent="0">
-              <a:buFontTx/>
-              <a:buNone/>
-              <a:defRPr/>
-            </a:lvl3pPr>
-            <a:lvl4pPr marL="1371600" indent="0">
-              <a:buFontTx/>
-              <a:buNone/>
-              <a:defRPr/>
-            </a:lvl4pPr>
-            <a:lvl5pPr marL="1828800" indent="0">
-              <a:buFontTx/>
-              <a:buNone/>
-              <a:defRPr/>
-            </a:lvl5pPr>
-          </a:lstStyle>
-          <a:p>
-            <a:pPr lvl="0"/>
-            <a:r>
-              <a:rPr lang="en-US"/>
-              <a:t>Click to edit Master text styles</a:t>
-            </a:r>
-          </a:p>
-        </p:txBody>
-      </p:sp>
-      <p:sp>
-        <p:nvSpPr>
-          <p:cNvPr id="4" name="Text Placeholder 3"/>
-          <p:cNvSpPr>
-            <a:spLocks noGrp="1"/>
-          </p:cNvSpPr>
-          <p:nvPr>
-            <p:ph type="body" sz="half" idx="2"/>
-          </p:nvPr>
-        </p:nvSpPr>
-        <p:spPr>
-          <a:xfrm>
-            <a:off x="2589213" y="5181600"/>
-            <a:ext cx="8915400" cy="729622"/>
-          </a:xfrm>
-        </p:spPr>
-        <p:txBody>
-          <a:bodyPr vert="horz" lIns="91440" tIns="45720" rIns="91440" bIns="45720" rtlCol="0" anchor="t">
-            <a:normAutofit/>
-          </a:bodyPr>
-          <a:lstStyle>
-            <a:lvl1pPr>
-              <a:buNone/>
-              <a:defRPr lang="en-US">
-                <a:solidFill>
-                  <a:schemeClr val="tx1">
-                    <a:lumMod val="65000"/>
-                    <a:lumOff val="35000"/>
-                  </a:schemeClr>
-                </a:solidFill>
-              </a:defRPr>
-            </a:lvl1pPr>
-          </a:lstStyle>
-          <a:p>
-            <a:pPr marL="0" lvl="0" indent="0">
-              <a:buNone/>
-            </a:pPr>
-            <a:r>
-              <a:rPr lang="en-US"/>
-              <a:t>Click to edit Master text styles</a:t>
-            </a:r>
-          </a:p>
-        </p:txBody>
-      </p:sp>
-      <p:sp>
-        <p:nvSpPr>
-          <p:cNvPr id="5" name="Date Placeholder 4"/>
-          <p:cNvSpPr>
-            <a:spLocks noGrp="1"/>
-          </p:cNvSpPr>
-          <p:nvPr>
-            <p:ph type="dt" sz="half" idx="10"/>
-          </p:nvPr>
-        </p:nvSpPr>
-        <p:spPr/>
-        <p:txBody>
-          <a:bodyPr/>
-          <a:lstStyle/>
-          <a:p>
-            <a:fld id="{D9962669-56AE-4347-90EE-8C5DDA719B74}" type="datetimeFigureOut">
-              <a:rPr lang="en-PH" smtClean="0"/>
-              <a:t>02/02/2023</a:t>
-            </a:fld>
-            <a:endParaRPr lang="en-PH"/>
-          </a:p>
-        </p:txBody>
-      </p:sp>
-      <p:sp>
-        <p:nvSpPr>
-          <p:cNvPr id="6" name="Footer Placeholder 5"/>
-          <p:cNvSpPr>
-            <a:spLocks noGrp="1"/>
-          </p:cNvSpPr>
-          <p:nvPr>
-            <p:ph type="ftr" sz="quarter" idx="11"/>
-          </p:nvPr>
-        </p:nvSpPr>
-        <p:spPr/>
-        <p:txBody>
-          <a:bodyPr/>
-          <a:lstStyle/>
-          <a:p>
-            <a:endParaRPr lang="en-PH"/>
-          </a:p>
-        </p:txBody>
-      </p:sp>
-      <p:sp>
-        <p:nvSpPr>
-          <p:cNvPr id="9" name="Freeform 11"/>
-          <p:cNvSpPr/>
-          <p:nvPr/>
-        </p:nvSpPr>
-        <p:spPr bwMode="auto">
-          <a:xfrm flipV="1">
-            <a:off x="-4189" y="4911725"/>
-            <a:ext cx="1588527" cy="507297"/>
-          </a:xfrm>
-          <a:custGeom>
-            <a:avLst/>
-            <a:gdLst/>
-            <a:ahLst/>
-            <a:cxnLst/>
-            <a:rect l="l" t="t" r="r" b="b"/>
-            <a:pathLst>
-              <a:path w="9248" h="10000">
-                <a:moveTo>
-                  <a:pt x="9248" y="4701"/>
-                </a:moveTo>
-                <a:lnTo>
-                  <a:pt x="7915" y="188"/>
-                </a:lnTo>
-                <a:cubicBezTo>
-                  <a:pt x="7906" y="156"/>
-                  <a:pt x="7895" y="126"/>
-                  <a:pt x="7886" y="94"/>
-                </a:cubicBezTo>
-                <a:cubicBezTo>
-                  <a:pt x="7859" y="0"/>
-                  <a:pt x="7831" y="0"/>
-                  <a:pt x="7803" y="0"/>
-                </a:cubicBezTo>
-                <a:lnTo>
-                  <a:pt x="7275" y="0"/>
-                </a:lnTo>
-                <a:lnTo>
-                  <a:pt x="0" y="70"/>
-                </a:lnTo>
-                <a:cubicBezTo>
-                  <a:pt x="8" y="3380"/>
-                  <a:pt x="17" y="6690"/>
-                  <a:pt x="25" y="10000"/>
-                </a:cubicBezTo>
-                <a:lnTo>
-                  <a:pt x="7275" y="9966"/>
-                </a:lnTo>
-                <a:lnTo>
-                  <a:pt x="7803" y="9966"/>
-                </a:lnTo>
-                <a:cubicBezTo>
-                  <a:pt x="7831" y="9966"/>
-                  <a:pt x="7859" y="9872"/>
-                  <a:pt x="7886" y="9872"/>
-                </a:cubicBezTo>
-                <a:cubicBezTo>
-                  <a:pt x="7886" y="9778"/>
-                  <a:pt x="7915" y="9778"/>
-                  <a:pt x="7915" y="9778"/>
-                </a:cubicBezTo>
-                <a:lnTo>
-                  <a:pt x="9248" y="5265"/>
-                </a:lnTo>
-                <a:cubicBezTo>
-                  <a:pt x="9303" y="5077"/>
-                  <a:pt x="9303" y="4889"/>
-                  <a:pt x="9248" y="4701"/>
-                </a:cubicBezTo>
-                <a:close/>
-              </a:path>
-            </a:pathLst>
-          </a:custGeom>
-          <a:solidFill>
-            <a:schemeClr val="accent1"/>
-          </a:solidFill>
-          <a:ln>
-            <a:noFill/>
-          </a:ln>
-        </p:spPr>
-      </p:sp>
-      <p:sp>
-        <p:nvSpPr>
-          <p:cNvPr id="7" name="Slide Number Placeholder 6"/>
-          <p:cNvSpPr>
-            <a:spLocks noGrp="1"/>
-          </p:cNvSpPr>
-          <p:nvPr>
-            <p:ph type="sldNum" sz="quarter" idx="12"/>
-          </p:nvPr>
-        </p:nvSpPr>
-        <p:spPr>
-          <a:xfrm>
-            <a:off x="531812" y="4983087"/>
-            <a:ext cx="779767" cy="365125"/>
-          </a:xfrm>
-        </p:spPr>
-        <p:txBody>
-          <a:bodyPr/>
-          <a:lstStyle/>
-          <a:p>
-            <a:fld id="{AACEB63A-F49B-451D-B324-72165565036C}" type="slidenum">
-              <a:rPr lang="en-PH" smtClean="0"/>
-              <a:t>‹#›</a:t>
-            </a:fld>
-            <a:endParaRPr lang="en-PH"/>
-          </a:p>
-        </p:txBody>
-      </p:sp>
-    </p:spTree>
-    <p:extLst>
-      <p:ext uri="{BB962C8B-B14F-4D97-AF65-F5344CB8AC3E}">
-        <p14:creationId xmlns:p14="http://schemas.microsoft.com/office/powerpoint/2010/main" val="1743554833"/>
-      </p:ext>
-    </p:extLst>
-  </p:cSld>
-  <p:clrMapOvr>
-    <a:masterClrMapping/>
-  </p:clrMapOvr>
-  <mc:AlternateContent xmlns:mc="http://schemas.openxmlformats.org/markup-compatibility/2006">
-    <mc:Choice xmlns:p159="http://schemas.microsoft.com/office/powerpoint/2015/09/main" Requires="p159">
-      <p:transition xmlns:p14="http://schemas.microsoft.com/office/powerpoint/2010/main" spd="slow" p14:dur="2000">
-        <p159:morph option="byObject"/>
-      </p:transition>
-    </mc:Choice>
-    <mc:Fallback>
-      <p:transition spd="slow">
-        <p:fade/>
-      </p:transition>
-    </mc:Fallback>
-  </mc:AlternateContent>
-</p:sldLayout>
-</file>
-
-<file path=ppt/slideLayouts/slideLayout15.xml><?xml version="1.0" encoding="utf-8"?>
 <p:sldLayout xmlns:a="http://schemas.openxmlformats.org/drawingml/2006/main" xmlns:r="http://schemas.openxmlformats.org/officeDocument/2006/relationships" xmlns:p="http://schemas.openxmlformats.org/presentationml/2006/main" type="vertTx" preserve="1">
   <p:cSld name="Title and Vertical Text">
     <p:spTree>
@@ -2455,7 +511,7 @@
         </p:nvSpPr>
         <p:spPr/>
         <p:txBody>
-          <a:bodyPr vert="eaVert" anchor="t"/>
+          <a:bodyPr vert="eaVert"/>
           <a:lstStyle/>
           <a:p>
             <a:pPr lvl="0"/>
@@ -2512,7 +568,7 @@
           <a:p>
             <a:fld id="{D9962669-56AE-4347-90EE-8C5DDA719B74}" type="datetimeFigureOut">
               <a:rPr lang="en-PH" smtClean="0"/>
-              <a:t>02/02/2023</a:t>
+              <a:t>03/02/2023</a:t>
             </a:fld>
             <a:endParaRPr lang="en-PH"/>
           </a:p>
@@ -2539,88 +595,6 @@
       </p:sp>
       <p:sp>
         <p:nvSpPr>
-          <p:cNvPr id="8" name="Freeform 11"/>
-          <p:cNvSpPr/>
-          <p:nvPr/>
-        </p:nvSpPr>
-        <p:spPr bwMode="auto">
-          <a:xfrm flipV="1">
-            <a:off x="-4189" y="714375"/>
-            <a:ext cx="1588527" cy="507297"/>
-          </a:xfrm>
-          <a:custGeom>
-            <a:avLst/>
-            <a:gdLst/>
-            <a:ahLst/>
-            <a:cxnLst/>
-            <a:rect l="l" t="t" r="r" b="b"/>
-            <a:pathLst>
-              <a:path w="9248" h="10000">
-                <a:moveTo>
-                  <a:pt x="9248" y="4701"/>
-                </a:moveTo>
-                <a:lnTo>
-                  <a:pt x="7915" y="188"/>
-                </a:lnTo>
-                <a:cubicBezTo>
-                  <a:pt x="7906" y="156"/>
-                  <a:pt x="7895" y="126"/>
-                  <a:pt x="7886" y="94"/>
-                </a:cubicBezTo>
-                <a:cubicBezTo>
-                  <a:pt x="7859" y="0"/>
-                  <a:pt x="7831" y="0"/>
-                  <a:pt x="7803" y="0"/>
-                </a:cubicBezTo>
-                <a:lnTo>
-                  <a:pt x="7275" y="0"/>
-                </a:lnTo>
-                <a:lnTo>
-                  <a:pt x="0" y="70"/>
-                </a:lnTo>
-                <a:cubicBezTo>
-                  <a:pt x="8" y="3380"/>
-                  <a:pt x="17" y="6690"/>
-                  <a:pt x="25" y="10000"/>
-                </a:cubicBezTo>
-                <a:lnTo>
-                  <a:pt x="7275" y="9966"/>
-                </a:lnTo>
-                <a:lnTo>
-                  <a:pt x="7803" y="9966"/>
-                </a:lnTo>
-                <a:cubicBezTo>
-                  <a:pt x="7831" y="9966"/>
-                  <a:pt x="7859" y="9872"/>
-                  <a:pt x="7886" y="9872"/>
-                </a:cubicBezTo>
-                <a:cubicBezTo>
-                  <a:pt x="7886" y="9778"/>
-                  <a:pt x="7915" y="9778"/>
-                  <a:pt x="7915" y="9778"/>
-                </a:cubicBezTo>
-                <a:lnTo>
-                  <a:pt x="9248" y="5265"/>
-                </a:lnTo>
-                <a:cubicBezTo>
-                  <a:pt x="9303" y="5077"/>
-                  <a:pt x="9303" y="4889"/>
-                  <a:pt x="9248" y="4701"/>
-                </a:cubicBezTo>
-                <a:close/>
-              </a:path>
-            </a:pathLst>
-          </a:custGeom>
-          <a:solidFill>
-            <a:schemeClr val="accent1"/>
-          </a:solidFill>
-          <a:ln>
-            <a:noFill/>
-          </a:ln>
-        </p:spPr>
-      </p:sp>
-      <p:sp>
-        <p:nvSpPr>
           <p:cNvPr id="6" name="Slide Number Placeholder 5"/>
           <p:cNvSpPr>
             <a:spLocks noGrp="1"/>
@@ -2645,20 +619,20 @@
     </p:spTree>
     <p:extLst>
       <p:ext uri="{BB962C8B-B14F-4D97-AF65-F5344CB8AC3E}">
-        <p14:creationId xmlns:p14="http://schemas.microsoft.com/office/powerpoint/2010/main" val="3156007476"/>
+        <p14:creationId xmlns:p14="http://schemas.microsoft.com/office/powerpoint/2010/main" val="1594568133"/>
       </p:ext>
     </p:extLst>
   </p:cSld>
   <p:clrMapOvr>
     <a:masterClrMapping/>
   </p:clrMapOvr>
-  <mc:AlternateContent xmlns:mc="http://schemas.openxmlformats.org/markup-compatibility/2006">
-    <mc:Choice xmlns:p159="http://schemas.microsoft.com/office/powerpoint/2015/09/main" Requires="p159">
+  <mc:AlternateContent xmlns:mc="http://schemas.openxmlformats.org/markup-compatibility/2006" xmlns:p159="http://schemas.microsoft.com/office/powerpoint/2015/09/main">
+    <mc:Choice Requires="p159">
       <p:transition xmlns:p14="http://schemas.microsoft.com/office/powerpoint/2010/main" spd="slow" p14:dur="2000">
         <p159:morph option="byObject"/>
       </p:transition>
     </mc:Choice>
-    <mc:Fallback>
+    <mc:Fallback xmlns="">
       <p:transition spd="slow">
         <p:fade/>
       </p:transition>
@@ -2667,8 +641,8 @@
 </p:sldLayout>
 </file>
 
-<file path=ppt/slideLayouts/slideLayout16.xml><?xml version="1.0" encoding="utf-8"?>
-<p:sldLayout xmlns:a="http://schemas.openxmlformats.org/drawingml/2006/main" xmlns:r="http://schemas.openxmlformats.org/officeDocument/2006/relationships" xmlns:p="http://schemas.openxmlformats.org/presentationml/2006/main" type="vertTitleAndTx" preserve="1">
+<file path=ppt/slideLayouts/slideLayout11.xml><?xml version="1.0" encoding="utf-8"?>
+<p:sldLayout xmlns:a="http://schemas.openxmlformats.org/drawingml/2006/main" xmlns:r="http://schemas.openxmlformats.org/officeDocument/2006/relationships" xmlns:p="http://schemas.openxmlformats.org/presentationml/2006/main" showMasterSp="0" type="vertTitleAndTx" preserve="1">
   <p:cSld name="Vertical Title and Text">
     <p:spTree>
       <p:nvGrpSpPr>
@@ -2686,6 +660,44 @@
       </p:grpSpPr>
       <p:sp>
         <p:nvSpPr>
+          <p:cNvPr id="7" name="Rectangle 6"/>
+          <p:cNvSpPr/>
+          <p:nvPr/>
+        </p:nvSpPr>
+        <p:spPr>
+          <a:xfrm>
+            <a:off x="9019312" y="0"/>
+            <a:ext cx="2743200" cy="6858000"/>
+          </a:xfrm>
+          <a:prstGeom prst="rect">
+            <a:avLst/>
+          </a:prstGeom>
+          <a:solidFill>
+            <a:schemeClr val="tx1"/>
+          </a:solidFill>
+          <a:ln>
+            <a:noFill/>
+          </a:ln>
+        </p:spPr>
+        <p:style>
+          <a:lnRef idx="2">
+            <a:schemeClr val="accent1">
+              <a:shade val="50000"/>
+            </a:schemeClr>
+          </a:lnRef>
+          <a:fillRef idx="1">
+            <a:schemeClr val="accent1"/>
+          </a:fillRef>
+          <a:effectRef idx="0">
+            <a:schemeClr val="accent1"/>
+          </a:effectRef>
+          <a:fontRef idx="minor">
+            <a:schemeClr val="lt1"/>
+          </a:fontRef>
+        </p:style>
+      </p:sp>
+      <p:sp>
+        <p:nvSpPr>
           <p:cNvPr id="2" name="Vertical Title 1"/>
           <p:cNvSpPr>
             <a:spLocks noGrp="1"/>
@@ -2696,12 +708,12 @@
         </p:nvSpPr>
         <p:spPr>
           <a:xfrm>
-            <a:off x="9294812" y="627405"/>
-            <a:ext cx="2207601" cy="5283817"/>
-          </a:xfrm>
-        </p:spPr>
-        <p:txBody>
-          <a:bodyPr vert="eaVert" anchor="ctr"/>
+            <a:off x="9160624" y="274638"/>
+            <a:ext cx="2402380" cy="5897562"/>
+          </a:xfrm>
+        </p:spPr>
+        <p:txBody>
+          <a:bodyPr vert="eaVert"/>
           <a:lstStyle/>
           <a:p>
             <a:r>
@@ -2724,8 +736,8 @@
         </p:nvSpPr>
         <p:spPr>
           <a:xfrm>
-            <a:off x="2589212" y="627405"/>
-            <a:ext cx="6477000" cy="5283817"/>
+            <a:off x="838199" y="274638"/>
+            <a:ext cx="7973291" cy="5897562"/>
           </a:xfrm>
         </p:spPr>
         <p:txBody>
@@ -2779,14 +791,19 @@
             <p:ph type="dt" sz="half" idx="10"/>
           </p:nvPr>
         </p:nvSpPr>
-        <p:spPr/>
+        <p:spPr>
+          <a:xfrm>
+            <a:off x="838200" y="6422854"/>
+            <a:ext cx="2743196" cy="365125"/>
+          </a:xfrm>
+        </p:spPr>
         <p:txBody>
           <a:bodyPr/>
           <a:lstStyle/>
           <a:p>
             <a:fld id="{D9962669-56AE-4347-90EE-8C5DDA719B74}" type="datetimeFigureOut">
               <a:rPr lang="en-PH" smtClean="0"/>
-              <a:t>02/02/2023</a:t>
+              <a:t>03/02/2023</a:t>
             </a:fld>
             <a:endParaRPr lang="en-PH"/>
           </a:p>
@@ -2802,7 +819,12 @@
             <p:ph type="ftr" sz="quarter" idx="11"/>
           </p:nvPr>
         </p:nvSpPr>
-        <p:spPr/>
+        <p:spPr>
+          <a:xfrm>
+            <a:off x="3776135" y="6422854"/>
+            <a:ext cx="4279669" cy="365125"/>
+          </a:xfrm>
+        </p:spPr>
         <p:txBody>
           <a:bodyPr/>
           <a:lstStyle/>
@@ -2810,88 +832,6 @@
             <a:endParaRPr lang="en-PH"/>
           </a:p>
         </p:txBody>
-      </p:sp>
-      <p:sp>
-        <p:nvSpPr>
-          <p:cNvPr id="8" name="Freeform 11"/>
-          <p:cNvSpPr/>
-          <p:nvPr/>
-        </p:nvSpPr>
-        <p:spPr bwMode="auto">
-          <a:xfrm flipV="1">
-            <a:off x="-4189" y="714375"/>
-            <a:ext cx="1588527" cy="507297"/>
-          </a:xfrm>
-          <a:custGeom>
-            <a:avLst/>
-            <a:gdLst/>
-            <a:ahLst/>
-            <a:cxnLst/>
-            <a:rect l="l" t="t" r="r" b="b"/>
-            <a:pathLst>
-              <a:path w="9248" h="10000">
-                <a:moveTo>
-                  <a:pt x="9248" y="4701"/>
-                </a:moveTo>
-                <a:lnTo>
-                  <a:pt x="7915" y="188"/>
-                </a:lnTo>
-                <a:cubicBezTo>
-                  <a:pt x="7906" y="156"/>
-                  <a:pt x="7895" y="126"/>
-                  <a:pt x="7886" y="94"/>
-                </a:cubicBezTo>
-                <a:cubicBezTo>
-                  <a:pt x="7859" y="0"/>
-                  <a:pt x="7831" y="0"/>
-                  <a:pt x="7803" y="0"/>
-                </a:cubicBezTo>
-                <a:lnTo>
-                  <a:pt x="7275" y="0"/>
-                </a:lnTo>
-                <a:lnTo>
-                  <a:pt x="0" y="70"/>
-                </a:lnTo>
-                <a:cubicBezTo>
-                  <a:pt x="8" y="3380"/>
-                  <a:pt x="17" y="6690"/>
-                  <a:pt x="25" y="10000"/>
-                </a:cubicBezTo>
-                <a:lnTo>
-                  <a:pt x="7275" y="9966"/>
-                </a:lnTo>
-                <a:lnTo>
-                  <a:pt x="7803" y="9966"/>
-                </a:lnTo>
-                <a:cubicBezTo>
-                  <a:pt x="7831" y="9966"/>
-                  <a:pt x="7859" y="9872"/>
-                  <a:pt x="7886" y="9872"/>
-                </a:cubicBezTo>
-                <a:cubicBezTo>
-                  <a:pt x="7886" y="9778"/>
-                  <a:pt x="7915" y="9778"/>
-                  <a:pt x="7915" y="9778"/>
-                </a:cubicBezTo>
-                <a:lnTo>
-                  <a:pt x="9248" y="5265"/>
-                </a:lnTo>
-                <a:cubicBezTo>
-                  <a:pt x="9303" y="5077"/>
-                  <a:pt x="9303" y="4889"/>
-                  <a:pt x="9248" y="4701"/>
-                </a:cubicBezTo>
-                <a:close/>
-              </a:path>
-            </a:pathLst>
-          </a:custGeom>
-          <a:solidFill>
-            <a:schemeClr val="accent1"/>
-          </a:solidFill>
-          <a:ln>
-            <a:noFill/>
-          </a:ln>
-        </p:spPr>
       </p:sp>
       <p:sp>
         <p:nvSpPr>
@@ -2903,7 +843,12 @@
             <p:ph type="sldNum" sz="quarter" idx="12"/>
           </p:nvPr>
         </p:nvSpPr>
-        <p:spPr/>
+        <p:spPr>
+          <a:xfrm>
+            <a:off x="8073048" y="6422854"/>
+            <a:ext cx="879759" cy="365125"/>
+          </a:xfrm>
+        </p:spPr>
         <p:txBody>
           <a:bodyPr/>
           <a:lstStyle/>
@@ -2919,20 +864,20 @@
     </p:spTree>
     <p:extLst>
       <p:ext uri="{BB962C8B-B14F-4D97-AF65-F5344CB8AC3E}">
-        <p14:creationId xmlns:p14="http://schemas.microsoft.com/office/powerpoint/2010/main" val="2131263123"/>
+        <p14:creationId xmlns:p14="http://schemas.microsoft.com/office/powerpoint/2010/main" val="1840509461"/>
       </p:ext>
     </p:extLst>
   </p:cSld>
   <p:clrMapOvr>
     <a:masterClrMapping/>
   </p:clrMapOvr>
-  <mc:AlternateContent xmlns:mc="http://schemas.openxmlformats.org/markup-compatibility/2006">
-    <mc:Choice xmlns:p159="http://schemas.microsoft.com/office/powerpoint/2015/09/main" Requires="p159">
+  <mc:AlternateContent xmlns:mc="http://schemas.openxmlformats.org/markup-compatibility/2006" xmlns:p159="http://schemas.microsoft.com/office/powerpoint/2015/09/main">
+    <mc:Choice Requires="p159">
       <p:transition xmlns:p14="http://schemas.microsoft.com/office/powerpoint/2010/main" spd="slow" p14:dur="2000">
         <p159:morph option="byObject"/>
       </p:transition>
     </mc:Choice>
-    <mc:Fallback>
+    <mc:Fallback xmlns="">
       <p:transition spd="slow">
         <p:fade/>
       </p:transition>
@@ -2968,12 +913,7 @@
             <p:ph type="title"/>
           </p:nvPr>
         </p:nvSpPr>
-        <p:spPr>
-          <a:xfrm>
-            <a:off x="2592925" y="624110"/>
-            <a:ext cx="8911687" cy="1280890"/>
-          </a:xfrm>
-        </p:spPr>
+        <p:spPr/>
         <p:txBody>
           <a:bodyPr/>
           <a:lstStyle/>
@@ -2996,12 +936,7 @@
             <p:ph idx="1"/>
           </p:nvPr>
         </p:nvSpPr>
-        <p:spPr>
-          <a:xfrm>
-            <a:off x="2589212" y="2133600"/>
-            <a:ext cx="8915400" cy="3777622"/>
-          </a:xfrm>
-        </p:spPr>
+        <p:spPr/>
         <p:txBody>
           <a:bodyPr/>
           <a:lstStyle/>
@@ -3060,7 +995,7 @@
           <a:p>
             <a:fld id="{D9962669-56AE-4347-90EE-8C5DDA719B74}" type="datetimeFigureOut">
               <a:rPr lang="en-PH" smtClean="0"/>
-              <a:t>02/02/2023</a:t>
+              <a:t>03/02/2023</a:t>
             </a:fld>
             <a:endParaRPr lang="en-PH"/>
           </a:p>
@@ -3087,88 +1022,6 @@
       </p:sp>
       <p:sp>
         <p:nvSpPr>
-          <p:cNvPr id="8" name="Freeform 11"/>
-          <p:cNvSpPr/>
-          <p:nvPr/>
-        </p:nvSpPr>
-        <p:spPr bwMode="auto">
-          <a:xfrm flipV="1">
-            <a:off x="-4189" y="714375"/>
-            <a:ext cx="1588527" cy="507297"/>
-          </a:xfrm>
-          <a:custGeom>
-            <a:avLst/>
-            <a:gdLst/>
-            <a:ahLst/>
-            <a:cxnLst/>
-            <a:rect l="l" t="t" r="r" b="b"/>
-            <a:pathLst>
-              <a:path w="9248" h="10000">
-                <a:moveTo>
-                  <a:pt x="9248" y="4701"/>
-                </a:moveTo>
-                <a:lnTo>
-                  <a:pt x="7915" y="188"/>
-                </a:lnTo>
-                <a:cubicBezTo>
-                  <a:pt x="7906" y="156"/>
-                  <a:pt x="7895" y="126"/>
-                  <a:pt x="7886" y="94"/>
-                </a:cubicBezTo>
-                <a:cubicBezTo>
-                  <a:pt x="7859" y="0"/>
-                  <a:pt x="7831" y="0"/>
-                  <a:pt x="7803" y="0"/>
-                </a:cubicBezTo>
-                <a:lnTo>
-                  <a:pt x="7275" y="0"/>
-                </a:lnTo>
-                <a:lnTo>
-                  <a:pt x="0" y="70"/>
-                </a:lnTo>
-                <a:cubicBezTo>
-                  <a:pt x="8" y="3380"/>
-                  <a:pt x="17" y="6690"/>
-                  <a:pt x="25" y="10000"/>
-                </a:cubicBezTo>
-                <a:lnTo>
-                  <a:pt x="7275" y="9966"/>
-                </a:lnTo>
-                <a:lnTo>
-                  <a:pt x="7803" y="9966"/>
-                </a:lnTo>
-                <a:cubicBezTo>
-                  <a:pt x="7831" y="9966"/>
-                  <a:pt x="7859" y="9872"/>
-                  <a:pt x="7886" y="9872"/>
-                </a:cubicBezTo>
-                <a:cubicBezTo>
-                  <a:pt x="7886" y="9778"/>
-                  <a:pt x="7915" y="9778"/>
-                  <a:pt x="7915" y="9778"/>
-                </a:cubicBezTo>
-                <a:lnTo>
-                  <a:pt x="9248" y="5265"/>
-                </a:lnTo>
-                <a:cubicBezTo>
-                  <a:pt x="9303" y="5077"/>
-                  <a:pt x="9303" y="4889"/>
-                  <a:pt x="9248" y="4701"/>
-                </a:cubicBezTo>
-                <a:close/>
-              </a:path>
-            </a:pathLst>
-          </a:custGeom>
-          <a:solidFill>
-            <a:schemeClr val="accent1"/>
-          </a:solidFill>
-          <a:ln>
-            <a:noFill/>
-          </a:ln>
-        </p:spPr>
-      </p:sp>
-      <p:sp>
-        <p:nvSpPr>
           <p:cNvPr id="6" name="Slide Number Placeholder 5"/>
           <p:cNvSpPr>
             <a:spLocks noGrp="1"/>
@@ -3193,20 +1046,20 @@
     </p:spTree>
     <p:extLst>
       <p:ext uri="{BB962C8B-B14F-4D97-AF65-F5344CB8AC3E}">
-        <p14:creationId xmlns:p14="http://schemas.microsoft.com/office/powerpoint/2010/main" val="3471120686"/>
+        <p14:creationId xmlns:p14="http://schemas.microsoft.com/office/powerpoint/2010/main" val="1285333453"/>
       </p:ext>
     </p:extLst>
   </p:cSld>
   <p:clrMapOvr>
     <a:masterClrMapping/>
   </p:clrMapOvr>
-  <mc:AlternateContent xmlns:mc="http://schemas.openxmlformats.org/markup-compatibility/2006">
-    <mc:Choice xmlns:p159="http://schemas.microsoft.com/office/powerpoint/2015/09/main" Requires="p159">
+  <mc:AlternateContent xmlns:mc="http://schemas.openxmlformats.org/markup-compatibility/2006" xmlns:p159="http://schemas.microsoft.com/office/powerpoint/2015/09/main">
+    <mc:Choice Requires="p159">
       <p:transition xmlns:p14="http://schemas.microsoft.com/office/powerpoint/2010/main" spd="slow" p14:dur="2000">
         <p159:morph option="byObject"/>
       </p:transition>
     </mc:Choice>
-    <mc:Fallback>
+    <mc:Fallback xmlns="">
       <p:transition spd="slow">
         <p:fade/>
       </p:transition>
@@ -3216,8 +1069,13 @@
 </file>
 
 <file path=ppt/slideLayouts/slideLayout3.xml><?xml version="1.0" encoding="utf-8"?>
-<p:sldLayout xmlns:a="http://schemas.openxmlformats.org/drawingml/2006/main" xmlns:r="http://schemas.openxmlformats.org/officeDocument/2006/relationships" xmlns:p="http://schemas.openxmlformats.org/presentationml/2006/main" type="secHead" preserve="1">
+<p:sldLayout xmlns:a="http://schemas.openxmlformats.org/drawingml/2006/main" xmlns:r="http://schemas.openxmlformats.org/officeDocument/2006/relationships" xmlns:p="http://schemas.openxmlformats.org/presentationml/2006/main" showMasterSp="0" type="secHead" preserve="1">
   <p:cSld name="Section Header">
+    <p:bg>
+      <p:bgRef idx="1001">
+        <a:schemeClr val="bg1"/>
+      </p:bgRef>
+    </p:bg>
     <p:spTree>
       <p:nvGrpSpPr>
         <p:cNvPr id="1" name=""/>
@@ -3234,6 +1092,44 @@
       </p:grpSpPr>
       <p:sp>
         <p:nvSpPr>
+          <p:cNvPr id="7" name="Rectangle 6"/>
+          <p:cNvSpPr/>
+          <p:nvPr/>
+        </p:nvSpPr>
+        <p:spPr>
+          <a:xfrm>
+            <a:off x="-6843" y="2059012"/>
+            <a:ext cx="12195668" cy="1828800"/>
+          </a:xfrm>
+          <a:prstGeom prst="rect">
+            <a:avLst/>
+          </a:prstGeom>
+          <a:solidFill>
+            <a:schemeClr val="tx2"/>
+          </a:solidFill>
+          <a:ln>
+            <a:noFill/>
+          </a:ln>
+        </p:spPr>
+        <p:style>
+          <a:lnRef idx="2">
+            <a:schemeClr val="accent1">
+              <a:shade val="50000"/>
+            </a:schemeClr>
+          </a:lnRef>
+          <a:fillRef idx="1">
+            <a:schemeClr val="accent1"/>
+          </a:fillRef>
+          <a:effectRef idx="0">
+            <a:schemeClr val="accent1"/>
+          </a:effectRef>
+          <a:fontRef idx="minor">
+            <a:schemeClr val="lt1"/>
+          </a:fontRef>
+        </p:style>
+      </p:sp>
+      <p:sp>
+        <p:nvSpPr>
           <p:cNvPr id="2" name="Title 1"/>
           <p:cNvSpPr>
             <a:spLocks noGrp="1"/>
@@ -3244,15 +1140,24 @@
         </p:nvSpPr>
         <p:spPr>
           <a:xfrm>
-            <a:off x="2589212" y="2058750"/>
-            <a:ext cx="8915399" cy="1468800"/>
-          </a:xfrm>
-        </p:spPr>
-        <p:txBody>
-          <a:bodyPr anchor="b"/>
+            <a:off x="833191" y="2208879"/>
+            <a:ext cx="10515600" cy="1676400"/>
+          </a:xfrm>
+        </p:spPr>
+        <p:txBody>
+          <a:bodyPr anchor="ctr">
+            <a:noAutofit/>
+          </a:bodyPr>
           <a:lstStyle>
-            <a:lvl1pPr algn="l">
-              <a:defRPr sz="4000" b="0" cap="none"/>
+            <a:lvl1pPr algn="ctr">
+              <a:lnSpc>
+                <a:spcPct val="80000"/>
+              </a:lnSpc>
+              <a:defRPr sz="6000" b="0" spc="150" baseline="0">
+                <a:solidFill>
+                  <a:schemeClr val="bg1"/>
+                </a:solidFill>
+              </a:defRPr>
             </a:lvl1pPr>
           </a:lstStyle>
           <a:p>
@@ -3276,21 +1181,20 @@
         </p:nvSpPr>
         <p:spPr>
           <a:xfrm>
-            <a:off x="2589212" y="3530129"/>
-            <a:ext cx="8915399" cy="860400"/>
-          </a:xfrm>
-        </p:spPr>
-        <p:txBody>
-          <a:bodyPr anchor="t"/>
+            <a:off x="833191" y="4010334"/>
+            <a:ext cx="10515600" cy="1174639"/>
+          </a:xfrm>
+        </p:spPr>
+        <p:txBody>
+          <a:bodyPr anchor="t">
+            <a:normAutofit/>
+          </a:bodyPr>
           <a:lstStyle>
-            <a:lvl1pPr marL="0" indent="0" algn="l">
+            <a:lvl1pPr marL="0" indent="0" algn="ctr">
               <a:buNone/>
               <a:defRPr sz="2000">
                 <a:solidFill>
-                  <a:schemeClr val="tx1">
-                    <a:lumMod val="65000"/>
-                    <a:lumOff val="35000"/>
-                  </a:schemeClr>
+                  <a:schemeClr val="tx2"/>
                 </a:solidFill>
               </a:defRPr>
             </a:lvl1pPr>
@@ -3397,11 +1301,19 @@
         <p:spPr/>
         <p:txBody>
           <a:bodyPr/>
-          <a:lstStyle/>
+          <a:lstStyle>
+            <a:lvl1pPr>
+              <a:defRPr>
+                <a:solidFill>
+                  <a:schemeClr val="tx2"/>
+                </a:solidFill>
+              </a:defRPr>
+            </a:lvl1pPr>
+          </a:lstStyle>
           <a:p>
             <a:fld id="{D9962669-56AE-4347-90EE-8C5DDA719B74}" type="datetimeFigureOut">
               <a:rPr lang="en-PH" smtClean="0"/>
-              <a:t>02/02/2023</a:t>
+              <a:t>03/02/2023</a:t>
             </a:fld>
             <a:endParaRPr lang="en-PH"/>
           </a:p>
@@ -3420,93 +1332,19 @@
         <p:spPr/>
         <p:txBody>
           <a:bodyPr/>
-          <a:lstStyle/>
+          <a:lstStyle>
+            <a:lvl1pPr>
+              <a:defRPr>
+                <a:solidFill>
+                  <a:schemeClr val="tx2"/>
+                </a:solidFill>
+              </a:defRPr>
+            </a:lvl1pPr>
+          </a:lstStyle>
           <a:p>
             <a:endParaRPr lang="en-PH"/>
           </a:p>
         </p:txBody>
-      </p:sp>
-      <p:sp>
-        <p:nvSpPr>
-          <p:cNvPr id="9" name="Freeform 11"/>
-          <p:cNvSpPr/>
-          <p:nvPr/>
-        </p:nvSpPr>
-        <p:spPr bwMode="auto">
-          <a:xfrm flipV="1">
-            <a:off x="-4189" y="3178175"/>
-            <a:ext cx="1588527" cy="507297"/>
-          </a:xfrm>
-          <a:custGeom>
-            <a:avLst/>
-            <a:gdLst/>
-            <a:ahLst/>
-            <a:cxnLst/>
-            <a:rect l="l" t="t" r="r" b="b"/>
-            <a:pathLst>
-              <a:path w="9248" h="10000">
-                <a:moveTo>
-                  <a:pt x="9248" y="4701"/>
-                </a:moveTo>
-                <a:lnTo>
-                  <a:pt x="7915" y="188"/>
-                </a:lnTo>
-                <a:cubicBezTo>
-                  <a:pt x="7906" y="156"/>
-                  <a:pt x="7895" y="126"/>
-                  <a:pt x="7886" y="94"/>
-                </a:cubicBezTo>
-                <a:cubicBezTo>
-                  <a:pt x="7859" y="0"/>
-                  <a:pt x="7831" y="0"/>
-                  <a:pt x="7803" y="0"/>
-                </a:cubicBezTo>
-                <a:lnTo>
-                  <a:pt x="7275" y="0"/>
-                </a:lnTo>
-                <a:lnTo>
-                  <a:pt x="0" y="70"/>
-                </a:lnTo>
-                <a:cubicBezTo>
-                  <a:pt x="8" y="3380"/>
-                  <a:pt x="17" y="6690"/>
-                  <a:pt x="25" y="10000"/>
-                </a:cubicBezTo>
-                <a:lnTo>
-                  <a:pt x="7275" y="9966"/>
-                </a:lnTo>
-                <a:lnTo>
-                  <a:pt x="7803" y="9966"/>
-                </a:lnTo>
-                <a:cubicBezTo>
-                  <a:pt x="7831" y="9966"/>
-                  <a:pt x="7859" y="9872"/>
-                  <a:pt x="7886" y="9872"/>
-                </a:cubicBezTo>
-                <a:cubicBezTo>
-                  <a:pt x="7886" y="9778"/>
-                  <a:pt x="7915" y="9778"/>
-                  <a:pt x="7915" y="9778"/>
-                </a:cubicBezTo>
-                <a:lnTo>
-                  <a:pt x="9248" y="5265"/>
-                </a:lnTo>
-                <a:cubicBezTo>
-                  <a:pt x="9303" y="5077"/>
-                  <a:pt x="9303" y="4889"/>
-                  <a:pt x="9248" y="4701"/>
-                </a:cubicBezTo>
-                <a:close/>
-              </a:path>
-            </a:pathLst>
-          </a:custGeom>
-          <a:solidFill>
-            <a:schemeClr val="accent1"/>
-          </a:solidFill>
-          <a:ln>
-            <a:noFill/>
-          </a:ln>
-        </p:spPr>
       </p:sp>
       <p:sp>
         <p:nvSpPr>
@@ -3518,15 +1356,18 @@
             <p:ph type="sldNum" sz="quarter" idx="12"/>
           </p:nvPr>
         </p:nvSpPr>
-        <p:spPr>
-          <a:xfrm>
-            <a:off x="531812" y="3244139"/>
-            <a:ext cx="779767" cy="365125"/>
-          </a:xfrm>
-        </p:spPr>
+        <p:spPr/>
         <p:txBody>
           <a:bodyPr/>
-          <a:lstStyle/>
+          <a:lstStyle>
+            <a:lvl1pPr>
+              <a:defRPr>
+                <a:solidFill>
+                  <a:schemeClr val="tx2"/>
+                </a:solidFill>
+              </a:defRPr>
+            </a:lvl1pPr>
+          </a:lstStyle>
           <a:p>
             <a:fld id="{AACEB63A-F49B-451D-B324-72165565036C}" type="slidenum">
               <a:rPr lang="en-PH" smtClean="0"/>
@@ -3539,20 +1380,20 @@
     </p:spTree>
     <p:extLst>
       <p:ext uri="{BB962C8B-B14F-4D97-AF65-F5344CB8AC3E}">
-        <p14:creationId xmlns:p14="http://schemas.microsoft.com/office/powerpoint/2010/main" val="2246845985"/>
+        <p14:creationId xmlns:p14="http://schemas.microsoft.com/office/powerpoint/2010/main" val="3153991758"/>
       </p:ext>
     </p:extLst>
   </p:cSld>
   <p:clrMapOvr>
-    <a:masterClrMapping/>
+    <a:overrideClrMapping bg1="lt1" tx1="dk1" bg2="lt2" tx2="dk2" accent1="accent1" accent2="accent2" accent3="accent3" accent4="accent4" accent5="accent5" accent6="accent6" hlink="hlink" folHlink="folHlink"/>
   </p:clrMapOvr>
-  <mc:AlternateContent xmlns:mc="http://schemas.openxmlformats.org/markup-compatibility/2006">
-    <mc:Choice xmlns:p159="http://schemas.microsoft.com/office/powerpoint/2015/09/main" Requires="p159">
+  <mc:AlternateContent xmlns:mc="http://schemas.openxmlformats.org/markup-compatibility/2006" xmlns:p159="http://schemas.microsoft.com/office/powerpoint/2015/09/main">
+    <mc:Choice Requires="p159">
       <p:transition xmlns:p14="http://schemas.microsoft.com/office/powerpoint/2010/main" spd="slow" p14:dur="2000">
         <p159:morph option="byObject"/>
       </p:transition>
     </mc:Choice>
-    <mc:Fallback>
+    <mc:Fallback xmlns="">
       <p:transition spd="slow">
         <p:fade/>
       </p:transition>
@@ -3613,15 +1454,41 @@
         </p:nvSpPr>
         <p:spPr>
           <a:xfrm>
-            <a:off x="2589212" y="2133600"/>
-            <a:ext cx="4313864" cy="3777622"/>
-          </a:xfrm>
-        </p:spPr>
-        <p:txBody>
-          <a:bodyPr>
-            <a:normAutofit/>
-          </a:bodyPr>
-          <a:lstStyle/>
+            <a:off x="1205344" y="2011680"/>
+            <a:ext cx="4754880" cy="4206240"/>
+          </a:xfrm>
+        </p:spPr>
+        <p:txBody>
+          <a:bodyPr/>
+          <a:lstStyle>
+            <a:lvl1pPr>
+              <a:defRPr sz="2200"/>
+            </a:lvl1pPr>
+            <a:lvl2pPr>
+              <a:defRPr sz="2000"/>
+            </a:lvl2pPr>
+            <a:lvl3pPr>
+              <a:defRPr sz="1800"/>
+            </a:lvl3pPr>
+            <a:lvl4pPr>
+              <a:defRPr sz="1600"/>
+            </a:lvl4pPr>
+            <a:lvl5pPr>
+              <a:defRPr sz="1600"/>
+            </a:lvl5pPr>
+            <a:lvl6pPr>
+              <a:defRPr sz="1600"/>
+            </a:lvl6pPr>
+            <a:lvl7pPr>
+              <a:defRPr sz="1600"/>
+            </a:lvl7pPr>
+            <a:lvl8pPr>
+              <a:defRPr sz="1600"/>
+            </a:lvl8pPr>
+            <a:lvl9pPr>
+              <a:defRPr sz="1600"/>
+            </a:lvl9pPr>
+          </a:lstStyle>
           <a:p>
             <a:pPr lvl="0"/>
             <a:r>
@@ -3672,15 +1539,41 @@
         </p:nvSpPr>
         <p:spPr>
           <a:xfrm>
-            <a:off x="7190747" y="2126222"/>
-            <a:ext cx="4313864" cy="3777622"/>
-          </a:xfrm>
-        </p:spPr>
-        <p:txBody>
-          <a:bodyPr>
-            <a:normAutofit/>
-          </a:bodyPr>
-          <a:lstStyle/>
+            <a:off x="6230391" y="2011680"/>
+            <a:ext cx="4754880" cy="4206240"/>
+          </a:xfrm>
+        </p:spPr>
+        <p:txBody>
+          <a:bodyPr/>
+          <a:lstStyle>
+            <a:lvl1pPr>
+              <a:defRPr sz="2200"/>
+            </a:lvl1pPr>
+            <a:lvl2pPr>
+              <a:defRPr sz="2000"/>
+            </a:lvl2pPr>
+            <a:lvl3pPr>
+              <a:defRPr sz="1800"/>
+            </a:lvl3pPr>
+            <a:lvl4pPr>
+              <a:defRPr sz="1600"/>
+            </a:lvl4pPr>
+            <a:lvl5pPr>
+              <a:defRPr sz="1600"/>
+            </a:lvl5pPr>
+            <a:lvl6pPr>
+              <a:defRPr sz="1600"/>
+            </a:lvl6pPr>
+            <a:lvl7pPr>
+              <a:defRPr sz="1600"/>
+            </a:lvl7pPr>
+            <a:lvl8pPr>
+              <a:defRPr sz="1600"/>
+            </a:lvl8pPr>
+            <a:lvl9pPr>
+              <a:defRPr sz="1600"/>
+            </a:lvl9pPr>
+          </a:lstStyle>
           <a:p>
             <a:pPr lvl="0"/>
             <a:r>
@@ -3736,7 +1629,7 @@
           <a:p>
             <a:fld id="{D9962669-56AE-4347-90EE-8C5DDA719B74}" type="datetimeFigureOut">
               <a:rPr lang="en-PH" smtClean="0"/>
-              <a:t>02/02/2023</a:t>
+              <a:t>03/02/2023</a:t>
             </a:fld>
             <a:endParaRPr lang="en-PH"/>
           </a:p>
@@ -3763,89 +1656,7 @@
       </p:sp>
       <p:sp>
         <p:nvSpPr>
-          <p:cNvPr id="10" name="Freeform 11"/>
-          <p:cNvSpPr/>
-          <p:nvPr/>
-        </p:nvSpPr>
-        <p:spPr bwMode="auto">
-          <a:xfrm flipV="1">
-            <a:off x="-4189" y="714375"/>
-            <a:ext cx="1588527" cy="507297"/>
-          </a:xfrm>
-          <a:custGeom>
-            <a:avLst/>
-            <a:gdLst/>
-            <a:ahLst/>
-            <a:cxnLst/>
-            <a:rect l="l" t="t" r="r" b="b"/>
-            <a:pathLst>
-              <a:path w="9248" h="10000">
-                <a:moveTo>
-                  <a:pt x="9248" y="4701"/>
-                </a:moveTo>
-                <a:lnTo>
-                  <a:pt x="7915" y="188"/>
-                </a:lnTo>
-                <a:cubicBezTo>
-                  <a:pt x="7906" y="156"/>
-                  <a:pt x="7895" y="126"/>
-                  <a:pt x="7886" y="94"/>
-                </a:cubicBezTo>
-                <a:cubicBezTo>
-                  <a:pt x="7859" y="0"/>
-                  <a:pt x="7831" y="0"/>
-                  <a:pt x="7803" y="0"/>
-                </a:cubicBezTo>
-                <a:lnTo>
-                  <a:pt x="7275" y="0"/>
-                </a:lnTo>
-                <a:lnTo>
-                  <a:pt x="0" y="70"/>
-                </a:lnTo>
-                <a:cubicBezTo>
-                  <a:pt x="8" y="3380"/>
-                  <a:pt x="17" y="6690"/>
-                  <a:pt x="25" y="10000"/>
-                </a:cubicBezTo>
-                <a:lnTo>
-                  <a:pt x="7275" y="9966"/>
-                </a:lnTo>
-                <a:lnTo>
-                  <a:pt x="7803" y="9966"/>
-                </a:lnTo>
-                <a:cubicBezTo>
-                  <a:pt x="7831" y="9966"/>
-                  <a:pt x="7859" y="9872"/>
-                  <a:pt x="7886" y="9872"/>
-                </a:cubicBezTo>
-                <a:cubicBezTo>
-                  <a:pt x="7886" y="9778"/>
-                  <a:pt x="7915" y="9778"/>
-                  <a:pt x="7915" y="9778"/>
-                </a:cubicBezTo>
-                <a:lnTo>
-                  <a:pt x="9248" y="5265"/>
-                </a:lnTo>
-                <a:cubicBezTo>
-                  <a:pt x="9303" y="5077"/>
-                  <a:pt x="9303" y="4889"/>
-                  <a:pt x="9248" y="4701"/>
-                </a:cubicBezTo>
-                <a:close/>
-              </a:path>
-            </a:pathLst>
-          </a:custGeom>
-          <a:solidFill>
-            <a:schemeClr val="accent1"/>
-          </a:solidFill>
-          <a:ln>
-            <a:noFill/>
-          </a:ln>
-        </p:spPr>
-      </p:sp>
-      <p:sp>
-        <p:nvSpPr>
-          <p:cNvPr id="11" name="Slide Number Placeholder 5"/>
+          <p:cNvPr id="7" name="Slide Number Placeholder 6"/>
           <p:cNvSpPr>
             <a:spLocks noGrp="1"/>
           </p:cNvSpPr>
@@ -3853,12 +1664,7 @@
             <p:ph type="sldNum" sz="quarter" idx="12"/>
           </p:nvPr>
         </p:nvSpPr>
-        <p:spPr>
-          <a:xfrm>
-            <a:off x="531812" y="787782"/>
-            <a:ext cx="779767" cy="365125"/>
-          </a:xfrm>
-        </p:spPr>
+        <p:spPr/>
         <p:txBody>
           <a:bodyPr/>
           <a:lstStyle/>
@@ -3874,20 +1680,20 @@
     </p:spTree>
     <p:extLst>
       <p:ext uri="{BB962C8B-B14F-4D97-AF65-F5344CB8AC3E}">
-        <p14:creationId xmlns:p14="http://schemas.microsoft.com/office/powerpoint/2010/main" val="4099764007"/>
+        <p14:creationId xmlns:p14="http://schemas.microsoft.com/office/powerpoint/2010/main" val="2082418988"/>
       </p:ext>
     </p:extLst>
   </p:cSld>
   <p:clrMapOvr>
     <a:masterClrMapping/>
   </p:clrMapOvr>
-  <mc:AlternateContent xmlns:mc="http://schemas.openxmlformats.org/markup-compatibility/2006">
-    <mc:Choice xmlns:p159="http://schemas.microsoft.com/office/powerpoint/2015/09/main" Requires="p159">
+  <mc:AlternateContent xmlns:mc="http://schemas.openxmlformats.org/markup-compatibility/2006" xmlns:p159="http://schemas.microsoft.com/office/powerpoint/2015/09/main">
+    <mc:Choice Requires="p159">
       <p:transition xmlns:p14="http://schemas.microsoft.com/office/powerpoint/2010/main" spd="slow" p14:dur="2000">
         <p159:morph option="byObject"/>
       </p:transition>
     </mc:Choice>
-    <mc:Fallback>
+    <mc:Fallback xmlns="">
       <p:transition spd="slow">
         <p:fade/>
       </p:transition>
@@ -3948,18 +1754,18 @@
         </p:nvSpPr>
         <p:spPr>
           <a:xfrm>
-            <a:off x="2939373" y="1972703"/>
-            <a:ext cx="3992732" cy="576262"/>
-          </a:xfrm>
-        </p:spPr>
-        <p:txBody>
-          <a:bodyPr anchor="b">
-            <a:noAutofit/>
+            <a:off x="1207008" y="1913470"/>
+            <a:ext cx="4754880" cy="743094"/>
+          </a:xfrm>
+        </p:spPr>
+        <p:txBody>
+          <a:bodyPr anchor="ctr">
+            <a:normAutofit/>
           </a:bodyPr>
           <a:lstStyle>
             <a:lvl1pPr marL="0" indent="0">
               <a:buNone/>
-              <a:defRPr sz="2400" b="0"/>
+              <a:defRPr sz="2100" b="1"/>
             </a:lvl1pPr>
             <a:lvl2pPr marL="457200" indent="0">
               <a:buNone/>
@@ -4015,15 +1821,41 @@
         </p:nvSpPr>
         <p:spPr>
           <a:xfrm>
-            <a:off x="2589212" y="2548966"/>
-            <a:ext cx="4342893" cy="3354060"/>
-          </a:xfrm>
-        </p:spPr>
-        <p:txBody>
-          <a:bodyPr>
-            <a:normAutofit/>
-          </a:bodyPr>
-          <a:lstStyle/>
+            <a:off x="1207008" y="2656566"/>
+            <a:ext cx="4754880" cy="3566160"/>
+          </a:xfrm>
+        </p:spPr>
+        <p:txBody>
+          <a:bodyPr/>
+          <a:lstStyle>
+            <a:lvl1pPr>
+              <a:defRPr sz="2200"/>
+            </a:lvl1pPr>
+            <a:lvl2pPr>
+              <a:defRPr sz="2000"/>
+            </a:lvl2pPr>
+            <a:lvl3pPr>
+              <a:defRPr sz="1800"/>
+            </a:lvl3pPr>
+            <a:lvl4pPr>
+              <a:defRPr sz="1600"/>
+            </a:lvl4pPr>
+            <a:lvl5pPr>
+              <a:defRPr sz="1600"/>
+            </a:lvl5pPr>
+            <a:lvl6pPr>
+              <a:defRPr sz="1600"/>
+            </a:lvl6pPr>
+            <a:lvl7pPr>
+              <a:defRPr sz="1600"/>
+            </a:lvl7pPr>
+            <a:lvl8pPr>
+              <a:defRPr sz="1600"/>
+            </a:lvl8pPr>
+            <a:lvl9pPr>
+              <a:defRPr sz="1600"/>
+            </a:lvl9pPr>
+          </a:lstStyle>
           <a:p>
             <a:pPr lvl="0"/>
             <a:r>
@@ -4074,18 +1906,18 @@
         </p:nvSpPr>
         <p:spPr>
           <a:xfrm>
-            <a:off x="7506629" y="1969475"/>
-            <a:ext cx="3999001" cy="576262"/>
-          </a:xfrm>
-        </p:spPr>
-        <p:txBody>
-          <a:bodyPr anchor="b">
-            <a:noAutofit/>
+            <a:off x="6231230" y="1913470"/>
+            <a:ext cx="4754880" cy="743094"/>
+          </a:xfrm>
+        </p:spPr>
+        <p:txBody>
+          <a:bodyPr anchor="ctr">
+            <a:normAutofit/>
           </a:bodyPr>
           <a:lstStyle>
             <a:lvl1pPr marL="0" indent="0">
               <a:buNone/>
-              <a:defRPr sz="2400" b="0"/>
+              <a:defRPr sz="2100" b="1"/>
             </a:lvl1pPr>
             <a:lvl2pPr marL="457200" indent="0">
               <a:buNone/>
@@ -4141,15 +1973,41 @@
         </p:nvSpPr>
         <p:spPr>
           <a:xfrm>
-            <a:off x="7166957" y="2545738"/>
-            <a:ext cx="4338674" cy="3354060"/>
-          </a:xfrm>
-        </p:spPr>
-        <p:txBody>
-          <a:bodyPr>
-            <a:normAutofit/>
-          </a:bodyPr>
-          <a:lstStyle/>
+            <a:off x="6231230" y="2656564"/>
+            <a:ext cx="4754880" cy="3566160"/>
+          </a:xfrm>
+        </p:spPr>
+        <p:txBody>
+          <a:bodyPr/>
+          <a:lstStyle>
+            <a:lvl1pPr>
+              <a:defRPr sz="2200"/>
+            </a:lvl1pPr>
+            <a:lvl2pPr>
+              <a:defRPr sz="2000"/>
+            </a:lvl2pPr>
+            <a:lvl3pPr>
+              <a:defRPr sz="1800"/>
+            </a:lvl3pPr>
+            <a:lvl4pPr>
+              <a:defRPr sz="1600"/>
+            </a:lvl4pPr>
+            <a:lvl5pPr>
+              <a:defRPr sz="1600"/>
+            </a:lvl5pPr>
+            <a:lvl6pPr>
+              <a:defRPr sz="1600"/>
+            </a:lvl6pPr>
+            <a:lvl7pPr>
+              <a:defRPr sz="1600"/>
+            </a:lvl7pPr>
+            <a:lvl8pPr>
+              <a:defRPr sz="1600"/>
+            </a:lvl8pPr>
+            <a:lvl9pPr>
+              <a:defRPr sz="1600"/>
+            </a:lvl9pPr>
+          </a:lstStyle>
           <a:p>
             <a:pPr lvl="0"/>
             <a:r>
@@ -4205,7 +2063,7 @@
           <a:p>
             <a:fld id="{D9962669-56AE-4347-90EE-8C5DDA719B74}" type="datetimeFigureOut">
               <a:rPr lang="en-PH" smtClean="0"/>
-              <a:t>02/02/2023</a:t>
+              <a:t>03/02/2023</a:t>
             </a:fld>
             <a:endParaRPr lang="en-PH"/>
           </a:p>
@@ -4232,89 +2090,7 @@
       </p:sp>
       <p:sp>
         <p:nvSpPr>
-          <p:cNvPr id="12" name="Freeform 11"/>
-          <p:cNvSpPr/>
-          <p:nvPr/>
-        </p:nvSpPr>
-        <p:spPr bwMode="auto">
-          <a:xfrm flipV="1">
-            <a:off x="-4189" y="714375"/>
-            <a:ext cx="1588527" cy="507297"/>
-          </a:xfrm>
-          <a:custGeom>
-            <a:avLst/>
-            <a:gdLst/>
-            <a:ahLst/>
-            <a:cxnLst/>
-            <a:rect l="l" t="t" r="r" b="b"/>
-            <a:pathLst>
-              <a:path w="9248" h="10000">
-                <a:moveTo>
-                  <a:pt x="9248" y="4701"/>
-                </a:moveTo>
-                <a:lnTo>
-                  <a:pt x="7915" y="188"/>
-                </a:lnTo>
-                <a:cubicBezTo>
-                  <a:pt x="7906" y="156"/>
-                  <a:pt x="7895" y="126"/>
-                  <a:pt x="7886" y="94"/>
-                </a:cubicBezTo>
-                <a:cubicBezTo>
-                  <a:pt x="7859" y="0"/>
-                  <a:pt x="7831" y="0"/>
-                  <a:pt x="7803" y="0"/>
-                </a:cubicBezTo>
-                <a:lnTo>
-                  <a:pt x="7275" y="0"/>
-                </a:lnTo>
-                <a:lnTo>
-                  <a:pt x="0" y="70"/>
-                </a:lnTo>
-                <a:cubicBezTo>
-                  <a:pt x="8" y="3380"/>
-                  <a:pt x="17" y="6690"/>
-                  <a:pt x="25" y="10000"/>
-                </a:cubicBezTo>
-                <a:lnTo>
-                  <a:pt x="7275" y="9966"/>
-                </a:lnTo>
-                <a:lnTo>
-                  <a:pt x="7803" y="9966"/>
-                </a:lnTo>
-                <a:cubicBezTo>
-                  <a:pt x="7831" y="9966"/>
-                  <a:pt x="7859" y="9872"/>
-                  <a:pt x="7886" y="9872"/>
-                </a:cubicBezTo>
-                <a:cubicBezTo>
-                  <a:pt x="7886" y="9778"/>
-                  <a:pt x="7915" y="9778"/>
-                  <a:pt x="7915" y="9778"/>
-                </a:cubicBezTo>
-                <a:lnTo>
-                  <a:pt x="9248" y="5265"/>
-                </a:lnTo>
-                <a:cubicBezTo>
-                  <a:pt x="9303" y="5077"/>
-                  <a:pt x="9303" y="4889"/>
-                  <a:pt x="9248" y="4701"/>
-                </a:cubicBezTo>
-                <a:close/>
-              </a:path>
-            </a:pathLst>
-          </a:custGeom>
-          <a:solidFill>
-            <a:schemeClr val="accent1"/>
-          </a:solidFill>
-          <a:ln>
-            <a:noFill/>
-          </a:ln>
-        </p:spPr>
-      </p:sp>
-      <p:sp>
-        <p:nvSpPr>
-          <p:cNvPr id="13" name="Slide Number Placeholder 5"/>
+          <p:cNvPr id="9" name="Slide Number Placeholder 8"/>
           <p:cNvSpPr>
             <a:spLocks noGrp="1"/>
           </p:cNvSpPr>
@@ -4322,12 +2098,7 @@
             <p:ph type="sldNum" sz="quarter" idx="12"/>
           </p:nvPr>
         </p:nvSpPr>
-        <p:spPr>
-          <a:xfrm>
-            <a:off x="531812" y="787782"/>
-            <a:ext cx="779767" cy="365125"/>
-          </a:xfrm>
-        </p:spPr>
+        <p:spPr/>
         <p:txBody>
           <a:bodyPr/>
           <a:lstStyle/>
@@ -4343,20 +2114,20 @@
     </p:spTree>
     <p:extLst>
       <p:ext uri="{BB962C8B-B14F-4D97-AF65-F5344CB8AC3E}">
-        <p14:creationId xmlns:p14="http://schemas.microsoft.com/office/powerpoint/2010/main" val="3906655617"/>
+        <p14:creationId xmlns:p14="http://schemas.microsoft.com/office/powerpoint/2010/main" val="12382221"/>
       </p:ext>
     </p:extLst>
   </p:cSld>
   <p:clrMapOvr>
     <a:masterClrMapping/>
   </p:clrMapOvr>
-  <mc:AlternateContent xmlns:mc="http://schemas.openxmlformats.org/markup-compatibility/2006">
-    <mc:Choice xmlns:p159="http://schemas.microsoft.com/office/powerpoint/2015/09/main" Requires="p159">
+  <mc:AlternateContent xmlns:mc="http://schemas.openxmlformats.org/markup-compatibility/2006" xmlns:p159="http://schemas.microsoft.com/office/powerpoint/2015/09/main">
+    <mc:Choice Requires="p159">
       <p:transition xmlns:p14="http://schemas.microsoft.com/office/powerpoint/2010/main" spd="slow" p14:dur="2000">
         <p159:morph option="byObject"/>
       </p:transition>
     </mc:Choice>
-    <mc:Fallback>
+    <mc:Fallback xmlns="">
       <p:transition spd="slow">
         <p:fade/>
       </p:transition>
@@ -4422,7 +2193,7 @@
           <a:p>
             <a:fld id="{D9962669-56AE-4347-90EE-8C5DDA719B74}" type="datetimeFigureOut">
               <a:rPr lang="en-PH" smtClean="0"/>
-              <a:t>02/02/2023</a:t>
+              <a:t>03/02/2023</a:t>
             </a:fld>
             <a:endParaRPr lang="en-PH"/>
           </a:p>
@@ -4449,88 +2220,6 @@
       </p:sp>
       <p:sp>
         <p:nvSpPr>
-          <p:cNvPr id="7" name="Freeform 11"/>
-          <p:cNvSpPr/>
-          <p:nvPr/>
-        </p:nvSpPr>
-        <p:spPr bwMode="auto">
-          <a:xfrm flipV="1">
-            <a:off x="-4189" y="714375"/>
-            <a:ext cx="1588527" cy="507297"/>
-          </a:xfrm>
-          <a:custGeom>
-            <a:avLst/>
-            <a:gdLst/>
-            <a:ahLst/>
-            <a:cxnLst/>
-            <a:rect l="l" t="t" r="r" b="b"/>
-            <a:pathLst>
-              <a:path w="9248" h="10000">
-                <a:moveTo>
-                  <a:pt x="9248" y="4701"/>
-                </a:moveTo>
-                <a:lnTo>
-                  <a:pt x="7915" y="188"/>
-                </a:lnTo>
-                <a:cubicBezTo>
-                  <a:pt x="7906" y="156"/>
-                  <a:pt x="7895" y="126"/>
-                  <a:pt x="7886" y="94"/>
-                </a:cubicBezTo>
-                <a:cubicBezTo>
-                  <a:pt x="7859" y="0"/>
-                  <a:pt x="7831" y="0"/>
-                  <a:pt x="7803" y="0"/>
-                </a:cubicBezTo>
-                <a:lnTo>
-                  <a:pt x="7275" y="0"/>
-                </a:lnTo>
-                <a:lnTo>
-                  <a:pt x="0" y="70"/>
-                </a:lnTo>
-                <a:cubicBezTo>
-                  <a:pt x="8" y="3380"/>
-                  <a:pt x="17" y="6690"/>
-                  <a:pt x="25" y="10000"/>
-                </a:cubicBezTo>
-                <a:lnTo>
-                  <a:pt x="7275" y="9966"/>
-                </a:lnTo>
-                <a:lnTo>
-                  <a:pt x="7803" y="9966"/>
-                </a:lnTo>
-                <a:cubicBezTo>
-                  <a:pt x="7831" y="9966"/>
-                  <a:pt x="7859" y="9872"/>
-                  <a:pt x="7886" y="9872"/>
-                </a:cubicBezTo>
-                <a:cubicBezTo>
-                  <a:pt x="7886" y="9778"/>
-                  <a:pt x="7915" y="9778"/>
-                  <a:pt x="7915" y="9778"/>
-                </a:cubicBezTo>
-                <a:lnTo>
-                  <a:pt x="9248" y="5265"/>
-                </a:lnTo>
-                <a:cubicBezTo>
-                  <a:pt x="9303" y="5077"/>
-                  <a:pt x="9303" y="4889"/>
-                  <a:pt x="9248" y="4701"/>
-                </a:cubicBezTo>
-                <a:close/>
-              </a:path>
-            </a:pathLst>
-          </a:custGeom>
-          <a:solidFill>
-            <a:schemeClr val="accent1"/>
-          </a:solidFill>
-          <a:ln>
-            <a:noFill/>
-          </a:ln>
-        </p:spPr>
-      </p:sp>
-      <p:sp>
-        <p:nvSpPr>
           <p:cNvPr id="5" name="Slide Number Placeholder 4"/>
           <p:cNvSpPr>
             <a:spLocks noGrp="1"/>
@@ -4555,20 +2244,20 @@
     </p:spTree>
     <p:extLst>
       <p:ext uri="{BB962C8B-B14F-4D97-AF65-F5344CB8AC3E}">
-        <p14:creationId xmlns:p14="http://schemas.microsoft.com/office/powerpoint/2010/main" val="4055724494"/>
+        <p14:creationId xmlns:p14="http://schemas.microsoft.com/office/powerpoint/2010/main" val="1549695209"/>
       </p:ext>
     </p:extLst>
   </p:cSld>
   <p:clrMapOvr>
     <a:masterClrMapping/>
   </p:clrMapOvr>
-  <mc:AlternateContent xmlns:mc="http://schemas.openxmlformats.org/markup-compatibility/2006">
-    <mc:Choice xmlns:p159="http://schemas.microsoft.com/office/powerpoint/2015/09/main" Requires="p159">
+  <mc:AlternateContent xmlns:mc="http://schemas.openxmlformats.org/markup-compatibility/2006" xmlns:p159="http://schemas.microsoft.com/office/powerpoint/2015/09/main">
+    <mc:Choice Requires="p159">
       <p:transition xmlns:p14="http://schemas.microsoft.com/office/powerpoint/2010/main" spd="slow" p14:dur="2000">
         <p159:morph option="byObject"/>
       </p:transition>
     </mc:Choice>
-    <mc:Fallback>
+    <mc:Fallback xmlns="">
       <p:transition spd="slow">
         <p:fade/>
       </p:transition>
@@ -4578,7 +2267,7 @@
 </file>
 
 <file path=ppt/slideLayouts/slideLayout7.xml><?xml version="1.0" encoding="utf-8"?>
-<p:sldLayout xmlns:a="http://schemas.openxmlformats.org/drawingml/2006/main" xmlns:r="http://schemas.openxmlformats.org/officeDocument/2006/relationships" xmlns:p="http://schemas.openxmlformats.org/presentationml/2006/main" type="blank" preserve="1">
+<p:sldLayout xmlns:a="http://schemas.openxmlformats.org/drawingml/2006/main" xmlns:r="http://schemas.openxmlformats.org/officeDocument/2006/relationships" xmlns:p="http://schemas.openxmlformats.org/presentationml/2006/main" showMasterSp="0" type="blank" preserve="1">
   <p:cSld name="Blank">
     <p:spTree>
       <p:nvGrpSpPr>
@@ -4611,7 +2300,7 @@
           <a:p>
             <a:fld id="{D9962669-56AE-4347-90EE-8C5DDA719B74}" type="datetimeFigureOut">
               <a:rPr lang="en-PH" smtClean="0"/>
-              <a:t>02/02/2023</a:t>
+              <a:t>03/02/2023</a:t>
             </a:fld>
             <a:endParaRPr lang="en-PH"/>
           </a:p>
@@ -4638,88 +2327,6 @@
       </p:sp>
       <p:sp>
         <p:nvSpPr>
-          <p:cNvPr id="6" name="Freeform 11"/>
-          <p:cNvSpPr/>
-          <p:nvPr/>
-        </p:nvSpPr>
-        <p:spPr bwMode="auto">
-          <a:xfrm flipV="1">
-            <a:off x="-4189" y="714375"/>
-            <a:ext cx="1588527" cy="507297"/>
-          </a:xfrm>
-          <a:custGeom>
-            <a:avLst/>
-            <a:gdLst/>
-            <a:ahLst/>
-            <a:cxnLst/>
-            <a:rect l="l" t="t" r="r" b="b"/>
-            <a:pathLst>
-              <a:path w="9248" h="10000">
-                <a:moveTo>
-                  <a:pt x="9248" y="4701"/>
-                </a:moveTo>
-                <a:lnTo>
-                  <a:pt x="7915" y="188"/>
-                </a:lnTo>
-                <a:cubicBezTo>
-                  <a:pt x="7906" y="156"/>
-                  <a:pt x="7895" y="126"/>
-                  <a:pt x="7886" y="94"/>
-                </a:cubicBezTo>
-                <a:cubicBezTo>
-                  <a:pt x="7859" y="0"/>
-                  <a:pt x="7831" y="0"/>
-                  <a:pt x="7803" y="0"/>
-                </a:cubicBezTo>
-                <a:lnTo>
-                  <a:pt x="7275" y="0"/>
-                </a:lnTo>
-                <a:lnTo>
-                  <a:pt x="0" y="70"/>
-                </a:lnTo>
-                <a:cubicBezTo>
-                  <a:pt x="8" y="3380"/>
-                  <a:pt x="17" y="6690"/>
-                  <a:pt x="25" y="10000"/>
-                </a:cubicBezTo>
-                <a:lnTo>
-                  <a:pt x="7275" y="9966"/>
-                </a:lnTo>
-                <a:lnTo>
-                  <a:pt x="7803" y="9966"/>
-                </a:lnTo>
-                <a:cubicBezTo>
-                  <a:pt x="7831" y="9966"/>
-                  <a:pt x="7859" y="9872"/>
-                  <a:pt x="7886" y="9872"/>
-                </a:cubicBezTo>
-                <a:cubicBezTo>
-                  <a:pt x="7886" y="9778"/>
-                  <a:pt x="7915" y="9778"/>
-                  <a:pt x="7915" y="9778"/>
-                </a:cubicBezTo>
-                <a:lnTo>
-                  <a:pt x="9248" y="5265"/>
-                </a:lnTo>
-                <a:cubicBezTo>
-                  <a:pt x="9303" y="5077"/>
-                  <a:pt x="9303" y="4889"/>
-                  <a:pt x="9248" y="4701"/>
-                </a:cubicBezTo>
-                <a:close/>
-              </a:path>
-            </a:pathLst>
-          </a:custGeom>
-          <a:solidFill>
-            <a:schemeClr val="accent1"/>
-          </a:solidFill>
-          <a:ln>
-            <a:noFill/>
-          </a:ln>
-        </p:spPr>
-      </p:sp>
-      <p:sp>
-        <p:nvSpPr>
           <p:cNvPr id="4" name="Slide Number Placeholder 3"/>
           <p:cNvSpPr>
             <a:spLocks noGrp="1"/>
@@ -4744,20 +2351,20 @@
     </p:spTree>
     <p:extLst>
       <p:ext uri="{BB962C8B-B14F-4D97-AF65-F5344CB8AC3E}">
-        <p14:creationId xmlns:p14="http://schemas.microsoft.com/office/powerpoint/2010/main" val="408203252"/>
+        <p14:creationId xmlns:p14="http://schemas.microsoft.com/office/powerpoint/2010/main" val="2328568170"/>
       </p:ext>
     </p:extLst>
   </p:cSld>
   <p:clrMapOvr>
     <a:masterClrMapping/>
   </p:clrMapOvr>
-  <mc:AlternateContent xmlns:mc="http://schemas.openxmlformats.org/markup-compatibility/2006">
-    <mc:Choice xmlns:p159="http://schemas.microsoft.com/office/powerpoint/2015/09/main" Requires="p159">
+  <mc:AlternateContent xmlns:mc="http://schemas.openxmlformats.org/markup-compatibility/2006" xmlns:p159="http://schemas.microsoft.com/office/powerpoint/2015/09/main">
+    <mc:Choice Requires="p159">
       <p:transition xmlns:p14="http://schemas.microsoft.com/office/powerpoint/2010/main" spd="slow" p14:dur="2000">
         <p159:morph option="byObject"/>
       </p:transition>
     </mc:Choice>
-    <mc:Fallback>
+    <mc:Fallback xmlns="">
       <p:transition spd="slow">
         <p:fade/>
       </p:transition>
@@ -4785,7 +2392,7 @@
       </p:grpSpPr>
       <p:sp>
         <p:nvSpPr>
-          <p:cNvPr id="2" name="Title 1"/>
+          <p:cNvPr id="8" name="Title 7"/>
           <p:cNvSpPr>
             <a:spLocks noGrp="1"/>
           </p:cNvSpPr>
@@ -4793,19 +2400,10 @@
             <p:ph type="title"/>
           </p:nvPr>
         </p:nvSpPr>
-        <p:spPr>
-          <a:xfrm>
-            <a:off x="2589212" y="446088"/>
-            <a:ext cx="3505199" cy="976312"/>
-          </a:xfrm>
-        </p:spPr>
-        <p:txBody>
-          <a:bodyPr anchor="b"/>
-          <a:lstStyle>
-            <a:lvl1pPr algn="l">
-              <a:defRPr sz="2000" b="0"/>
-            </a:lvl1pPr>
-          </a:lstStyle>
+        <p:spPr/>
+        <p:txBody>
+          <a:bodyPr/>
+          <a:lstStyle/>
           <a:p>
             <a:r>
               <a:rPr lang="en-US"/>
@@ -4827,15 +2425,41 @@
         </p:nvSpPr>
         <p:spPr>
           <a:xfrm>
-            <a:off x="6323012" y="446088"/>
-            <a:ext cx="5181600" cy="5414963"/>
-          </a:xfrm>
-        </p:spPr>
-        <p:txBody>
-          <a:bodyPr anchor="ctr">
-            <a:normAutofit/>
-          </a:bodyPr>
-          <a:lstStyle/>
+            <a:off x="1207008" y="2120054"/>
+            <a:ext cx="6126480" cy="4114800"/>
+          </a:xfrm>
+        </p:spPr>
+        <p:txBody>
+          <a:bodyPr/>
+          <a:lstStyle>
+            <a:lvl1pPr>
+              <a:defRPr sz="3200"/>
+            </a:lvl1pPr>
+            <a:lvl2pPr>
+              <a:defRPr sz="2800"/>
+            </a:lvl2pPr>
+            <a:lvl3pPr>
+              <a:defRPr sz="2400"/>
+            </a:lvl3pPr>
+            <a:lvl4pPr>
+              <a:defRPr sz="2000"/>
+            </a:lvl4pPr>
+            <a:lvl5pPr>
+              <a:defRPr sz="2000"/>
+            </a:lvl5pPr>
+            <a:lvl6pPr>
+              <a:defRPr sz="2000"/>
+            </a:lvl6pPr>
+            <a:lvl7pPr>
+              <a:defRPr sz="2000"/>
+            </a:lvl7pPr>
+            <a:lvl8pPr>
+              <a:defRPr sz="2000"/>
+            </a:lvl8pPr>
+            <a:lvl9pPr>
+              <a:defRPr sz="2000"/>
+            </a:lvl9pPr>
+          </a:lstStyle>
           <a:p>
             <a:pPr lvl="0"/>
             <a:r>
@@ -4886,16 +2510,21 @@
         </p:nvSpPr>
         <p:spPr>
           <a:xfrm>
-            <a:off x="2589212" y="1598613"/>
-            <a:ext cx="3505199" cy="4262436"/>
-          </a:xfrm>
-        </p:spPr>
-        <p:txBody>
-          <a:bodyPr/>
+            <a:off x="7789023" y="2147486"/>
+            <a:ext cx="3200400" cy="3432319"/>
+          </a:xfrm>
+        </p:spPr>
+        <p:txBody>
+          <a:bodyPr>
+            <a:normAutofit/>
+          </a:bodyPr>
           <a:lstStyle>
             <a:lvl1pPr marL="0" indent="0">
+              <a:lnSpc>
+                <a:spcPct val="95000"/>
+              </a:lnSpc>
               <a:buNone/>
-              <a:defRPr sz="1400"/>
+              <a:defRPr sz="1800"/>
             </a:lvl1pPr>
             <a:lvl2pPr marL="457200" indent="0">
               <a:buNone/>
@@ -4956,7 +2585,7 @@
           <a:p>
             <a:fld id="{D9962669-56AE-4347-90EE-8C5DDA719B74}" type="datetimeFigureOut">
               <a:rPr lang="en-PH" smtClean="0"/>
-              <a:t>02/02/2023</a:t>
+              <a:t>03/02/2023</a:t>
             </a:fld>
             <a:endParaRPr lang="en-PH"/>
           </a:p>
@@ -4983,88 +2612,6 @@
       </p:sp>
       <p:sp>
         <p:nvSpPr>
-          <p:cNvPr id="9" name="Freeform 11"/>
-          <p:cNvSpPr/>
-          <p:nvPr/>
-        </p:nvSpPr>
-        <p:spPr bwMode="auto">
-          <a:xfrm flipV="1">
-            <a:off x="-4189" y="714375"/>
-            <a:ext cx="1588527" cy="507297"/>
-          </a:xfrm>
-          <a:custGeom>
-            <a:avLst/>
-            <a:gdLst/>
-            <a:ahLst/>
-            <a:cxnLst/>
-            <a:rect l="l" t="t" r="r" b="b"/>
-            <a:pathLst>
-              <a:path w="9248" h="10000">
-                <a:moveTo>
-                  <a:pt x="9248" y="4701"/>
-                </a:moveTo>
-                <a:lnTo>
-                  <a:pt x="7915" y="188"/>
-                </a:lnTo>
-                <a:cubicBezTo>
-                  <a:pt x="7906" y="156"/>
-                  <a:pt x="7895" y="126"/>
-                  <a:pt x="7886" y="94"/>
-                </a:cubicBezTo>
-                <a:cubicBezTo>
-                  <a:pt x="7859" y="0"/>
-                  <a:pt x="7831" y="0"/>
-                  <a:pt x="7803" y="0"/>
-                </a:cubicBezTo>
-                <a:lnTo>
-                  <a:pt x="7275" y="0"/>
-                </a:lnTo>
-                <a:lnTo>
-                  <a:pt x="0" y="70"/>
-                </a:lnTo>
-                <a:cubicBezTo>
-                  <a:pt x="8" y="3380"/>
-                  <a:pt x="17" y="6690"/>
-                  <a:pt x="25" y="10000"/>
-                </a:cubicBezTo>
-                <a:lnTo>
-                  <a:pt x="7275" y="9966"/>
-                </a:lnTo>
-                <a:lnTo>
-                  <a:pt x="7803" y="9966"/>
-                </a:lnTo>
-                <a:cubicBezTo>
-                  <a:pt x="7831" y="9966"/>
-                  <a:pt x="7859" y="9872"/>
-                  <a:pt x="7886" y="9872"/>
-                </a:cubicBezTo>
-                <a:cubicBezTo>
-                  <a:pt x="7886" y="9778"/>
-                  <a:pt x="7915" y="9778"/>
-                  <a:pt x="7915" y="9778"/>
-                </a:cubicBezTo>
-                <a:lnTo>
-                  <a:pt x="9248" y="5265"/>
-                </a:lnTo>
-                <a:cubicBezTo>
-                  <a:pt x="9303" y="5077"/>
-                  <a:pt x="9303" y="4889"/>
-                  <a:pt x="9248" y="4701"/>
-                </a:cubicBezTo>
-                <a:close/>
-              </a:path>
-            </a:pathLst>
-          </a:custGeom>
-          <a:solidFill>
-            <a:schemeClr val="accent1"/>
-          </a:solidFill>
-          <a:ln>
-            <a:noFill/>
-          </a:ln>
-        </p:spPr>
-      </p:sp>
-      <p:sp>
-        <p:nvSpPr>
           <p:cNvPr id="7" name="Slide Number Placeholder 6"/>
           <p:cNvSpPr>
             <a:spLocks noGrp="1"/>
@@ -5089,20 +2636,20 @@
     </p:spTree>
     <p:extLst>
       <p:ext uri="{BB962C8B-B14F-4D97-AF65-F5344CB8AC3E}">
-        <p14:creationId xmlns:p14="http://schemas.microsoft.com/office/powerpoint/2010/main" val="3772660735"/>
+        <p14:creationId xmlns:p14="http://schemas.microsoft.com/office/powerpoint/2010/main" val="3090368700"/>
       </p:ext>
     </p:extLst>
   </p:cSld>
   <p:clrMapOvr>
     <a:masterClrMapping/>
   </p:clrMapOvr>
-  <mc:AlternateContent xmlns:mc="http://schemas.openxmlformats.org/markup-compatibility/2006">
-    <mc:Choice xmlns:p159="http://schemas.microsoft.com/office/powerpoint/2015/09/main" Requires="p159">
+  <mc:AlternateContent xmlns:mc="http://schemas.openxmlformats.org/markup-compatibility/2006" xmlns:p159="http://schemas.microsoft.com/office/powerpoint/2015/09/main">
+    <mc:Choice Requires="p159">
       <p:transition xmlns:p14="http://schemas.microsoft.com/office/powerpoint/2010/main" spd="slow" p14:dur="2000">
         <p159:morph option="byObject"/>
       </p:transition>
     </mc:Choice>
-    <mc:Fallback>
+    <mc:Fallback xmlns="">
       <p:transition spd="slow">
         <p:fade/>
       </p:transition>
@@ -5130,7 +2677,7 @@
       </p:grpSpPr>
       <p:sp>
         <p:nvSpPr>
-          <p:cNvPr id="2" name="Title 1"/>
+          <p:cNvPr id="8" name="Title 7"/>
           <p:cNvSpPr>
             <a:spLocks noGrp="1"/>
           </p:cNvSpPr>
@@ -5138,21 +2685,10 @@
             <p:ph type="title"/>
           </p:nvPr>
         </p:nvSpPr>
-        <p:spPr>
-          <a:xfrm>
-            <a:off x="2589213" y="4800600"/>
-            <a:ext cx="8915400" cy="566738"/>
-          </a:xfrm>
-        </p:spPr>
-        <p:txBody>
-          <a:bodyPr anchor="b">
-            <a:normAutofit/>
-          </a:bodyPr>
-          <a:lstStyle>
-            <a:lvl1pPr algn="l">
-              <a:defRPr sz="2400" b="0"/>
-            </a:lvl1pPr>
-          </a:lstStyle>
+        <p:spPr/>
+        <p:txBody>
+          <a:bodyPr/>
+          <a:lstStyle/>
           <a:p>
             <a:r>
               <a:rPr lang="en-US"/>
@@ -5174,50 +2710,60 @@
         </p:nvSpPr>
         <p:spPr>
           <a:xfrm>
-            <a:off x="2589212" y="634965"/>
-            <a:ext cx="8915400" cy="3854970"/>
-          </a:xfrm>
-        </p:spPr>
-        <p:txBody>
-          <a:bodyPr anchor="t">
-            <a:normAutofit/>
-          </a:bodyPr>
+            <a:off x="1280160" y="2211494"/>
+            <a:ext cx="6126480" cy="3931920"/>
+          </a:xfrm>
+          <a:solidFill>
+            <a:schemeClr val="tx2">
+              <a:lumMod val="60000"/>
+              <a:lumOff val="40000"/>
+            </a:schemeClr>
+          </a:solidFill>
+        </p:spPr>
+        <p:txBody>
+          <a:bodyPr tIns="365760" anchor="t"/>
           <a:lstStyle>
             <a:lvl1pPr marL="0" indent="0" algn="ctr">
               <a:buNone/>
-              <a:defRPr sz="1600"/>
+              <a:defRPr sz="3200">
+                <a:solidFill>
+                  <a:schemeClr val="tx1">
+                    <a:lumMod val="50000"/>
+                  </a:schemeClr>
+                </a:solidFill>
+              </a:defRPr>
             </a:lvl1pPr>
             <a:lvl2pPr marL="457200" indent="0">
               <a:buNone/>
-              <a:defRPr sz="1600"/>
+              <a:defRPr sz="2800"/>
             </a:lvl2pPr>
             <a:lvl3pPr marL="914400" indent="0">
               <a:buNone/>
-              <a:defRPr sz="1600"/>
+              <a:defRPr sz="2400"/>
             </a:lvl3pPr>
             <a:lvl4pPr marL="1371600" indent="0">
               <a:buNone/>
-              <a:defRPr sz="1600"/>
+              <a:defRPr sz="2000"/>
             </a:lvl4pPr>
             <a:lvl5pPr marL="1828800" indent="0">
               <a:buNone/>
-              <a:defRPr sz="1600"/>
+              <a:defRPr sz="2000"/>
             </a:lvl5pPr>
             <a:lvl6pPr marL="2286000" indent="0">
               <a:buNone/>
-              <a:defRPr sz="1600"/>
+              <a:defRPr sz="2000"/>
             </a:lvl6pPr>
             <a:lvl7pPr marL="2743200" indent="0">
               <a:buNone/>
-              <a:defRPr sz="1600"/>
+              <a:defRPr sz="2000"/>
             </a:lvl7pPr>
             <a:lvl8pPr marL="3200400" indent="0">
               <a:buNone/>
-              <a:defRPr sz="1600"/>
+              <a:defRPr sz="2000"/>
             </a:lvl8pPr>
             <a:lvl9pPr marL="3657600" indent="0">
               <a:buNone/>
-              <a:defRPr sz="1600"/>
+              <a:defRPr sz="2000"/>
             </a:lvl9pPr>
           </a:lstStyle>
           <a:p>
@@ -5241,8 +2787,8 @@
         </p:nvSpPr>
         <p:spPr>
           <a:xfrm>
-            <a:off x="2589213" y="5367338"/>
-            <a:ext cx="8915400" cy="493712"/>
+            <a:off x="7790688" y="2150621"/>
+            <a:ext cx="3200400" cy="3429000"/>
           </a:xfrm>
         </p:spPr>
         <p:txBody>
@@ -5251,8 +2797,11 @@
           </a:bodyPr>
           <a:lstStyle>
             <a:lvl1pPr marL="0" indent="0">
+              <a:lnSpc>
+                <a:spcPct val="95000"/>
+              </a:lnSpc>
               <a:buNone/>
-              <a:defRPr sz="1200"/>
+              <a:defRPr sz="1800"/>
             </a:lvl1pPr>
             <a:lvl2pPr marL="457200" indent="0">
               <a:buNone/>
@@ -5313,7 +2862,7 @@
           <a:p>
             <a:fld id="{D9962669-56AE-4347-90EE-8C5DDA719B74}" type="datetimeFigureOut">
               <a:rPr lang="en-PH" smtClean="0"/>
-              <a:t>02/02/2023</a:t>
+              <a:t>03/02/2023</a:t>
             </a:fld>
             <a:endParaRPr lang="en-PH"/>
           </a:p>
@@ -5340,88 +2889,6 @@
       </p:sp>
       <p:sp>
         <p:nvSpPr>
-          <p:cNvPr id="9" name="Freeform 11"/>
-          <p:cNvSpPr/>
-          <p:nvPr/>
-        </p:nvSpPr>
-        <p:spPr bwMode="auto">
-          <a:xfrm flipV="1">
-            <a:off x="-4189" y="4911725"/>
-            <a:ext cx="1588527" cy="507297"/>
-          </a:xfrm>
-          <a:custGeom>
-            <a:avLst/>
-            <a:gdLst/>
-            <a:ahLst/>
-            <a:cxnLst/>
-            <a:rect l="l" t="t" r="r" b="b"/>
-            <a:pathLst>
-              <a:path w="9248" h="10000">
-                <a:moveTo>
-                  <a:pt x="9248" y="4701"/>
-                </a:moveTo>
-                <a:lnTo>
-                  <a:pt x="7915" y="188"/>
-                </a:lnTo>
-                <a:cubicBezTo>
-                  <a:pt x="7906" y="156"/>
-                  <a:pt x="7895" y="126"/>
-                  <a:pt x="7886" y="94"/>
-                </a:cubicBezTo>
-                <a:cubicBezTo>
-                  <a:pt x="7859" y="0"/>
-                  <a:pt x="7831" y="0"/>
-                  <a:pt x="7803" y="0"/>
-                </a:cubicBezTo>
-                <a:lnTo>
-                  <a:pt x="7275" y="0"/>
-                </a:lnTo>
-                <a:lnTo>
-                  <a:pt x="0" y="70"/>
-                </a:lnTo>
-                <a:cubicBezTo>
-                  <a:pt x="8" y="3380"/>
-                  <a:pt x="17" y="6690"/>
-                  <a:pt x="25" y="10000"/>
-                </a:cubicBezTo>
-                <a:lnTo>
-                  <a:pt x="7275" y="9966"/>
-                </a:lnTo>
-                <a:lnTo>
-                  <a:pt x="7803" y="9966"/>
-                </a:lnTo>
-                <a:cubicBezTo>
-                  <a:pt x="7831" y="9966"/>
-                  <a:pt x="7859" y="9872"/>
-                  <a:pt x="7886" y="9872"/>
-                </a:cubicBezTo>
-                <a:cubicBezTo>
-                  <a:pt x="7886" y="9778"/>
-                  <a:pt x="7915" y="9778"/>
-                  <a:pt x="7915" y="9778"/>
-                </a:cubicBezTo>
-                <a:lnTo>
-                  <a:pt x="9248" y="5265"/>
-                </a:lnTo>
-                <a:cubicBezTo>
-                  <a:pt x="9303" y="5077"/>
-                  <a:pt x="9303" y="4889"/>
-                  <a:pt x="9248" y="4701"/>
-                </a:cubicBezTo>
-                <a:close/>
-              </a:path>
-            </a:pathLst>
-          </a:custGeom>
-          <a:solidFill>
-            <a:schemeClr val="accent1"/>
-          </a:solidFill>
-          <a:ln>
-            <a:noFill/>
-          </a:ln>
-        </p:spPr>
-      </p:sp>
-      <p:sp>
-        <p:nvSpPr>
           <p:cNvPr id="7" name="Slide Number Placeholder 6"/>
           <p:cNvSpPr>
             <a:spLocks noGrp="1"/>
@@ -5430,12 +2897,7 @@
             <p:ph type="sldNum" sz="quarter" idx="12"/>
           </p:nvPr>
         </p:nvSpPr>
-        <p:spPr>
-          <a:xfrm>
-            <a:off x="531812" y="4983087"/>
-            <a:ext cx="779767" cy="365125"/>
-          </a:xfrm>
-        </p:spPr>
+        <p:spPr/>
         <p:txBody>
           <a:bodyPr/>
           <a:lstStyle/>
@@ -5451,20 +2913,20 @@
     </p:spTree>
     <p:extLst>
       <p:ext uri="{BB962C8B-B14F-4D97-AF65-F5344CB8AC3E}">
-        <p14:creationId xmlns:p14="http://schemas.microsoft.com/office/powerpoint/2010/main" val="2267279576"/>
+        <p14:creationId xmlns:p14="http://schemas.microsoft.com/office/powerpoint/2010/main" val="187492768"/>
       </p:ext>
     </p:extLst>
   </p:cSld>
   <p:clrMapOvr>
     <a:masterClrMapping/>
   </p:clrMapOvr>
-  <mc:AlternateContent xmlns:mc="http://schemas.openxmlformats.org/markup-compatibility/2006">
-    <mc:Choice xmlns:p159="http://schemas.microsoft.com/office/powerpoint/2015/09/main" Requires="p159">
+  <mc:AlternateContent xmlns:mc="http://schemas.openxmlformats.org/markup-compatibility/2006" xmlns:p159="http://schemas.microsoft.com/office/powerpoint/2015/09/main">
+    <mc:Choice Requires="p159">
       <p:transition xmlns:p14="http://schemas.microsoft.com/office/powerpoint/2010/main" spd="slow" p14:dur="2000">
         <p159:morph option="byObject"/>
       </p:transition>
     </mc:Choice>
-    <mc:Fallback>
+    <mc:Fallback xmlns="">
       <p:transition spd="slow">
         <p:fade/>
       </p:transition>
@@ -5495,1723 +2957,6 @@
           <a:chExt cx="0" cy="0"/>
         </a:xfrm>
       </p:grpSpPr>
-      <p:grpSp>
-        <p:nvGrpSpPr>
-          <p:cNvPr id="23" name="Group 22"/>
-          <p:cNvGrpSpPr/>
-          <p:nvPr/>
-        </p:nvGrpSpPr>
-        <p:grpSpPr>
-          <a:xfrm>
-            <a:off x="1" y="228600"/>
-            <a:ext cx="2851516" cy="6638628"/>
-            <a:chOff x="2487613" y="285750"/>
-            <a:chExt cx="2428875" cy="5654676"/>
-          </a:xfrm>
-          <a:solidFill>
-            <a:schemeClr val="accent1">
-              <a:lumMod val="75000"/>
-              <a:alpha val="40000"/>
-            </a:schemeClr>
-          </a:solidFill>
-        </p:grpSpPr>
-        <p:sp>
-          <p:nvSpPr>
-            <p:cNvPr id="24" name="Freeform 11"/>
-            <p:cNvSpPr/>
-            <p:nvPr/>
-          </p:nvSpPr>
-          <p:spPr bwMode="auto">
-            <a:xfrm>
-              <a:off x="2487613" y="2284413"/>
-              <a:ext cx="85725" cy="533400"/>
-            </a:xfrm>
-            <a:custGeom>
-              <a:avLst/>
-              <a:gdLst/>
-              <a:ahLst/>
-              <a:cxnLst/>
-              <a:rect l="0" t="0" r="r" b="b"/>
-              <a:pathLst>
-                <a:path w="22" h="136">
-                  <a:moveTo>
-                    <a:pt x="22" y="136"/>
-                  </a:moveTo>
-                  <a:cubicBezTo>
-                    <a:pt x="20" y="117"/>
-                    <a:pt x="19" y="99"/>
-                    <a:pt x="17" y="80"/>
-                  </a:cubicBezTo>
-                  <a:cubicBezTo>
-                    <a:pt x="11" y="54"/>
-                    <a:pt x="6" y="27"/>
-                    <a:pt x="0" y="0"/>
-                  </a:cubicBezTo>
-                  <a:cubicBezTo>
-                    <a:pt x="0" y="35"/>
-                    <a:pt x="0" y="35"/>
-                    <a:pt x="0" y="35"/>
-                  </a:cubicBezTo>
-                  <a:cubicBezTo>
-                    <a:pt x="6" y="64"/>
-                    <a:pt x="13" y="94"/>
-                    <a:pt x="20" y="124"/>
-                  </a:cubicBezTo>
-                  <a:cubicBezTo>
-                    <a:pt x="20" y="128"/>
-                    <a:pt x="21" y="132"/>
-                    <a:pt x="22" y="136"/>
-                  </a:cubicBezTo>
-                  <a:close/>
-                </a:path>
-              </a:pathLst>
-            </a:custGeom>
-            <a:grpFill/>
-            <a:ln>
-              <a:noFill/>
-            </a:ln>
-          </p:spPr>
-        </p:sp>
-        <p:sp>
-          <p:nvSpPr>
-            <p:cNvPr id="25" name="Freeform 12"/>
-            <p:cNvSpPr/>
-            <p:nvPr/>
-          </p:nvSpPr>
-          <p:spPr bwMode="auto">
-            <a:xfrm>
-              <a:off x="2597151" y="2779713"/>
-              <a:ext cx="550863" cy="1978025"/>
-            </a:xfrm>
-            <a:custGeom>
-              <a:avLst/>
-              <a:gdLst/>
-              <a:ahLst/>
-              <a:cxnLst/>
-              <a:rect l="0" t="0" r="r" b="b"/>
-              <a:pathLst>
-                <a:path w="140" h="504">
-                  <a:moveTo>
-                    <a:pt x="86" y="350"/>
-                  </a:moveTo>
-                  <a:cubicBezTo>
-                    <a:pt x="103" y="402"/>
-                    <a:pt x="120" y="453"/>
-                    <a:pt x="139" y="504"/>
-                  </a:cubicBezTo>
-                  <a:cubicBezTo>
-                    <a:pt x="139" y="495"/>
-                    <a:pt x="139" y="487"/>
-                    <a:pt x="140" y="478"/>
-                  </a:cubicBezTo>
-                  <a:cubicBezTo>
-                    <a:pt x="124" y="435"/>
-                    <a:pt x="109" y="391"/>
-                    <a:pt x="95" y="347"/>
-                  </a:cubicBezTo>
-                  <a:cubicBezTo>
-                    <a:pt x="58" y="233"/>
-                    <a:pt x="27" y="117"/>
-                    <a:pt x="0" y="0"/>
-                  </a:cubicBezTo>
-                  <a:cubicBezTo>
-                    <a:pt x="2" y="20"/>
-                    <a:pt x="4" y="41"/>
-                    <a:pt x="6" y="61"/>
-                  </a:cubicBezTo>
-                  <a:cubicBezTo>
-                    <a:pt x="30" y="158"/>
-                    <a:pt x="56" y="255"/>
-                    <a:pt x="86" y="350"/>
-                  </a:cubicBezTo>
-                  <a:close/>
-                </a:path>
-              </a:pathLst>
-            </a:custGeom>
-            <a:grpFill/>
-            <a:ln>
-              <a:noFill/>
-            </a:ln>
-          </p:spPr>
-        </p:sp>
-        <p:sp>
-          <p:nvSpPr>
-            <p:cNvPr id="26" name="Freeform 13"/>
-            <p:cNvSpPr/>
-            <p:nvPr/>
-          </p:nvSpPr>
-          <p:spPr bwMode="auto">
-            <a:xfrm>
-              <a:off x="3175001" y="4730750"/>
-              <a:ext cx="519113" cy="1209675"/>
-            </a:xfrm>
-            <a:custGeom>
-              <a:avLst/>
-              <a:gdLst/>
-              <a:ahLst/>
-              <a:cxnLst/>
-              <a:rect l="0" t="0" r="r" b="b"/>
-              <a:pathLst>
-                <a:path w="132" h="308">
-                  <a:moveTo>
-                    <a:pt x="8" y="22"/>
-                  </a:moveTo>
-                  <a:cubicBezTo>
-                    <a:pt x="5" y="15"/>
-                    <a:pt x="2" y="8"/>
-                    <a:pt x="0" y="0"/>
-                  </a:cubicBezTo>
-                  <a:cubicBezTo>
-                    <a:pt x="0" y="10"/>
-                    <a:pt x="0" y="19"/>
-                    <a:pt x="0" y="29"/>
-                  </a:cubicBezTo>
-                  <a:cubicBezTo>
-                    <a:pt x="21" y="85"/>
-                    <a:pt x="44" y="140"/>
-                    <a:pt x="68" y="194"/>
-                  </a:cubicBezTo>
-                  <a:cubicBezTo>
-                    <a:pt x="85" y="232"/>
-                    <a:pt x="104" y="270"/>
-                    <a:pt x="123" y="308"/>
-                  </a:cubicBezTo>
-                  <a:cubicBezTo>
-                    <a:pt x="132" y="308"/>
-                    <a:pt x="132" y="308"/>
-                    <a:pt x="132" y="308"/>
-                  </a:cubicBezTo>
-                  <a:cubicBezTo>
-                    <a:pt x="113" y="269"/>
-                    <a:pt x="94" y="230"/>
-                    <a:pt x="77" y="190"/>
-                  </a:cubicBezTo>
-                  <a:cubicBezTo>
-                    <a:pt x="52" y="135"/>
-                    <a:pt x="29" y="79"/>
-                    <a:pt x="8" y="22"/>
-                  </a:cubicBezTo>
-                  <a:close/>
-                </a:path>
-              </a:pathLst>
-            </a:custGeom>
-            <a:grpFill/>
-            <a:ln>
-              <a:noFill/>
-            </a:ln>
-          </p:spPr>
-        </p:sp>
-        <p:sp>
-          <p:nvSpPr>
-            <p:cNvPr id="27" name="Freeform 14"/>
-            <p:cNvSpPr/>
-            <p:nvPr/>
-          </p:nvSpPr>
-          <p:spPr bwMode="auto">
-            <a:xfrm>
-              <a:off x="3305176" y="5630863"/>
-              <a:ext cx="146050" cy="309563"/>
-            </a:xfrm>
-            <a:custGeom>
-              <a:avLst/>
-              <a:gdLst/>
-              <a:ahLst/>
-              <a:cxnLst/>
-              <a:rect l="0" t="0" r="r" b="b"/>
-              <a:pathLst>
-                <a:path w="37" h="79">
-                  <a:moveTo>
-                    <a:pt x="28" y="79"/>
-                  </a:moveTo>
-                  <a:cubicBezTo>
-                    <a:pt x="37" y="79"/>
-                    <a:pt x="37" y="79"/>
-                    <a:pt x="37" y="79"/>
-                  </a:cubicBezTo>
-                  <a:cubicBezTo>
-                    <a:pt x="24" y="53"/>
-                    <a:pt x="12" y="27"/>
-                    <a:pt x="0" y="0"/>
-                  </a:cubicBezTo>
-                  <a:cubicBezTo>
-                    <a:pt x="8" y="27"/>
-                    <a:pt x="17" y="53"/>
-                    <a:pt x="28" y="79"/>
-                  </a:cubicBezTo>
-                  <a:close/>
-                </a:path>
-              </a:pathLst>
-            </a:custGeom>
-            <a:grpFill/>
-            <a:ln>
-              <a:noFill/>
-            </a:ln>
-          </p:spPr>
-        </p:sp>
-        <p:sp>
-          <p:nvSpPr>
-            <p:cNvPr id="28" name="Freeform 15"/>
-            <p:cNvSpPr/>
-            <p:nvPr/>
-          </p:nvSpPr>
-          <p:spPr bwMode="auto">
-            <a:xfrm>
-              <a:off x="2573338" y="2817813"/>
-              <a:ext cx="700088" cy="2835275"/>
-            </a:xfrm>
-            <a:custGeom>
-              <a:avLst/>
-              <a:gdLst/>
-              <a:ahLst/>
-              <a:cxnLst/>
-              <a:rect l="0" t="0" r="r" b="b"/>
-              <a:pathLst>
-                <a:path w="178" h="722">
-                  <a:moveTo>
-                    <a:pt x="162" y="660"/>
-                  </a:moveTo>
-                  <a:cubicBezTo>
-                    <a:pt x="145" y="618"/>
-                    <a:pt x="130" y="576"/>
-                    <a:pt x="116" y="534"/>
-                  </a:cubicBezTo>
-                  <a:cubicBezTo>
-                    <a:pt x="84" y="437"/>
-                    <a:pt x="59" y="337"/>
-                    <a:pt x="40" y="236"/>
-                  </a:cubicBezTo>
-                  <a:cubicBezTo>
-                    <a:pt x="29" y="175"/>
-                    <a:pt x="20" y="113"/>
-                    <a:pt x="12" y="51"/>
-                  </a:cubicBezTo>
-                  <a:cubicBezTo>
-                    <a:pt x="8" y="34"/>
-                    <a:pt x="4" y="17"/>
-                    <a:pt x="0" y="0"/>
-                  </a:cubicBezTo>
-                  <a:cubicBezTo>
-                    <a:pt x="8" y="79"/>
-                    <a:pt x="19" y="159"/>
-                    <a:pt x="33" y="237"/>
-                  </a:cubicBezTo>
-                  <a:cubicBezTo>
-                    <a:pt x="51" y="339"/>
-                    <a:pt x="76" y="439"/>
-                    <a:pt x="107" y="537"/>
-                  </a:cubicBezTo>
-                  <a:cubicBezTo>
-                    <a:pt x="123" y="586"/>
-                    <a:pt x="141" y="634"/>
-                    <a:pt x="160" y="681"/>
-                  </a:cubicBezTo>
-                  <a:cubicBezTo>
-                    <a:pt x="166" y="695"/>
-                    <a:pt x="172" y="708"/>
-                    <a:pt x="178" y="722"/>
-                  </a:cubicBezTo>
-                  <a:cubicBezTo>
-                    <a:pt x="176" y="717"/>
-                    <a:pt x="175" y="713"/>
-                    <a:pt x="174" y="708"/>
-                  </a:cubicBezTo>
-                  <a:cubicBezTo>
-                    <a:pt x="169" y="692"/>
-                    <a:pt x="165" y="676"/>
-                    <a:pt x="162" y="660"/>
-                  </a:cubicBezTo>
-                  <a:close/>
-                </a:path>
-              </a:pathLst>
-            </a:custGeom>
-            <a:grpFill/>
-            <a:ln>
-              <a:noFill/>
-            </a:ln>
-          </p:spPr>
-        </p:sp>
-        <p:sp>
-          <p:nvSpPr>
-            <p:cNvPr id="29" name="Freeform 16"/>
-            <p:cNvSpPr/>
-            <p:nvPr/>
-          </p:nvSpPr>
-          <p:spPr bwMode="auto">
-            <a:xfrm>
-              <a:off x="2506663" y="285750"/>
-              <a:ext cx="90488" cy="2493963"/>
-            </a:xfrm>
-            <a:custGeom>
-              <a:avLst/>
-              <a:gdLst/>
-              <a:ahLst/>
-              <a:cxnLst/>
-              <a:rect l="0" t="0" r="r" b="b"/>
-              <a:pathLst>
-                <a:path w="23" h="635">
-                  <a:moveTo>
-                    <a:pt x="11" y="577"/>
-                  </a:moveTo>
-                  <a:cubicBezTo>
-                    <a:pt x="12" y="581"/>
-                    <a:pt x="12" y="585"/>
-                    <a:pt x="12" y="589"/>
-                  </a:cubicBezTo>
-                  <a:cubicBezTo>
-                    <a:pt x="15" y="603"/>
-                    <a:pt x="19" y="617"/>
-                    <a:pt x="22" y="632"/>
-                  </a:cubicBezTo>
-                  <a:cubicBezTo>
-                    <a:pt x="22" y="633"/>
-                    <a:pt x="22" y="634"/>
-                    <a:pt x="23" y="635"/>
-                  </a:cubicBezTo>
-                  <a:cubicBezTo>
-                    <a:pt x="21" y="615"/>
-                    <a:pt x="19" y="596"/>
-                    <a:pt x="17" y="576"/>
-                  </a:cubicBezTo>
-                  <a:cubicBezTo>
-                    <a:pt x="9" y="474"/>
-                    <a:pt x="5" y="372"/>
-                    <a:pt x="5" y="269"/>
-                  </a:cubicBezTo>
-                  <a:cubicBezTo>
-                    <a:pt x="6" y="179"/>
-                    <a:pt x="9" y="90"/>
-                    <a:pt x="15" y="0"/>
-                  </a:cubicBezTo>
-                  <a:cubicBezTo>
-                    <a:pt x="12" y="0"/>
-                    <a:pt x="12" y="0"/>
-                    <a:pt x="12" y="0"/>
-                  </a:cubicBezTo>
-                  <a:cubicBezTo>
-                    <a:pt x="5" y="89"/>
-                    <a:pt x="2" y="179"/>
-                    <a:pt x="1" y="269"/>
-                  </a:cubicBezTo>
-                  <a:cubicBezTo>
-                    <a:pt x="0" y="372"/>
-                    <a:pt x="3" y="474"/>
-                    <a:pt x="11" y="577"/>
-                  </a:cubicBezTo>
-                  <a:close/>
-                </a:path>
-              </a:pathLst>
-            </a:custGeom>
-            <a:grpFill/>
-            <a:ln>
-              <a:noFill/>
-            </a:ln>
-          </p:spPr>
-        </p:sp>
-        <p:sp>
-          <p:nvSpPr>
-            <p:cNvPr id="30" name="Freeform 17"/>
-            <p:cNvSpPr/>
-            <p:nvPr/>
-          </p:nvSpPr>
-          <p:spPr bwMode="auto">
-            <a:xfrm>
-              <a:off x="2554288" y="2598738"/>
-              <a:ext cx="66675" cy="420688"/>
-            </a:xfrm>
-            <a:custGeom>
-              <a:avLst/>
-              <a:gdLst/>
-              <a:ahLst/>
-              <a:cxnLst/>
-              <a:rect l="0" t="0" r="r" b="b"/>
-              <a:pathLst>
-                <a:path w="17" h="107">
-                  <a:moveTo>
-                    <a:pt x="0" y="0"/>
-                  </a:moveTo>
-                  <a:cubicBezTo>
-                    <a:pt x="2" y="19"/>
-                    <a:pt x="3" y="37"/>
-                    <a:pt x="5" y="56"/>
-                  </a:cubicBezTo>
-                  <a:cubicBezTo>
-                    <a:pt x="9" y="73"/>
-                    <a:pt x="13" y="90"/>
-                    <a:pt x="17" y="107"/>
-                  </a:cubicBezTo>
-                  <a:cubicBezTo>
-                    <a:pt x="15" y="87"/>
-                    <a:pt x="13" y="66"/>
-                    <a:pt x="11" y="46"/>
-                  </a:cubicBezTo>
-                  <a:cubicBezTo>
-                    <a:pt x="10" y="45"/>
-                    <a:pt x="10" y="44"/>
-                    <a:pt x="10" y="43"/>
-                  </a:cubicBezTo>
-                  <a:cubicBezTo>
-                    <a:pt x="7" y="28"/>
-                    <a:pt x="3" y="14"/>
-                    <a:pt x="0" y="0"/>
-                  </a:cubicBezTo>
-                  <a:close/>
-                </a:path>
-              </a:pathLst>
-            </a:custGeom>
-            <a:grpFill/>
-            <a:ln>
-              <a:noFill/>
-            </a:ln>
-          </p:spPr>
-        </p:sp>
-        <p:sp>
-          <p:nvSpPr>
-            <p:cNvPr id="31" name="Freeform 18"/>
-            <p:cNvSpPr/>
-            <p:nvPr/>
-          </p:nvSpPr>
-          <p:spPr bwMode="auto">
-            <a:xfrm>
-              <a:off x="3143251" y="4757738"/>
-              <a:ext cx="161925" cy="873125"/>
-            </a:xfrm>
-            <a:custGeom>
-              <a:avLst/>
-              <a:gdLst/>
-              <a:ahLst/>
-              <a:cxnLst/>
-              <a:rect l="0" t="0" r="r" b="b"/>
-              <a:pathLst>
-                <a:path w="41" h="222">
-                  <a:moveTo>
-                    <a:pt x="0" y="0"/>
-                  </a:moveTo>
-                  <a:cubicBezTo>
-                    <a:pt x="0" y="31"/>
-                    <a:pt x="2" y="62"/>
-                    <a:pt x="5" y="93"/>
-                  </a:cubicBezTo>
-                  <a:cubicBezTo>
-                    <a:pt x="8" y="117"/>
-                    <a:pt x="12" y="142"/>
-                    <a:pt x="17" y="166"/>
-                  </a:cubicBezTo>
-                  <a:cubicBezTo>
-                    <a:pt x="19" y="172"/>
-                    <a:pt x="22" y="178"/>
-                    <a:pt x="24" y="184"/>
-                  </a:cubicBezTo>
-                  <a:cubicBezTo>
-                    <a:pt x="30" y="197"/>
-                    <a:pt x="35" y="209"/>
-                    <a:pt x="41" y="222"/>
-                  </a:cubicBezTo>
-                  <a:cubicBezTo>
-                    <a:pt x="40" y="219"/>
-                    <a:pt x="39" y="215"/>
-                    <a:pt x="38" y="212"/>
-                  </a:cubicBezTo>
-                  <a:cubicBezTo>
-                    <a:pt x="26" y="172"/>
-                    <a:pt x="18" y="132"/>
-                    <a:pt x="13" y="92"/>
-                  </a:cubicBezTo>
-                  <a:cubicBezTo>
-                    <a:pt x="11" y="68"/>
-                    <a:pt x="9" y="45"/>
-                    <a:pt x="8" y="22"/>
-                  </a:cubicBezTo>
-                  <a:cubicBezTo>
-                    <a:pt x="8" y="21"/>
-                    <a:pt x="7" y="20"/>
-                    <a:pt x="7" y="18"/>
-                  </a:cubicBezTo>
-                  <a:cubicBezTo>
-                    <a:pt x="5" y="12"/>
-                    <a:pt x="2" y="6"/>
-                    <a:pt x="0" y="0"/>
-                  </a:cubicBezTo>
-                  <a:close/>
-                </a:path>
-              </a:pathLst>
-            </a:custGeom>
-            <a:grpFill/>
-            <a:ln>
-              <a:noFill/>
-            </a:ln>
-          </p:spPr>
-        </p:sp>
-        <p:sp>
-          <p:nvSpPr>
-            <p:cNvPr id="32" name="Freeform 19"/>
-            <p:cNvSpPr/>
-            <p:nvPr/>
-          </p:nvSpPr>
-          <p:spPr bwMode="auto">
-            <a:xfrm>
-              <a:off x="3148013" y="1282700"/>
-              <a:ext cx="1768475" cy="3448050"/>
-            </a:xfrm>
-            <a:custGeom>
-              <a:avLst/>
-              <a:gdLst/>
-              <a:ahLst/>
-              <a:cxnLst/>
-              <a:rect l="0" t="0" r="r" b="b"/>
-              <a:pathLst>
-                <a:path w="450" h="878">
-                  <a:moveTo>
-                    <a:pt x="7" y="854"/>
-                  </a:moveTo>
-                  <a:cubicBezTo>
-                    <a:pt x="10" y="772"/>
-                    <a:pt x="26" y="691"/>
-                    <a:pt x="50" y="613"/>
-                  </a:cubicBezTo>
-                  <a:cubicBezTo>
-                    <a:pt x="75" y="535"/>
-                    <a:pt x="109" y="460"/>
-                    <a:pt x="149" y="388"/>
-                  </a:cubicBezTo>
-                  <a:cubicBezTo>
-                    <a:pt x="189" y="316"/>
-                    <a:pt x="235" y="248"/>
-                    <a:pt x="285" y="183"/>
-                  </a:cubicBezTo>
-                  <a:cubicBezTo>
-                    <a:pt x="310" y="151"/>
-                    <a:pt x="337" y="119"/>
-                    <a:pt x="364" y="89"/>
-                  </a:cubicBezTo>
-                  <a:cubicBezTo>
-                    <a:pt x="378" y="74"/>
-                    <a:pt x="392" y="58"/>
-                    <a:pt x="406" y="44"/>
-                  </a:cubicBezTo>
-                  <a:cubicBezTo>
-                    <a:pt x="421" y="29"/>
-                    <a:pt x="435" y="15"/>
-                    <a:pt x="450" y="1"/>
-                  </a:cubicBezTo>
-                  <a:cubicBezTo>
-                    <a:pt x="450" y="0"/>
-                    <a:pt x="450" y="0"/>
-                    <a:pt x="450" y="0"/>
-                  </a:cubicBezTo>
-                  <a:cubicBezTo>
-                    <a:pt x="434" y="14"/>
-                    <a:pt x="420" y="28"/>
-                    <a:pt x="405" y="43"/>
-                  </a:cubicBezTo>
-                  <a:cubicBezTo>
-                    <a:pt x="391" y="57"/>
-                    <a:pt x="377" y="72"/>
-                    <a:pt x="363" y="88"/>
-                  </a:cubicBezTo>
-                  <a:cubicBezTo>
-                    <a:pt x="335" y="118"/>
-                    <a:pt x="308" y="149"/>
-                    <a:pt x="283" y="181"/>
-                  </a:cubicBezTo>
-                  <a:cubicBezTo>
-                    <a:pt x="232" y="246"/>
-                    <a:pt x="185" y="314"/>
-                    <a:pt x="145" y="386"/>
-                  </a:cubicBezTo>
-                  <a:cubicBezTo>
-                    <a:pt x="104" y="457"/>
-                    <a:pt x="70" y="533"/>
-                    <a:pt x="45" y="611"/>
-                  </a:cubicBezTo>
-                  <a:cubicBezTo>
-                    <a:pt x="19" y="690"/>
-                    <a:pt x="3" y="771"/>
-                    <a:pt x="0" y="854"/>
-                  </a:cubicBezTo>
-                  <a:cubicBezTo>
-                    <a:pt x="0" y="856"/>
-                    <a:pt x="0" y="857"/>
-                    <a:pt x="0" y="859"/>
-                  </a:cubicBezTo>
-                  <a:cubicBezTo>
-                    <a:pt x="2" y="865"/>
-                    <a:pt x="4" y="872"/>
-                    <a:pt x="7" y="878"/>
-                  </a:cubicBezTo>
-                  <a:cubicBezTo>
-                    <a:pt x="7" y="870"/>
-                    <a:pt x="7" y="862"/>
-                    <a:pt x="7" y="854"/>
-                  </a:cubicBezTo>
-                  <a:close/>
-                </a:path>
-              </a:pathLst>
-            </a:custGeom>
-            <a:grpFill/>
-            <a:ln>
-              <a:noFill/>
-            </a:ln>
-          </p:spPr>
-        </p:sp>
-        <p:sp>
-          <p:nvSpPr>
-            <p:cNvPr id="33" name="Freeform 20"/>
-            <p:cNvSpPr/>
-            <p:nvPr/>
-          </p:nvSpPr>
-          <p:spPr bwMode="auto">
-            <a:xfrm>
-              <a:off x="3273426" y="5653088"/>
-              <a:ext cx="138113" cy="287338"/>
-            </a:xfrm>
-            <a:custGeom>
-              <a:avLst/>
-              <a:gdLst/>
-              <a:ahLst/>
-              <a:cxnLst/>
-              <a:rect l="0" t="0" r="r" b="b"/>
-              <a:pathLst>
-                <a:path w="35" h="73">
-                  <a:moveTo>
-                    <a:pt x="0" y="0"/>
-                  </a:moveTo>
-                  <a:cubicBezTo>
-                    <a:pt x="7" y="24"/>
-                    <a:pt x="16" y="49"/>
-                    <a:pt x="26" y="73"/>
-                  </a:cubicBezTo>
-                  <a:cubicBezTo>
-                    <a:pt x="35" y="73"/>
-                    <a:pt x="35" y="73"/>
-                    <a:pt x="35" y="73"/>
-                  </a:cubicBezTo>
-                  <a:cubicBezTo>
-                    <a:pt x="23" y="49"/>
-                    <a:pt x="11" y="24"/>
-                    <a:pt x="0" y="0"/>
-                  </a:cubicBezTo>
-                  <a:close/>
-                </a:path>
-              </a:pathLst>
-            </a:custGeom>
-            <a:grpFill/>
-            <a:ln>
-              <a:noFill/>
-            </a:ln>
-          </p:spPr>
-        </p:sp>
-        <p:sp>
-          <p:nvSpPr>
-            <p:cNvPr id="34" name="Freeform 21"/>
-            <p:cNvSpPr/>
-            <p:nvPr/>
-          </p:nvSpPr>
-          <p:spPr bwMode="auto">
-            <a:xfrm>
-              <a:off x="3143251" y="4656138"/>
-              <a:ext cx="31750" cy="188913"/>
-            </a:xfrm>
-            <a:custGeom>
-              <a:avLst/>
-              <a:gdLst/>
-              <a:ahLst/>
-              <a:cxnLst/>
-              <a:rect l="0" t="0" r="r" b="b"/>
-              <a:pathLst>
-                <a:path w="8" h="48">
-                  <a:moveTo>
-                    <a:pt x="7" y="44"/>
-                  </a:moveTo>
-                  <a:cubicBezTo>
-                    <a:pt x="7" y="46"/>
-                    <a:pt x="8" y="47"/>
-                    <a:pt x="8" y="48"/>
-                  </a:cubicBezTo>
-                  <a:cubicBezTo>
-                    <a:pt x="8" y="38"/>
-                    <a:pt x="8" y="29"/>
-                    <a:pt x="8" y="19"/>
-                  </a:cubicBezTo>
-                  <a:cubicBezTo>
-                    <a:pt x="5" y="13"/>
-                    <a:pt x="3" y="6"/>
-                    <a:pt x="1" y="0"/>
-                  </a:cubicBezTo>
-                  <a:cubicBezTo>
-                    <a:pt x="0" y="9"/>
-                    <a:pt x="0" y="17"/>
-                    <a:pt x="0" y="26"/>
-                  </a:cubicBezTo>
-                  <a:cubicBezTo>
-                    <a:pt x="2" y="32"/>
-                    <a:pt x="5" y="38"/>
-                    <a:pt x="7" y="44"/>
-                  </a:cubicBezTo>
-                  <a:close/>
-                </a:path>
-              </a:pathLst>
-            </a:custGeom>
-            <a:grpFill/>
-            <a:ln>
-              <a:noFill/>
-            </a:ln>
-          </p:spPr>
-        </p:sp>
-        <p:sp>
-          <p:nvSpPr>
-            <p:cNvPr id="35" name="Freeform 22"/>
-            <p:cNvSpPr/>
-            <p:nvPr/>
-          </p:nvSpPr>
-          <p:spPr bwMode="auto">
-            <a:xfrm>
-              <a:off x="3211513" y="5410200"/>
-              <a:ext cx="203200" cy="530225"/>
-            </a:xfrm>
-            <a:custGeom>
-              <a:avLst/>
-              <a:gdLst/>
-              <a:ahLst/>
-              <a:cxnLst/>
-              <a:rect l="0" t="0" r="r" b="b"/>
-              <a:pathLst>
-                <a:path w="52" h="135">
-                  <a:moveTo>
-                    <a:pt x="7" y="18"/>
-                  </a:moveTo>
-                  <a:cubicBezTo>
-                    <a:pt x="5" y="12"/>
-                    <a:pt x="2" y="6"/>
-                    <a:pt x="0" y="0"/>
-                  </a:cubicBezTo>
-                  <a:cubicBezTo>
-                    <a:pt x="3" y="16"/>
-                    <a:pt x="7" y="32"/>
-                    <a:pt x="12" y="48"/>
-                  </a:cubicBezTo>
-                  <a:cubicBezTo>
-                    <a:pt x="13" y="53"/>
-                    <a:pt x="14" y="57"/>
-                    <a:pt x="16" y="62"/>
-                  </a:cubicBezTo>
-                  <a:cubicBezTo>
-                    <a:pt x="27" y="86"/>
-                    <a:pt x="39" y="111"/>
-                    <a:pt x="51" y="135"/>
-                  </a:cubicBezTo>
-                  <a:cubicBezTo>
-                    <a:pt x="52" y="135"/>
-                    <a:pt x="52" y="135"/>
-                    <a:pt x="52" y="135"/>
-                  </a:cubicBezTo>
-                  <a:cubicBezTo>
-                    <a:pt x="41" y="109"/>
-                    <a:pt x="32" y="83"/>
-                    <a:pt x="24" y="56"/>
-                  </a:cubicBezTo>
-                  <a:cubicBezTo>
-                    <a:pt x="18" y="43"/>
-                    <a:pt x="13" y="31"/>
-                    <a:pt x="7" y="18"/>
-                  </a:cubicBezTo>
-                  <a:close/>
-                </a:path>
-              </a:pathLst>
-            </a:custGeom>
-            <a:grpFill/>
-            <a:ln>
-              <a:noFill/>
-            </a:ln>
-          </p:spPr>
-        </p:sp>
-      </p:grpSp>
-      <p:grpSp>
-        <p:nvGrpSpPr>
-          <p:cNvPr id="10" name="Group 9"/>
-          <p:cNvGrpSpPr/>
-          <p:nvPr/>
-        </p:nvGrpSpPr>
-        <p:grpSpPr>
-          <a:xfrm>
-            <a:off x="27221" y="-30"/>
-            <a:ext cx="2356674" cy="6853283"/>
-            <a:chOff x="6627813" y="195452"/>
-            <a:chExt cx="1952625" cy="5678299"/>
-          </a:xfrm>
-          <a:solidFill>
-            <a:schemeClr val="accent1"/>
-          </a:solidFill>
-        </p:grpSpPr>
-        <p:sp>
-          <p:nvSpPr>
-            <p:cNvPr id="11" name="Freeform 27"/>
-            <p:cNvSpPr/>
-            <p:nvPr/>
-          </p:nvSpPr>
-          <p:spPr bwMode="auto">
-            <a:xfrm>
-              <a:off x="6627813" y="195452"/>
-              <a:ext cx="409575" cy="3646488"/>
-            </a:xfrm>
-            <a:custGeom>
-              <a:avLst/>
-              <a:gdLst/>
-              <a:ahLst/>
-              <a:cxnLst/>
-              <a:rect l="0" t="0" r="r" b="b"/>
-              <a:pathLst>
-                <a:path w="103" h="920">
-                  <a:moveTo>
-                    <a:pt x="7" y="210"/>
-                  </a:moveTo>
-                  <a:cubicBezTo>
-                    <a:pt x="11" y="288"/>
-                    <a:pt x="17" y="367"/>
-                    <a:pt x="26" y="445"/>
-                  </a:cubicBezTo>
-                  <a:cubicBezTo>
-                    <a:pt x="34" y="523"/>
-                    <a:pt x="44" y="601"/>
-                    <a:pt x="57" y="679"/>
-                  </a:cubicBezTo>
-                  <a:cubicBezTo>
-                    <a:pt x="69" y="757"/>
-                    <a:pt x="84" y="834"/>
-                    <a:pt x="101" y="911"/>
-                  </a:cubicBezTo>
-                  <a:cubicBezTo>
-                    <a:pt x="102" y="914"/>
-                    <a:pt x="103" y="917"/>
-                    <a:pt x="103" y="920"/>
-                  </a:cubicBezTo>
-                  <a:cubicBezTo>
-                    <a:pt x="102" y="905"/>
-                    <a:pt x="100" y="889"/>
-                    <a:pt x="99" y="874"/>
-                  </a:cubicBezTo>
-                  <a:cubicBezTo>
-                    <a:pt x="99" y="871"/>
-                    <a:pt x="99" y="868"/>
-                    <a:pt x="99" y="866"/>
-                  </a:cubicBezTo>
-                  <a:cubicBezTo>
-                    <a:pt x="85" y="803"/>
-                    <a:pt x="73" y="741"/>
-                    <a:pt x="63" y="678"/>
-                  </a:cubicBezTo>
-                  <a:cubicBezTo>
-                    <a:pt x="50" y="600"/>
-                    <a:pt x="39" y="523"/>
-                    <a:pt x="30" y="444"/>
-                  </a:cubicBezTo>
-                  <a:cubicBezTo>
-                    <a:pt x="21" y="366"/>
-                    <a:pt x="14" y="288"/>
-                    <a:pt x="9" y="209"/>
-                  </a:cubicBezTo>
-                  <a:cubicBezTo>
-                    <a:pt x="7" y="170"/>
-                    <a:pt x="5" y="131"/>
-                    <a:pt x="3" y="92"/>
-                  </a:cubicBezTo>
-                  <a:cubicBezTo>
-                    <a:pt x="2" y="61"/>
-                    <a:pt x="1" y="31"/>
-                    <a:pt x="1" y="0"/>
-                  </a:cubicBezTo>
-                  <a:cubicBezTo>
-                    <a:pt x="0" y="0"/>
-                    <a:pt x="0" y="0"/>
-                    <a:pt x="0" y="0"/>
-                  </a:cubicBezTo>
-                  <a:cubicBezTo>
-                    <a:pt x="0" y="31"/>
-                    <a:pt x="1" y="61"/>
-                    <a:pt x="1" y="92"/>
-                  </a:cubicBezTo>
-                  <a:cubicBezTo>
-                    <a:pt x="3" y="131"/>
-                    <a:pt x="4" y="170"/>
-                    <a:pt x="7" y="210"/>
-                  </a:cubicBezTo>
-                  <a:close/>
-                </a:path>
-              </a:pathLst>
-            </a:custGeom>
-            <a:grpFill/>
-            <a:ln>
-              <a:noFill/>
-            </a:ln>
-          </p:spPr>
-        </p:sp>
-        <p:sp>
-          <p:nvSpPr>
-            <p:cNvPr id="12" name="Freeform 28"/>
-            <p:cNvSpPr/>
-            <p:nvPr/>
-          </p:nvSpPr>
-          <p:spPr bwMode="auto">
-            <a:xfrm>
-              <a:off x="7061201" y="3771900"/>
-              <a:ext cx="350838" cy="1309688"/>
-            </a:xfrm>
-            <a:custGeom>
-              <a:avLst/>
-              <a:gdLst/>
-              <a:ahLst/>
-              <a:cxnLst/>
-              <a:rect l="0" t="0" r="r" b="b"/>
-              <a:pathLst>
-                <a:path w="88" h="330">
-                  <a:moveTo>
-                    <a:pt x="53" y="229"/>
-                  </a:moveTo>
-                  <a:cubicBezTo>
-                    <a:pt x="64" y="263"/>
-                    <a:pt x="75" y="297"/>
-                    <a:pt x="88" y="330"/>
-                  </a:cubicBezTo>
-                  <a:cubicBezTo>
-                    <a:pt x="88" y="323"/>
-                    <a:pt x="88" y="315"/>
-                    <a:pt x="88" y="308"/>
-                  </a:cubicBezTo>
-                  <a:cubicBezTo>
-                    <a:pt x="88" y="307"/>
-                    <a:pt x="88" y="305"/>
-                    <a:pt x="88" y="304"/>
-                  </a:cubicBezTo>
-                  <a:cubicBezTo>
-                    <a:pt x="79" y="278"/>
-                    <a:pt x="70" y="252"/>
-                    <a:pt x="62" y="226"/>
-                  </a:cubicBezTo>
-                  <a:cubicBezTo>
-                    <a:pt x="38" y="152"/>
-                    <a:pt x="17" y="76"/>
-                    <a:pt x="0" y="0"/>
-                  </a:cubicBezTo>
-                  <a:cubicBezTo>
-                    <a:pt x="2" y="21"/>
-                    <a:pt x="4" y="42"/>
-                    <a:pt x="7" y="63"/>
-                  </a:cubicBezTo>
-                  <a:cubicBezTo>
-                    <a:pt x="21" y="119"/>
-                    <a:pt x="36" y="174"/>
-                    <a:pt x="53" y="229"/>
-                  </a:cubicBezTo>
-                  <a:close/>
-                </a:path>
-              </a:pathLst>
-            </a:custGeom>
-            <a:grpFill/>
-            <a:ln>
-              <a:noFill/>
-            </a:ln>
-          </p:spPr>
-        </p:sp>
-        <p:sp>
-          <p:nvSpPr>
-            <p:cNvPr id="13" name="Freeform 29"/>
-            <p:cNvSpPr/>
-            <p:nvPr/>
-          </p:nvSpPr>
-          <p:spPr bwMode="auto">
-            <a:xfrm>
-              <a:off x="7439026" y="5053013"/>
-              <a:ext cx="357188" cy="820738"/>
-            </a:xfrm>
-            <a:custGeom>
-              <a:avLst/>
-              <a:gdLst/>
-              <a:ahLst/>
-              <a:cxnLst/>
-              <a:rect l="0" t="0" r="r" b="b"/>
-              <a:pathLst>
-                <a:path w="90" h="207">
-                  <a:moveTo>
-                    <a:pt x="6" y="15"/>
-                  </a:moveTo>
-                  <a:cubicBezTo>
-                    <a:pt x="4" y="10"/>
-                    <a:pt x="2" y="5"/>
-                    <a:pt x="0" y="0"/>
-                  </a:cubicBezTo>
-                  <a:cubicBezTo>
-                    <a:pt x="0" y="9"/>
-                    <a:pt x="0" y="19"/>
-                    <a:pt x="1" y="29"/>
-                  </a:cubicBezTo>
-                  <a:cubicBezTo>
-                    <a:pt x="14" y="62"/>
-                    <a:pt x="27" y="95"/>
-                    <a:pt x="42" y="127"/>
-                  </a:cubicBezTo>
-                  <a:cubicBezTo>
-                    <a:pt x="54" y="154"/>
-                    <a:pt x="67" y="181"/>
-                    <a:pt x="80" y="207"/>
-                  </a:cubicBezTo>
-                  <a:cubicBezTo>
-                    <a:pt x="90" y="207"/>
-                    <a:pt x="90" y="207"/>
-                    <a:pt x="90" y="207"/>
-                  </a:cubicBezTo>
-                  <a:cubicBezTo>
-                    <a:pt x="76" y="180"/>
-                    <a:pt x="63" y="152"/>
-                    <a:pt x="50" y="123"/>
-                  </a:cubicBezTo>
-                  <a:cubicBezTo>
-                    <a:pt x="34" y="88"/>
-                    <a:pt x="20" y="51"/>
-                    <a:pt x="6" y="15"/>
-                  </a:cubicBezTo>
-                  <a:close/>
-                </a:path>
-              </a:pathLst>
-            </a:custGeom>
-            <a:grpFill/>
-            <a:ln>
-              <a:noFill/>
-            </a:ln>
-          </p:spPr>
-        </p:sp>
-        <p:sp>
-          <p:nvSpPr>
-            <p:cNvPr id="14" name="Freeform 30"/>
-            <p:cNvSpPr/>
-            <p:nvPr/>
-          </p:nvSpPr>
-          <p:spPr bwMode="auto">
-            <a:xfrm>
-              <a:off x="7037388" y="3811588"/>
-              <a:ext cx="457200" cy="1852613"/>
-            </a:xfrm>
-            <a:custGeom>
-              <a:avLst/>
-              <a:gdLst/>
-              <a:ahLst/>
-              <a:cxnLst/>
-              <a:rect l="0" t="0" r="r" b="b"/>
-              <a:pathLst>
-                <a:path w="115" h="467">
-                  <a:moveTo>
-                    <a:pt x="101" y="409"/>
-                  </a:moveTo>
-                  <a:cubicBezTo>
-                    <a:pt x="93" y="388"/>
-                    <a:pt x="85" y="366"/>
-                    <a:pt x="78" y="344"/>
-                  </a:cubicBezTo>
-                  <a:cubicBezTo>
-                    <a:pt x="57" y="281"/>
-                    <a:pt x="41" y="216"/>
-                    <a:pt x="29" y="151"/>
-                  </a:cubicBezTo>
-                  <a:cubicBezTo>
-                    <a:pt x="22" y="119"/>
-                    <a:pt x="17" y="86"/>
-                    <a:pt x="13" y="53"/>
-                  </a:cubicBezTo>
-                  <a:cubicBezTo>
-                    <a:pt x="9" y="35"/>
-                    <a:pt x="4" y="18"/>
-                    <a:pt x="0" y="0"/>
-                  </a:cubicBezTo>
-                  <a:cubicBezTo>
-                    <a:pt x="5" y="51"/>
-                    <a:pt x="12" y="102"/>
-                    <a:pt x="21" y="152"/>
-                  </a:cubicBezTo>
-                  <a:cubicBezTo>
-                    <a:pt x="33" y="218"/>
-                    <a:pt x="49" y="283"/>
-                    <a:pt x="69" y="347"/>
-                  </a:cubicBezTo>
-                  <a:cubicBezTo>
-                    <a:pt x="79" y="378"/>
-                    <a:pt x="90" y="410"/>
-                    <a:pt x="103" y="441"/>
-                  </a:cubicBezTo>
-                  <a:cubicBezTo>
-                    <a:pt x="107" y="449"/>
-                    <a:pt x="111" y="458"/>
-                    <a:pt x="115" y="467"/>
-                  </a:cubicBezTo>
-                  <a:cubicBezTo>
-                    <a:pt x="114" y="464"/>
-                    <a:pt x="113" y="461"/>
-                    <a:pt x="112" y="458"/>
-                  </a:cubicBezTo>
-                  <a:cubicBezTo>
-                    <a:pt x="108" y="442"/>
-                    <a:pt x="104" y="425"/>
-                    <a:pt x="101" y="409"/>
-                  </a:cubicBezTo>
-                  <a:close/>
-                </a:path>
-              </a:pathLst>
-            </a:custGeom>
-            <a:grpFill/>
-            <a:ln>
-              <a:noFill/>
-            </a:ln>
-          </p:spPr>
-        </p:sp>
-        <p:sp>
-          <p:nvSpPr>
-            <p:cNvPr id="15" name="Freeform 31"/>
-            <p:cNvSpPr/>
-            <p:nvPr/>
-          </p:nvSpPr>
-          <p:spPr bwMode="auto">
-            <a:xfrm>
-              <a:off x="6992938" y="1263650"/>
-              <a:ext cx="144463" cy="2508250"/>
-            </a:xfrm>
-            <a:custGeom>
-              <a:avLst/>
-              <a:gdLst/>
-              <a:ahLst/>
-              <a:cxnLst/>
-              <a:rect l="0" t="0" r="r" b="b"/>
-              <a:pathLst>
-                <a:path w="36" h="633">
-                  <a:moveTo>
-                    <a:pt x="17" y="633"/>
-                  </a:moveTo>
-                  <a:cubicBezTo>
-                    <a:pt x="15" y="621"/>
-                    <a:pt x="14" y="609"/>
-                    <a:pt x="13" y="597"/>
-                  </a:cubicBezTo>
-                  <a:cubicBezTo>
-                    <a:pt x="8" y="530"/>
-                    <a:pt x="5" y="464"/>
-                    <a:pt x="5" y="398"/>
-                  </a:cubicBezTo>
-                  <a:cubicBezTo>
-                    <a:pt x="5" y="331"/>
-                    <a:pt x="8" y="265"/>
-                    <a:pt x="13" y="198"/>
-                  </a:cubicBezTo>
-                  <a:cubicBezTo>
-                    <a:pt x="15" y="165"/>
-                    <a:pt x="18" y="132"/>
-                    <a:pt x="22" y="99"/>
-                  </a:cubicBezTo>
-                  <a:cubicBezTo>
-                    <a:pt x="26" y="66"/>
-                    <a:pt x="30" y="33"/>
-                    <a:pt x="36" y="0"/>
-                  </a:cubicBezTo>
-                  <a:cubicBezTo>
-                    <a:pt x="35" y="0"/>
-                    <a:pt x="35" y="0"/>
-                    <a:pt x="35" y="0"/>
-                  </a:cubicBezTo>
-                  <a:cubicBezTo>
-                    <a:pt x="29" y="33"/>
-                    <a:pt x="24" y="66"/>
-                    <a:pt x="20" y="99"/>
-                  </a:cubicBezTo>
-                  <a:cubicBezTo>
-                    <a:pt x="16" y="132"/>
-                    <a:pt x="13" y="165"/>
-                    <a:pt x="10" y="198"/>
-                  </a:cubicBezTo>
-                  <a:cubicBezTo>
-                    <a:pt x="4" y="264"/>
-                    <a:pt x="1" y="331"/>
-                    <a:pt x="1" y="398"/>
-                  </a:cubicBezTo>
-                  <a:cubicBezTo>
-                    <a:pt x="0" y="461"/>
-                    <a:pt x="2" y="525"/>
-                    <a:pt x="7" y="589"/>
-                  </a:cubicBezTo>
-                  <a:cubicBezTo>
-                    <a:pt x="10" y="603"/>
-                    <a:pt x="13" y="618"/>
-                    <a:pt x="16" y="632"/>
-                  </a:cubicBezTo>
-                  <a:cubicBezTo>
-                    <a:pt x="16" y="632"/>
-                    <a:pt x="17" y="633"/>
-                    <a:pt x="17" y="633"/>
-                  </a:cubicBezTo>
-                  <a:close/>
-                </a:path>
-              </a:pathLst>
-            </a:custGeom>
-            <a:grpFill/>
-            <a:ln>
-              <a:noFill/>
-            </a:ln>
-          </p:spPr>
-        </p:sp>
-        <p:sp>
-          <p:nvSpPr>
-            <p:cNvPr id="16" name="Freeform 32"/>
-            <p:cNvSpPr/>
-            <p:nvPr/>
-          </p:nvSpPr>
-          <p:spPr bwMode="auto">
-            <a:xfrm>
-              <a:off x="7526338" y="5640388"/>
-              <a:ext cx="111125" cy="233363"/>
-            </a:xfrm>
-            <a:custGeom>
-              <a:avLst/>
-              <a:gdLst/>
-              <a:ahLst/>
-              <a:cxnLst/>
-              <a:rect l="0" t="0" r="r" b="b"/>
-              <a:pathLst>
-                <a:path w="28" h="59">
-                  <a:moveTo>
-                    <a:pt x="22" y="59"/>
-                  </a:moveTo>
-                  <a:cubicBezTo>
-                    <a:pt x="28" y="59"/>
-                    <a:pt x="28" y="59"/>
-                    <a:pt x="28" y="59"/>
-                  </a:cubicBezTo>
-                  <a:cubicBezTo>
-                    <a:pt x="18" y="40"/>
-                    <a:pt x="9" y="20"/>
-                    <a:pt x="0" y="0"/>
-                  </a:cubicBezTo>
-                  <a:cubicBezTo>
-                    <a:pt x="6" y="20"/>
-                    <a:pt x="13" y="40"/>
-                    <a:pt x="22" y="59"/>
-                  </a:cubicBezTo>
-                  <a:close/>
-                </a:path>
-              </a:pathLst>
-            </a:custGeom>
-            <a:grpFill/>
-            <a:ln>
-              <a:noFill/>
-            </a:ln>
-          </p:spPr>
-        </p:sp>
-        <p:sp>
-          <p:nvSpPr>
-            <p:cNvPr id="17" name="Freeform 33"/>
-            <p:cNvSpPr/>
-            <p:nvPr/>
-          </p:nvSpPr>
-          <p:spPr bwMode="auto">
-            <a:xfrm>
-              <a:off x="7021513" y="3598863"/>
-              <a:ext cx="68263" cy="423863"/>
-            </a:xfrm>
-            <a:custGeom>
-              <a:avLst/>
-              <a:gdLst/>
-              <a:ahLst/>
-              <a:cxnLst/>
-              <a:rect l="0" t="0" r="r" b="b"/>
-              <a:pathLst>
-                <a:path w="17" h="107">
-                  <a:moveTo>
-                    <a:pt x="4" y="54"/>
-                  </a:moveTo>
-                  <a:cubicBezTo>
-                    <a:pt x="8" y="72"/>
-                    <a:pt x="13" y="89"/>
-                    <a:pt x="17" y="107"/>
-                  </a:cubicBezTo>
-                  <a:cubicBezTo>
-                    <a:pt x="14" y="86"/>
-                    <a:pt x="12" y="65"/>
-                    <a:pt x="10" y="44"/>
-                  </a:cubicBezTo>
-                  <a:cubicBezTo>
-                    <a:pt x="10" y="44"/>
-                    <a:pt x="9" y="43"/>
-                    <a:pt x="9" y="43"/>
-                  </a:cubicBezTo>
-                  <a:cubicBezTo>
-                    <a:pt x="6" y="29"/>
-                    <a:pt x="3" y="14"/>
-                    <a:pt x="0" y="0"/>
-                  </a:cubicBezTo>
-                  <a:cubicBezTo>
-                    <a:pt x="0" y="2"/>
-                    <a:pt x="0" y="5"/>
-                    <a:pt x="0" y="8"/>
-                  </a:cubicBezTo>
-                  <a:cubicBezTo>
-                    <a:pt x="1" y="23"/>
-                    <a:pt x="3" y="39"/>
-                    <a:pt x="4" y="54"/>
-                  </a:cubicBezTo>
-                  <a:close/>
-                </a:path>
-              </a:pathLst>
-            </a:custGeom>
-            <a:grpFill/>
-            <a:ln>
-              <a:noFill/>
-            </a:ln>
-          </p:spPr>
-        </p:sp>
-        <p:sp>
-          <p:nvSpPr>
-            <p:cNvPr id="18" name="Freeform 34"/>
-            <p:cNvSpPr/>
-            <p:nvPr/>
-          </p:nvSpPr>
-          <p:spPr bwMode="auto">
-            <a:xfrm>
-              <a:off x="7412038" y="2801938"/>
-              <a:ext cx="1168400" cy="2251075"/>
-            </a:xfrm>
-            <a:custGeom>
-              <a:avLst/>
-              <a:gdLst/>
-              <a:ahLst/>
-              <a:cxnLst/>
-              <a:rect l="0" t="0" r="r" b="b"/>
-              <a:pathLst>
-                <a:path w="294" h="568">
-                  <a:moveTo>
-                    <a:pt x="8" y="553"/>
-                  </a:moveTo>
-                  <a:cubicBezTo>
-                    <a:pt x="9" y="501"/>
-                    <a:pt x="19" y="448"/>
-                    <a:pt x="35" y="397"/>
-                  </a:cubicBezTo>
-                  <a:cubicBezTo>
-                    <a:pt x="51" y="347"/>
-                    <a:pt x="73" y="298"/>
-                    <a:pt x="99" y="252"/>
-                  </a:cubicBezTo>
-                  <a:cubicBezTo>
-                    <a:pt x="124" y="205"/>
-                    <a:pt x="154" y="161"/>
-                    <a:pt x="187" y="119"/>
-                  </a:cubicBezTo>
-                  <a:cubicBezTo>
-                    <a:pt x="203" y="98"/>
-                    <a:pt x="220" y="77"/>
-                    <a:pt x="238" y="58"/>
-                  </a:cubicBezTo>
-                  <a:cubicBezTo>
-                    <a:pt x="247" y="48"/>
-                    <a:pt x="256" y="38"/>
-                    <a:pt x="265" y="28"/>
-                  </a:cubicBezTo>
-                  <a:cubicBezTo>
-                    <a:pt x="274" y="19"/>
-                    <a:pt x="284" y="9"/>
-                    <a:pt x="294" y="0"/>
-                  </a:cubicBezTo>
-                  <a:cubicBezTo>
-                    <a:pt x="293" y="0"/>
-                    <a:pt x="293" y="0"/>
-                    <a:pt x="293" y="0"/>
-                  </a:cubicBezTo>
-                  <a:cubicBezTo>
-                    <a:pt x="283" y="9"/>
-                    <a:pt x="273" y="18"/>
-                    <a:pt x="264" y="27"/>
-                  </a:cubicBezTo>
-                  <a:cubicBezTo>
-                    <a:pt x="255" y="37"/>
-                    <a:pt x="246" y="47"/>
-                    <a:pt x="237" y="56"/>
-                  </a:cubicBezTo>
-                  <a:cubicBezTo>
-                    <a:pt x="218" y="76"/>
-                    <a:pt x="201" y="96"/>
-                    <a:pt x="185" y="117"/>
-                  </a:cubicBezTo>
-                  <a:cubicBezTo>
-                    <a:pt x="151" y="159"/>
-                    <a:pt x="121" y="203"/>
-                    <a:pt x="95" y="249"/>
-                  </a:cubicBezTo>
-                  <a:cubicBezTo>
-                    <a:pt x="68" y="296"/>
-                    <a:pt x="46" y="345"/>
-                    <a:pt x="30" y="396"/>
-                  </a:cubicBezTo>
-                  <a:cubicBezTo>
-                    <a:pt x="13" y="445"/>
-                    <a:pt x="3" y="497"/>
-                    <a:pt x="0" y="549"/>
-                  </a:cubicBezTo>
-                  <a:cubicBezTo>
-                    <a:pt x="3" y="555"/>
-                    <a:pt x="5" y="561"/>
-                    <a:pt x="7" y="568"/>
-                  </a:cubicBezTo>
-                  <a:cubicBezTo>
-                    <a:pt x="7" y="563"/>
-                    <a:pt x="7" y="558"/>
-                    <a:pt x="8" y="553"/>
-                  </a:cubicBezTo>
-                  <a:close/>
-                </a:path>
-              </a:pathLst>
-            </a:custGeom>
-            <a:grpFill/>
-            <a:ln>
-              <a:noFill/>
-            </a:ln>
-          </p:spPr>
-        </p:sp>
-        <p:sp>
-          <p:nvSpPr>
-            <p:cNvPr id="19" name="Freeform 35"/>
-            <p:cNvSpPr/>
-            <p:nvPr/>
-          </p:nvSpPr>
-          <p:spPr bwMode="auto">
-            <a:xfrm>
-              <a:off x="7494588" y="5664200"/>
-              <a:ext cx="100013" cy="209550"/>
-            </a:xfrm>
-            <a:custGeom>
-              <a:avLst/>
-              <a:gdLst/>
-              <a:ahLst/>
-              <a:cxnLst/>
-              <a:rect l="0" t="0" r="r" b="b"/>
-              <a:pathLst>
-                <a:path w="25" h="53">
-                  <a:moveTo>
-                    <a:pt x="0" y="0"/>
-                  </a:moveTo>
-                  <a:cubicBezTo>
-                    <a:pt x="5" y="18"/>
-                    <a:pt x="12" y="36"/>
-                    <a:pt x="19" y="53"/>
-                  </a:cubicBezTo>
-                  <a:cubicBezTo>
-                    <a:pt x="25" y="53"/>
-                    <a:pt x="25" y="53"/>
-                    <a:pt x="25" y="53"/>
-                  </a:cubicBezTo>
-                  <a:cubicBezTo>
-                    <a:pt x="16" y="36"/>
-                    <a:pt x="8" y="18"/>
-                    <a:pt x="0" y="0"/>
-                  </a:cubicBezTo>
-                  <a:close/>
-                </a:path>
-              </a:pathLst>
-            </a:custGeom>
-            <a:grpFill/>
-            <a:ln>
-              <a:noFill/>
-            </a:ln>
-          </p:spPr>
-        </p:sp>
-        <p:sp>
-          <p:nvSpPr>
-            <p:cNvPr id="20" name="Freeform 36"/>
-            <p:cNvSpPr/>
-            <p:nvPr/>
-          </p:nvSpPr>
-          <p:spPr bwMode="auto">
-            <a:xfrm>
-              <a:off x="7412038" y="5081588"/>
-              <a:ext cx="114300" cy="558800"/>
-            </a:xfrm>
-            <a:custGeom>
-              <a:avLst/>
-              <a:gdLst/>
-              <a:ahLst/>
-              <a:cxnLst/>
-              <a:rect l="0" t="0" r="r" b="b"/>
-              <a:pathLst>
-                <a:path w="29" h="141">
-                  <a:moveTo>
-                    <a:pt x="0" y="0"/>
-                  </a:moveTo>
-                  <a:cubicBezTo>
-                    <a:pt x="0" y="30"/>
-                    <a:pt x="2" y="60"/>
-                    <a:pt x="7" y="89"/>
-                  </a:cubicBezTo>
-                  <a:cubicBezTo>
-                    <a:pt x="11" y="98"/>
-                    <a:pt x="14" y="108"/>
-                    <a:pt x="18" y="117"/>
-                  </a:cubicBezTo>
-                  <a:cubicBezTo>
-                    <a:pt x="22" y="125"/>
-                    <a:pt x="25" y="133"/>
-                    <a:pt x="29" y="141"/>
-                  </a:cubicBezTo>
-                  <a:cubicBezTo>
-                    <a:pt x="28" y="139"/>
-                    <a:pt x="28" y="137"/>
-                    <a:pt x="27" y="135"/>
-                  </a:cubicBezTo>
-                  <a:cubicBezTo>
-                    <a:pt x="16" y="98"/>
-                    <a:pt x="10" y="60"/>
-                    <a:pt x="8" y="22"/>
-                  </a:cubicBezTo>
-                  <a:cubicBezTo>
-                    <a:pt x="7" y="18"/>
-                    <a:pt x="5" y="15"/>
-                    <a:pt x="4" y="11"/>
-                  </a:cubicBezTo>
-                  <a:cubicBezTo>
-                    <a:pt x="2" y="7"/>
-                    <a:pt x="1" y="3"/>
-                    <a:pt x="0" y="0"/>
-                  </a:cubicBezTo>
-                  <a:close/>
-                </a:path>
-              </a:pathLst>
-            </a:custGeom>
-            <a:grpFill/>
-            <a:ln>
-              <a:noFill/>
-            </a:ln>
-          </p:spPr>
-        </p:sp>
-        <p:sp>
-          <p:nvSpPr>
-            <p:cNvPr id="21" name="Freeform 37"/>
-            <p:cNvSpPr/>
-            <p:nvPr/>
-          </p:nvSpPr>
-          <p:spPr bwMode="auto">
-            <a:xfrm>
-              <a:off x="7412038" y="4978400"/>
-              <a:ext cx="31750" cy="188913"/>
-            </a:xfrm>
-            <a:custGeom>
-              <a:avLst/>
-              <a:gdLst/>
-              <a:ahLst/>
-              <a:cxnLst/>
-              <a:rect l="0" t="0" r="r" b="b"/>
-              <a:pathLst>
-                <a:path w="8" h="48">
-                  <a:moveTo>
-                    <a:pt x="0" y="26"/>
-                  </a:moveTo>
-                  <a:cubicBezTo>
-                    <a:pt x="1" y="29"/>
-                    <a:pt x="2" y="33"/>
-                    <a:pt x="4" y="37"/>
-                  </a:cubicBezTo>
-                  <a:cubicBezTo>
-                    <a:pt x="5" y="41"/>
-                    <a:pt x="7" y="44"/>
-                    <a:pt x="8" y="48"/>
-                  </a:cubicBezTo>
-                  <a:cubicBezTo>
-                    <a:pt x="7" y="38"/>
-                    <a:pt x="7" y="28"/>
-                    <a:pt x="7" y="19"/>
-                  </a:cubicBezTo>
-                  <a:cubicBezTo>
-                    <a:pt x="5" y="12"/>
-                    <a:pt x="3" y="6"/>
-                    <a:pt x="0" y="0"/>
-                  </a:cubicBezTo>
-                  <a:cubicBezTo>
-                    <a:pt x="0" y="1"/>
-                    <a:pt x="0" y="3"/>
-                    <a:pt x="0" y="4"/>
-                  </a:cubicBezTo>
-                  <a:cubicBezTo>
-                    <a:pt x="0" y="11"/>
-                    <a:pt x="0" y="19"/>
-                    <a:pt x="0" y="26"/>
-                  </a:cubicBezTo>
-                  <a:close/>
-                </a:path>
-              </a:pathLst>
-            </a:custGeom>
-            <a:grpFill/>
-            <a:ln>
-              <a:noFill/>
-            </a:ln>
-          </p:spPr>
-        </p:sp>
-        <p:sp>
-          <p:nvSpPr>
-            <p:cNvPr id="22" name="Freeform 38"/>
-            <p:cNvSpPr/>
-            <p:nvPr/>
-          </p:nvSpPr>
-          <p:spPr bwMode="auto">
-            <a:xfrm>
-              <a:off x="7439026" y="5434013"/>
-              <a:ext cx="174625" cy="439738"/>
-            </a:xfrm>
-            <a:custGeom>
-              <a:avLst/>
-              <a:gdLst/>
-              <a:ahLst/>
-              <a:cxnLst/>
-              <a:rect l="0" t="0" r="r" b="b"/>
-              <a:pathLst>
-                <a:path w="44" h="111">
-                  <a:moveTo>
-                    <a:pt x="11" y="28"/>
-                  </a:moveTo>
-                  <a:cubicBezTo>
-                    <a:pt x="7" y="19"/>
-                    <a:pt x="4" y="9"/>
-                    <a:pt x="0" y="0"/>
-                  </a:cubicBezTo>
-                  <a:cubicBezTo>
-                    <a:pt x="3" y="16"/>
-                    <a:pt x="7" y="33"/>
-                    <a:pt x="11" y="49"/>
-                  </a:cubicBezTo>
-                  <a:cubicBezTo>
-                    <a:pt x="12" y="52"/>
-                    <a:pt x="13" y="55"/>
-                    <a:pt x="14" y="58"/>
-                  </a:cubicBezTo>
-                  <a:cubicBezTo>
-                    <a:pt x="22" y="76"/>
-                    <a:pt x="30" y="94"/>
-                    <a:pt x="39" y="111"/>
-                  </a:cubicBezTo>
-                  <a:cubicBezTo>
-                    <a:pt x="44" y="111"/>
-                    <a:pt x="44" y="111"/>
-                    <a:pt x="44" y="111"/>
-                  </a:cubicBezTo>
-                  <a:cubicBezTo>
-                    <a:pt x="35" y="92"/>
-                    <a:pt x="28" y="72"/>
-                    <a:pt x="22" y="52"/>
-                  </a:cubicBezTo>
-                  <a:cubicBezTo>
-                    <a:pt x="18" y="44"/>
-                    <a:pt x="15" y="36"/>
-                    <a:pt x="11" y="28"/>
-                  </a:cubicBezTo>
-                  <a:close/>
-                </a:path>
-              </a:pathLst>
-            </a:custGeom>
-            <a:grpFill/>
-            <a:ln>
-              <a:noFill/>
-            </a:ln>
-          </p:spPr>
-        </p:sp>
-      </p:grpSp>
       <p:sp>
         <p:nvSpPr>
           <p:cNvPr id="7" name="Rectangle 6"/>
@@ -7220,28 +2965,29 @@
         </p:nvSpPr>
         <p:spPr>
           <a:xfrm>
-            <a:off x="0" y="0"/>
-            <a:ext cx="182880" cy="6858000"/>
+            <a:off x="483" y="176109"/>
+            <a:ext cx="12188952" cy="1645919"/>
           </a:xfrm>
           <a:prstGeom prst="rect">
             <a:avLst/>
           </a:prstGeom>
           <a:solidFill>
-            <a:schemeClr val="accent1"/>
+            <a:schemeClr val="tx1"/>
           </a:solidFill>
           <a:ln>
             <a:noFill/>
           </a:ln>
-          <a:effectLst/>
         </p:spPr>
         <p:style>
-          <a:lnRef idx="1">
-            <a:schemeClr val="accent1"/>
+          <a:lnRef idx="2">
+            <a:schemeClr val="accent1">
+              <a:shade val="50000"/>
+            </a:schemeClr>
           </a:lnRef>
-          <a:fillRef idx="3">
+          <a:fillRef idx="1">
             <a:schemeClr val="accent1"/>
           </a:fillRef>
-          <a:effectRef idx="2">
+          <a:effectRef idx="0">
             <a:schemeClr val="accent1"/>
           </a:effectRef>
           <a:fontRef idx="minor">
@@ -7261,15 +3007,15 @@
         </p:nvSpPr>
         <p:spPr>
           <a:xfrm>
-            <a:off x="2592924" y="624110"/>
-            <a:ext cx="8911687" cy="1280890"/>
+            <a:off x="1202919" y="284176"/>
+            <a:ext cx="9784080" cy="1508760"/>
           </a:xfrm>
           <a:prstGeom prst="rect">
             <a:avLst/>
           </a:prstGeom>
         </p:spPr>
         <p:txBody>
-          <a:bodyPr vert="horz" lIns="91440" tIns="45720" rIns="91440" bIns="45720" rtlCol="0" anchor="t">
+          <a:bodyPr vert="horz" lIns="91440" tIns="45720" rIns="91440" bIns="45720" rtlCol="0" anchor="ctr">
             <a:normAutofit/>
           </a:bodyPr>
           <a:lstStyle/>
@@ -7294,8 +3040,8 @@
         </p:nvSpPr>
         <p:spPr>
           <a:xfrm>
-            <a:off x="2589212" y="2133600"/>
-            <a:ext cx="8915400" cy="3886200"/>
+            <a:off x="1202919" y="2011680"/>
+            <a:ext cx="9784080" cy="4206240"/>
           </a:xfrm>
           <a:prstGeom prst="rect">
             <a:avLst/>
@@ -7356,22 +3102,20 @@
         </p:nvSpPr>
         <p:spPr>
           <a:xfrm>
-            <a:off x="10361612" y="6130437"/>
-            <a:ext cx="1146283" cy="370396"/>
+            <a:off x="1202266" y="6422854"/>
+            <a:ext cx="3000894" cy="365125"/>
           </a:xfrm>
           <a:prstGeom prst="rect">
             <a:avLst/>
           </a:prstGeom>
         </p:spPr>
         <p:txBody>
-          <a:bodyPr vert="horz" lIns="91440" tIns="45720" rIns="91440" bIns="45720" rtlCol="0" anchor="ctr"/>
+          <a:bodyPr vert="horz" lIns="91440" tIns="45720" rIns="45720" bIns="45720" rtlCol="0" anchor="ctr"/>
           <a:lstStyle>
-            <a:lvl1pPr algn="r">
-              <a:defRPr sz="900">
-                <a:solidFill>
-                  <a:schemeClr val="tx1">
-                    <a:tint val="75000"/>
-                  </a:schemeClr>
+            <a:lvl1pPr algn="l">
+              <a:defRPr sz="1050">
+                <a:solidFill>
+                  <a:schemeClr val="tx1"/>
                 </a:solidFill>
               </a:defRPr>
             </a:lvl1pPr>
@@ -7379,7 +3123,7 @@
           <a:p>
             <a:fld id="{D9962669-56AE-4347-90EE-8C5DDA719B74}" type="datetimeFigureOut">
               <a:rPr lang="en-PH" smtClean="0"/>
-              <a:t>02/02/2023</a:t>
+              <a:t>03/02/2023</a:t>
             </a:fld>
             <a:endParaRPr lang="en-PH"/>
           </a:p>
@@ -7397,8 +3141,8 @@
         </p:nvSpPr>
         <p:spPr>
           <a:xfrm>
-            <a:off x="2589212" y="6135808"/>
-            <a:ext cx="7619999" cy="365125"/>
+            <a:off x="5596471" y="6422854"/>
+            <a:ext cx="5044440" cy="365125"/>
           </a:xfrm>
           <a:prstGeom prst="rect">
             <a:avLst/>
@@ -7407,12 +3151,10 @@
         <p:txBody>
           <a:bodyPr vert="horz" lIns="91440" tIns="45720" rIns="91440" bIns="45720" rtlCol="0" anchor="ctr"/>
           <a:lstStyle>
-            <a:lvl1pPr algn="l">
-              <a:defRPr sz="900">
-                <a:solidFill>
-                  <a:schemeClr val="tx1">
-                    <a:tint val="75000"/>
-                  </a:schemeClr>
+            <a:lvl1pPr algn="r">
+              <a:defRPr sz="1050">
+                <a:solidFill>
+                  <a:schemeClr val="tx1"/>
                 </a:solidFill>
               </a:defRPr>
             </a:lvl1pPr>
@@ -7432,22 +3174,22 @@
             <p:ph type="sldNum" sz="quarter" idx="4"/>
           </p:nvPr>
         </p:nvSpPr>
-        <p:spPr bwMode="gray">
-          <a:xfrm>
-            <a:off x="531812" y="787782"/>
-            <a:ext cx="779767" cy="365125"/>
+        <p:spPr>
+          <a:xfrm>
+            <a:off x="10658927" y="6422854"/>
+            <a:ext cx="946264" cy="365125"/>
           </a:xfrm>
           <a:prstGeom prst="rect">
             <a:avLst/>
           </a:prstGeom>
         </p:spPr>
         <p:txBody>
-          <a:bodyPr vert="horz" lIns="91440" tIns="45720" rIns="91440" bIns="45720" rtlCol="0" anchor="ctr"/>
+          <a:bodyPr vert="horz" lIns="45720" tIns="45720" rIns="91440" bIns="45720" rtlCol="0" anchor="ctr"/>
           <a:lstStyle>
-            <a:lvl1pPr algn="r">
-              <a:defRPr sz="2000">
-                <a:solidFill>
-                  <a:srgbClr val="FEFFFF"/>
+            <a:lvl1pPr algn="l">
+              <a:defRPr sz="1200" b="0">
+                <a:solidFill>
+                  <a:schemeClr val="tx1"/>
                 </a:solidFill>
               </a:defRPr>
             </a:lvl1pPr>
@@ -7464,36 +3206,31 @@
     </p:spTree>
     <p:extLst>
       <p:ext uri="{BB962C8B-B14F-4D97-AF65-F5344CB8AC3E}">
-        <p14:creationId xmlns:p14="http://schemas.microsoft.com/office/powerpoint/2010/main" val="881605222"/>
+        <p14:creationId xmlns:p14="http://schemas.microsoft.com/office/powerpoint/2010/main" val="2251206758"/>
       </p:ext>
     </p:extLst>
   </p:cSld>
   <p:clrMap bg1="dk1" tx1="lt1" bg2="dk2" tx2="lt2" accent1="accent1" accent2="accent2" accent3="accent3" accent4="accent4" accent5="accent5" accent6="accent6" hlink="hlink" folHlink="folHlink"/>
   <p:sldLayoutIdLst>
-    <p:sldLayoutId id="2147483744" r:id="rId1"/>
-    <p:sldLayoutId id="2147483745" r:id="rId2"/>
-    <p:sldLayoutId id="2147483746" r:id="rId3"/>
-    <p:sldLayoutId id="2147483747" r:id="rId4"/>
-    <p:sldLayoutId id="2147483748" r:id="rId5"/>
-    <p:sldLayoutId id="2147483749" r:id="rId6"/>
-    <p:sldLayoutId id="2147483750" r:id="rId7"/>
-    <p:sldLayoutId id="2147483751" r:id="rId8"/>
-    <p:sldLayoutId id="2147483752" r:id="rId9"/>
-    <p:sldLayoutId id="2147483753" r:id="rId10"/>
-    <p:sldLayoutId id="2147483754" r:id="rId11"/>
-    <p:sldLayoutId id="2147483755" r:id="rId12"/>
-    <p:sldLayoutId id="2147483756" r:id="rId13"/>
-    <p:sldLayoutId id="2147483757" r:id="rId14"/>
-    <p:sldLayoutId id="2147483758" r:id="rId15"/>
-    <p:sldLayoutId id="2147483759" r:id="rId16"/>
+    <p:sldLayoutId id="2147483761" r:id="rId1"/>
+    <p:sldLayoutId id="2147483762" r:id="rId2"/>
+    <p:sldLayoutId id="2147483763" r:id="rId3"/>
+    <p:sldLayoutId id="2147483764" r:id="rId4"/>
+    <p:sldLayoutId id="2147483765" r:id="rId5"/>
+    <p:sldLayoutId id="2147483766" r:id="rId6"/>
+    <p:sldLayoutId id="2147483767" r:id="rId7"/>
+    <p:sldLayoutId id="2147483768" r:id="rId8"/>
+    <p:sldLayoutId id="2147483769" r:id="rId9"/>
+    <p:sldLayoutId id="2147483770" r:id="rId10"/>
+    <p:sldLayoutId id="2147483771" r:id="rId11"/>
   </p:sldLayoutIdLst>
-  <mc:AlternateContent xmlns:mc="http://schemas.openxmlformats.org/markup-compatibility/2006">
-    <mc:Choice xmlns:p159="http://schemas.microsoft.com/office/powerpoint/2015/09/main" Requires="p159">
+  <mc:AlternateContent xmlns:mc="http://schemas.openxmlformats.org/markup-compatibility/2006" xmlns:p159="http://schemas.microsoft.com/office/powerpoint/2015/09/main">
+    <mc:Choice Requires="p159">
       <p:transition xmlns:p14="http://schemas.microsoft.com/office/powerpoint/2010/main" spd="slow" p14:dur="2000">
         <p159:morph option="byObject"/>
       </p:transition>
     </mc:Choice>
-    <mc:Fallback>
+    <mc:Fallback xmlns="">
       <p:transition spd="slow">
         <p:fade/>
       </p:transition>
@@ -7501,291 +3238,235 @@
   </mc:AlternateContent>
   <p:txStyles>
     <p:titleStyle>
-      <a:lvl1pPr algn="l" defTabSz="457200" rtl="0" eaLnBrk="1" latinLnBrk="0" hangingPunct="1">
+      <a:lvl1pPr algn="l" defTabSz="914400" rtl="0" eaLnBrk="1" latinLnBrk="0" hangingPunct="1">
+        <a:lnSpc>
+          <a:spcPct val="85000"/>
+        </a:lnSpc>
         <a:spcBef>
           <a:spcPct val="0"/>
         </a:spcBef>
         <a:buNone/>
-        <a:defRPr sz="3600" kern="1200">
+        <a:defRPr sz="4000" kern="1200" cap="all" baseline="0">
           <a:solidFill>
-            <a:schemeClr val="tx1">
-              <a:lumMod val="85000"/>
-              <a:lumOff val="15000"/>
-            </a:schemeClr>
+            <a:schemeClr val="bg2"/>
           </a:solidFill>
           <a:latin typeface="+mj-lt"/>
           <a:ea typeface="+mj-ea"/>
           <a:cs typeface="+mj-cs"/>
         </a:defRPr>
       </a:lvl1pPr>
-      <a:lvl2pPr eaLnBrk="1" hangingPunct="1">
-        <a:defRPr>
-          <a:solidFill>
-            <a:schemeClr val="tx2"/>
-          </a:solidFill>
-        </a:defRPr>
-      </a:lvl2pPr>
-      <a:lvl3pPr eaLnBrk="1" hangingPunct="1">
-        <a:defRPr>
-          <a:solidFill>
-            <a:schemeClr val="tx2"/>
-          </a:solidFill>
-        </a:defRPr>
-      </a:lvl3pPr>
-      <a:lvl4pPr eaLnBrk="1" hangingPunct="1">
-        <a:defRPr>
-          <a:solidFill>
-            <a:schemeClr val="tx2"/>
-          </a:solidFill>
-        </a:defRPr>
-      </a:lvl4pPr>
-      <a:lvl5pPr eaLnBrk="1" hangingPunct="1">
-        <a:defRPr>
-          <a:solidFill>
-            <a:schemeClr val="tx2"/>
-          </a:solidFill>
-        </a:defRPr>
-      </a:lvl5pPr>
-      <a:lvl6pPr eaLnBrk="1" hangingPunct="1">
-        <a:defRPr>
-          <a:solidFill>
-            <a:schemeClr val="tx2"/>
-          </a:solidFill>
-        </a:defRPr>
-      </a:lvl6pPr>
-      <a:lvl7pPr eaLnBrk="1" hangingPunct="1">
-        <a:defRPr>
-          <a:solidFill>
-            <a:schemeClr val="tx2"/>
-          </a:solidFill>
-        </a:defRPr>
-      </a:lvl7pPr>
-      <a:lvl8pPr eaLnBrk="1" hangingPunct="1">
-        <a:defRPr>
-          <a:solidFill>
-            <a:schemeClr val="tx2"/>
-          </a:solidFill>
-        </a:defRPr>
-      </a:lvl8pPr>
-      <a:lvl9pPr eaLnBrk="1" hangingPunct="1">
-        <a:defRPr>
-          <a:solidFill>
-            <a:schemeClr val="tx2"/>
-          </a:solidFill>
-        </a:defRPr>
-      </a:lvl9pPr>
     </p:titleStyle>
     <p:bodyStyle>
-      <a:lvl1pPr marL="342900" indent="-342900" algn="l" defTabSz="457200" rtl="0" eaLnBrk="1" latinLnBrk="0" hangingPunct="1">
+      <a:lvl1pPr marL="182880" indent="-182880" algn="l" defTabSz="914400" rtl="0" eaLnBrk="1" latinLnBrk="0" hangingPunct="1">
+        <a:lnSpc>
+          <a:spcPct val="90000"/>
+        </a:lnSpc>
         <a:spcBef>
-          <a:spcPts val="1000"/>
+          <a:spcPts val="1200"/>
         </a:spcBef>
         <a:spcAft>
-          <a:spcPts val="0"/>
+          <a:spcPts val="200"/>
         </a:spcAft>
         <a:buClr>
-          <a:schemeClr val="accent1"/>
+          <a:schemeClr val="tx1"/>
         </a:buClr>
-        <a:buFont typeface="Wingdings 3" charset="2"/>
-        <a:buChar char=""/>
-        <a:defRPr sz="1800" kern="1200">
+        <a:buFont typeface="Wingdings" pitchFamily="2" charset="2"/>
+        <a:buChar char=""/>
+        <a:defRPr sz="2200" kern="1200">
           <a:solidFill>
-            <a:schemeClr val="tx1">
-              <a:lumMod val="75000"/>
-              <a:lumOff val="25000"/>
-            </a:schemeClr>
+            <a:schemeClr val="tx1"/>
           </a:solidFill>
           <a:latin typeface="+mn-lt"/>
           <a:ea typeface="+mn-ea"/>
           <a:cs typeface="+mn-cs"/>
         </a:defRPr>
       </a:lvl1pPr>
-      <a:lvl2pPr marL="742950" indent="-285750" algn="l" defTabSz="457200" rtl="0" eaLnBrk="1" latinLnBrk="0" hangingPunct="1">
+      <a:lvl2pPr marL="411480" indent="-182880" algn="l" defTabSz="914400" rtl="0" eaLnBrk="1" latinLnBrk="0" hangingPunct="1">
+        <a:lnSpc>
+          <a:spcPct val="90000"/>
+        </a:lnSpc>
         <a:spcBef>
-          <a:spcPts val="1000"/>
+          <a:spcPts val="200"/>
         </a:spcBef>
         <a:spcAft>
-          <a:spcPts val="0"/>
+          <a:spcPts val="400"/>
         </a:spcAft>
         <a:buClr>
-          <a:schemeClr val="accent1"/>
+          <a:schemeClr val="tx1"/>
         </a:buClr>
-        <a:buFont typeface="Wingdings 3" charset="2"/>
-        <a:buChar char=""/>
-        <a:defRPr sz="1600" kern="1200">
+        <a:buFont typeface="Wingdings" pitchFamily="2" charset="2"/>
+        <a:buChar char=""/>
+        <a:defRPr sz="2000" kern="1200">
           <a:solidFill>
-            <a:schemeClr val="tx1">
-              <a:lumMod val="75000"/>
-              <a:lumOff val="25000"/>
-            </a:schemeClr>
+            <a:schemeClr val="tx1"/>
           </a:solidFill>
           <a:latin typeface="+mn-lt"/>
           <a:ea typeface="+mn-ea"/>
           <a:cs typeface="+mn-cs"/>
         </a:defRPr>
       </a:lvl2pPr>
-      <a:lvl3pPr marL="1143000" indent="-228600" algn="l" defTabSz="457200" rtl="0" eaLnBrk="1" latinLnBrk="0" hangingPunct="1">
+      <a:lvl3pPr marL="640080" indent="-182880" algn="l" defTabSz="914400" rtl="0" eaLnBrk="1" latinLnBrk="0" hangingPunct="1">
+        <a:lnSpc>
+          <a:spcPct val="90000"/>
+        </a:lnSpc>
         <a:spcBef>
-          <a:spcPts val="1000"/>
+          <a:spcPts val="200"/>
         </a:spcBef>
         <a:spcAft>
-          <a:spcPts val="0"/>
+          <a:spcPts val="400"/>
         </a:spcAft>
         <a:buClr>
-          <a:schemeClr val="accent1"/>
+          <a:schemeClr val="tx1"/>
         </a:buClr>
-        <a:buFont typeface="Wingdings 3" charset="2"/>
-        <a:buChar char=""/>
-        <a:defRPr sz="1400" kern="1200">
+        <a:buFont typeface="Wingdings" pitchFamily="2" charset="2"/>
+        <a:buChar char=""/>
+        <a:defRPr sz="1800" kern="1200">
           <a:solidFill>
-            <a:schemeClr val="tx1">
-              <a:lumMod val="75000"/>
-              <a:lumOff val="25000"/>
-            </a:schemeClr>
+            <a:schemeClr val="tx1"/>
           </a:solidFill>
           <a:latin typeface="+mn-lt"/>
           <a:ea typeface="+mn-ea"/>
           <a:cs typeface="+mn-cs"/>
         </a:defRPr>
       </a:lvl3pPr>
-      <a:lvl4pPr marL="1600200" indent="-228600" algn="l" defTabSz="457200" rtl="0" eaLnBrk="1" latinLnBrk="0" hangingPunct="1">
+      <a:lvl4pPr marL="868680" indent="-182880" algn="l" defTabSz="914400" rtl="0" eaLnBrk="1" latinLnBrk="0" hangingPunct="1">
+        <a:lnSpc>
+          <a:spcPct val="90000"/>
+        </a:lnSpc>
         <a:spcBef>
-          <a:spcPts val="1000"/>
+          <a:spcPts val="200"/>
         </a:spcBef>
         <a:spcAft>
-          <a:spcPts val="0"/>
+          <a:spcPts val="400"/>
         </a:spcAft>
         <a:buClr>
-          <a:schemeClr val="accent1"/>
+          <a:schemeClr val="tx1"/>
         </a:buClr>
-        <a:buFont typeface="Wingdings 3" charset="2"/>
-        <a:buChar char=""/>
-        <a:defRPr sz="1200" kern="1200">
+        <a:buFont typeface="Wingdings" pitchFamily="2" charset="2"/>
+        <a:buChar char=""/>
+        <a:defRPr sz="1600" kern="1200">
           <a:solidFill>
-            <a:schemeClr val="tx1">
-              <a:lumMod val="75000"/>
-              <a:lumOff val="25000"/>
-            </a:schemeClr>
+            <a:schemeClr val="tx1"/>
           </a:solidFill>
           <a:latin typeface="+mn-lt"/>
           <a:ea typeface="+mn-ea"/>
           <a:cs typeface="+mn-cs"/>
         </a:defRPr>
       </a:lvl4pPr>
-      <a:lvl5pPr marL="2057400" indent="-228600" algn="l" defTabSz="457200" rtl="0" eaLnBrk="1" latinLnBrk="0" hangingPunct="1">
+      <a:lvl5pPr marL="1097280" indent="-182880" algn="l" defTabSz="914400" rtl="0" eaLnBrk="1" latinLnBrk="0" hangingPunct="1">
+        <a:lnSpc>
+          <a:spcPct val="90000"/>
+        </a:lnSpc>
         <a:spcBef>
-          <a:spcPts val="1000"/>
+          <a:spcPts val="200"/>
         </a:spcBef>
         <a:spcAft>
-          <a:spcPts val="0"/>
+          <a:spcPts val="400"/>
         </a:spcAft>
         <a:buClr>
-          <a:schemeClr val="accent1"/>
+          <a:schemeClr val="tx1"/>
         </a:buClr>
-        <a:buFont typeface="Wingdings 3" charset="2"/>
-        <a:buChar char=""/>
-        <a:defRPr sz="1200" kern="1200">
+        <a:buFont typeface="Wingdings" pitchFamily="2" charset="2"/>
+        <a:buChar char=""/>
+        <a:defRPr sz="1600" kern="1200">
           <a:solidFill>
-            <a:schemeClr val="tx1">
-              <a:lumMod val="75000"/>
-              <a:lumOff val="25000"/>
-            </a:schemeClr>
+            <a:schemeClr val="tx1"/>
           </a:solidFill>
           <a:latin typeface="+mn-lt"/>
           <a:ea typeface="+mn-ea"/>
           <a:cs typeface="+mn-cs"/>
         </a:defRPr>
       </a:lvl5pPr>
-      <a:lvl6pPr marL="2514600" indent="-228600" algn="l" defTabSz="457200" rtl="0" eaLnBrk="1" latinLnBrk="0" hangingPunct="1">
+      <a:lvl6pPr marL="1284600" indent="-228600" algn="l" defTabSz="914400" rtl="0" eaLnBrk="1" latinLnBrk="0" hangingPunct="1">
+        <a:lnSpc>
+          <a:spcPct val="90000"/>
+        </a:lnSpc>
         <a:spcBef>
-          <a:spcPts val="1000"/>
+          <a:spcPts val="200"/>
         </a:spcBef>
         <a:spcAft>
-          <a:spcPts val="0"/>
+          <a:spcPts val="400"/>
         </a:spcAft>
         <a:buClr>
-          <a:schemeClr val="accent1"/>
+          <a:schemeClr val="tx1"/>
         </a:buClr>
-        <a:buFont typeface="Wingdings 3" charset="2"/>
-        <a:buChar char=""/>
-        <a:defRPr sz="1200" kern="1200">
+        <a:buFont typeface="Wingdings" pitchFamily="2" charset="2"/>
+        <a:buChar char=""/>
+        <a:defRPr sz="1600" kern="1200">
           <a:solidFill>
-            <a:schemeClr val="tx1">
-              <a:lumMod val="75000"/>
-              <a:lumOff val="25000"/>
-            </a:schemeClr>
+            <a:schemeClr val="tx1"/>
           </a:solidFill>
           <a:latin typeface="+mn-lt"/>
           <a:ea typeface="+mn-ea"/>
           <a:cs typeface="+mn-cs"/>
         </a:defRPr>
       </a:lvl6pPr>
-      <a:lvl7pPr marL="2971800" indent="-228600" algn="l" defTabSz="457200" rtl="0" eaLnBrk="1" latinLnBrk="0" hangingPunct="1">
+      <a:lvl7pPr marL="1471800" indent="-228600" algn="l" defTabSz="914400" rtl="0" eaLnBrk="1" latinLnBrk="0" hangingPunct="1">
+        <a:lnSpc>
+          <a:spcPct val="90000"/>
+        </a:lnSpc>
         <a:spcBef>
-          <a:spcPts val="1000"/>
+          <a:spcPts val="200"/>
         </a:spcBef>
         <a:spcAft>
-          <a:spcPts val="0"/>
+          <a:spcPts val="400"/>
         </a:spcAft>
         <a:buClr>
-          <a:schemeClr val="accent1"/>
+          <a:schemeClr val="tx1"/>
         </a:buClr>
-        <a:buFont typeface="Wingdings 3" charset="2"/>
-        <a:buChar char=""/>
-        <a:defRPr sz="1200" kern="1200">
+        <a:buFont typeface="Wingdings" pitchFamily="2" charset="2"/>
+        <a:buChar char=""/>
+        <a:defRPr sz="1600" kern="1200">
           <a:solidFill>
-            <a:schemeClr val="tx1">
-              <a:lumMod val="75000"/>
-              <a:lumOff val="25000"/>
-            </a:schemeClr>
+            <a:schemeClr val="tx1"/>
           </a:solidFill>
           <a:latin typeface="+mn-lt"/>
           <a:ea typeface="+mn-ea"/>
           <a:cs typeface="+mn-cs"/>
         </a:defRPr>
       </a:lvl7pPr>
-      <a:lvl8pPr marL="3429000" indent="-228600" algn="l" defTabSz="457200" rtl="0" eaLnBrk="1" latinLnBrk="0" hangingPunct="1">
+      <a:lvl8pPr marL="1629000" indent="-228600" algn="l" defTabSz="914400" rtl="0" eaLnBrk="1" latinLnBrk="0" hangingPunct="1">
+        <a:lnSpc>
+          <a:spcPct val="90000"/>
+        </a:lnSpc>
         <a:spcBef>
-          <a:spcPts val="1000"/>
+          <a:spcPts val="200"/>
         </a:spcBef>
         <a:spcAft>
-          <a:spcPts val="0"/>
+          <a:spcPts val="400"/>
         </a:spcAft>
         <a:buClr>
-          <a:schemeClr val="accent1"/>
+          <a:schemeClr val="tx1"/>
         </a:buClr>
-        <a:buFont typeface="Wingdings 3" charset="2"/>
-        <a:buChar char=""/>
-        <a:defRPr sz="1200" kern="1200">
+        <a:buFont typeface="Wingdings" pitchFamily="2" charset="2"/>
+        <a:buChar char=""/>
+        <a:defRPr sz="1600" kern="1200">
           <a:solidFill>
-            <a:schemeClr val="tx1">
-              <a:lumMod val="75000"/>
-              <a:lumOff val="25000"/>
-            </a:schemeClr>
+            <a:schemeClr val="tx1"/>
           </a:solidFill>
           <a:latin typeface="+mn-lt"/>
           <a:ea typeface="+mn-ea"/>
           <a:cs typeface="+mn-cs"/>
         </a:defRPr>
       </a:lvl8pPr>
-      <a:lvl9pPr marL="3886200" indent="-228600" algn="l" defTabSz="457200" rtl="0" eaLnBrk="1" latinLnBrk="0" hangingPunct="1">
+      <a:lvl9pPr marL="1806200" indent="-228600" algn="l" defTabSz="914400" rtl="0" eaLnBrk="1" latinLnBrk="0" hangingPunct="1">
+        <a:lnSpc>
+          <a:spcPct val="90000"/>
+        </a:lnSpc>
         <a:spcBef>
-          <a:spcPts val="1000"/>
+          <a:spcPts val="200"/>
         </a:spcBef>
         <a:spcAft>
-          <a:spcPts val="0"/>
+          <a:spcPts val="400"/>
         </a:spcAft>
         <a:buClr>
-          <a:schemeClr val="accent1"/>
+          <a:schemeClr val="tx1"/>
         </a:buClr>
-        <a:buFont typeface="Wingdings 3" charset="2"/>
-        <a:buChar char=""/>
-        <a:defRPr sz="1200" kern="1200">
+        <a:buFont typeface="Wingdings" pitchFamily="2" charset="2"/>
+        <a:buChar char=""/>
+        <a:defRPr sz="1600" kern="1200">
           <a:solidFill>
-            <a:schemeClr val="tx1">
-              <a:lumMod val="75000"/>
-              <a:lumOff val="25000"/>
-            </a:schemeClr>
+            <a:schemeClr val="tx1"/>
           </a:solidFill>
           <a:latin typeface="+mn-lt"/>
           <a:ea typeface="+mn-ea"/>
@@ -7797,7 +3478,7 @@
       <a:defPPr>
         <a:defRPr lang="en-US"/>
       </a:defPPr>
-      <a:lvl1pPr marL="0" algn="l" defTabSz="457200" rtl="0" eaLnBrk="1" latinLnBrk="0" hangingPunct="1">
+      <a:lvl1pPr marL="0" algn="l" defTabSz="914400" rtl="0" eaLnBrk="1" latinLnBrk="0" hangingPunct="1">
         <a:defRPr sz="1800" kern="1200">
           <a:solidFill>
             <a:schemeClr val="tx1"/>
@@ -7807,7 +3488,7 @@
           <a:cs typeface="+mn-cs"/>
         </a:defRPr>
       </a:lvl1pPr>
-      <a:lvl2pPr marL="457200" algn="l" defTabSz="457200" rtl="0" eaLnBrk="1" latinLnBrk="0" hangingPunct="1">
+      <a:lvl2pPr marL="457200" algn="l" defTabSz="914400" rtl="0" eaLnBrk="1" latinLnBrk="0" hangingPunct="1">
         <a:defRPr sz="1800" kern="1200">
           <a:solidFill>
             <a:schemeClr val="tx1"/>
@@ -7817,7 +3498,7 @@
           <a:cs typeface="+mn-cs"/>
         </a:defRPr>
       </a:lvl2pPr>
-      <a:lvl3pPr marL="914400" algn="l" defTabSz="457200" rtl="0" eaLnBrk="1" latinLnBrk="0" hangingPunct="1">
+      <a:lvl3pPr marL="914400" algn="l" defTabSz="914400" rtl="0" eaLnBrk="1" latinLnBrk="0" hangingPunct="1">
         <a:defRPr sz="1800" kern="1200">
           <a:solidFill>
             <a:schemeClr val="tx1"/>
@@ -7827,7 +3508,7 @@
           <a:cs typeface="+mn-cs"/>
         </a:defRPr>
       </a:lvl3pPr>
-      <a:lvl4pPr marL="1371600" algn="l" defTabSz="457200" rtl="0" eaLnBrk="1" latinLnBrk="0" hangingPunct="1">
+      <a:lvl4pPr marL="1371600" algn="l" defTabSz="914400" rtl="0" eaLnBrk="1" latinLnBrk="0" hangingPunct="1">
         <a:defRPr sz="1800" kern="1200">
           <a:solidFill>
             <a:schemeClr val="tx1"/>
@@ -7837,7 +3518,7 @@
           <a:cs typeface="+mn-cs"/>
         </a:defRPr>
       </a:lvl4pPr>
-      <a:lvl5pPr marL="1828800" algn="l" defTabSz="457200" rtl="0" eaLnBrk="1" latinLnBrk="0" hangingPunct="1">
+      <a:lvl5pPr marL="1828800" algn="l" defTabSz="914400" rtl="0" eaLnBrk="1" latinLnBrk="0" hangingPunct="1">
         <a:defRPr sz="1800" kern="1200">
           <a:solidFill>
             <a:schemeClr val="tx1"/>
@@ -7847,7 +3528,7 @@
           <a:cs typeface="+mn-cs"/>
         </a:defRPr>
       </a:lvl5pPr>
-      <a:lvl6pPr marL="2286000" algn="l" defTabSz="457200" rtl="0" eaLnBrk="1" latinLnBrk="0" hangingPunct="1">
+      <a:lvl6pPr marL="2286000" algn="l" defTabSz="914400" rtl="0" eaLnBrk="1" latinLnBrk="0" hangingPunct="1">
         <a:defRPr sz="1800" kern="1200">
           <a:solidFill>
             <a:schemeClr val="tx1"/>
@@ -7857,7 +3538,7 @@
           <a:cs typeface="+mn-cs"/>
         </a:defRPr>
       </a:lvl6pPr>
-      <a:lvl7pPr marL="2743200" algn="l" defTabSz="457200" rtl="0" eaLnBrk="1" latinLnBrk="0" hangingPunct="1">
+      <a:lvl7pPr marL="2743200" algn="l" defTabSz="914400" rtl="0" eaLnBrk="1" latinLnBrk="0" hangingPunct="1">
         <a:defRPr sz="1800" kern="1200">
           <a:solidFill>
             <a:schemeClr val="tx1"/>
@@ -7867,7 +3548,7 @@
           <a:cs typeface="+mn-cs"/>
         </a:defRPr>
       </a:lvl7pPr>
-      <a:lvl8pPr marL="3200400" algn="l" defTabSz="457200" rtl="0" eaLnBrk="1" latinLnBrk="0" hangingPunct="1">
+      <a:lvl8pPr marL="3200400" algn="l" defTabSz="914400" rtl="0" eaLnBrk="1" latinLnBrk="0" hangingPunct="1">
         <a:defRPr sz="1800" kern="1200">
           <a:solidFill>
             <a:schemeClr val="tx1"/>
@@ -7877,7 +3558,7 @@
           <a:cs typeface="+mn-cs"/>
         </a:defRPr>
       </a:lvl8pPr>
-      <a:lvl9pPr marL="3657600" algn="l" defTabSz="457200" rtl="0" eaLnBrk="1" latinLnBrk="0" hangingPunct="1">
+      <a:lvl9pPr marL="3657600" algn="l" defTabSz="914400" rtl="0" eaLnBrk="1" latinLnBrk="0" hangingPunct="1">
         <a:defRPr sz="1800" kern="1200">
           <a:solidFill>
             <a:schemeClr val="tx1"/>
@@ -7919,13 +3600,13 @@
   <p:clrMapOvr>
     <a:masterClrMapping/>
   </p:clrMapOvr>
-  <mc:AlternateContent xmlns:mc="http://schemas.openxmlformats.org/markup-compatibility/2006">
-    <mc:Choice xmlns:p159="http://schemas.microsoft.com/office/powerpoint/2015/09/main" Requires="p159">
+  <mc:AlternateContent xmlns:mc="http://schemas.openxmlformats.org/markup-compatibility/2006" xmlns:p159="http://schemas.microsoft.com/office/powerpoint/2015/09/main">
+    <mc:Choice Requires="p159">
       <p:transition xmlns:p14="http://schemas.microsoft.com/office/powerpoint/2010/main" spd="slow" p14:dur="2000">
         <p159:morph option="byObject"/>
       </p:transition>
     </mc:Choice>
-    <mc:Fallback>
+    <mc:Fallback xmlns="">
       <p:transition spd="slow">
         <p:fade/>
       </p:transition>
@@ -8974,13 +4655,13 @@
   <p:clrMapOvr>
     <a:masterClrMapping/>
   </p:clrMapOvr>
-  <mc:AlternateContent xmlns:mc="http://schemas.openxmlformats.org/markup-compatibility/2006">
-    <mc:Choice xmlns:p159="http://schemas.microsoft.com/office/powerpoint/2015/09/main" Requires="p159">
+  <mc:AlternateContent xmlns:mc="http://schemas.openxmlformats.org/markup-compatibility/2006" xmlns:p159="http://schemas.microsoft.com/office/powerpoint/2015/09/main">
+    <mc:Choice Requires="p159">
       <p:transition xmlns:p14="http://schemas.microsoft.com/office/powerpoint/2010/main" spd="slow" p14:dur="5000">
         <p159:morph option="byObject"/>
       </p:transition>
     </mc:Choice>
-    <mc:Fallback>
+    <mc:Fallback xmlns="">
       <p:transition spd="slow">
         <p:fade/>
       </p:transition>
@@ -9379,13 +5060,13 @@
   <p:clrMapOvr>
     <a:masterClrMapping/>
   </p:clrMapOvr>
-  <mc:AlternateContent xmlns:mc="http://schemas.openxmlformats.org/markup-compatibility/2006">
-    <mc:Choice xmlns:p159="http://schemas.microsoft.com/office/powerpoint/2015/09/main" Requires="p159">
+  <mc:AlternateContent xmlns:mc="http://schemas.openxmlformats.org/markup-compatibility/2006" xmlns:p159="http://schemas.microsoft.com/office/powerpoint/2015/09/main">
+    <mc:Choice Requires="p159">
       <p:transition xmlns:p14="http://schemas.microsoft.com/office/powerpoint/2010/main" spd="slow" p14:dur="2000">
         <p159:morph option="byObject"/>
       </p:transition>
     </mc:Choice>
-    <mc:Fallback>
+    <mc:Fallback xmlns="">
       <p:transition spd="slow">
         <p:fade/>
       </p:transition>
@@ -9423,7 +5104,7 @@
         </p:nvSpPr>
         <p:spPr>
           <a:xfrm>
-            <a:off x="838201" y="273664"/>
+            <a:off x="888741" y="696359"/>
             <a:ext cx="10414518" cy="506215"/>
           </a:xfrm>
         </p:spPr>
@@ -9467,8 +5148,8 @@
         </p:blipFill>
         <p:spPr bwMode="auto">
           <a:xfrm>
-            <a:off x="2124412" y="1333877"/>
-            <a:ext cx="2876952" cy="5184726"/>
+            <a:off x="1174778" y="2234240"/>
+            <a:ext cx="2449150" cy="4413758"/>
           </a:xfrm>
           <a:prstGeom prst="rect">
             <a:avLst/>
@@ -9516,7 +5197,7 @@
         </p:nvSpPr>
         <p:spPr>
           <a:xfrm>
-            <a:off x="2124411" y="964545"/>
+            <a:off x="999761" y="1849260"/>
             <a:ext cx="2799183" cy="369332"/>
           </a:xfrm>
           <a:prstGeom prst="rect">
@@ -9561,8 +5242,8 @@
         </p:blipFill>
         <p:spPr bwMode="auto">
           <a:xfrm>
-            <a:off x="6633903" y="1334082"/>
-            <a:ext cx="1381125" cy="5057775"/>
+            <a:off x="5179665" y="2357548"/>
+            <a:ext cx="1137920" cy="4167143"/>
           </a:xfrm>
           <a:prstGeom prst="rect">
             <a:avLst/>
@@ -9610,7 +5291,7 @@
         </p:nvSpPr>
         <p:spPr>
           <a:xfrm>
-            <a:off x="6633903" y="1031991"/>
+            <a:off x="5058062" y="1864909"/>
             <a:ext cx="1381126" cy="369332"/>
           </a:xfrm>
           <a:prstGeom prst="rect">
@@ -9655,8 +5336,8 @@
         </p:blipFill>
         <p:spPr bwMode="auto">
           <a:xfrm>
-            <a:off x="9179702" y="1334083"/>
-            <a:ext cx="1066800" cy="5067300"/>
+            <a:off x="8308434" y="2234241"/>
+            <a:ext cx="956335" cy="4542592"/>
           </a:xfrm>
           <a:prstGeom prst="rect">
             <a:avLst/>
@@ -9704,7 +5385,7 @@
         </p:nvSpPr>
         <p:spPr>
           <a:xfrm>
-            <a:off x="8791575" y="964545"/>
+            <a:off x="7805680" y="1864909"/>
             <a:ext cx="1747951" cy="369332"/>
           </a:xfrm>
           <a:prstGeom prst="rect">
@@ -9941,13 +5622,13 @@
   <p:clrMapOvr>
     <a:masterClrMapping/>
   </p:clrMapOvr>
-  <mc:AlternateContent xmlns:mc="http://schemas.openxmlformats.org/markup-compatibility/2006">
-    <mc:Choice xmlns:p159="http://schemas.microsoft.com/office/powerpoint/2015/09/main" Requires="p159">
+  <mc:AlternateContent xmlns:mc="http://schemas.openxmlformats.org/markup-compatibility/2006" xmlns:p159="http://schemas.microsoft.com/office/powerpoint/2015/09/main">
+    <mc:Choice Requires="p159">
       <p:transition xmlns:p14="http://schemas.microsoft.com/office/powerpoint/2010/main" spd="slow" p14:dur="2000">
         <p159:morph option="byObject"/>
       </p:transition>
     </mc:Choice>
-    <mc:Fallback>
+    <mc:Fallback xmlns="">
       <p:transition spd="slow">
         <p:fade/>
       </p:transition>
@@ -9985,7 +5666,7 @@
         </p:nvSpPr>
         <p:spPr>
           <a:xfrm>
-            <a:off x="1640156" y="555266"/>
+            <a:off x="1640156" y="385370"/>
             <a:ext cx="8911687" cy="1280890"/>
           </a:xfrm>
         </p:spPr>
@@ -10500,13 +6181,13 @@
   <p:clrMapOvr>
     <a:masterClrMapping/>
   </p:clrMapOvr>
-  <mc:AlternateContent xmlns:mc="http://schemas.openxmlformats.org/markup-compatibility/2006">
-    <mc:Choice xmlns:p159="http://schemas.microsoft.com/office/powerpoint/2015/09/main" Requires="p159">
+  <mc:AlternateContent xmlns:mc="http://schemas.openxmlformats.org/markup-compatibility/2006" xmlns:p159="http://schemas.microsoft.com/office/powerpoint/2015/09/main">
+    <mc:Choice Requires="p159">
       <p:transition xmlns:p14="http://schemas.microsoft.com/office/powerpoint/2010/main" spd="slow" p14:dur="2000">
         <p159:morph option="byObject"/>
       </p:transition>
     </mc:Choice>
-    <mc:Fallback>
+    <mc:Fallback xmlns="">
       <p:transition spd="slow">
         <p:fade/>
       </p:transition>
@@ -10544,7 +6225,7 @@
         </p:nvSpPr>
         <p:spPr>
           <a:xfrm>
-            <a:off x="1804835" y="668639"/>
+            <a:off x="1640156" y="299307"/>
             <a:ext cx="8911687" cy="1280890"/>
           </a:xfrm>
         </p:spPr>
@@ -11059,13 +6740,13 @@
   <p:clrMapOvr>
     <a:masterClrMapping/>
   </p:clrMapOvr>
-  <mc:AlternateContent xmlns:mc="http://schemas.openxmlformats.org/markup-compatibility/2006">
-    <mc:Choice xmlns:p159="http://schemas.microsoft.com/office/powerpoint/2015/09/main" Requires="p159">
+  <mc:AlternateContent xmlns:mc="http://schemas.openxmlformats.org/markup-compatibility/2006" xmlns:p159="http://schemas.microsoft.com/office/powerpoint/2015/09/main">
+    <mc:Choice Requires="p159">
       <p:transition xmlns:p14="http://schemas.microsoft.com/office/powerpoint/2010/main" spd="slow" p14:dur="2000">
         <p159:morph option="byObject"/>
       </p:transition>
     </mc:Choice>
-    <mc:Fallback>
+    <mc:Fallback xmlns="">
       <p:transition spd="slow">
         <p:fade/>
       </p:transition>
@@ -11103,7 +6784,7 @@
         </p:nvSpPr>
         <p:spPr>
           <a:xfrm>
-            <a:off x="825322" y="164557"/>
+            <a:off x="547721" y="531488"/>
             <a:ext cx="10515600" cy="913439"/>
           </a:xfrm>
         </p:spPr>
@@ -11146,7 +6827,7 @@
         </p:blipFill>
         <p:spPr bwMode="auto">
           <a:xfrm>
-            <a:off x="1806882" y="1568048"/>
+            <a:off x="825322" y="2262162"/>
             <a:ext cx="2473649" cy="4351338"/>
           </a:xfrm>
           <a:prstGeom prst="rect">
@@ -11210,8 +6891,8 @@
         </p:blipFill>
         <p:spPr bwMode="auto">
           <a:xfrm>
-            <a:off x="5633947" y="1421304"/>
-            <a:ext cx="1828800" cy="5248275"/>
+            <a:off x="5062697" y="2306079"/>
+            <a:ext cx="1485649" cy="4263504"/>
           </a:xfrm>
           <a:prstGeom prst="rect">
             <a:avLst/>
@@ -11274,8 +6955,8 @@
         </p:blipFill>
         <p:spPr bwMode="auto">
           <a:xfrm>
-            <a:off x="9109141" y="1108050"/>
-            <a:ext cx="1381125" cy="5505450"/>
+            <a:off x="8660210" y="2151191"/>
+            <a:ext cx="1139492" cy="4542252"/>
           </a:xfrm>
           <a:prstGeom prst="rect">
             <a:avLst/>
@@ -11323,7 +7004,7 @@
         </p:nvSpPr>
         <p:spPr>
           <a:xfrm>
-            <a:off x="1656904" y="1236638"/>
+            <a:off x="662554" y="1892830"/>
             <a:ext cx="2799183" cy="369332"/>
           </a:xfrm>
           <a:prstGeom prst="rect">
@@ -11353,7 +7034,7 @@
         </p:nvSpPr>
         <p:spPr>
           <a:xfrm>
-            <a:off x="5857784" y="1077996"/>
+            <a:off x="5114959" y="1896699"/>
             <a:ext cx="1381126" cy="369332"/>
           </a:xfrm>
           <a:prstGeom prst="rect">
@@ -11383,7 +7064,7 @@
         </p:nvSpPr>
         <p:spPr>
           <a:xfrm>
-            <a:off x="8942817" y="787985"/>
+            <a:off x="8373070" y="1781859"/>
             <a:ext cx="1713771" cy="369332"/>
           </a:xfrm>
           <a:prstGeom prst="rect">
@@ -11620,13 +7301,13 @@
   <p:clrMapOvr>
     <a:masterClrMapping/>
   </p:clrMapOvr>
-  <mc:AlternateContent xmlns:mc="http://schemas.openxmlformats.org/markup-compatibility/2006">
-    <mc:Choice xmlns:p159="http://schemas.microsoft.com/office/powerpoint/2015/09/main" Requires="p159">
+  <mc:AlternateContent xmlns:mc="http://schemas.openxmlformats.org/markup-compatibility/2006" xmlns:p159="http://schemas.microsoft.com/office/powerpoint/2015/09/main">
+    <mc:Choice Requires="p159">
       <p:transition xmlns:p14="http://schemas.microsoft.com/office/powerpoint/2010/main" spd="slow" p14:dur="2000">
         <p159:morph option="byObject"/>
       </p:transition>
     </mc:Choice>
-    <mc:Fallback>
+    <mc:Fallback xmlns="">
       <p:transition spd="slow">
         <p:fade/>
       </p:transition>
@@ -11664,7 +7345,7 @@
         </p:nvSpPr>
         <p:spPr>
           <a:xfrm>
-            <a:off x="1640156" y="684312"/>
+            <a:off x="1640156" y="494410"/>
             <a:ext cx="8911687" cy="1280890"/>
           </a:xfrm>
         </p:spPr>
@@ -12179,13 +7860,13 @@
   <p:clrMapOvr>
     <a:masterClrMapping/>
   </p:clrMapOvr>
-  <mc:AlternateContent xmlns:mc="http://schemas.openxmlformats.org/markup-compatibility/2006">
-    <mc:Choice xmlns:p159="http://schemas.microsoft.com/office/powerpoint/2015/09/main" Requires="p159">
+  <mc:AlternateContent xmlns:mc="http://schemas.openxmlformats.org/markup-compatibility/2006" xmlns:p159="http://schemas.microsoft.com/office/powerpoint/2015/09/main">
+    <mc:Choice Requires="p159">
       <p:transition xmlns:p14="http://schemas.microsoft.com/office/powerpoint/2010/main" spd="slow" p14:dur="2000">
         <p159:morph option="byObject"/>
       </p:transition>
     </mc:Choice>
-    <mc:Fallback>
+    <mc:Fallback xmlns="">
       <p:transition spd="slow">
         <p:fade/>
       </p:transition>
@@ -12223,7 +7904,7 @@
         </p:nvSpPr>
         <p:spPr>
           <a:xfrm>
-            <a:off x="1878461" y="652435"/>
+            <a:off x="1640156" y="467769"/>
             <a:ext cx="8911687" cy="1280890"/>
           </a:xfrm>
         </p:spPr>
@@ -12738,13 +8419,13 @@
   <p:clrMapOvr>
     <a:masterClrMapping/>
   </p:clrMapOvr>
-  <mc:AlternateContent xmlns:mc="http://schemas.openxmlformats.org/markup-compatibility/2006">
-    <mc:Choice xmlns:p159="http://schemas.microsoft.com/office/powerpoint/2015/09/main" Requires="p159">
+  <mc:AlternateContent xmlns:mc="http://schemas.openxmlformats.org/markup-compatibility/2006" xmlns:p159="http://schemas.microsoft.com/office/powerpoint/2015/09/main">
+    <mc:Choice Requires="p159">
       <p:transition xmlns:p14="http://schemas.microsoft.com/office/powerpoint/2010/main" spd="slow" p14:dur="2000">
         <p159:morph option="byObject"/>
       </p:transition>
     </mc:Choice>
-    <mc:Fallback>
+    <mc:Fallback xmlns="">
       <p:transition spd="slow">
         <p:fade/>
       </p:transition>
@@ -12782,7 +8463,7 @@
         </p:nvSpPr>
         <p:spPr>
           <a:xfrm>
-            <a:off x="1917098" y="634540"/>
+            <a:off x="1640156" y="427507"/>
             <a:ext cx="8911687" cy="1280890"/>
           </a:xfrm>
         </p:spPr>
@@ -13297,13 +8978,13 @@
   <p:clrMapOvr>
     <a:masterClrMapping/>
   </p:clrMapOvr>
-  <mc:AlternateContent xmlns:mc="http://schemas.openxmlformats.org/markup-compatibility/2006">
-    <mc:Choice xmlns:p159="http://schemas.microsoft.com/office/powerpoint/2015/09/main" Requires="p159">
+  <mc:AlternateContent xmlns:mc="http://schemas.openxmlformats.org/markup-compatibility/2006" xmlns:p159="http://schemas.microsoft.com/office/powerpoint/2015/09/main">
+    <mc:Choice Requires="p159">
       <p:transition xmlns:p14="http://schemas.microsoft.com/office/powerpoint/2010/main" spd="slow" p14:dur="2000">
         <p159:morph option="byObject"/>
       </p:transition>
     </mc:Choice>
-    <mc:Fallback>
+    <mc:Fallback xmlns="">
       <p:transition spd="slow">
         <p:fade/>
       </p:transition>
@@ -13341,7 +9022,7 @@
         </p:nvSpPr>
         <p:spPr>
           <a:xfrm>
-            <a:off x="2071646" y="644972"/>
+            <a:off x="2071646" y="437938"/>
             <a:ext cx="8911687" cy="1280890"/>
           </a:xfrm>
         </p:spPr>
@@ -13856,13 +9537,13 @@
   <p:clrMapOvr>
     <a:masterClrMapping/>
   </p:clrMapOvr>
-  <mc:AlternateContent xmlns:mc="http://schemas.openxmlformats.org/markup-compatibility/2006">
-    <mc:Choice xmlns:p159="http://schemas.microsoft.com/office/powerpoint/2015/09/main" Requires="p159">
+  <mc:AlternateContent xmlns:mc="http://schemas.openxmlformats.org/markup-compatibility/2006" xmlns:p159="http://schemas.microsoft.com/office/powerpoint/2015/09/main">
+    <mc:Choice Requires="p159">
       <p:transition xmlns:p14="http://schemas.microsoft.com/office/powerpoint/2010/main" spd="slow" p14:dur="2000">
         <p159:morph option="byObject"/>
       </p:transition>
     </mc:Choice>
-    <mc:Fallback>
+    <mc:Fallback xmlns="">
       <p:transition spd="slow">
         <p:fade/>
       </p:transition>
@@ -13900,12 +9581,14 @@
         </p:nvSpPr>
         <p:spPr>
           <a:xfrm>
-            <a:off x="1524000" y="1122363"/>
+            <a:off x="1524000" y="2163763"/>
             <a:ext cx="9144000" cy="1655762"/>
           </a:xfrm>
         </p:spPr>
         <p:txBody>
-          <a:bodyPr/>
+          <a:bodyPr>
+            <a:normAutofit fontScale="90000"/>
+          </a:bodyPr>
           <a:lstStyle/>
           <a:p>
             <a:pPr algn="ctr"/>
@@ -13936,7 +9619,7 @@
         </p:nvSpPr>
         <p:spPr>
           <a:xfrm>
-            <a:off x="1878563" y="4034252"/>
+            <a:off x="1524000" y="4203586"/>
             <a:ext cx="9144000" cy="1655762"/>
           </a:xfrm>
         </p:spPr>
@@ -13969,13 +9652,13 @@
   <p:clrMapOvr>
     <a:masterClrMapping/>
   </p:clrMapOvr>
-  <mc:AlternateContent xmlns:mc="http://schemas.openxmlformats.org/markup-compatibility/2006">
-    <mc:Choice xmlns:p15="http://schemas.microsoft.com/office/powerpoint/2012/main" Requires="p15">
+  <mc:AlternateContent xmlns:mc="http://schemas.openxmlformats.org/markup-compatibility/2006" xmlns:p15="http://schemas.microsoft.com/office/powerpoint/2012/main">
+    <mc:Choice Requires="p15">
       <p:transition xmlns:p14="http://schemas.microsoft.com/office/powerpoint/2010/main" spd="slow" p14:dur="2000">
         <p15:prstTrans prst="prestige"/>
       </p:transition>
     </mc:Choice>
-    <mc:Fallback>
+    <mc:Fallback xmlns="">
       <p:transition spd="slow">
         <p:fade/>
       </p:transition>
@@ -14013,7 +9696,7 @@
         </p:nvSpPr>
         <p:spPr>
           <a:xfrm>
-            <a:off x="1640156" y="674917"/>
+            <a:off x="1535627" y="416125"/>
             <a:ext cx="8911687" cy="1280890"/>
           </a:xfrm>
         </p:spPr>
@@ -14528,13 +10211,13 @@
   <p:clrMapOvr>
     <a:masterClrMapping/>
   </p:clrMapOvr>
-  <mc:AlternateContent xmlns:mc="http://schemas.openxmlformats.org/markup-compatibility/2006">
-    <mc:Choice xmlns:p159="http://schemas.microsoft.com/office/powerpoint/2015/09/main" Requires="p159">
+  <mc:AlternateContent xmlns:mc="http://schemas.openxmlformats.org/markup-compatibility/2006" xmlns:p159="http://schemas.microsoft.com/office/powerpoint/2015/09/main">
+    <mc:Choice Requires="p159">
       <p:transition xmlns:p14="http://schemas.microsoft.com/office/powerpoint/2010/main" spd="slow" p14:dur="2000">
         <p159:morph option="byObject"/>
       </p:transition>
     </mc:Choice>
-    <mc:Fallback>
+    <mc:Fallback xmlns="">
       <p:transition spd="slow">
         <p:fade/>
       </p:transition>
@@ -14572,7 +10255,7 @@
         </p:nvSpPr>
         <p:spPr>
           <a:xfrm>
-            <a:off x="838200" y="594588"/>
+            <a:off x="838200" y="309828"/>
             <a:ext cx="10515600" cy="1325563"/>
           </a:xfrm>
         </p:spPr>
@@ -14877,13 +10560,146 @@
   <p:clrMapOvr>
     <a:masterClrMapping/>
   </p:clrMapOvr>
-  <mc:AlternateContent xmlns:mc="http://schemas.openxmlformats.org/markup-compatibility/2006">
-    <mc:Choice xmlns:p159="http://schemas.microsoft.com/office/powerpoint/2015/09/main" Requires="p159">
+  <mc:AlternateContent xmlns:mc="http://schemas.openxmlformats.org/markup-compatibility/2006" xmlns:p159="http://schemas.microsoft.com/office/powerpoint/2015/09/main">
+    <mc:Choice Requires="p159">
       <p:transition xmlns:p14="http://schemas.microsoft.com/office/powerpoint/2010/main" spd="slow" p14:dur="2000">
         <p159:morph option="byObject"/>
       </p:transition>
     </mc:Choice>
-    <mc:Fallback>
+    <mc:Fallback xmlns="">
+      <p:transition spd="slow">
+        <p:fade/>
+      </p:transition>
+    </mc:Fallback>
+  </mc:AlternateContent>
+</p:sld>
+</file>
+
+<file path=ppt/slides/slide22.xml><?xml version="1.0" encoding="utf-8"?>
+<p:sld xmlns:a="http://schemas.openxmlformats.org/drawingml/2006/main" xmlns:r="http://schemas.openxmlformats.org/officeDocument/2006/relationships" xmlns:p="http://schemas.openxmlformats.org/presentationml/2006/main">
+  <p:cSld>
+    <p:spTree>
+      <p:nvGrpSpPr>
+        <p:cNvPr id="1" name=""/>
+        <p:cNvGrpSpPr/>
+        <p:nvPr/>
+      </p:nvGrpSpPr>
+      <p:grpSpPr>
+        <a:xfrm>
+          <a:off x="0" y="0"/>
+          <a:ext cx="0" cy="0"/>
+          <a:chOff x="0" y="0"/>
+          <a:chExt cx="0" cy="0"/>
+        </a:xfrm>
+      </p:grpSpPr>
+      <p:sp>
+        <p:nvSpPr>
+          <p:cNvPr id="2" name="Title 1">
+            <a:extLst>
+              <a:ext uri="{FF2B5EF4-FFF2-40B4-BE49-F238E27FC236}">
+                <a16:creationId xmlns:a16="http://schemas.microsoft.com/office/drawing/2014/main" id="{0D4160C9-74A4-95A7-CBE3-63B70765C532}"/>
+              </a:ext>
+            </a:extLst>
+          </p:cNvPr>
+          <p:cNvSpPr>
+            <a:spLocks noGrp="1"/>
+          </p:cNvSpPr>
+          <p:nvPr>
+            <p:ph type="title"/>
+          </p:nvPr>
+        </p:nvSpPr>
+        <p:spPr>
+          <a:xfrm>
+            <a:off x="1202919" y="160865"/>
+            <a:ext cx="9784080" cy="1850815"/>
+          </a:xfrm>
+        </p:spPr>
+        <p:txBody>
+          <a:bodyPr anchor="b">
+            <a:normAutofit/>
+          </a:bodyPr>
+          <a:lstStyle/>
+          <a:p>
+            <a:pPr algn="ctr"/>
+            <a:r>
+              <a:rPr lang="en-PH" sz="8800" dirty="0"/>
+              <a:t>ACTUAL SITE</a:t>
+            </a:r>
+            <a:br>
+              <a:rPr lang="en-PH" dirty="0"/>
+            </a:br>
+            <a:endParaRPr lang="en-PH" dirty="0"/>
+          </a:p>
+        </p:txBody>
+      </p:sp>
+      <p:sp>
+        <p:nvSpPr>
+          <p:cNvPr id="3" name="Content Placeholder 2">
+            <a:extLst>
+              <a:ext uri="{FF2B5EF4-FFF2-40B4-BE49-F238E27FC236}">
+                <a16:creationId xmlns:a16="http://schemas.microsoft.com/office/drawing/2014/main" id="{C639E986-F3F3-4074-EF88-9FB6D2D6198A}"/>
+              </a:ext>
+            </a:extLst>
+          </p:cNvPr>
+          <p:cNvSpPr>
+            <a:spLocks noGrp="1"/>
+          </p:cNvSpPr>
+          <p:nvPr>
+            <p:ph idx="1"/>
+          </p:nvPr>
+        </p:nvSpPr>
+        <p:spPr>
+          <a:xfrm>
+            <a:off x="1202919" y="1842655"/>
+            <a:ext cx="9784080" cy="5015345"/>
+          </a:xfrm>
+        </p:spPr>
+        <p:txBody>
+          <a:bodyPr anchor="ctr"/>
+          <a:lstStyle/>
+          <a:p>
+            <a:pPr marL="0" indent="0" algn="ctr">
+              <a:buNone/>
+            </a:pPr>
+            <a:endParaRPr lang="en-PH" sz="5400" dirty="0"/>
+          </a:p>
+          <a:p>
+            <a:pPr marL="0" indent="0" algn="ctr">
+              <a:buNone/>
+            </a:pPr>
+            <a:r>
+              <a:rPr lang="en-PH" sz="5400" dirty="0">
+                <a:hlinkClick r:id="rId2"/>
+              </a:rPr>
+              <a:t>http://localhost/www.portfolio.com/miniproject1/index.html</a:t>
+            </a:r>
+            <a:endParaRPr lang="en-PH" sz="5400" dirty="0"/>
+          </a:p>
+          <a:p>
+            <a:pPr marL="0" indent="0" algn="ctr">
+              <a:buNone/>
+            </a:pPr>
+            <a:endParaRPr lang="en-PH" dirty="0"/>
+          </a:p>
+        </p:txBody>
+      </p:sp>
+    </p:spTree>
+    <p:extLst>
+      <p:ext uri="{BB962C8B-B14F-4D97-AF65-F5344CB8AC3E}">
+        <p14:creationId xmlns:p14="http://schemas.microsoft.com/office/powerpoint/2010/main" val="1866736175"/>
+      </p:ext>
+    </p:extLst>
+  </p:cSld>
+  <p:clrMapOvr>
+    <a:masterClrMapping/>
+  </p:clrMapOvr>
+  <mc:AlternateContent xmlns:mc="http://schemas.openxmlformats.org/markup-compatibility/2006" xmlns:p159="http://schemas.microsoft.com/office/powerpoint/2015/09/main">
+    <mc:Choice Requires="p159">
+      <p:transition xmlns:p14="http://schemas.microsoft.com/office/powerpoint/2010/main" spd="slow" p14:dur="2000">
+        <p159:morph option="byObject"/>
+      </p:transition>
+    </mc:Choice>
+    <mc:Fallback xmlns="">
       <p:transition spd="slow">
         <p:fade/>
       </p:transition>
@@ -14929,7 +10745,7 @@
         </p:nvSpPr>
         <p:spPr>
           <a:xfrm>
-            <a:off x="1571870" y="384328"/>
+            <a:off x="810039" y="496957"/>
             <a:ext cx="10571922" cy="887881"/>
           </a:xfrm>
         </p:spPr>
@@ -14985,45 +10801,61 @@
                 <a:latin typeface="Calibri" panose="020F0502020204030204" pitchFamily="34" charset="0"/>
                 <a:cs typeface="Times New Roman" panose="02020603050405020304" pitchFamily="18" charset="0"/>
               </a:rPr>
-              <a:t>	In these challenging times, people are constantly looking for ways to improve their lives and increase their income. As the saying goes, </a:t>
-            </a:r>
-            <a:r>
-              <a:rPr lang="en-US" sz="2400" i="1" dirty="0">
-                <a:effectLst/>
-                <a:highlight>
-                  <a:srgbClr val="000080"/>
-                </a:highlight>
-                <a:latin typeface="Calibri" panose="020F0502020204030204" pitchFamily="34" charset="0"/>
-                <a:cs typeface="Times New Roman" panose="02020603050405020304" pitchFamily="18" charset="0"/>
-              </a:rPr>
-              <a:t>"If you want to become a scientist, learn from scientists. But if you want to become a millionaire, learn from millionaires." </a:t>
-            </a:r>
-            <a:r>
-              <a:rPr lang="en-US" sz="2400" i="1" dirty="0">
-                <a:effectLst/>
-                <a:latin typeface="Calibri" panose="020F0502020204030204" pitchFamily="34" charset="0"/>
-                <a:cs typeface="Times New Roman" panose="02020603050405020304" pitchFamily="18" charset="0"/>
-              </a:rPr>
-              <a:t>-Anonymous.</a:t>
-            </a:r>
-            <a:r>
-              <a:rPr lang="en-US" sz="2400" dirty="0">
-                <a:effectLst/>
-                <a:latin typeface="Calibri" panose="020F0502020204030204" pitchFamily="34" charset="0"/>
-                <a:cs typeface="Times New Roman" panose="02020603050405020304" pitchFamily="18" charset="0"/>
-              </a:rPr>
-              <a:t> Entrepreneurship is a great way to do this, and many people start by running a business while also working full-time. However, this can be stressful and time-consuming, and it can be difficult to keep track of everything while you're away from your business.</a:t>
-            </a:r>
-          </a:p>
-          <a:p>
-            <a:pPr indent="0" fontAlgn="base">
+              <a:t>	</a:t>
+            </a:r>
+          </a:p>
+          <a:p>
+            <a:pPr marL="800100" algn="just" fontAlgn="base">
               <a:lnSpc>
                 <a:spcPct val="107000"/>
               </a:lnSpc>
               <a:spcAft>
                 <a:spcPts val="1800"/>
               </a:spcAft>
-              <a:buNone/>
+            </a:pPr>
+            <a:r>
+              <a:rPr lang="en-US" sz="2400" i="1" dirty="0">
+                <a:effectLst/>
+                <a:latin typeface="Calibri" panose="020F0502020204030204" pitchFamily="34" charset="0"/>
+                <a:cs typeface="Times New Roman" panose="02020603050405020304" pitchFamily="18" charset="0"/>
+              </a:rPr>
+              <a:t>		"If you want to become a scientist, learn from scientists. But if you want to become a millionaire, learn from millionaires." -Anonymous.</a:t>
+            </a:r>
+            <a:r>
+              <a:rPr lang="en-US" sz="2400" dirty="0">
+                <a:effectLst/>
+                <a:latin typeface="Calibri" panose="020F0502020204030204" pitchFamily="34" charset="0"/>
+                <a:cs typeface="Times New Roman" panose="02020603050405020304" pitchFamily="18" charset="0"/>
+              </a:rPr>
+              <a:t> </a:t>
+            </a:r>
+          </a:p>
+          <a:p>
+            <a:pPr marL="800100" algn="just" fontAlgn="base">
+              <a:lnSpc>
+                <a:spcPct val="107000"/>
+              </a:lnSpc>
+              <a:spcAft>
+                <a:spcPts val="1800"/>
+              </a:spcAft>
+            </a:pPr>
+            <a:r>
+              <a:rPr lang="en-US" sz="2400" dirty="0">
+                <a:effectLst/>
+                <a:latin typeface="Calibri" panose="020F0502020204030204" pitchFamily="34" charset="0"/>
+                <a:cs typeface="Times New Roman" panose="02020603050405020304" pitchFamily="18" charset="0"/>
+              </a:rPr>
+              <a:t>		It can be stressful and time-consuming, and it can be difficult to keep track of everything while you're away from your business.</a:t>
+            </a:r>
+          </a:p>
+          <a:p>
+            <a:pPr marL="685800" fontAlgn="base">
+              <a:lnSpc>
+                <a:spcPct val="107000"/>
+              </a:lnSpc>
+              <a:spcAft>
+                <a:spcPts val="1800"/>
+              </a:spcAft>
             </a:pPr>
             <a:r>
               <a:rPr lang="en-US" sz="2400" kern="1200" dirty="0">
@@ -15035,7 +10867,7 @@
                 <a:ea typeface="等线" panose="020B0503020204020204" pitchFamily="2" charset="-122"/>
                 <a:cs typeface="Times New Roman" panose="02020603050405020304" pitchFamily="18" charset="0"/>
               </a:rPr>
-              <a:t>	</a:t>
+              <a:t>		</a:t>
             </a:r>
             <a:r>
               <a:rPr lang="en-US" sz="2400" kern="1200" dirty="0">
@@ -15055,33 +10887,29 @@
                 <a:latin typeface="Calibri" panose="020F0502020204030204" pitchFamily="34" charset="0"/>
                 <a:cs typeface="Times New Roman" panose="02020603050405020304" pitchFamily="18" charset="0"/>
               </a:rPr>
-              <a:t>you can stay in control of your business no matter where you are. Imagine being able to check your phone and with just a few clicks, you can notify your staff and stay informed about what's happening in your business. For those who are serious about becoming wealthy,</a:t>
-            </a:r>
+              <a:t>you can stay in control of your business no matter where you are. </a:t>
+            </a:r>
+          </a:p>
+          <a:p>
+            <a:pPr marL="685800" fontAlgn="base">
+              <a:lnSpc>
+                <a:spcPct val="107000"/>
+              </a:lnSpc>
+              <a:spcAft>
+                <a:spcPts val="1800"/>
+              </a:spcAft>
+            </a:pPr>
             <a:r>
               <a:rPr lang="en-US" sz="2400" b="1" i="1" dirty="0">
                 <a:effectLst/>
                 <a:latin typeface="Calibri" panose="020F0502020204030204" pitchFamily="34" charset="0"/>
                 <a:cs typeface="Times New Roman" panose="02020603050405020304" pitchFamily="18" charset="0"/>
               </a:rPr>
-              <a:t> </a:t>
-            </a:r>
-            <a:r>
-              <a:rPr lang="en-US" sz="2400" b="1" i="1" dirty="0">
-                <a:effectLst/>
-                <a:highlight>
-                  <a:srgbClr val="000080"/>
-                </a:highlight>
-                <a:latin typeface="Calibri" panose="020F0502020204030204" pitchFamily="34" charset="0"/>
-                <a:cs typeface="Times New Roman" panose="02020603050405020304" pitchFamily="18" charset="0"/>
-              </a:rPr>
               <a:t>Time is Money</a:t>
             </a:r>
             <a:r>
               <a:rPr lang="en-US" sz="2400" dirty="0">
                 <a:effectLst/>
-                <a:highlight>
-                  <a:srgbClr val="000080"/>
-                </a:highlight>
                 <a:latin typeface="Calibri" panose="020F0502020204030204" pitchFamily="34" charset="0"/>
                 <a:cs typeface="Times New Roman" panose="02020603050405020304" pitchFamily="18" charset="0"/>
               </a:rPr>
@@ -15090,9 +10918,6 @@
             <a:r>
               <a:rPr lang="en-US" sz="2400" b="1" i="1" dirty="0">
                 <a:effectLst/>
-                <a:highlight>
-                  <a:srgbClr val="000080"/>
-                </a:highlight>
                 <a:latin typeface="Calibri" panose="020F0502020204030204" pitchFamily="34" charset="0"/>
                 <a:cs typeface="Times New Roman" panose="02020603050405020304" pitchFamily="18" charset="0"/>
               </a:rPr>
@@ -15100,9 +10925,6 @@
             </a:r>
             <a:endParaRPr lang="en-US" sz="2400" dirty="0">
               <a:effectLst/>
-              <a:highlight>
-                <a:srgbClr val="000080"/>
-              </a:highlight>
               <a:latin typeface="Calibri" panose="020F0502020204030204" pitchFamily="34" charset="0"/>
               <a:cs typeface="Times New Roman" panose="02020603050405020304" pitchFamily="18" charset="0"/>
             </a:endParaRPr>
@@ -15126,6 +10948,388 @@
       </p:transition>
     </mc:Fallback>
   </mc:AlternateContent>
+  <p:timing>
+    <p:tnLst>
+      <p:par>
+        <p:cTn id="1" dur="indefinite" restart="never" nodeType="tmRoot">
+          <p:childTnLst>
+            <p:seq concurrent="1" nextAc="seek">
+              <p:cTn id="2" dur="indefinite" nodeType="mainSeq">
+                <p:childTnLst>
+                  <p:par>
+                    <p:cTn id="3" fill="hold">
+                      <p:stCondLst>
+                        <p:cond delay="indefinite"/>
+                      </p:stCondLst>
+                      <p:childTnLst>
+                        <p:par>
+                          <p:cTn id="4" fill="hold">
+                            <p:stCondLst>
+                              <p:cond delay="0"/>
+                            </p:stCondLst>
+                            <p:childTnLst>
+                              <p:par>
+                                <p:cTn id="5" presetID="16" presetClass="emph" presetSubtype="0" fill="hold" nodeType="clickEffect">
+                                  <p:stCondLst>
+                                    <p:cond delay="0"/>
+                                  </p:stCondLst>
+                                  <p:iterate type="lt">
+                                    <p:tmPct val="4000"/>
+                                  </p:iterate>
+                                  <p:childTnLst>
+                                    <p:set>
+                                      <p:cBhvr override="childStyle">
+                                        <p:cTn id="6" dur="500" fill="hold"/>
+                                        <p:tgtEl>
+                                          <p:spTgt spid="3">
+                                            <p:txEl>
+                                              <p:pRg st="1" end="1"/>
+                                            </p:txEl>
+                                          </p:spTgt>
+                                        </p:tgtEl>
+                                        <p:attrNameLst>
+                                          <p:attrName>style.color</p:attrName>
+                                        </p:attrNameLst>
+                                      </p:cBhvr>
+                                      <p:to>
+                                        <p:clrVal>
+                                          <a:schemeClr val="accent2"/>
+                                        </p:clrVal>
+                                      </p:to>
+                                    </p:set>
+                                    <p:set>
+                                      <p:cBhvr>
+                                        <p:cTn id="7" dur="500" fill="hold"/>
+                                        <p:tgtEl>
+                                          <p:spTgt spid="3">
+                                            <p:txEl>
+                                              <p:pRg st="1" end="1"/>
+                                            </p:txEl>
+                                          </p:spTgt>
+                                        </p:tgtEl>
+                                        <p:attrNameLst>
+                                          <p:attrName>fillcolor</p:attrName>
+                                        </p:attrNameLst>
+                                      </p:cBhvr>
+                                      <p:to>
+                                        <p:clrVal>
+                                          <a:schemeClr val="accent2"/>
+                                        </p:clrVal>
+                                      </p:to>
+                                    </p:set>
+                                    <p:set>
+                                      <p:cBhvr>
+                                        <p:cTn id="8" dur="500" fill="hold"/>
+                                        <p:tgtEl>
+                                          <p:spTgt spid="3">
+                                            <p:txEl>
+                                              <p:pRg st="1" end="1"/>
+                                            </p:txEl>
+                                          </p:spTgt>
+                                        </p:tgtEl>
+                                        <p:attrNameLst>
+                                          <p:attrName>fill.type</p:attrName>
+                                        </p:attrNameLst>
+                                      </p:cBhvr>
+                                      <p:to>
+                                        <p:strVal val="solid"/>
+                                      </p:to>
+                                    </p:set>
+                                  </p:childTnLst>
+                                </p:cTn>
+                              </p:par>
+                            </p:childTnLst>
+                          </p:cTn>
+                        </p:par>
+                      </p:childTnLst>
+                    </p:cTn>
+                  </p:par>
+                  <p:par>
+                    <p:cTn id="9" fill="hold">
+                      <p:stCondLst>
+                        <p:cond delay="indefinite"/>
+                      </p:stCondLst>
+                      <p:childTnLst>
+                        <p:par>
+                          <p:cTn id="10" fill="hold">
+                            <p:stCondLst>
+                              <p:cond delay="0"/>
+                            </p:stCondLst>
+                            <p:childTnLst>
+                              <p:par>
+                                <p:cTn id="11" presetID="16" presetClass="emph" presetSubtype="0" fill="hold" nodeType="clickEffect">
+                                  <p:stCondLst>
+                                    <p:cond delay="0"/>
+                                  </p:stCondLst>
+                                  <p:iterate type="lt">
+                                    <p:tmPct val="4000"/>
+                                  </p:iterate>
+                                  <p:childTnLst>
+                                    <p:set>
+                                      <p:cBhvr override="childStyle">
+                                        <p:cTn id="12" dur="500" fill="hold"/>
+                                        <p:tgtEl>
+                                          <p:spTgt spid="3">
+                                            <p:txEl>
+                                              <p:pRg st="2" end="2"/>
+                                            </p:txEl>
+                                          </p:spTgt>
+                                        </p:tgtEl>
+                                        <p:attrNameLst>
+                                          <p:attrName>style.color</p:attrName>
+                                        </p:attrNameLst>
+                                      </p:cBhvr>
+                                      <p:to>
+                                        <p:clrVal>
+                                          <a:schemeClr val="accent2"/>
+                                        </p:clrVal>
+                                      </p:to>
+                                    </p:set>
+                                    <p:set>
+                                      <p:cBhvr>
+                                        <p:cTn id="13" dur="500" fill="hold"/>
+                                        <p:tgtEl>
+                                          <p:spTgt spid="3">
+                                            <p:txEl>
+                                              <p:pRg st="2" end="2"/>
+                                            </p:txEl>
+                                          </p:spTgt>
+                                        </p:tgtEl>
+                                        <p:attrNameLst>
+                                          <p:attrName>fillcolor</p:attrName>
+                                        </p:attrNameLst>
+                                      </p:cBhvr>
+                                      <p:to>
+                                        <p:clrVal>
+                                          <a:schemeClr val="accent2"/>
+                                        </p:clrVal>
+                                      </p:to>
+                                    </p:set>
+                                    <p:set>
+                                      <p:cBhvr>
+                                        <p:cTn id="14" dur="500" fill="hold"/>
+                                        <p:tgtEl>
+                                          <p:spTgt spid="3">
+                                            <p:txEl>
+                                              <p:pRg st="2" end="2"/>
+                                            </p:txEl>
+                                          </p:spTgt>
+                                        </p:tgtEl>
+                                        <p:attrNameLst>
+                                          <p:attrName>fill.type</p:attrName>
+                                        </p:attrNameLst>
+                                      </p:cBhvr>
+                                      <p:to>
+                                        <p:strVal val="solid"/>
+                                      </p:to>
+                                    </p:set>
+                                  </p:childTnLst>
+                                </p:cTn>
+                              </p:par>
+                            </p:childTnLst>
+                          </p:cTn>
+                        </p:par>
+                      </p:childTnLst>
+                    </p:cTn>
+                  </p:par>
+                  <p:par>
+                    <p:cTn id="15" fill="hold">
+                      <p:stCondLst>
+                        <p:cond delay="indefinite"/>
+                      </p:stCondLst>
+                      <p:childTnLst>
+                        <p:par>
+                          <p:cTn id="16" fill="hold">
+                            <p:stCondLst>
+                              <p:cond delay="0"/>
+                            </p:stCondLst>
+                            <p:childTnLst>
+                              <p:par>
+                                <p:cTn id="17" presetID="16" presetClass="emph" presetSubtype="0" fill="hold" nodeType="clickEffect">
+                                  <p:stCondLst>
+                                    <p:cond delay="0"/>
+                                  </p:stCondLst>
+                                  <p:iterate type="lt">
+                                    <p:tmPct val="4000"/>
+                                  </p:iterate>
+                                  <p:childTnLst>
+                                    <p:set>
+                                      <p:cBhvr override="childStyle">
+                                        <p:cTn id="18" dur="500" fill="hold"/>
+                                        <p:tgtEl>
+                                          <p:spTgt spid="3">
+                                            <p:txEl>
+                                              <p:pRg st="3" end="3"/>
+                                            </p:txEl>
+                                          </p:spTgt>
+                                        </p:tgtEl>
+                                        <p:attrNameLst>
+                                          <p:attrName>style.color</p:attrName>
+                                        </p:attrNameLst>
+                                      </p:cBhvr>
+                                      <p:to>
+                                        <p:clrVal>
+                                          <a:schemeClr val="accent2"/>
+                                        </p:clrVal>
+                                      </p:to>
+                                    </p:set>
+                                    <p:set>
+                                      <p:cBhvr>
+                                        <p:cTn id="19" dur="500" fill="hold"/>
+                                        <p:tgtEl>
+                                          <p:spTgt spid="3">
+                                            <p:txEl>
+                                              <p:pRg st="3" end="3"/>
+                                            </p:txEl>
+                                          </p:spTgt>
+                                        </p:tgtEl>
+                                        <p:attrNameLst>
+                                          <p:attrName>fillcolor</p:attrName>
+                                        </p:attrNameLst>
+                                      </p:cBhvr>
+                                      <p:to>
+                                        <p:clrVal>
+                                          <a:schemeClr val="accent2"/>
+                                        </p:clrVal>
+                                      </p:to>
+                                    </p:set>
+                                    <p:set>
+                                      <p:cBhvr>
+                                        <p:cTn id="20" dur="500" fill="hold"/>
+                                        <p:tgtEl>
+                                          <p:spTgt spid="3">
+                                            <p:txEl>
+                                              <p:pRg st="3" end="3"/>
+                                            </p:txEl>
+                                          </p:spTgt>
+                                        </p:tgtEl>
+                                        <p:attrNameLst>
+                                          <p:attrName>fill.type</p:attrName>
+                                        </p:attrNameLst>
+                                      </p:cBhvr>
+                                      <p:to>
+                                        <p:strVal val="solid"/>
+                                      </p:to>
+                                    </p:set>
+                                  </p:childTnLst>
+                                </p:cTn>
+                              </p:par>
+                            </p:childTnLst>
+                          </p:cTn>
+                        </p:par>
+                      </p:childTnLst>
+                    </p:cTn>
+                  </p:par>
+                  <p:par>
+                    <p:cTn id="21" fill="hold">
+                      <p:stCondLst>
+                        <p:cond delay="indefinite"/>
+                      </p:stCondLst>
+                      <p:childTnLst>
+                        <p:par>
+                          <p:cTn id="22" fill="hold">
+                            <p:stCondLst>
+                              <p:cond delay="0"/>
+                            </p:stCondLst>
+                            <p:childTnLst>
+                              <p:par>
+                                <p:cTn id="23" presetID="16" presetClass="emph" presetSubtype="0" fill="hold" nodeType="clickEffect">
+                                  <p:stCondLst>
+                                    <p:cond delay="0"/>
+                                  </p:stCondLst>
+                                  <p:iterate type="lt">
+                                    <p:tmPct val="4000"/>
+                                  </p:iterate>
+                                  <p:childTnLst>
+                                    <p:set>
+                                      <p:cBhvr override="childStyle">
+                                        <p:cTn id="24" dur="500" fill="hold"/>
+                                        <p:tgtEl>
+                                          <p:spTgt spid="3">
+                                            <p:txEl>
+                                              <p:pRg st="4" end="4"/>
+                                            </p:txEl>
+                                          </p:spTgt>
+                                        </p:tgtEl>
+                                        <p:attrNameLst>
+                                          <p:attrName>style.color</p:attrName>
+                                        </p:attrNameLst>
+                                      </p:cBhvr>
+                                      <p:to>
+                                        <p:clrVal>
+                                          <a:schemeClr val="accent2"/>
+                                        </p:clrVal>
+                                      </p:to>
+                                    </p:set>
+                                    <p:set>
+                                      <p:cBhvr>
+                                        <p:cTn id="25" dur="500" fill="hold"/>
+                                        <p:tgtEl>
+                                          <p:spTgt spid="3">
+                                            <p:txEl>
+                                              <p:pRg st="4" end="4"/>
+                                            </p:txEl>
+                                          </p:spTgt>
+                                        </p:tgtEl>
+                                        <p:attrNameLst>
+                                          <p:attrName>fillcolor</p:attrName>
+                                        </p:attrNameLst>
+                                      </p:cBhvr>
+                                      <p:to>
+                                        <p:clrVal>
+                                          <a:schemeClr val="accent2"/>
+                                        </p:clrVal>
+                                      </p:to>
+                                    </p:set>
+                                    <p:set>
+                                      <p:cBhvr>
+                                        <p:cTn id="26" dur="500" fill="hold"/>
+                                        <p:tgtEl>
+                                          <p:spTgt spid="3">
+                                            <p:txEl>
+                                              <p:pRg st="4" end="4"/>
+                                            </p:txEl>
+                                          </p:spTgt>
+                                        </p:tgtEl>
+                                        <p:attrNameLst>
+                                          <p:attrName>fill.type</p:attrName>
+                                        </p:attrNameLst>
+                                      </p:cBhvr>
+                                      <p:to>
+                                        <p:strVal val="solid"/>
+                                      </p:to>
+                                    </p:set>
+                                  </p:childTnLst>
+                                </p:cTn>
+                              </p:par>
+                            </p:childTnLst>
+                          </p:cTn>
+                        </p:par>
+                      </p:childTnLst>
+                    </p:cTn>
+                  </p:par>
+                </p:childTnLst>
+              </p:cTn>
+              <p:prevCondLst>
+                <p:cond evt="onPrev" delay="0">
+                  <p:tgtEl>
+                    <p:sldTgt/>
+                  </p:tgtEl>
+                </p:cond>
+              </p:prevCondLst>
+              <p:nextCondLst>
+                <p:cond evt="onNext" delay="0">
+                  <p:tgtEl>
+                    <p:sldTgt/>
+                  </p:tgtEl>
+                </p:cond>
+              </p:nextCondLst>
+            </p:seq>
+          </p:childTnLst>
+        </p:cTn>
+      </p:par>
+    </p:tnLst>
+  </p:timing>
 </p:sld>
 </file>
 
@@ -15158,7 +11362,7 @@
         </p:nvSpPr>
         <p:spPr>
           <a:xfrm>
-            <a:off x="698240" y="308587"/>
+            <a:off x="838200" y="545653"/>
             <a:ext cx="10515600" cy="892899"/>
           </a:xfrm>
         </p:spPr>
@@ -15326,13 +11530,13 @@
   <p:clrMapOvr>
     <a:masterClrMapping/>
   </p:clrMapOvr>
-  <mc:AlternateContent xmlns:mc="http://schemas.openxmlformats.org/markup-compatibility/2006">
-    <mc:Choice xmlns:p159="http://schemas.microsoft.com/office/powerpoint/2015/09/main" Requires="p159">
+  <mc:AlternateContent xmlns:mc="http://schemas.openxmlformats.org/markup-compatibility/2006" xmlns:p159="http://schemas.microsoft.com/office/powerpoint/2015/09/main">
+    <mc:Choice Requires="p159">
       <p:transition xmlns:p14="http://schemas.microsoft.com/office/powerpoint/2010/main" spd="slow" p14:dur="2000">
         <p159:morph option="byWord"/>
       </p:transition>
     </mc:Choice>
-    <mc:Fallback>
+    <mc:Fallback xmlns="">
       <p:transition spd="slow">
         <p:fade/>
       </p:transition>
@@ -15370,7 +11574,7 @@
         </p:nvSpPr>
         <p:spPr>
           <a:xfrm>
-            <a:off x="838200" y="365125"/>
+            <a:off x="838200" y="483704"/>
             <a:ext cx="10515600" cy="1119117"/>
           </a:xfrm>
         </p:spPr>
@@ -15390,9 +11594,6 @@
             </a:pPr>
             <a:r>
               <a:rPr lang="en-PH" sz="6000" b="1" kern="100" dirty="0">
-                <a:solidFill>
-                  <a:schemeClr val="tx1"/>
-                </a:solidFill>
                 <a:effectLst/>
                 <a:latin typeface="Times New Roman" panose="02020603050405020304" pitchFamily="18" charset="0"/>
                 <a:ea typeface="SimSun" panose="02010600030101010101" pitchFamily="2" charset="-122"/>
@@ -15400,9 +11601,6 @@
               <a:t>Project Solution</a:t>
             </a:r>
             <a:endParaRPr lang="en-PH" sz="6000" kern="100" dirty="0">
-              <a:solidFill>
-                <a:schemeClr val="tx1"/>
-              </a:solidFill>
               <a:effectLst/>
               <a:latin typeface="Times New Roman" panose="02020603050405020304" pitchFamily="18" charset="0"/>
               <a:ea typeface="SimSun" panose="02010600030101010101" pitchFamily="2" charset="-122"/>
@@ -15555,13 +11753,13 @@
   <p:clrMapOvr>
     <a:masterClrMapping/>
   </p:clrMapOvr>
-  <mc:AlternateContent xmlns:mc="http://schemas.openxmlformats.org/markup-compatibility/2006">
-    <mc:Choice xmlns:p15="http://schemas.microsoft.com/office/powerpoint/2012/main" Requires="p15">
+  <mc:AlternateContent xmlns:mc="http://schemas.openxmlformats.org/markup-compatibility/2006" xmlns:p15="http://schemas.microsoft.com/office/powerpoint/2012/main">
+    <mc:Choice Requires="p15">
       <p:transition xmlns:p14="http://schemas.microsoft.com/office/powerpoint/2010/main" spd="slow" p14:dur="2000">
         <p15:prstTrans prst="crush"/>
       </p:transition>
     </mc:Choice>
-    <mc:Fallback>
+    <mc:Fallback xmlns="">
       <p:transition spd="slow">
         <p:fade/>
       </p:transition>
@@ -15599,7 +11797,7 @@
         </p:nvSpPr>
         <p:spPr>
           <a:xfrm>
-            <a:off x="1640156" y="0"/>
+            <a:off x="1640156" y="457201"/>
             <a:ext cx="8911687" cy="1212980"/>
           </a:xfrm>
         </p:spPr>
@@ -15609,7 +11807,7 @@
           </a:bodyPr>
           <a:lstStyle/>
           <a:p>
-            <a:pPr lvl="0">
+            <a:pPr lvl="0" algn="ctr">
               <a:lnSpc>
                 <a:spcPct val="107000"/>
               </a:lnSpc>
@@ -15847,13 +12045,13 @@
   <p:clrMapOvr>
     <a:masterClrMapping/>
   </p:clrMapOvr>
-  <mc:AlternateContent xmlns:mc="http://schemas.openxmlformats.org/markup-compatibility/2006">
-    <mc:Choice xmlns:p159="http://schemas.microsoft.com/office/powerpoint/2015/09/main" Requires="p159">
+  <mc:AlternateContent xmlns:mc="http://schemas.openxmlformats.org/markup-compatibility/2006" xmlns:p159="http://schemas.microsoft.com/office/powerpoint/2015/09/main">
+    <mc:Choice Requires="p159">
       <p:transition xmlns:p14="http://schemas.microsoft.com/office/powerpoint/2010/main" spd="slow" p14:dur="2000">
         <p159:morph option="byChar"/>
       </p:transition>
     </mc:Choice>
-    <mc:Fallback>
+    <mc:Fallback xmlns="">
       <p:transition spd="slow">
         <p:fade/>
       </p:transition>
@@ -15891,7 +12089,7 @@
         </p:nvSpPr>
         <p:spPr>
           <a:xfrm>
-            <a:off x="838200" y="113333"/>
+            <a:off x="838200" y="613665"/>
             <a:ext cx="10515600" cy="867327"/>
           </a:xfrm>
         </p:spPr>
@@ -15936,13 +12134,13 @@
         </p:nvSpPr>
         <p:spPr>
           <a:xfrm>
-            <a:off x="838200" y="980660"/>
-            <a:ext cx="10515600" cy="5658679"/>
+            <a:off x="838200" y="1371600"/>
+            <a:ext cx="10515600" cy="5486400"/>
           </a:xfrm>
         </p:spPr>
         <p:txBody>
           <a:bodyPr>
-            <a:normAutofit fontScale="92500" lnSpcReduction="10000"/>
+            <a:normAutofit fontScale="92500" lnSpcReduction="20000"/>
           </a:bodyPr>
           <a:lstStyle/>
           <a:p>
@@ -16582,13 +12780,13 @@
   <p:clrMapOvr>
     <a:masterClrMapping/>
   </p:clrMapOvr>
-  <mc:AlternateContent xmlns:mc="http://schemas.openxmlformats.org/markup-compatibility/2006">
-    <mc:Choice xmlns:p159="http://schemas.microsoft.com/office/powerpoint/2015/09/main" Requires="p159">
+  <mc:AlternateContent xmlns:mc="http://schemas.openxmlformats.org/markup-compatibility/2006" xmlns:p159="http://schemas.microsoft.com/office/powerpoint/2015/09/main">
+    <mc:Choice Requires="p159">
       <p:transition xmlns:p14="http://schemas.microsoft.com/office/powerpoint/2010/main" spd="slow" p14:dur="2000">
         <p159:morph option="byObject"/>
       </p:transition>
     </mc:Choice>
-    <mc:Fallback>
+    <mc:Fallback xmlns="">
       <p:transition spd="slow">
         <p:fade/>
       </p:transition>
@@ -16626,8 +12824,8 @@
         </p:nvSpPr>
         <p:spPr>
           <a:xfrm>
-            <a:off x="417443" y="139840"/>
-            <a:ext cx="11357113" cy="867325"/>
+            <a:off x="0" y="195862"/>
+            <a:ext cx="12192000" cy="1632938"/>
           </a:xfrm>
         </p:spPr>
         <p:txBody>
@@ -16637,7 +12835,7 @@
           <a:lstStyle/>
           <a:p>
             <a:r>
-              <a:rPr lang="en-US" sz="6000" b="1" dirty="0">
+              <a:rPr lang="en-US" sz="5400" b="1" dirty="0">
                 <a:effectLst/>
                 <a:latin typeface="Calibri Light" panose="020F0302020204030204" pitchFamily="34" charset="0"/>
                 <a:ea typeface="等线 Light" panose="02010600030101010101" pitchFamily="2" charset="-122"/>
@@ -16645,7 +12843,7 @@
               </a:rPr>
               <a:t>Theme, Fonts, logo, Technology used</a:t>
             </a:r>
-            <a:endParaRPr lang="en-PH" sz="6000" dirty="0"/>
+            <a:endParaRPr lang="en-PH" sz="5400" dirty="0"/>
           </a:p>
         </p:txBody>
       </p:sp>
@@ -16661,8 +12859,8 @@
         </p:nvSpPr>
         <p:spPr>
           <a:xfrm>
-            <a:off x="838200" y="1007165"/>
-            <a:ext cx="10515600" cy="5169798"/>
+            <a:off x="838200" y="1828800"/>
+            <a:ext cx="10515600" cy="5029199"/>
           </a:xfrm>
         </p:spPr>
         <p:txBody>
@@ -16676,7 +12874,7 @@
             </a:pPr>
             <a:r>
               <a:rPr lang="en-US" dirty="0"/>
-              <a:t>THEME:</a:t>
+              <a:t>TTHEME:</a:t>
             </a:r>
           </a:p>
           <a:p>
@@ -16710,6 +12908,12 @@
             <a:pPr marL="0" indent="0">
               <a:buNone/>
             </a:pPr>
+            <a:endParaRPr lang="en-US" dirty="0"/>
+          </a:p>
+          <a:p>
+            <a:pPr marL="0" indent="0">
+              <a:buNone/>
+            </a:pPr>
             <a:r>
               <a:rPr lang="en-US" dirty="0"/>
               <a:t>LOGO:</a:t>
@@ -16719,12 +12923,9 @@
             <a:endParaRPr lang="en-PH" dirty="0"/>
           </a:p>
           <a:p>
-            <a:endParaRPr lang="en-PH" dirty="0"/>
-          </a:p>
-          <a:p>
-            <a:endParaRPr lang="en-PH" dirty="0"/>
-          </a:p>
-          <a:p>
+            <a:pPr marL="0" indent="0">
+              <a:buNone/>
+            </a:pPr>
             <a:endParaRPr lang="en-PH" dirty="0"/>
           </a:p>
           <a:p>
@@ -16743,153 +12944,8 @@
                 <a:latin typeface="Calibri" panose="020F0502020204030204" pitchFamily="34" charset="0"/>
                 <a:cs typeface="Times New Roman" panose="02020603050405020304" pitchFamily="18" charset="0"/>
               </a:rPr>
-              <a:t>Technology used:</a:t>
-            </a:r>
-          </a:p>
-          <a:p>
-            <a:pPr marL="0" indent="0">
-              <a:lnSpc>
-                <a:spcPct val="107000"/>
-              </a:lnSpc>
-              <a:spcAft>
-                <a:spcPts val="800"/>
-              </a:spcAft>
-              <a:buNone/>
-            </a:pPr>
-            <a:r>
-              <a:rPr lang="en-PH" dirty="0">
-                <a:effectLst/>
-                <a:latin typeface="Calibri" panose="020F0502020204030204" pitchFamily="34" charset="0"/>
-                <a:cs typeface="Times New Roman" panose="02020603050405020304" pitchFamily="18" charset="0"/>
-              </a:rPr>
-              <a:t> HTML 5, CSS 3, BOOTSTRAP, FIGMA.COM, CANVA.COM, LOGO.COM.</a:t>
-            </a:r>
-          </a:p>
-        </p:txBody>
-      </p:sp>
-      <p:sp>
-        <p:nvSpPr>
-          <p:cNvPr id="8" name="Rectangle 3"/>
-          <p:cNvSpPr>
-            <a:spLocks noChangeArrowheads="1"/>
-          </p:cNvSpPr>
-          <p:nvPr/>
-        </p:nvSpPr>
-        <p:spPr bwMode="auto">
-          <a:xfrm>
-            <a:off x="0" y="-448508"/>
-            <a:ext cx="6481261" cy="1354217"/>
-          </a:xfrm>
-          <a:prstGeom prst="rect">
-            <a:avLst/>
-          </a:prstGeom>
-          <a:noFill/>
-          <a:ln>
-            <a:noFill/>
-          </a:ln>
-          <a:effectLst/>
-          <a:extLst>
-            <a:ext uri="{909E8E84-426E-40DD-AFC4-6F175D3DCCD1}">
-              <a14:hiddenFill xmlns:a14="http://schemas.microsoft.com/office/drawing/2010/main">
-                <a:solidFill>
-                  <a:schemeClr val="accent1"/>
-                </a:solidFill>
-              </a14:hiddenFill>
-            </a:ext>
-            <a:ext uri="{91240B29-F687-4F45-9708-019B960494DF}">
-              <a14:hiddenLine xmlns:a14="http://schemas.microsoft.com/office/drawing/2010/main" w="9525">
-                <a:solidFill>
-                  <a:schemeClr val="tx1"/>
-                </a:solidFill>
-                <a:miter lim="800000"/>
-                <a:headEnd/>
-                <a:tailEnd/>
-              </a14:hiddenLine>
-            </a:ext>
-            <a:ext uri="{AF507438-7753-43E0-B8FC-AC1667EBCBE1}">
-              <a14:hiddenEffects xmlns:a14="http://schemas.microsoft.com/office/drawing/2010/main">
-                <a:effectLst>
-                  <a:outerShdw dist="35921" dir="2700000" algn="ctr" rotWithShape="0">
-                    <a:schemeClr val="bg2"/>
-                  </a:outerShdw>
-                </a:effectLst>
-              </a14:hiddenEffects>
-            </a:ext>
-          </a:extLst>
-        </p:spPr>
-        <p:txBody>
-          <a:bodyPr vert="horz" wrap="none" lIns="91440" tIns="45720" rIns="91440" bIns="45720" numCol="1" anchor="ctr" anchorCtr="0" compatLnSpc="1">
-            <a:spAutoFit/>
-          </a:bodyPr>
-          <a:lstStyle/>
-          <a:p>
-            <a:pPr marL="0" marR="0" lvl="0" indent="0" algn="l" defTabSz="914400" rtl="0" eaLnBrk="0" fontAlgn="base" latinLnBrk="0" hangingPunct="0">
-              <a:lnSpc>
-                <a:spcPct val="100000"/>
-              </a:lnSpc>
-              <a:spcBef>
-                <a:spcPct val="0"/>
-              </a:spcBef>
-              <a:spcAft>
-                <a:spcPct val="0"/>
-              </a:spcAft>
-              <a:buClrTx/>
-              <a:buSzTx/>
-              <a:buFontTx/>
-              <a:buNone/>
-            </a:pPr>
-            <a:r>
-              <a:rPr kumimoji="0" lang="en-US" altLang="en-US" sz="1100" b="0" i="0" u="none" strike="noStrike" cap="none" normalizeH="0" baseline="0" dirty="0">
-                <a:ln>
-                  <a:noFill/>
-                </a:ln>
-                <a:solidFill>
-                  <a:schemeClr val="tx1"/>
-                </a:solidFill>
-                <a:effectLst/>
-                <a:latin typeface="Calibri" panose="020F0502020204030204" pitchFamily="34" charset="0"/>
-                <a:cs typeface="Calibri" panose="020F0502020204030204" pitchFamily="34" charset="0"/>
-              </a:rPr>
-              <a:t>  </a:t>
-            </a:r>
-            <a:r>
-              <a:rPr kumimoji="0" lang="en-US" altLang="en-US" sz="8200" b="0" i="0" u="none" strike="noStrike" cap="none" normalizeH="0" baseline="0" dirty="0">
-                <a:ln>
-                  <a:noFill/>
-                </a:ln>
-                <a:solidFill>
-                  <a:schemeClr val="tx1"/>
-                </a:solidFill>
-                <a:effectLst/>
-                <a:latin typeface="Calibri" panose="020F0502020204030204" pitchFamily="34" charset="0"/>
-                <a:cs typeface="Calibri" panose="020F0502020204030204" pitchFamily="34" charset="0"/>
-              </a:rPr>
-              <a:t>                          </a:t>
-            </a:r>
-            <a:r>
-              <a:rPr kumimoji="0" lang="en-US" altLang="en-US" sz="1800" b="1" i="0" u="none" strike="noStrike" cap="none" normalizeH="0" baseline="0" dirty="0">
-                <a:ln>
-                  <a:noFill/>
-                </a:ln>
-                <a:solidFill>
-                  <a:schemeClr val="tx1"/>
-                </a:solidFill>
-                <a:effectLst/>
-                <a:latin typeface="Calibri" panose="020F0502020204030204" pitchFamily="34" charset="0"/>
-                <a:cs typeface="Times New Roman" panose="02020603050405020304" pitchFamily="18" charset="0"/>
-              </a:rPr>
-              <a:t>:</a:t>
-            </a:r>
-            <a:endParaRPr kumimoji="0" lang="en-US" altLang="en-US" sz="1800" b="0" i="0" u="none" strike="noStrike" cap="none" normalizeH="0" baseline="0" dirty="0">
-              <a:ln>
-                <a:noFill/>
-              </a:ln>
-              <a:solidFill>
-                <a:schemeClr val="tx1"/>
-              </a:solidFill>
-              <a:effectLst/>
-              <a:latin typeface="Arial" panose="020B0604020202020204" pitchFamily="34" charset="0"/>
-            </a:endParaRPr>
+              <a:t>Technology used:  HTML 5, CSS 3, BOOTSTRAP, FIGMA.COM, CANVA.COM, LOGO.COM.</a:t>
+            </a:r>
           </a:p>
         </p:txBody>
       </p:sp>
@@ -16916,7 +12972,7 @@
         </p:blipFill>
         <p:spPr bwMode="auto">
           <a:xfrm>
-            <a:off x="2648778" y="1147005"/>
+            <a:off x="2445579" y="2064581"/>
             <a:ext cx="5943600" cy="1314450"/>
           </a:xfrm>
           <a:prstGeom prst="rect">
@@ -16950,7 +13006,7 @@
         </p:blipFill>
         <p:spPr>
           <a:xfrm>
-            <a:off x="1491782" y="3429000"/>
+            <a:off x="2056112" y="4476428"/>
             <a:ext cx="4888373" cy="1169159"/>
           </a:xfrm>
           <a:prstGeom prst="rect">
@@ -16963,13 +13019,13 @@
   <p:clrMapOvr>
     <a:masterClrMapping/>
   </p:clrMapOvr>
-  <mc:AlternateContent xmlns:mc="http://schemas.openxmlformats.org/markup-compatibility/2006">
-    <mc:Choice xmlns:p159="http://schemas.microsoft.com/office/powerpoint/2015/09/main" Requires="p159">
+  <mc:AlternateContent xmlns:mc="http://schemas.openxmlformats.org/markup-compatibility/2006" xmlns:p159="http://schemas.microsoft.com/office/powerpoint/2015/09/main">
+    <mc:Choice Requires="p159">
       <p:transition xmlns:p14="http://schemas.microsoft.com/office/powerpoint/2010/main" spd="slow" p14:dur="2000">
         <p159:morph option="byObject"/>
       </p:transition>
     </mc:Choice>
-    <mc:Fallback>
+    <mc:Fallback xmlns="">
       <p:transition spd="slow">
         <p:fade/>
       </p:transition>
@@ -17007,7 +13063,7 @@
         </p:nvSpPr>
         <p:spPr>
           <a:xfrm>
-            <a:off x="838200" y="2987088"/>
+            <a:off x="716213" y="3524735"/>
             <a:ext cx="10515600" cy="883824"/>
           </a:xfrm>
         </p:spPr>
@@ -17019,14 +13075,26 @@
           <a:p>
             <a:pPr algn="ctr"/>
             <a:r>
-              <a:rPr lang="en-US" sz="6000" dirty="0"/>
+              <a:rPr lang="en-US" sz="6000" dirty="0">
+                <a:solidFill>
+                  <a:schemeClr val="tx1"/>
+                </a:solidFill>
+              </a:rPr>
               <a:t>SITE </a:t>
             </a:r>
             <a:r>
-              <a:rPr lang="en-US" sz="6700" dirty="0"/>
+              <a:rPr lang="en-US" sz="6700" dirty="0">
+                <a:solidFill>
+                  <a:schemeClr val="tx1"/>
+                </a:solidFill>
+              </a:rPr>
               <a:t>MAP</a:t>
             </a:r>
-            <a:endParaRPr lang="en-PH" sz="6700" dirty="0"/>
+            <a:endParaRPr lang="en-PH" sz="6700" dirty="0">
+              <a:solidFill>
+                <a:schemeClr val="tx1"/>
+              </a:solidFill>
+            </a:endParaRPr>
           </a:p>
         </p:txBody>
       </p:sp>
@@ -18188,13 +14256,13 @@
   <p:clrMapOvr>
     <a:masterClrMapping/>
   </p:clrMapOvr>
-  <mc:AlternateContent xmlns:mc="http://schemas.openxmlformats.org/markup-compatibility/2006">
-    <mc:Choice xmlns:p159="http://schemas.microsoft.com/office/powerpoint/2015/09/main" Requires="p159">
+  <mc:AlternateContent xmlns:mc="http://schemas.openxmlformats.org/markup-compatibility/2006" xmlns:p159="http://schemas.microsoft.com/office/powerpoint/2015/09/main">
+    <mc:Choice Requires="p159">
       <p:transition xmlns:p14="http://schemas.microsoft.com/office/powerpoint/2010/main" spd="slow" p14:dur="2000">
         <p159:morph option="byObject"/>
       </p:transition>
     </mc:Choice>
-    <mc:Fallback>
+    <mc:Fallback xmlns="">
       <p:transition spd="slow">
         <p:fade/>
       </p:transition>
@@ -18204,55 +14272,55 @@
 </file>
 
 <file path=ppt/theme/theme1.xml><?xml version="1.0" encoding="utf-8"?>
-<a:theme xmlns:a="http://schemas.openxmlformats.org/drawingml/2006/main" name="Wisp">
+<a:theme xmlns:a="http://schemas.openxmlformats.org/drawingml/2006/main" name="Banded">
   <a:themeElements>
-    <a:clrScheme name="Wisp">
+    <a:clrScheme name="Banded">
       <a:dk1>
-        <a:sysClr val="windowText" lastClr="000000"/>
+        <a:srgbClr val="2C2C2C"/>
       </a:dk1>
       <a:lt1>
-        <a:sysClr val="window" lastClr="FFFFFF"/>
+        <a:srgbClr val="FFFFFF"/>
       </a:lt1>
       <a:dk2>
-        <a:srgbClr val="2C333A"/>
+        <a:srgbClr val="099BDD"/>
       </a:dk2>
       <a:lt2>
-        <a:srgbClr val="D6ECED"/>
+        <a:srgbClr val="F2F2F2"/>
       </a:lt2>
       <a:accent1>
-        <a:srgbClr val="DE32DE"/>
+        <a:srgbClr val="FFC000"/>
       </a:accent1>
       <a:accent2>
-        <a:srgbClr val="F42B8A"/>
+        <a:srgbClr val="A5D028"/>
       </a:accent2>
       <a:accent3>
-        <a:srgbClr val="349FE7"/>
+        <a:srgbClr val="08CC78"/>
       </a:accent3>
       <a:accent4>
-        <a:srgbClr val="565FF8"/>
+        <a:srgbClr val="F24099"/>
       </a:accent4>
       <a:accent5>
-        <a:srgbClr val="876BE7"/>
+        <a:srgbClr val="828288"/>
       </a:accent5>
       <a:accent6>
-        <a:srgbClr val="F268C2"/>
+        <a:srgbClr val="F56617"/>
       </a:accent6>
       <a:hlink>
-        <a:srgbClr val="F55CF9"/>
+        <a:srgbClr val="005DBA"/>
       </a:hlink>
       <a:folHlink>
-        <a:srgbClr val="E8A0EE"/>
+        <a:srgbClr val="6C606A"/>
       </a:folHlink>
     </a:clrScheme>
-    <a:fontScheme name="Wisp">
+    <a:fontScheme name="Banded">
       <a:majorFont>
-        <a:latin typeface="Century Gothic" panose="020B0502020202020204"/>
+        <a:latin typeface="Corbel" panose="020B0503020204020204"/>
         <a:ea typeface=""/>
         <a:cs typeface=""/>
-        <a:font script="Jpan" typeface="メイリオ"/>
-        <a:font script="Hang" typeface="HY중고딕"/>
-        <a:font script="Hans" typeface="幼圆"/>
-        <a:font script="Hant" typeface="微軟正黑體"/>
+        <a:font script="Jpan" typeface="ＭＳ ゴシック"/>
+        <a:font script="Hang" typeface="맑은 고딕"/>
+        <a:font script="Hans" typeface="宋体"/>
+        <a:font script="Hant" typeface="新細明體"/>
         <a:font script="Arab" typeface="Tahoma"/>
         <a:font script="Hebr" typeface="Gisha"/>
         <a:font script="Thai" typeface="DilleniaUPC"/>
@@ -18281,13 +14349,13 @@
         <a:font script="Geor" typeface="Sylfaen"/>
       </a:majorFont>
       <a:minorFont>
-        <a:latin typeface="Century Gothic" panose="020B0502020202020204"/>
+        <a:latin typeface="Corbel" panose="020B0503020204020204"/>
         <a:ea typeface=""/>
         <a:cs typeface=""/>
-        <a:font script="Jpan" typeface="メイリオ"/>
-        <a:font script="Hang" typeface="HY중고딕"/>
-        <a:font script="Hans" typeface="幼圆"/>
-        <a:font script="Hant" typeface="微軟正黑體"/>
+        <a:font script="Jpan" typeface="ＭＳ ゴシック"/>
+        <a:font script="Hang" typeface="맑은 고딕"/>
+        <a:font script="Hans" typeface="宋体"/>
+        <a:font script="Hant" typeface="新細明體"/>
         <a:font script="Arab" typeface="Tahoma"/>
         <a:font script="Hebr" typeface="Gisha"/>
         <a:font script="Thai" typeface="DilleniaUPC"/>
@@ -18311,34 +14379,64 @@
         <a:font script="Laoo" typeface="DokChampa"/>
         <a:font script="Sinh" typeface="Iskoola Pota"/>
         <a:font script="Mong" typeface="Mongolian Baiti"/>
-        <a:font script="Viet" typeface="Tahoma"/>
+        <a:font script="Viet" typeface="Verdana"/>
         <a:font script="Uigh" typeface="Microsoft Uighur"/>
         <a:font script="Geor" typeface="Sylfaen"/>
       </a:minorFont>
     </a:fontScheme>
-    <a:fmtScheme name="Wisp">
+    <a:fmtScheme name="Banded">
       <a:fillStyleLst>
         <a:solidFill>
           <a:schemeClr val="phClr"/>
-        </a:solidFill>
-        <a:solidFill>
-          <a:schemeClr val="phClr">
-            <a:tint val="70000"/>
-            <a:lumMod val="104000"/>
-          </a:schemeClr>
         </a:solidFill>
         <a:gradFill rotWithShape="1">
           <a:gsLst>
             <a:gs pos="0">
               <a:schemeClr val="phClr">
-                <a:tint val="96000"/>
-                <a:lumMod val="104000"/>
+                <a:tint val="65000"/>
+                <a:satMod val="120000"/>
+                <a:lumMod val="107000"/>
+              </a:schemeClr>
+            </a:gs>
+            <a:gs pos="50000">
+              <a:schemeClr val="phClr">
+                <a:tint val="70000"/>
+                <a:satMod val="124000"/>
+                <a:lumMod val="103000"/>
               </a:schemeClr>
             </a:gs>
             <a:gs pos="100000">
               <a:schemeClr val="phClr">
+                <a:tint val="85000"/>
+                <a:satMod val="120000"/>
+                <a:lumMod val="100000"/>
+              </a:schemeClr>
+            </a:gs>
+          </a:gsLst>
+          <a:lin ang="5400000" scaled="0"/>
+        </a:gradFill>
+        <a:gradFill rotWithShape="1">
+          <a:gsLst>
+            <a:gs pos="0">
+              <a:schemeClr val="phClr">
+                <a:tint val="85000"/>
                 <a:shade val="98000"/>
-                <a:lumMod val="94000"/>
+                <a:satMod val="110000"/>
+                <a:lumMod val="103000"/>
+              </a:schemeClr>
+            </a:gs>
+            <a:gs pos="50000">
+              <a:schemeClr val="phClr">
+                <a:shade val="85000"/>
+                <a:satMod val="105000"/>
+                <a:lumMod val="100000"/>
+              </a:schemeClr>
+            </a:gs>
+            <a:gs pos="100000">
+              <a:schemeClr val="phClr">
+                <a:shade val="60000"/>
+                <a:satMod val="120000"/>
+                <a:lumMod val="100000"/>
               </a:schemeClr>
             </a:gs>
           </a:gsLst>
@@ -18346,21 +14444,19 @@
         </a:gradFill>
       </a:fillStyleLst>
       <a:lnStyleLst>
-        <a:ln w="9525" cap="rnd" cmpd="sng" algn="ctr">
-          <a:solidFill>
-            <a:schemeClr val="phClr">
-              <a:shade val="90000"/>
-            </a:schemeClr>
-          </a:solidFill>
-          <a:prstDash val="solid"/>
-        </a:ln>
-        <a:ln w="15875" cap="rnd" cmpd="sng" algn="ctr">
+        <a:ln w="9525" cap="flat" cmpd="sng" algn="ctr">
           <a:solidFill>
             <a:schemeClr val="phClr"/>
           </a:solidFill>
           <a:prstDash val="solid"/>
         </a:ln>
-        <a:ln w="22225" cap="rnd" cmpd="sng" algn="ctr">
+        <a:ln w="12700" cap="flat" cmpd="sng" algn="ctr">
+          <a:solidFill>
+            <a:schemeClr val="phClr"/>
+          </a:solidFill>
+          <a:prstDash val="solid"/>
+        </a:ln>
+        <a:ln w="25400" cap="flat" cmpd="sng" algn="ctr">
           <a:solidFill>
             <a:schemeClr val="phClr"/>
           </a:solidFill>
@@ -18373,18 +14469,18 @@
         </a:effectStyle>
         <a:effectStyle>
           <a:effectLst>
-            <a:outerShdw blurRad="38100" dist="25400" dir="5400000" rotWithShape="0">
+            <a:outerShdw blurRad="50800" dist="15875" dir="5400000" algn="ctr" rotWithShape="0">
               <a:srgbClr val="000000">
-                <a:alpha val="25000"/>
+                <a:alpha val="68000"/>
               </a:srgbClr>
             </a:outerShdw>
           </a:effectLst>
         </a:effectStyle>
         <a:effectStyle>
           <a:effectLst>
-            <a:outerShdw blurRad="50800" dist="38100" dir="5400000" rotWithShape="0">
+            <a:outerShdw blurRad="88900" dist="27940" dir="5400000" algn="ctr" rotWithShape="0">
               <a:srgbClr val="000000">
-                <a:alpha val="60000"/>
+                <a:alpha val="63000"/>
               </a:srgbClr>
             </a:outerShdw>
           </a:effectLst>
@@ -18394,44 +14490,35 @@
         <a:solidFill>
           <a:schemeClr val="phClr"/>
         </a:solidFill>
+        <a:blipFill rotWithShape="1">
+          <a:blip xmlns:r="http://schemas.openxmlformats.org/officeDocument/2006/relationships" r:embed="rId1">
+            <a:duotone>
+              <a:schemeClr val="phClr"/>
+              <a:schemeClr val="phClr">
+                <a:shade val="91000"/>
+                <a:satMod val="105000"/>
+              </a:schemeClr>
+            </a:duotone>
+          </a:blip>
+          <a:tile tx="0" ty="0" sx="100000" sy="100000" flip="none" algn="tl"/>
+        </a:blipFill>
         <a:gradFill rotWithShape="1">
           <a:gsLst>
             <a:gs pos="0">
               <a:schemeClr val="phClr">
-                <a:tint val="90000"/>
-                <a:lumMod val="120000"/>
+                <a:tint val="100000"/>
+                <a:shade val="0"/>
+                <a:satMod val="100000"/>
               </a:schemeClr>
             </a:gs>
             <a:gs pos="100000">
               <a:schemeClr val="phClr">
-                <a:shade val="98000"/>
-                <a:satMod val="120000"/>
-                <a:lumMod val="98000"/>
+                <a:shade val="100000"/>
+                <a:satMod val="100000"/>
               </a:schemeClr>
             </a:gs>
           </a:gsLst>
           <a:lin ang="5400000" scaled="0"/>
-        </a:gradFill>
-        <a:gradFill rotWithShape="1">
-          <a:gsLst>
-            <a:gs pos="0">
-              <a:schemeClr val="phClr">
-                <a:tint val="90000"/>
-                <a:satMod val="92000"/>
-                <a:lumMod val="120000"/>
-              </a:schemeClr>
-            </a:gs>
-            <a:gs pos="100000">
-              <a:schemeClr val="phClr">
-                <a:shade val="98000"/>
-                <a:satMod val="120000"/>
-                <a:lumMod val="98000"/>
-              </a:schemeClr>
-            </a:gs>
-          </a:gsLst>
-          <a:path path="circle">
-            <a:fillToRect l="50000" t="50000" r="100000" b="100000"/>
-          </a:path>
         </a:gradFill>
       </a:bgFillStyleLst>
     </a:fmtScheme>
@@ -18440,7 +14527,7 @@
   <a:extraClrSchemeLst/>
   <a:extLst>
     <a:ext uri="{05A4C25C-085E-4340-85A3-A5531E510DB2}">
-      <thm15:themeFamily xmlns:thm15="http://schemas.microsoft.com/office/thememl/2012/main" name="Wisp" id="{7CB32D59-10C0-40DD-B7BD-2E94284A981C}" vid="{F20B7C8E-B819-43F3-AAF9-EE50B1A83630}"/>
+      <thm15:themeFamily xmlns:thm15="http://schemas.microsoft.com/office/thememl/2012/main" name="Banded" id="{98DFF888-2449-4D28-977C-6306C017633E}" vid="{9792607F-9579-4224-82FF-9C88C3E1E53D}"/>
     </a:ext>
   </a:extLst>
 </a:theme>

--- a/MINI PROJECT 1 final.pptx
+++ b/MINI PROJECT 1 final.pptx
@@ -5,7 +5,7 @@
     <p:sldMasterId id="2147483760" r:id="rId1"/>
   </p:sldMasterIdLst>
   <p:sldIdLst>
-    <p:sldId id="277" r:id="rId2"/>
+    <p:sldId id="279" r:id="rId2"/>
     <p:sldId id="256" r:id="rId3"/>
     <p:sldId id="257" r:id="rId4"/>
     <p:sldId id="258" r:id="rId5"/>
@@ -130,7 +130,7 @@
       <p14:sectionLst xmlns:p14="http://schemas.microsoft.com/office/powerpoint/2010/main">
         <p14:section name="Default Section" id="{1512A41C-B419-492A-850A-5F50FB1176EE}">
           <p14:sldIdLst>
-            <p14:sldId id="277"/>
+            <p14:sldId id="279"/>
             <p14:sldId id="256"/>
           </p14:sldIdLst>
         </p14:section>
@@ -3574,8 +3574,16 @@
 </file>
 
 <file path=ppt/slides/slide1.xml><?xml version="1.0" encoding="utf-8"?>
-<p:sld xmlns:a="http://schemas.openxmlformats.org/drawingml/2006/main" xmlns:r="http://schemas.openxmlformats.org/officeDocument/2006/relationships" xmlns:p="http://schemas.openxmlformats.org/presentationml/2006/main">
+<p:sld xmlns:a="http://schemas.openxmlformats.org/drawingml/2006/main" xmlns:r="http://schemas.openxmlformats.org/officeDocument/2006/relationships" xmlns:p="http://schemas.openxmlformats.org/presentationml/2006/main" showMasterSp="0">
   <p:cSld>
+    <p:bg>
+      <p:bgPr>
+        <a:solidFill>
+          <a:schemeClr val="bg1"/>
+        </a:solidFill>
+        <a:effectLst/>
+      </p:bgPr>
+    </p:bg>
     <p:spTree>
       <p:nvGrpSpPr>
         <p:cNvPr id="1" name=""/>
@@ -3593,7 +3601,7 @@
     </p:spTree>
     <p:extLst>
       <p:ext uri="{BB962C8B-B14F-4D97-AF65-F5344CB8AC3E}">
-        <p14:creationId xmlns:p14="http://schemas.microsoft.com/office/powerpoint/2010/main" val="3959380907"/>
+        <p14:creationId xmlns:p14="http://schemas.microsoft.com/office/powerpoint/2010/main" val="2903302618"/>
       </p:ext>
     </p:extLst>
   </p:cSld>
@@ -10936,13 +10944,13 @@
   <p:clrMapOvr>
     <a:masterClrMapping/>
   </p:clrMapOvr>
-  <mc:AlternateContent xmlns:mc="http://schemas.openxmlformats.org/markup-compatibility/2006">
-    <mc:Choice xmlns:p159="http://schemas.microsoft.com/office/powerpoint/2015/09/main" Requires="p159">
+  <mc:AlternateContent xmlns:mc="http://schemas.openxmlformats.org/markup-compatibility/2006" xmlns:p159="http://schemas.microsoft.com/office/powerpoint/2015/09/main">
+    <mc:Choice Requires="p159">
       <p:transition xmlns:p14="http://schemas.microsoft.com/office/powerpoint/2010/main" spd="slow" p14:dur="2000">
         <p159:morph option="byObject"/>
       </p:transition>
     </mc:Choice>
-    <mc:Fallback>
+    <mc:Fallback xmlns="">
       <p:transition spd="slow">
         <p:fade/>
       </p:transition>

--- a/MINI PROJECT 1 final.pptx
+++ b/MINI PROJECT 1 final.pptx
@@ -9672,6 +9672,219 @@
       </p:transition>
     </mc:Fallback>
   </mc:AlternateContent>
+  <p:timing>
+    <p:tnLst>
+      <p:par>
+        <p:cTn id="1" dur="indefinite" restart="never" nodeType="tmRoot">
+          <p:childTnLst>
+            <p:seq concurrent="1" nextAc="seek">
+              <p:cTn id="2" dur="indefinite" nodeType="mainSeq">
+                <p:childTnLst>
+                  <p:par>
+                    <p:cTn id="3" fill="hold">
+                      <p:stCondLst>
+                        <p:cond delay="indefinite"/>
+                      </p:stCondLst>
+                      <p:childTnLst>
+                        <p:par>
+                          <p:cTn id="4" fill="hold">
+                            <p:stCondLst>
+                              <p:cond delay="0"/>
+                            </p:stCondLst>
+                            <p:childTnLst>
+                              <p:par>
+                                <p:cTn id="5" presetID="10" presetClass="entr" presetSubtype="0" fill="hold" nodeType="clickEffect">
+                                  <p:stCondLst>
+                                    <p:cond delay="0"/>
+                                  </p:stCondLst>
+                                  <p:childTnLst>
+                                    <p:set>
+                                      <p:cBhvr>
+                                        <p:cTn id="6" dur="1" fill="hold">
+                                          <p:stCondLst>
+                                            <p:cond delay="0"/>
+                                          </p:stCondLst>
+                                        </p:cTn>
+                                        <p:tgtEl>
+                                          <p:spTgt spid="3">
+                                            <p:txEl>
+                                              <p:pRg st="0" end="0"/>
+                                            </p:txEl>
+                                          </p:spTgt>
+                                        </p:tgtEl>
+                                        <p:attrNameLst>
+                                          <p:attrName>style.visibility</p:attrName>
+                                        </p:attrNameLst>
+                                      </p:cBhvr>
+                                      <p:to>
+                                        <p:strVal val="visible"/>
+                                      </p:to>
+                                    </p:set>
+                                    <p:animEffect transition="in" filter="fade">
+                                      <p:cBhvr>
+                                        <p:cTn id="7" dur="500"/>
+                                        <p:tgtEl>
+                                          <p:spTgt spid="3">
+                                            <p:txEl>
+                                              <p:pRg st="0" end="0"/>
+                                            </p:txEl>
+                                          </p:spTgt>
+                                        </p:tgtEl>
+                                      </p:cBhvr>
+                                    </p:animEffect>
+                                  </p:childTnLst>
+                                </p:cTn>
+                              </p:par>
+                            </p:childTnLst>
+                          </p:cTn>
+                        </p:par>
+                      </p:childTnLst>
+                    </p:cTn>
+                  </p:par>
+                  <p:par>
+                    <p:cTn id="8" fill="hold">
+                      <p:stCondLst>
+                        <p:cond delay="indefinite"/>
+                      </p:stCondLst>
+                      <p:childTnLst>
+                        <p:par>
+                          <p:cTn id="9" fill="hold">
+                            <p:stCondLst>
+                              <p:cond delay="0"/>
+                            </p:stCondLst>
+                            <p:childTnLst>
+                              <p:par>
+                                <p:cTn id="10" presetID="10" presetClass="entr" presetSubtype="0" fill="hold" nodeType="clickEffect">
+                                  <p:stCondLst>
+                                    <p:cond delay="0"/>
+                                  </p:stCondLst>
+                                  <p:childTnLst>
+                                    <p:set>
+                                      <p:cBhvr>
+                                        <p:cTn id="11" dur="1" fill="hold">
+                                          <p:stCondLst>
+                                            <p:cond delay="0"/>
+                                          </p:stCondLst>
+                                        </p:cTn>
+                                        <p:tgtEl>
+                                          <p:spTgt spid="3">
+                                            <p:txEl>
+                                              <p:pRg st="1" end="1"/>
+                                            </p:txEl>
+                                          </p:spTgt>
+                                        </p:tgtEl>
+                                        <p:attrNameLst>
+                                          <p:attrName>style.visibility</p:attrName>
+                                        </p:attrNameLst>
+                                      </p:cBhvr>
+                                      <p:to>
+                                        <p:strVal val="visible"/>
+                                      </p:to>
+                                    </p:set>
+                                    <p:animEffect transition="in" filter="fade">
+                                      <p:cBhvr>
+                                        <p:cTn id="12" dur="500"/>
+                                        <p:tgtEl>
+                                          <p:spTgt spid="3">
+                                            <p:txEl>
+                                              <p:pRg st="1" end="1"/>
+                                            </p:txEl>
+                                          </p:spTgt>
+                                        </p:tgtEl>
+                                      </p:cBhvr>
+                                    </p:animEffect>
+                                  </p:childTnLst>
+                                </p:cTn>
+                              </p:par>
+                            </p:childTnLst>
+                          </p:cTn>
+                        </p:par>
+                      </p:childTnLst>
+                    </p:cTn>
+                  </p:par>
+                  <p:par>
+                    <p:cTn id="13" fill="hold">
+                      <p:stCondLst>
+                        <p:cond delay="indefinite"/>
+                      </p:stCondLst>
+                      <p:childTnLst>
+                        <p:par>
+                          <p:cTn id="14" fill="hold">
+                            <p:stCondLst>
+                              <p:cond delay="0"/>
+                            </p:stCondLst>
+                            <p:childTnLst>
+                              <p:par>
+                                <p:cTn id="15" presetID="10" presetClass="entr" presetSubtype="0" fill="hold" nodeType="clickEffect">
+                                  <p:stCondLst>
+                                    <p:cond delay="0"/>
+                                  </p:stCondLst>
+                                  <p:childTnLst>
+                                    <p:set>
+                                      <p:cBhvr>
+                                        <p:cTn id="16" dur="1" fill="hold">
+                                          <p:stCondLst>
+                                            <p:cond delay="0"/>
+                                          </p:stCondLst>
+                                        </p:cTn>
+                                        <p:tgtEl>
+                                          <p:spTgt spid="3">
+                                            <p:txEl>
+                                              <p:pRg st="2" end="2"/>
+                                            </p:txEl>
+                                          </p:spTgt>
+                                        </p:tgtEl>
+                                        <p:attrNameLst>
+                                          <p:attrName>style.visibility</p:attrName>
+                                        </p:attrNameLst>
+                                      </p:cBhvr>
+                                      <p:to>
+                                        <p:strVal val="visible"/>
+                                      </p:to>
+                                    </p:set>
+                                    <p:animEffect transition="in" filter="fade">
+                                      <p:cBhvr>
+                                        <p:cTn id="17" dur="500"/>
+                                        <p:tgtEl>
+                                          <p:spTgt spid="3">
+                                            <p:txEl>
+                                              <p:pRg st="2" end="2"/>
+                                            </p:txEl>
+                                          </p:spTgt>
+                                        </p:tgtEl>
+                                      </p:cBhvr>
+                                    </p:animEffect>
+                                  </p:childTnLst>
+                                </p:cTn>
+                              </p:par>
+                            </p:childTnLst>
+                          </p:cTn>
+                        </p:par>
+                      </p:childTnLst>
+                    </p:cTn>
+                  </p:par>
+                </p:childTnLst>
+              </p:cTn>
+              <p:prevCondLst>
+                <p:cond evt="onPrev" delay="0">
+                  <p:tgtEl>
+                    <p:sldTgt/>
+                  </p:tgtEl>
+                </p:cond>
+              </p:prevCondLst>
+              <p:nextCondLst>
+                <p:cond evt="onNext" delay="0">
+                  <p:tgtEl>
+                    <p:sldTgt/>
+                  </p:tgtEl>
+                </p:cond>
+              </p:nextCondLst>
+            </p:seq>
+          </p:childTnLst>
+        </p:cTn>
+      </p:par>
+    </p:tnLst>
+  </p:timing>
 </p:sld>
 </file>
 
@@ -11416,8 +11629,8 @@
         </p:nvSpPr>
         <p:spPr>
           <a:xfrm>
-            <a:off x="838200" y="1285461"/>
-            <a:ext cx="10515600" cy="4929072"/>
+            <a:off x="838200" y="1415725"/>
+            <a:ext cx="10515600" cy="4480975"/>
           </a:xfrm>
         </p:spPr>
         <p:txBody>
@@ -11550,6 +11763,341 @@
       </p:transition>
     </mc:Fallback>
   </mc:AlternateContent>
+  <p:timing>
+    <p:tnLst>
+      <p:par>
+        <p:cTn id="1" dur="indefinite" restart="never" nodeType="tmRoot">
+          <p:childTnLst>
+            <p:seq concurrent="1" nextAc="seek">
+              <p:cTn id="2" dur="indefinite" nodeType="mainSeq">
+                <p:childTnLst>
+                  <p:par>
+                    <p:cTn id="3" fill="hold">
+                      <p:stCondLst>
+                        <p:cond delay="indefinite"/>
+                      </p:stCondLst>
+                      <p:childTnLst>
+                        <p:par>
+                          <p:cTn id="4" fill="hold">
+                            <p:stCondLst>
+                              <p:cond delay="0"/>
+                            </p:stCondLst>
+                            <p:childTnLst>
+                              <p:par>
+                                <p:cTn id="5" presetID="10" presetClass="entr" presetSubtype="0" fill="hold" nodeType="clickEffect">
+                                  <p:stCondLst>
+                                    <p:cond delay="0"/>
+                                  </p:stCondLst>
+                                  <p:childTnLst>
+                                    <p:set>
+                                      <p:cBhvr>
+                                        <p:cTn id="6" dur="1" fill="hold">
+                                          <p:stCondLst>
+                                            <p:cond delay="0"/>
+                                          </p:stCondLst>
+                                        </p:cTn>
+                                        <p:tgtEl>
+                                          <p:spTgt spid="3">
+                                            <p:txEl>
+                                              <p:pRg st="1" end="1"/>
+                                            </p:txEl>
+                                          </p:spTgt>
+                                        </p:tgtEl>
+                                        <p:attrNameLst>
+                                          <p:attrName>style.visibility</p:attrName>
+                                        </p:attrNameLst>
+                                      </p:cBhvr>
+                                      <p:to>
+                                        <p:strVal val="visible"/>
+                                      </p:to>
+                                    </p:set>
+                                    <p:animEffect transition="in" filter="fade">
+                                      <p:cBhvr>
+                                        <p:cTn id="7" dur="500"/>
+                                        <p:tgtEl>
+                                          <p:spTgt spid="3">
+                                            <p:txEl>
+                                              <p:pRg st="1" end="1"/>
+                                            </p:txEl>
+                                          </p:spTgt>
+                                        </p:tgtEl>
+                                      </p:cBhvr>
+                                    </p:animEffect>
+                                  </p:childTnLst>
+                                </p:cTn>
+                              </p:par>
+                            </p:childTnLst>
+                          </p:cTn>
+                        </p:par>
+                      </p:childTnLst>
+                    </p:cTn>
+                  </p:par>
+                  <p:par>
+                    <p:cTn id="8" fill="hold">
+                      <p:stCondLst>
+                        <p:cond delay="indefinite"/>
+                      </p:stCondLst>
+                      <p:childTnLst>
+                        <p:par>
+                          <p:cTn id="9" fill="hold">
+                            <p:stCondLst>
+                              <p:cond delay="0"/>
+                            </p:stCondLst>
+                            <p:childTnLst>
+                              <p:par>
+                                <p:cTn id="10" presetID="10" presetClass="entr" presetSubtype="0" fill="hold" nodeType="clickEffect">
+                                  <p:stCondLst>
+                                    <p:cond delay="0"/>
+                                  </p:stCondLst>
+                                  <p:childTnLst>
+                                    <p:set>
+                                      <p:cBhvr>
+                                        <p:cTn id="11" dur="1" fill="hold">
+                                          <p:stCondLst>
+                                            <p:cond delay="0"/>
+                                          </p:stCondLst>
+                                        </p:cTn>
+                                        <p:tgtEl>
+                                          <p:spTgt spid="3">
+                                            <p:txEl>
+                                              <p:pRg st="2" end="2"/>
+                                            </p:txEl>
+                                          </p:spTgt>
+                                        </p:tgtEl>
+                                        <p:attrNameLst>
+                                          <p:attrName>style.visibility</p:attrName>
+                                        </p:attrNameLst>
+                                      </p:cBhvr>
+                                      <p:to>
+                                        <p:strVal val="visible"/>
+                                      </p:to>
+                                    </p:set>
+                                    <p:animEffect transition="in" filter="fade">
+                                      <p:cBhvr>
+                                        <p:cTn id="12" dur="500"/>
+                                        <p:tgtEl>
+                                          <p:spTgt spid="3">
+                                            <p:txEl>
+                                              <p:pRg st="2" end="2"/>
+                                            </p:txEl>
+                                          </p:spTgt>
+                                        </p:tgtEl>
+                                      </p:cBhvr>
+                                    </p:animEffect>
+                                  </p:childTnLst>
+                                </p:cTn>
+                              </p:par>
+                            </p:childTnLst>
+                          </p:cTn>
+                        </p:par>
+                      </p:childTnLst>
+                    </p:cTn>
+                  </p:par>
+                  <p:par>
+                    <p:cTn id="13" fill="hold">
+                      <p:stCondLst>
+                        <p:cond delay="indefinite"/>
+                      </p:stCondLst>
+                      <p:childTnLst>
+                        <p:par>
+                          <p:cTn id="14" fill="hold">
+                            <p:stCondLst>
+                              <p:cond delay="0"/>
+                            </p:stCondLst>
+                            <p:childTnLst>
+                              <p:par>
+                                <p:cTn id="15" presetID="10" presetClass="entr" presetSubtype="0" fill="hold" nodeType="clickEffect">
+                                  <p:stCondLst>
+                                    <p:cond delay="0"/>
+                                  </p:stCondLst>
+                                  <p:childTnLst>
+                                    <p:set>
+                                      <p:cBhvr>
+                                        <p:cTn id="16" dur="1" fill="hold">
+                                          <p:stCondLst>
+                                            <p:cond delay="0"/>
+                                          </p:stCondLst>
+                                        </p:cTn>
+                                        <p:tgtEl>
+                                          <p:spTgt spid="3">
+                                            <p:txEl>
+                                              <p:pRg st="3" end="3"/>
+                                            </p:txEl>
+                                          </p:spTgt>
+                                        </p:tgtEl>
+                                        <p:attrNameLst>
+                                          <p:attrName>style.visibility</p:attrName>
+                                        </p:attrNameLst>
+                                      </p:cBhvr>
+                                      <p:to>
+                                        <p:strVal val="visible"/>
+                                      </p:to>
+                                    </p:set>
+                                    <p:animEffect transition="in" filter="fade">
+                                      <p:cBhvr>
+                                        <p:cTn id="17" dur="500"/>
+                                        <p:tgtEl>
+                                          <p:spTgt spid="3">
+                                            <p:txEl>
+                                              <p:pRg st="3" end="3"/>
+                                            </p:txEl>
+                                          </p:spTgt>
+                                        </p:tgtEl>
+                                      </p:cBhvr>
+                                    </p:animEffect>
+                                  </p:childTnLst>
+                                </p:cTn>
+                              </p:par>
+                            </p:childTnLst>
+                          </p:cTn>
+                        </p:par>
+                      </p:childTnLst>
+                    </p:cTn>
+                  </p:par>
+                  <p:par>
+                    <p:cTn id="18" fill="hold">
+                      <p:stCondLst>
+                        <p:cond delay="indefinite"/>
+                      </p:stCondLst>
+                      <p:childTnLst>
+                        <p:par>
+                          <p:cTn id="19" fill="hold">
+                            <p:stCondLst>
+                              <p:cond delay="0"/>
+                            </p:stCondLst>
+                            <p:childTnLst>
+                              <p:par>
+                                <p:cTn id="20" presetID="10" presetClass="entr" presetSubtype="0" fill="hold" nodeType="clickEffect">
+                                  <p:stCondLst>
+                                    <p:cond delay="0"/>
+                                  </p:stCondLst>
+                                  <p:childTnLst>
+                                    <p:set>
+                                      <p:cBhvr>
+                                        <p:cTn id="21" dur="1" fill="hold">
+                                          <p:stCondLst>
+                                            <p:cond delay="0"/>
+                                          </p:stCondLst>
+                                        </p:cTn>
+                                        <p:tgtEl>
+                                          <p:spTgt spid="3">
+                                            <p:txEl>
+                                              <p:pRg st="4" end="4"/>
+                                            </p:txEl>
+                                          </p:spTgt>
+                                        </p:tgtEl>
+                                        <p:attrNameLst>
+                                          <p:attrName>style.visibility</p:attrName>
+                                        </p:attrNameLst>
+                                      </p:cBhvr>
+                                      <p:to>
+                                        <p:strVal val="visible"/>
+                                      </p:to>
+                                    </p:set>
+                                    <p:animEffect transition="in" filter="fade">
+                                      <p:cBhvr>
+                                        <p:cTn id="22" dur="500"/>
+                                        <p:tgtEl>
+                                          <p:spTgt spid="3">
+                                            <p:txEl>
+                                              <p:pRg st="4" end="4"/>
+                                            </p:txEl>
+                                          </p:spTgt>
+                                        </p:tgtEl>
+                                      </p:cBhvr>
+                                    </p:animEffect>
+                                  </p:childTnLst>
+                                </p:cTn>
+                              </p:par>
+                            </p:childTnLst>
+                          </p:cTn>
+                        </p:par>
+                      </p:childTnLst>
+                    </p:cTn>
+                  </p:par>
+                  <p:par>
+                    <p:cTn id="23" fill="hold">
+                      <p:stCondLst>
+                        <p:cond delay="indefinite"/>
+                      </p:stCondLst>
+                      <p:childTnLst>
+                        <p:par>
+                          <p:cTn id="24" fill="hold">
+                            <p:stCondLst>
+                              <p:cond delay="0"/>
+                            </p:stCondLst>
+                            <p:childTnLst>
+                              <p:par>
+                                <p:cTn id="25" presetID="16" presetClass="entr" presetSubtype="21" fill="hold" nodeType="clickEffect">
+                                  <p:stCondLst>
+                                    <p:cond delay="0"/>
+                                  </p:stCondLst>
+                                  <p:childTnLst>
+                                    <p:set>
+                                      <p:cBhvr>
+                                        <p:cTn id="26" dur="1" fill="hold">
+                                          <p:stCondLst>
+                                            <p:cond delay="0"/>
+                                          </p:stCondLst>
+                                        </p:cTn>
+                                        <p:tgtEl>
+                                          <p:spTgt spid="3">
+                                            <p:txEl>
+                                              <p:pRg st="5" end="5"/>
+                                            </p:txEl>
+                                          </p:spTgt>
+                                        </p:tgtEl>
+                                        <p:attrNameLst>
+                                          <p:attrName>style.visibility</p:attrName>
+                                        </p:attrNameLst>
+                                      </p:cBhvr>
+                                      <p:to>
+                                        <p:strVal val="visible"/>
+                                      </p:to>
+                                    </p:set>
+                                    <p:animEffect transition="in" filter="barn(inVertical)">
+                                      <p:cBhvr>
+                                        <p:cTn id="27" dur="500"/>
+                                        <p:tgtEl>
+                                          <p:spTgt spid="3">
+                                            <p:txEl>
+                                              <p:pRg st="5" end="5"/>
+                                            </p:txEl>
+                                          </p:spTgt>
+                                        </p:tgtEl>
+                                      </p:cBhvr>
+                                    </p:animEffect>
+                                  </p:childTnLst>
+                                </p:cTn>
+                              </p:par>
+                            </p:childTnLst>
+                          </p:cTn>
+                        </p:par>
+                      </p:childTnLst>
+                    </p:cTn>
+                  </p:par>
+                </p:childTnLst>
+              </p:cTn>
+              <p:prevCondLst>
+                <p:cond evt="onPrev" delay="0">
+                  <p:tgtEl>
+                    <p:sldTgt/>
+                  </p:tgtEl>
+                </p:cond>
+              </p:prevCondLst>
+              <p:nextCondLst>
+                <p:cond evt="onNext" delay="0">
+                  <p:tgtEl>
+                    <p:sldTgt/>
+                  </p:tgtEl>
+                </p:cond>
+              </p:nextCondLst>
+            </p:seq>
+          </p:childTnLst>
+        </p:cTn>
+      </p:par>
+    </p:tnLst>
+  </p:timing>
 </p:sld>
 </file>
 
@@ -11773,6 +12321,341 @@
       </p:transition>
     </mc:Fallback>
   </mc:AlternateContent>
+  <p:timing>
+    <p:tnLst>
+      <p:par>
+        <p:cTn id="1" dur="indefinite" restart="never" nodeType="tmRoot">
+          <p:childTnLst>
+            <p:seq concurrent="1" nextAc="seek">
+              <p:cTn id="2" dur="indefinite" nodeType="mainSeq">
+                <p:childTnLst>
+                  <p:par>
+                    <p:cTn id="3" fill="hold">
+                      <p:stCondLst>
+                        <p:cond delay="indefinite"/>
+                      </p:stCondLst>
+                      <p:childTnLst>
+                        <p:par>
+                          <p:cTn id="4" fill="hold">
+                            <p:stCondLst>
+                              <p:cond delay="0"/>
+                            </p:stCondLst>
+                            <p:childTnLst>
+                              <p:par>
+                                <p:cTn id="5" presetID="16" presetClass="entr" presetSubtype="21" fill="hold" nodeType="clickEffect">
+                                  <p:stCondLst>
+                                    <p:cond delay="0"/>
+                                  </p:stCondLst>
+                                  <p:childTnLst>
+                                    <p:set>
+                                      <p:cBhvr>
+                                        <p:cTn id="6" dur="1" fill="hold">
+                                          <p:stCondLst>
+                                            <p:cond delay="0"/>
+                                          </p:stCondLst>
+                                        </p:cTn>
+                                        <p:tgtEl>
+                                          <p:spTgt spid="3">
+                                            <p:txEl>
+                                              <p:pRg st="1" end="1"/>
+                                            </p:txEl>
+                                          </p:spTgt>
+                                        </p:tgtEl>
+                                        <p:attrNameLst>
+                                          <p:attrName>style.visibility</p:attrName>
+                                        </p:attrNameLst>
+                                      </p:cBhvr>
+                                      <p:to>
+                                        <p:strVal val="visible"/>
+                                      </p:to>
+                                    </p:set>
+                                    <p:animEffect transition="in" filter="barn(inVertical)">
+                                      <p:cBhvr>
+                                        <p:cTn id="7" dur="500"/>
+                                        <p:tgtEl>
+                                          <p:spTgt spid="3">
+                                            <p:txEl>
+                                              <p:pRg st="1" end="1"/>
+                                            </p:txEl>
+                                          </p:spTgt>
+                                        </p:tgtEl>
+                                      </p:cBhvr>
+                                    </p:animEffect>
+                                  </p:childTnLst>
+                                </p:cTn>
+                              </p:par>
+                            </p:childTnLst>
+                          </p:cTn>
+                        </p:par>
+                      </p:childTnLst>
+                    </p:cTn>
+                  </p:par>
+                  <p:par>
+                    <p:cTn id="8" fill="hold">
+                      <p:stCondLst>
+                        <p:cond delay="indefinite"/>
+                      </p:stCondLst>
+                      <p:childTnLst>
+                        <p:par>
+                          <p:cTn id="9" fill="hold">
+                            <p:stCondLst>
+                              <p:cond delay="0"/>
+                            </p:stCondLst>
+                            <p:childTnLst>
+                              <p:par>
+                                <p:cTn id="10" presetID="16" presetClass="entr" presetSubtype="21" fill="hold" nodeType="clickEffect">
+                                  <p:stCondLst>
+                                    <p:cond delay="0"/>
+                                  </p:stCondLst>
+                                  <p:childTnLst>
+                                    <p:set>
+                                      <p:cBhvr>
+                                        <p:cTn id="11" dur="1" fill="hold">
+                                          <p:stCondLst>
+                                            <p:cond delay="0"/>
+                                          </p:stCondLst>
+                                        </p:cTn>
+                                        <p:tgtEl>
+                                          <p:spTgt spid="3">
+                                            <p:txEl>
+                                              <p:pRg st="2" end="2"/>
+                                            </p:txEl>
+                                          </p:spTgt>
+                                        </p:tgtEl>
+                                        <p:attrNameLst>
+                                          <p:attrName>style.visibility</p:attrName>
+                                        </p:attrNameLst>
+                                      </p:cBhvr>
+                                      <p:to>
+                                        <p:strVal val="visible"/>
+                                      </p:to>
+                                    </p:set>
+                                    <p:animEffect transition="in" filter="barn(inVertical)">
+                                      <p:cBhvr>
+                                        <p:cTn id="12" dur="500"/>
+                                        <p:tgtEl>
+                                          <p:spTgt spid="3">
+                                            <p:txEl>
+                                              <p:pRg st="2" end="2"/>
+                                            </p:txEl>
+                                          </p:spTgt>
+                                        </p:tgtEl>
+                                      </p:cBhvr>
+                                    </p:animEffect>
+                                  </p:childTnLst>
+                                </p:cTn>
+                              </p:par>
+                            </p:childTnLst>
+                          </p:cTn>
+                        </p:par>
+                      </p:childTnLst>
+                    </p:cTn>
+                  </p:par>
+                  <p:par>
+                    <p:cTn id="13" fill="hold">
+                      <p:stCondLst>
+                        <p:cond delay="indefinite"/>
+                      </p:stCondLst>
+                      <p:childTnLst>
+                        <p:par>
+                          <p:cTn id="14" fill="hold">
+                            <p:stCondLst>
+                              <p:cond delay="0"/>
+                            </p:stCondLst>
+                            <p:childTnLst>
+                              <p:par>
+                                <p:cTn id="15" presetID="16" presetClass="entr" presetSubtype="21" fill="hold" nodeType="clickEffect">
+                                  <p:stCondLst>
+                                    <p:cond delay="0"/>
+                                  </p:stCondLst>
+                                  <p:childTnLst>
+                                    <p:set>
+                                      <p:cBhvr>
+                                        <p:cTn id="16" dur="1" fill="hold">
+                                          <p:stCondLst>
+                                            <p:cond delay="0"/>
+                                          </p:stCondLst>
+                                        </p:cTn>
+                                        <p:tgtEl>
+                                          <p:spTgt spid="3">
+                                            <p:txEl>
+                                              <p:pRg st="3" end="3"/>
+                                            </p:txEl>
+                                          </p:spTgt>
+                                        </p:tgtEl>
+                                        <p:attrNameLst>
+                                          <p:attrName>style.visibility</p:attrName>
+                                        </p:attrNameLst>
+                                      </p:cBhvr>
+                                      <p:to>
+                                        <p:strVal val="visible"/>
+                                      </p:to>
+                                    </p:set>
+                                    <p:animEffect transition="in" filter="barn(inVertical)">
+                                      <p:cBhvr>
+                                        <p:cTn id="17" dur="500"/>
+                                        <p:tgtEl>
+                                          <p:spTgt spid="3">
+                                            <p:txEl>
+                                              <p:pRg st="3" end="3"/>
+                                            </p:txEl>
+                                          </p:spTgt>
+                                        </p:tgtEl>
+                                      </p:cBhvr>
+                                    </p:animEffect>
+                                  </p:childTnLst>
+                                </p:cTn>
+                              </p:par>
+                            </p:childTnLst>
+                          </p:cTn>
+                        </p:par>
+                      </p:childTnLst>
+                    </p:cTn>
+                  </p:par>
+                  <p:par>
+                    <p:cTn id="18" fill="hold">
+                      <p:stCondLst>
+                        <p:cond delay="indefinite"/>
+                      </p:stCondLst>
+                      <p:childTnLst>
+                        <p:par>
+                          <p:cTn id="19" fill="hold">
+                            <p:stCondLst>
+                              <p:cond delay="0"/>
+                            </p:stCondLst>
+                            <p:childTnLst>
+                              <p:par>
+                                <p:cTn id="20" presetID="16" presetClass="entr" presetSubtype="21" fill="hold" nodeType="clickEffect">
+                                  <p:stCondLst>
+                                    <p:cond delay="0"/>
+                                  </p:stCondLst>
+                                  <p:childTnLst>
+                                    <p:set>
+                                      <p:cBhvr>
+                                        <p:cTn id="21" dur="1" fill="hold">
+                                          <p:stCondLst>
+                                            <p:cond delay="0"/>
+                                          </p:stCondLst>
+                                        </p:cTn>
+                                        <p:tgtEl>
+                                          <p:spTgt spid="3">
+                                            <p:txEl>
+                                              <p:pRg st="4" end="4"/>
+                                            </p:txEl>
+                                          </p:spTgt>
+                                        </p:tgtEl>
+                                        <p:attrNameLst>
+                                          <p:attrName>style.visibility</p:attrName>
+                                        </p:attrNameLst>
+                                      </p:cBhvr>
+                                      <p:to>
+                                        <p:strVal val="visible"/>
+                                      </p:to>
+                                    </p:set>
+                                    <p:animEffect transition="in" filter="barn(inVertical)">
+                                      <p:cBhvr>
+                                        <p:cTn id="22" dur="500"/>
+                                        <p:tgtEl>
+                                          <p:spTgt spid="3">
+                                            <p:txEl>
+                                              <p:pRg st="4" end="4"/>
+                                            </p:txEl>
+                                          </p:spTgt>
+                                        </p:tgtEl>
+                                      </p:cBhvr>
+                                    </p:animEffect>
+                                  </p:childTnLst>
+                                </p:cTn>
+                              </p:par>
+                            </p:childTnLst>
+                          </p:cTn>
+                        </p:par>
+                      </p:childTnLst>
+                    </p:cTn>
+                  </p:par>
+                  <p:par>
+                    <p:cTn id="23" fill="hold">
+                      <p:stCondLst>
+                        <p:cond delay="indefinite"/>
+                      </p:stCondLst>
+                      <p:childTnLst>
+                        <p:par>
+                          <p:cTn id="24" fill="hold">
+                            <p:stCondLst>
+                              <p:cond delay="0"/>
+                            </p:stCondLst>
+                            <p:childTnLst>
+                              <p:par>
+                                <p:cTn id="25" presetID="16" presetClass="entr" presetSubtype="21" fill="hold" nodeType="clickEffect">
+                                  <p:stCondLst>
+                                    <p:cond delay="0"/>
+                                  </p:stCondLst>
+                                  <p:childTnLst>
+                                    <p:set>
+                                      <p:cBhvr>
+                                        <p:cTn id="26" dur="1" fill="hold">
+                                          <p:stCondLst>
+                                            <p:cond delay="0"/>
+                                          </p:stCondLst>
+                                        </p:cTn>
+                                        <p:tgtEl>
+                                          <p:spTgt spid="3">
+                                            <p:txEl>
+                                              <p:pRg st="5" end="5"/>
+                                            </p:txEl>
+                                          </p:spTgt>
+                                        </p:tgtEl>
+                                        <p:attrNameLst>
+                                          <p:attrName>style.visibility</p:attrName>
+                                        </p:attrNameLst>
+                                      </p:cBhvr>
+                                      <p:to>
+                                        <p:strVal val="visible"/>
+                                      </p:to>
+                                    </p:set>
+                                    <p:animEffect transition="in" filter="barn(inVertical)">
+                                      <p:cBhvr>
+                                        <p:cTn id="27" dur="500"/>
+                                        <p:tgtEl>
+                                          <p:spTgt spid="3">
+                                            <p:txEl>
+                                              <p:pRg st="5" end="5"/>
+                                            </p:txEl>
+                                          </p:spTgt>
+                                        </p:tgtEl>
+                                      </p:cBhvr>
+                                    </p:animEffect>
+                                  </p:childTnLst>
+                                </p:cTn>
+                              </p:par>
+                            </p:childTnLst>
+                          </p:cTn>
+                        </p:par>
+                      </p:childTnLst>
+                    </p:cTn>
+                  </p:par>
+                </p:childTnLst>
+              </p:cTn>
+              <p:prevCondLst>
+                <p:cond evt="onPrev" delay="0">
+                  <p:tgtEl>
+                    <p:sldTgt/>
+                  </p:tgtEl>
+                </p:cond>
+              </p:prevCondLst>
+              <p:nextCondLst>
+                <p:cond evt="onNext" delay="0">
+                  <p:tgtEl>
+                    <p:sldTgt/>
+                  </p:tgtEl>
+                </p:cond>
+              </p:nextCondLst>
+            </p:seq>
+          </p:childTnLst>
+        </p:cTn>
+      </p:par>
+    </p:tnLst>
+  </p:timing>
 </p:sld>
 </file>
 
@@ -12065,6 +12948,841 @@
       </p:transition>
     </mc:Fallback>
   </mc:AlternateContent>
+  <p:timing>
+    <p:tnLst>
+      <p:par>
+        <p:cTn id="1" dur="indefinite" restart="never" nodeType="tmRoot">
+          <p:childTnLst>
+            <p:seq concurrent="1" nextAc="seek">
+              <p:cTn id="2" dur="indefinite" nodeType="mainSeq">
+                <p:childTnLst>
+                  <p:par>
+                    <p:cTn id="3" fill="hold">
+                      <p:stCondLst>
+                        <p:cond delay="indefinite"/>
+                      </p:stCondLst>
+                      <p:childTnLst>
+                        <p:par>
+                          <p:cTn id="4" fill="hold">
+                            <p:stCondLst>
+                              <p:cond delay="0"/>
+                            </p:stCondLst>
+                            <p:childTnLst>
+                              <p:par>
+                                <p:cTn id="5" presetID="53" presetClass="entr" presetSubtype="16" fill="hold" nodeType="clickEffect">
+                                  <p:stCondLst>
+                                    <p:cond delay="0"/>
+                                  </p:stCondLst>
+                                  <p:childTnLst>
+                                    <p:set>
+                                      <p:cBhvr>
+                                        <p:cTn id="6" dur="1" fill="hold">
+                                          <p:stCondLst>
+                                            <p:cond delay="0"/>
+                                          </p:stCondLst>
+                                        </p:cTn>
+                                        <p:tgtEl>
+                                          <p:spTgt spid="3">
+                                            <p:txEl>
+                                              <p:pRg st="0" end="0"/>
+                                            </p:txEl>
+                                          </p:spTgt>
+                                        </p:tgtEl>
+                                        <p:attrNameLst>
+                                          <p:attrName>style.visibility</p:attrName>
+                                        </p:attrNameLst>
+                                      </p:cBhvr>
+                                      <p:to>
+                                        <p:strVal val="visible"/>
+                                      </p:to>
+                                    </p:set>
+                                    <p:anim calcmode="lin" valueType="num">
+                                      <p:cBhvr>
+                                        <p:cTn id="7" dur="500" fill="hold"/>
+                                        <p:tgtEl>
+                                          <p:spTgt spid="3">
+                                            <p:txEl>
+                                              <p:pRg st="0" end="0"/>
+                                            </p:txEl>
+                                          </p:spTgt>
+                                        </p:tgtEl>
+                                        <p:attrNameLst>
+                                          <p:attrName>ppt_w</p:attrName>
+                                        </p:attrNameLst>
+                                      </p:cBhvr>
+                                      <p:tavLst>
+                                        <p:tav tm="0">
+                                          <p:val>
+                                            <p:fltVal val="0"/>
+                                          </p:val>
+                                        </p:tav>
+                                        <p:tav tm="100000">
+                                          <p:val>
+                                            <p:strVal val="#ppt_w"/>
+                                          </p:val>
+                                        </p:tav>
+                                      </p:tavLst>
+                                    </p:anim>
+                                    <p:anim calcmode="lin" valueType="num">
+                                      <p:cBhvr>
+                                        <p:cTn id="8" dur="500" fill="hold"/>
+                                        <p:tgtEl>
+                                          <p:spTgt spid="3">
+                                            <p:txEl>
+                                              <p:pRg st="0" end="0"/>
+                                            </p:txEl>
+                                          </p:spTgt>
+                                        </p:tgtEl>
+                                        <p:attrNameLst>
+                                          <p:attrName>ppt_h</p:attrName>
+                                        </p:attrNameLst>
+                                      </p:cBhvr>
+                                      <p:tavLst>
+                                        <p:tav tm="0">
+                                          <p:val>
+                                            <p:fltVal val="0"/>
+                                          </p:val>
+                                        </p:tav>
+                                        <p:tav tm="100000">
+                                          <p:val>
+                                            <p:strVal val="#ppt_h"/>
+                                          </p:val>
+                                        </p:tav>
+                                      </p:tavLst>
+                                    </p:anim>
+                                    <p:animEffect transition="in" filter="fade">
+                                      <p:cBhvr>
+                                        <p:cTn id="9" dur="500"/>
+                                        <p:tgtEl>
+                                          <p:spTgt spid="3">
+                                            <p:txEl>
+                                              <p:pRg st="0" end="0"/>
+                                            </p:txEl>
+                                          </p:spTgt>
+                                        </p:tgtEl>
+                                      </p:cBhvr>
+                                    </p:animEffect>
+                                  </p:childTnLst>
+                                </p:cTn>
+                              </p:par>
+                            </p:childTnLst>
+                          </p:cTn>
+                        </p:par>
+                      </p:childTnLst>
+                    </p:cTn>
+                  </p:par>
+                  <p:par>
+                    <p:cTn id="10" fill="hold">
+                      <p:stCondLst>
+                        <p:cond delay="indefinite"/>
+                      </p:stCondLst>
+                      <p:childTnLst>
+                        <p:par>
+                          <p:cTn id="11" fill="hold">
+                            <p:stCondLst>
+                              <p:cond delay="0"/>
+                            </p:stCondLst>
+                            <p:childTnLst>
+                              <p:par>
+                                <p:cTn id="12" presetID="53" presetClass="entr" presetSubtype="16" fill="hold" nodeType="clickEffect">
+                                  <p:stCondLst>
+                                    <p:cond delay="0"/>
+                                  </p:stCondLst>
+                                  <p:childTnLst>
+                                    <p:set>
+                                      <p:cBhvr>
+                                        <p:cTn id="13" dur="1" fill="hold">
+                                          <p:stCondLst>
+                                            <p:cond delay="0"/>
+                                          </p:stCondLst>
+                                        </p:cTn>
+                                        <p:tgtEl>
+                                          <p:spTgt spid="3">
+                                            <p:txEl>
+                                              <p:pRg st="1" end="1"/>
+                                            </p:txEl>
+                                          </p:spTgt>
+                                        </p:tgtEl>
+                                        <p:attrNameLst>
+                                          <p:attrName>style.visibility</p:attrName>
+                                        </p:attrNameLst>
+                                      </p:cBhvr>
+                                      <p:to>
+                                        <p:strVal val="visible"/>
+                                      </p:to>
+                                    </p:set>
+                                    <p:anim calcmode="lin" valueType="num">
+                                      <p:cBhvr>
+                                        <p:cTn id="14" dur="500" fill="hold"/>
+                                        <p:tgtEl>
+                                          <p:spTgt spid="3">
+                                            <p:txEl>
+                                              <p:pRg st="1" end="1"/>
+                                            </p:txEl>
+                                          </p:spTgt>
+                                        </p:tgtEl>
+                                        <p:attrNameLst>
+                                          <p:attrName>ppt_w</p:attrName>
+                                        </p:attrNameLst>
+                                      </p:cBhvr>
+                                      <p:tavLst>
+                                        <p:tav tm="0">
+                                          <p:val>
+                                            <p:fltVal val="0"/>
+                                          </p:val>
+                                        </p:tav>
+                                        <p:tav tm="100000">
+                                          <p:val>
+                                            <p:strVal val="#ppt_w"/>
+                                          </p:val>
+                                        </p:tav>
+                                      </p:tavLst>
+                                    </p:anim>
+                                    <p:anim calcmode="lin" valueType="num">
+                                      <p:cBhvr>
+                                        <p:cTn id="15" dur="500" fill="hold"/>
+                                        <p:tgtEl>
+                                          <p:spTgt spid="3">
+                                            <p:txEl>
+                                              <p:pRg st="1" end="1"/>
+                                            </p:txEl>
+                                          </p:spTgt>
+                                        </p:tgtEl>
+                                        <p:attrNameLst>
+                                          <p:attrName>ppt_h</p:attrName>
+                                        </p:attrNameLst>
+                                      </p:cBhvr>
+                                      <p:tavLst>
+                                        <p:tav tm="0">
+                                          <p:val>
+                                            <p:fltVal val="0"/>
+                                          </p:val>
+                                        </p:tav>
+                                        <p:tav tm="100000">
+                                          <p:val>
+                                            <p:strVal val="#ppt_h"/>
+                                          </p:val>
+                                        </p:tav>
+                                      </p:tavLst>
+                                    </p:anim>
+                                    <p:animEffect transition="in" filter="fade">
+                                      <p:cBhvr>
+                                        <p:cTn id="16" dur="500"/>
+                                        <p:tgtEl>
+                                          <p:spTgt spid="3">
+                                            <p:txEl>
+                                              <p:pRg st="1" end="1"/>
+                                            </p:txEl>
+                                          </p:spTgt>
+                                        </p:tgtEl>
+                                      </p:cBhvr>
+                                    </p:animEffect>
+                                  </p:childTnLst>
+                                </p:cTn>
+                              </p:par>
+                            </p:childTnLst>
+                          </p:cTn>
+                        </p:par>
+                      </p:childTnLst>
+                    </p:cTn>
+                  </p:par>
+                  <p:par>
+                    <p:cTn id="17" fill="hold">
+                      <p:stCondLst>
+                        <p:cond delay="indefinite"/>
+                      </p:stCondLst>
+                      <p:childTnLst>
+                        <p:par>
+                          <p:cTn id="18" fill="hold">
+                            <p:stCondLst>
+                              <p:cond delay="0"/>
+                            </p:stCondLst>
+                            <p:childTnLst>
+                              <p:par>
+                                <p:cTn id="19" presetID="53" presetClass="entr" presetSubtype="16" fill="hold" nodeType="clickEffect">
+                                  <p:stCondLst>
+                                    <p:cond delay="0"/>
+                                  </p:stCondLst>
+                                  <p:childTnLst>
+                                    <p:set>
+                                      <p:cBhvr>
+                                        <p:cTn id="20" dur="1" fill="hold">
+                                          <p:stCondLst>
+                                            <p:cond delay="0"/>
+                                          </p:stCondLst>
+                                        </p:cTn>
+                                        <p:tgtEl>
+                                          <p:spTgt spid="3">
+                                            <p:txEl>
+                                              <p:pRg st="2" end="2"/>
+                                            </p:txEl>
+                                          </p:spTgt>
+                                        </p:tgtEl>
+                                        <p:attrNameLst>
+                                          <p:attrName>style.visibility</p:attrName>
+                                        </p:attrNameLst>
+                                      </p:cBhvr>
+                                      <p:to>
+                                        <p:strVal val="visible"/>
+                                      </p:to>
+                                    </p:set>
+                                    <p:anim calcmode="lin" valueType="num">
+                                      <p:cBhvr>
+                                        <p:cTn id="21" dur="500" fill="hold"/>
+                                        <p:tgtEl>
+                                          <p:spTgt spid="3">
+                                            <p:txEl>
+                                              <p:pRg st="2" end="2"/>
+                                            </p:txEl>
+                                          </p:spTgt>
+                                        </p:tgtEl>
+                                        <p:attrNameLst>
+                                          <p:attrName>ppt_w</p:attrName>
+                                        </p:attrNameLst>
+                                      </p:cBhvr>
+                                      <p:tavLst>
+                                        <p:tav tm="0">
+                                          <p:val>
+                                            <p:fltVal val="0"/>
+                                          </p:val>
+                                        </p:tav>
+                                        <p:tav tm="100000">
+                                          <p:val>
+                                            <p:strVal val="#ppt_w"/>
+                                          </p:val>
+                                        </p:tav>
+                                      </p:tavLst>
+                                    </p:anim>
+                                    <p:anim calcmode="lin" valueType="num">
+                                      <p:cBhvr>
+                                        <p:cTn id="22" dur="500" fill="hold"/>
+                                        <p:tgtEl>
+                                          <p:spTgt spid="3">
+                                            <p:txEl>
+                                              <p:pRg st="2" end="2"/>
+                                            </p:txEl>
+                                          </p:spTgt>
+                                        </p:tgtEl>
+                                        <p:attrNameLst>
+                                          <p:attrName>ppt_h</p:attrName>
+                                        </p:attrNameLst>
+                                      </p:cBhvr>
+                                      <p:tavLst>
+                                        <p:tav tm="0">
+                                          <p:val>
+                                            <p:fltVal val="0"/>
+                                          </p:val>
+                                        </p:tav>
+                                        <p:tav tm="100000">
+                                          <p:val>
+                                            <p:strVal val="#ppt_h"/>
+                                          </p:val>
+                                        </p:tav>
+                                      </p:tavLst>
+                                    </p:anim>
+                                    <p:animEffect transition="in" filter="fade">
+                                      <p:cBhvr>
+                                        <p:cTn id="23" dur="500"/>
+                                        <p:tgtEl>
+                                          <p:spTgt spid="3">
+                                            <p:txEl>
+                                              <p:pRg st="2" end="2"/>
+                                            </p:txEl>
+                                          </p:spTgt>
+                                        </p:tgtEl>
+                                      </p:cBhvr>
+                                    </p:animEffect>
+                                  </p:childTnLst>
+                                </p:cTn>
+                              </p:par>
+                            </p:childTnLst>
+                          </p:cTn>
+                        </p:par>
+                      </p:childTnLst>
+                    </p:cTn>
+                  </p:par>
+                  <p:par>
+                    <p:cTn id="24" fill="hold">
+                      <p:stCondLst>
+                        <p:cond delay="indefinite"/>
+                      </p:stCondLst>
+                      <p:childTnLst>
+                        <p:par>
+                          <p:cTn id="25" fill="hold">
+                            <p:stCondLst>
+                              <p:cond delay="0"/>
+                            </p:stCondLst>
+                            <p:childTnLst>
+                              <p:par>
+                                <p:cTn id="26" presetID="53" presetClass="entr" presetSubtype="16" fill="hold" nodeType="clickEffect">
+                                  <p:stCondLst>
+                                    <p:cond delay="0"/>
+                                  </p:stCondLst>
+                                  <p:childTnLst>
+                                    <p:set>
+                                      <p:cBhvr>
+                                        <p:cTn id="27" dur="1" fill="hold">
+                                          <p:stCondLst>
+                                            <p:cond delay="0"/>
+                                          </p:stCondLst>
+                                        </p:cTn>
+                                        <p:tgtEl>
+                                          <p:spTgt spid="3">
+                                            <p:txEl>
+                                              <p:pRg st="3" end="3"/>
+                                            </p:txEl>
+                                          </p:spTgt>
+                                        </p:tgtEl>
+                                        <p:attrNameLst>
+                                          <p:attrName>style.visibility</p:attrName>
+                                        </p:attrNameLst>
+                                      </p:cBhvr>
+                                      <p:to>
+                                        <p:strVal val="visible"/>
+                                      </p:to>
+                                    </p:set>
+                                    <p:anim calcmode="lin" valueType="num">
+                                      <p:cBhvr>
+                                        <p:cTn id="28" dur="500" fill="hold"/>
+                                        <p:tgtEl>
+                                          <p:spTgt spid="3">
+                                            <p:txEl>
+                                              <p:pRg st="3" end="3"/>
+                                            </p:txEl>
+                                          </p:spTgt>
+                                        </p:tgtEl>
+                                        <p:attrNameLst>
+                                          <p:attrName>ppt_w</p:attrName>
+                                        </p:attrNameLst>
+                                      </p:cBhvr>
+                                      <p:tavLst>
+                                        <p:tav tm="0">
+                                          <p:val>
+                                            <p:fltVal val="0"/>
+                                          </p:val>
+                                        </p:tav>
+                                        <p:tav tm="100000">
+                                          <p:val>
+                                            <p:strVal val="#ppt_w"/>
+                                          </p:val>
+                                        </p:tav>
+                                      </p:tavLst>
+                                    </p:anim>
+                                    <p:anim calcmode="lin" valueType="num">
+                                      <p:cBhvr>
+                                        <p:cTn id="29" dur="500" fill="hold"/>
+                                        <p:tgtEl>
+                                          <p:spTgt spid="3">
+                                            <p:txEl>
+                                              <p:pRg st="3" end="3"/>
+                                            </p:txEl>
+                                          </p:spTgt>
+                                        </p:tgtEl>
+                                        <p:attrNameLst>
+                                          <p:attrName>ppt_h</p:attrName>
+                                        </p:attrNameLst>
+                                      </p:cBhvr>
+                                      <p:tavLst>
+                                        <p:tav tm="0">
+                                          <p:val>
+                                            <p:fltVal val="0"/>
+                                          </p:val>
+                                        </p:tav>
+                                        <p:tav tm="100000">
+                                          <p:val>
+                                            <p:strVal val="#ppt_h"/>
+                                          </p:val>
+                                        </p:tav>
+                                      </p:tavLst>
+                                    </p:anim>
+                                    <p:animEffect transition="in" filter="fade">
+                                      <p:cBhvr>
+                                        <p:cTn id="30" dur="500"/>
+                                        <p:tgtEl>
+                                          <p:spTgt spid="3">
+                                            <p:txEl>
+                                              <p:pRg st="3" end="3"/>
+                                            </p:txEl>
+                                          </p:spTgt>
+                                        </p:tgtEl>
+                                      </p:cBhvr>
+                                    </p:animEffect>
+                                  </p:childTnLst>
+                                </p:cTn>
+                              </p:par>
+                            </p:childTnLst>
+                          </p:cTn>
+                        </p:par>
+                      </p:childTnLst>
+                    </p:cTn>
+                  </p:par>
+                  <p:par>
+                    <p:cTn id="31" fill="hold">
+                      <p:stCondLst>
+                        <p:cond delay="indefinite"/>
+                      </p:stCondLst>
+                      <p:childTnLst>
+                        <p:par>
+                          <p:cTn id="32" fill="hold">
+                            <p:stCondLst>
+                              <p:cond delay="0"/>
+                            </p:stCondLst>
+                            <p:childTnLst>
+                              <p:par>
+                                <p:cTn id="33" presetID="53" presetClass="entr" presetSubtype="16" fill="hold" nodeType="clickEffect">
+                                  <p:stCondLst>
+                                    <p:cond delay="0"/>
+                                  </p:stCondLst>
+                                  <p:childTnLst>
+                                    <p:set>
+                                      <p:cBhvr>
+                                        <p:cTn id="34" dur="1" fill="hold">
+                                          <p:stCondLst>
+                                            <p:cond delay="0"/>
+                                          </p:stCondLst>
+                                        </p:cTn>
+                                        <p:tgtEl>
+                                          <p:spTgt spid="3">
+                                            <p:txEl>
+                                              <p:pRg st="4" end="4"/>
+                                            </p:txEl>
+                                          </p:spTgt>
+                                        </p:tgtEl>
+                                        <p:attrNameLst>
+                                          <p:attrName>style.visibility</p:attrName>
+                                        </p:attrNameLst>
+                                      </p:cBhvr>
+                                      <p:to>
+                                        <p:strVal val="visible"/>
+                                      </p:to>
+                                    </p:set>
+                                    <p:anim calcmode="lin" valueType="num">
+                                      <p:cBhvr>
+                                        <p:cTn id="35" dur="500" fill="hold"/>
+                                        <p:tgtEl>
+                                          <p:spTgt spid="3">
+                                            <p:txEl>
+                                              <p:pRg st="4" end="4"/>
+                                            </p:txEl>
+                                          </p:spTgt>
+                                        </p:tgtEl>
+                                        <p:attrNameLst>
+                                          <p:attrName>ppt_w</p:attrName>
+                                        </p:attrNameLst>
+                                      </p:cBhvr>
+                                      <p:tavLst>
+                                        <p:tav tm="0">
+                                          <p:val>
+                                            <p:fltVal val="0"/>
+                                          </p:val>
+                                        </p:tav>
+                                        <p:tav tm="100000">
+                                          <p:val>
+                                            <p:strVal val="#ppt_w"/>
+                                          </p:val>
+                                        </p:tav>
+                                      </p:tavLst>
+                                    </p:anim>
+                                    <p:anim calcmode="lin" valueType="num">
+                                      <p:cBhvr>
+                                        <p:cTn id="36" dur="500" fill="hold"/>
+                                        <p:tgtEl>
+                                          <p:spTgt spid="3">
+                                            <p:txEl>
+                                              <p:pRg st="4" end="4"/>
+                                            </p:txEl>
+                                          </p:spTgt>
+                                        </p:tgtEl>
+                                        <p:attrNameLst>
+                                          <p:attrName>ppt_h</p:attrName>
+                                        </p:attrNameLst>
+                                      </p:cBhvr>
+                                      <p:tavLst>
+                                        <p:tav tm="0">
+                                          <p:val>
+                                            <p:fltVal val="0"/>
+                                          </p:val>
+                                        </p:tav>
+                                        <p:tav tm="100000">
+                                          <p:val>
+                                            <p:strVal val="#ppt_h"/>
+                                          </p:val>
+                                        </p:tav>
+                                      </p:tavLst>
+                                    </p:anim>
+                                    <p:animEffect transition="in" filter="fade">
+                                      <p:cBhvr>
+                                        <p:cTn id="37" dur="500"/>
+                                        <p:tgtEl>
+                                          <p:spTgt spid="3">
+                                            <p:txEl>
+                                              <p:pRg st="4" end="4"/>
+                                            </p:txEl>
+                                          </p:spTgt>
+                                        </p:tgtEl>
+                                      </p:cBhvr>
+                                    </p:animEffect>
+                                  </p:childTnLst>
+                                </p:cTn>
+                              </p:par>
+                            </p:childTnLst>
+                          </p:cTn>
+                        </p:par>
+                      </p:childTnLst>
+                    </p:cTn>
+                  </p:par>
+                  <p:par>
+                    <p:cTn id="38" fill="hold">
+                      <p:stCondLst>
+                        <p:cond delay="indefinite"/>
+                      </p:stCondLst>
+                      <p:childTnLst>
+                        <p:par>
+                          <p:cTn id="39" fill="hold">
+                            <p:stCondLst>
+                              <p:cond delay="0"/>
+                            </p:stCondLst>
+                            <p:childTnLst>
+                              <p:par>
+                                <p:cTn id="40" presetID="53" presetClass="entr" presetSubtype="16" fill="hold" nodeType="clickEffect">
+                                  <p:stCondLst>
+                                    <p:cond delay="0"/>
+                                  </p:stCondLst>
+                                  <p:childTnLst>
+                                    <p:set>
+                                      <p:cBhvr>
+                                        <p:cTn id="41" dur="1" fill="hold">
+                                          <p:stCondLst>
+                                            <p:cond delay="0"/>
+                                          </p:stCondLst>
+                                        </p:cTn>
+                                        <p:tgtEl>
+                                          <p:spTgt spid="3">
+                                            <p:txEl>
+                                              <p:pRg st="5" end="5"/>
+                                            </p:txEl>
+                                          </p:spTgt>
+                                        </p:tgtEl>
+                                        <p:attrNameLst>
+                                          <p:attrName>style.visibility</p:attrName>
+                                        </p:attrNameLst>
+                                      </p:cBhvr>
+                                      <p:to>
+                                        <p:strVal val="visible"/>
+                                      </p:to>
+                                    </p:set>
+                                    <p:anim calcmode="lin" valueType="num">
+                                      <p:cBhvr>
+                                        <p:cTn id="42" dur="500" fill="hold"/>
+                                        <p:tgtEl>
+                                          <p:spTgt spid="3">
+                                            <p:txEl>
+                                              <p:pRg st="5" end="5"/>
+                                            </p:txEl>
+                                          </p:spTgt>
+                                        </p:tgtEl>
+                                        <p:attrNameLst>
+                                          <p:attrName>ppt_w</p:attrName>
+                                        </p:attrNameLst>
+                                      </p:cBhvr>
+                                      <p:tavLst>
+                                        <p:tav tm="0">
+                                          <p:val>
+                                            <p:fltVal val="0"/>
+                                          </p:val>
+                                        </p:tav>
+                                        <p:tav tm="100000">
+                                          <p:val>
+                                            <p:strVal val="#ppt_w"/>
+                                          </p:val>
+                                        </p:tav>
+                                      </p:tavLst>
+                                    </p:anim>
+                                    <p:anim calcmode="lin" valueType="num">
+                                      <p:cBhvr>
+                                        <p:cTn id="43" dur="500" fill="hold"/>
+                                        <p:tgtEl>
+                                          <p:spTgt spid="3">
+                                            <p:txEl>
+                                              <p:pRg st="5" end="5"/>
+                                            </p:txEl>
+                                          </p:spTgt>
+                                        </p:tgtEl>
+                                        <p:attrNameLst>
+                                          <p:attrName>ppt_h</p:attrName>
+                                        </p:attrNameLst>
+                                      </p:cBhvr>
+                                      <p:tavLst>
+                                        <p:tav tm="0">
+                                          <p:val>
+                                            <p:fltVal val="0"/>
+                                          </p:val>
+                                        </p:tav>
+                                        <p:tav tm="100000">
+                                          <p:val>
+                                            <p:strVal val="#ppt_h"/>
+                                          </p:val>
+                                        </p:tav>
+                                      </p:tavLst>
+                                    </p:anim>
+                                    <p:animEffect transition="in" filter="fade">
+                                      <p:cBhvr>
+                                        <p:cTn id="44" dur="500"/>
+                                        <p:tgtEl>
+                                          <p:spTgt spid="3">
+                                            <p:txEl>
+                                              <p:pRg st="5" end="5"/>
+                                            </p:txEl>
+                                          </p:spTgt>
+                                        </p:tgtEl>
+                                      </p:cBhvr>
+                                    </p:animEffect>
+                                  </p:childTnLst>
+                                </p:cTn>
+                              </p:par>
+                            </p:childTnLst>
+                          </p:cTn>
+                        </p:par>
+                      </p:childTnLst>
+                    </p:cTn>
+                  </p:par>
+                  <p:par>
+                    <p:cTn id="45" fill="hold">
+                      <p:stCondLst>
+                        <p:cond delay="indefinite"/>
+                      </p:stCondLst>
+                      <p:childTnLst>
+                        <p:par>
+                          <p:cTn id="46" fill="hold">
+                            <p:stCondLst>
+                              <p:cond delay="0"/>
+                            </p:stCondLst>
+                            <p:childTnLst>
+                              <p:par>
+                                <p:cTn id="47" presetID="53" presetClass="entr" presetSubtype="16" fill="hold" nodeType="clickEffect">
+                                  <p:stCondLst>
+                                    <p:cond delay="0"/>
+                                  </p:stCondLst>
+                                  <p:childTnLst>
+                                    <p:set>
+                                      <p:cBhvr>
+                                        <p:cTn id="48" dur="1" fill="hold">
+                                          <p:stCondLst>
+                                            <p:cond delay="0"/>
+                                          </p:stCondLst>
+                                        </p:cTn>
+                                        <p:tgtEl>
+                                          <p:spTgt spid="3">
+                                            <p:txEl>
+                                              <p:pRg st="6" end="6"/>
+                                            </p:txEl>
+                                          </p:spTgt>
+                                        </p:tgtEl>
+                                        <p:attrNameLst>
+                                          <p:attrName>style.visibility</p:attrName>
+                                        </p:attrNameLst>
+                                      </p:cBhvr>
+                                      <p:to>
+                                        <p:strVal val="visible"/>
+                                      </p:to>
+                                    </p:set>
+                                    <p:anim calcmode="lin" valueType="num">
+                                      <p:cBhvr>
+                                        <p:cTn id="49" dur="500" fill="hold"/>
+                                        <p:tgtEl>
+                                          <p:spTgt spid="3">
+                                            <p:txEl>
+                                              <p:pRg st="6" end="6"/>
+                                            </p:txEl>
+                                          </p:spTgt>
+                                        </p:tgtEl>
+                                        <p:attrNameLst>
+                                          <p:attrName>ppt_w</p:attrName>
+                                        </p:attrNameLst>
+                                      </p:cBhvr>
+                                      <p:tavLst>
+                                        <p:tav tm="0">
+                                          <p:val>
+                                            <p:fltVal val="0"/>
+                                          </p:val>
+                                        </p:tav>
+                                        <p:tav tm="100000">
+                                          <p:val>
+                                            <p:strVal val="#ppt_w"/>
+                                          </p:val>
+                                        </p:tav>
+                                      </p:tavLst>
+                                    </p:anim>
+                                    <p:anim calcmode="lin" valueType="num">
+                                      <p:cBhvr>
+                                        <p:cTn id="50" dur="500" fill="hold"/>
+                                        <p:tgtEl>
+                                          <p:spTgt spid="3">
+                                            <p:txEl>
+                                              <p:pRg st="6" end="6"/>
+                                            </p:txEl>
+                                          </p:spTgt>
+                                        </p:tgtEl>
+                                        <p:attrNameLst>
+                                          <p:attrName>ppt_h</p:attrName>
+                                        </p:attrNameLst>
+                                      </p:cBhvr>
+                                      <p:tavLst>
+                                        <p:tav tm="0">
+                                          <p:val>
+                                            <p:fltVal val="0"/>
+                                          </p:val>
+                                        </p:tav>
+                                        <p:tav tm="100000">
+                                          <p:val>
+                                            <p:strVal val="#ppt_h"/>
+                                          </p:val>
+                                        </p:tav>
+                                      </p:tavLst>
+                                    </p:anim>
+                                    <p:animEffect transition="in" filter="fade">
+                                      <p:cBhvr>
+                                        <p:cTn id="51" dur="500"/>
+                                        <p:tgtEl>
+                                          <p:spTgt spid="3">
+                                            <p:txEl>
+                                              <p:pRg st="6" end="6"/>
+                                            </p:txEl>
+                                          </p:spTgt>
+                                        </p:tgtEl>
+                                      </p:cBhvr>
+                                    </p:animEffect>
+                                  </p:childTnLst>
+                                </p:cTn>
+                              </p:par>
+                            </p:childTnLst>
+                          </p:cTn>
+                        </p:par>
+                      </p:childTnLst>
+                    </p:cTn>
+                  </p:par>
+                </p:childTnLst>
+              </p:cTn>
+              <p:prevCondLst>
+                <p:cond evt="onPrev" delay="0">
+                  <p:tgtEl>
+                    <p:sldTgt/>
+                  </p:tgtEl>
+                </p:cond>
+              </p:prevCondLst>
+              <p:nextCondLst>
+                <p:cond evt="onNext" delay="0">
+                  <p:tgtEl>
+                    <p:sldTgt/>
+                  </p:tgtEl>
+                </p:cond>
+              </p:nextCondLst>
+            </p:seq>
+          </p:childTnLst>
+        </p:cTn>
+      </p:par>
+    </p:tnLst>
+  </p:timing>
 </p:sld>
 </file>
 
@@ -12800,6 +14518,814 @@
       </p:transition>
     </mc:Fallback>
   </mc:AlternateContent>
+  <p:timing>
+    <p:tnLst>
+      <p:par>
+        <p:cTn id="1" dur="indefinite" restart="never" nodeType="tmRoot">
+          <p:childTnLst>
+            <p:seq concurrent="1" nextAc="seek">
+              <p:cTn id="2" dur="indefinite" nodeType="mainSeq">
+                <p:childTnLst>
+                  <p:par>
+                    <p:cTn id="3" fill="hold">
+                      <p:stCondLst>
+                        <p:cond delay="indefinite"/>
+                      </p:stCondLst>
+                      <p:childTnLst>
+                        <p:par>
+                          <p:cTn id="4" fill="hold">
+                            <p:stCondLst>
+                              <p:cond delay="0"/>
+                            </p:stCondLst>
+                            <p:childTnLst>
+                              <p:par>
+                                <p:cTn id="5" presetID="26" presetClass="emph" presetSubtype="0" fill="hold" nodeType="clickEffect">
+                                  <p:stCondLst>
+                                    <p:cond delay="0"/>
+                                  </p:stCondLst>
+                                  <p:childTnLst>
+                                    <p:animEffect transition="out" filter="fade">
+                                      <p:cBhvr>
+                                        <p:cTn id="6" dur="500" tmFilter="0, 0; .2, .5; .8, .5; 1, 0"/>
+                                        <p:tgtEl>
+                                          <p:spTgt spid="3">
+                                            <p:txEl>
+                                              <p:pRg st="1" end="1"/>
+                                            </p:txEl>
+                                          </p:spTgt>
+                                        </p:tgtEl>
+                                      </p:cBhvr>
+                                    </p:animEffect>
+                                    <p:animScale>
+                                      <p:cBhvr>
+                                        <p:cTn id="7" dur="250" autoRev="1" fill="hold"/>
+                                        <p:tgtEl>
+                                          <p:spTgt spid="3">
+                                            <p:txEl>
+                                              <p:pRg st="1" end="1"/>
+                                            </p:txEl>
+                                          </p:spTgt>
+                                        </p:tgtEl>
+                                      </p:cBhvr>
+                                      <p:by x="105000" y="105000"/>
+                                    </p:animScale>
+                                  </p:childTnLst>
+                                </p:cTn>
+                              </p:par>
+                            </p:childTnLst>
+                          </p:cTn>
+                        </p:par>
+                      </p:childTnLst>
+                    </p:cTn>
+                  </p:par>
+                  <p:par>
+                    <p:cTn id="8" fill="hold">
+                      <p:stCondLst>
+                        <p:cond delay="indefinite"/>
+                      </p:stCondLst>
+                      <p:childTnLst>
+                        <p:par>
+                          <p:cTn id="9" fill="hold">
+                            <p:stCondLst>
+                              <p:cond delay="0"/>
+                            </p:stCondLst>
+                            <p:childTnLst>
+                              <p:par>
+                                <p:cTn id="10" presetID="26" presetClass="emph" presetSubtype="0" fill="hold" nodeType="clickEffect">
+                                  <p:stCondLst>
+                                    <p:cond delay="0"/>
+                                  </p:stCondLst>
+                                  <p:childTnLst>
+                                    <p:animEffect transition="out" filter="fade">
+                                      <p:cBhvr>
+                                        <p:cTn id="11" dur="500" tmFilter="0, 0; .2, .5; .8, .5; 1, 0"/>
+                                        <p:tgtEl>
+                                          <p:spTgt spid="3">
+                                            <p:txEl>
+                                              <p:pRg st="2" end="2"/>
+                                            </p:txEl>
+                                          </p:spTgt>
+                                        </p:tgtEl>
+                                      </p:cBhvr>
+                                    </p:animEffect>
+                                    <p:animScale>
+                                      <p:cBhvr>
+                                        <p:cTn id="12" dur="250" autoRev="1" fill="hold"/>
+                                        <p:tgtEl>
+                                          <p:spTgt spid="3">
+                                            <p:txEl>
+                                              <p:pRg st="2" end="2"/>
+                                            </p:txEl>
+                                          </p:spTgt>
+                                        </p:tgtEl>
+                                      </p:cBhvr>
+                                      <p:by x="105000" y="105000"/>
+                                    </p:animScale>
+                                  </p:childTnLst>
+                                </p:cTn>
+                              </p:par>
+                            </p:childTnLst>
+                          </p:cTn>
+                        </p:par>
+                      </p:childTnLst>
+                    </p:cTn>
+                  </p:par>
+                  <p:par>
+                    <p:cTn id="13" fill="hold">
+                      <p:stCondLst>
+                        <p:cond delay="indefinite"/>
+                      </p:stCondLst>
+                      <p:childTnLst>
+                        <p:par>
+                          <p:cTn id="14" fill="hold">
+                            <p:stCondLst>
+                              <p:cond delay="0"/>
+                            </p:stCondLst>
+                            <p:childTnLst>
+                              <p:par>
+                                <p:cTn id="15" presetID="27" presetClass="emph" presetSubtype="0" fill="remove" nodeType="clickEffect">
+                                  <p:stCondLst>
+                                    <p:cond delay="0"/>
+                                  </p:stCondLst>
+                                  <p:childTnLst>
+                                    <p:animClr clrSpc="rgb" dir="cw">
+                                      <p:cBhvr override="childStyle">
+                                        <p:cTn id="16" dur="250" autoRev="1" fill="remove"/>
+                                        <p:tgtEl>
+                                          <p:spTgt spid="3">
+                                            <p:txEl>
+                                              <p:pRg st="3" end="3"/>
+                                            </p:txEl>
+                                          </p:spTgt>
+                                        </p:tgtEl>
+                                        <p:attrNameLst>
+                                          <p:attrName>style.color</p:attrName>
+                                        </p:attrNameLst>
+                                      </p:cBhvr>
+                                      <p:to>
+                                        <a:schemeClr val="bg1"/>
+                                      </p:to>
+                                    </p:animClr>
+                                    <p:animClr clrSpc="rgb" dir="cw">
+                                      <p:cBhvr>
+                                        <p:cTn id="17" dur="250" autoRev="1" fill="remove"/>
+                                        <p:tgtEl>
+                                          <p:spTgt spid="3">
+                                            <p:txEl>
+                                              <p:pRg st="3" end="3"/>
+                                            </p:txEl>
+                                          </p:spTgt>
+                                        </p:tgtEl>
+                                        <p:attrNameLst>
+                                          <p:attrName>fillcolor</p:attrName>
+                                        </p:attrNameLst>
+                                      </p:cBhvr>
+                                      <p:to>
+                                        <a:schemeClr val="bg1"/>
+                                      </p:to>
+                                    </p:animClr>
+                                    <p:set>
+                                      <p:cBhvr>
+                                        <p:cTn id="18" dur="250" autoRev="1" fill="remove"/>
+                                        <p:tgtEl>
+                                          <p:spTgt spid="3">
+                                            <p:txEl>
+                                              <p:pRg st="3" end="3"/>
+                                            </p:txEl>
+                                          </p:spTgt>
+                                        </p:tgtEl>
+                                        <p:attrNameLst>
+                                          <p:attrName>fill.type</p:attrName>
+                                        </p:attrNameLst>
+                                      </p:cBhvr>
+                                      <p:to>
+                                        <p:strVal val="solid"/>
+                                      </p:to>
+                                    </p:set>
+                                    <p:set>
+                                      <p:cBhvr>
+                                        <p:cTn id="19" dur="250" autoRev="1" fill="remove"/>
+                                        <p:tgtEl>
+                                          <p:spTgt spid="3">
+                                            <p:txEl>
+                                              <p:pRg st="3" end="3"/>
+                                            </p:txEl>
+                                          </p:spTgt>
+                                        </p:tgtEl>
+                                        <p:attrNameLst>
+                                          <p:attrName>fill.on</p:attrName>
+                                        </p:attrNameLst>
+                                      </p:cBhvr>
+                                      <p:to>
+                                        <p:strVal val="true"/>
+                                      </p:to>
+                                    </p:set>
+                                  </p:childTnLst>
+                                </p:cTn>
+                              </p:par>
+                            </p:childTnLst>
+                          </p:cTn>
+                        </p:par>
+                      </p:childTnLst>
+                    </p:cTn>
+                  </p:par>
+                  <p:par>
+                    <p:cTn id="20" fill="hold">
+                      <p:stCondLst>
+                        <p:cond delay="indefinite"/>
+                      </p:stCondLst>
+                      <p:childTnLst>
+                        <p:par>
+                          <p:cTn id="21" fill="hold">
+                            <p:stCondLst>
+                              <p:cond delay="0"/>
+                            </p:stCondLst>
+                            <p:childTnLst>
+                              <p:par>
+                                <p:cTn id="22" presetID="53" presetClass="entr" presetSubtype="16" fill="hold" nodeType="clickEffect">
+                                  <p:stCondLst>
+                                    <p:cond delay="0"/>
+                                  </p:stCondLst>
+                                  <p:childTnLst>
+                                    <p:set>
+                                      <p:cBhvr>
+                                        <p:cTn id="23" dur="1" fill="hold">
+                                          <p:stCondLst>
+                                            <p:cond delay="0"/>
+                                          </p:stCondLst>
+                                        </p:cTn>
+                                        <p:tgtEl>
+                                          <p:spTgt spid="3">
+                                            <p:txEl>
+                                              <p:pRg st="4" end="4"/>
+                                            </p:txEl>
+                                          </p:spTgt>
+                                        </p:tgtEl>
+                                        <p:attrNameLst>
+                                          <p:attrName>style.visibility</p:attrName>
+                                        </p:attrNameLst>
+                                      </p:cBhvr>
+                                      <p:to>
+                                        <p:strVal val="visible"/>
+                                      </p:to>
+                                    </p:set>
+                                    <p:anim calcmode="lin" valueType="num">
+                                      <p:cBhvr>
+                                        <p:cTn id="24" dur="500" fill="hold"/>
+                                        <p:tgtEl>
+                                          <p:spTgt spid="3">
+                                            <p:txEl>
+                                              <p:pRg st="4" end="4"/>
+                                            </p:txEl>
+                                          </p:spTgt>
+                                        </p:tgtEl>
+                                        <p:attrNameLst>
+                                          <p:attrName>ppt_w</p:attrName>
+                                        </p:attrNameLst>
+                                      </p:cBhvr>
+                                      <p:tavLst>
+                                        <p:tav tm="0">
+                                          <p:val>
+                                            <p:fltVal val="0"/>
+                                          </p:val>
+                                        </p:tav>
+                                        <p:tav tm="100000">
+                                          <p:val>
+                                            <p:strVal val="#ppt_w"/>
+                                          </p:val>
+                                        </p:tav>
+                                      </p:tavLst>
+                                    </p:anim>
+                                    <p:anim calcmode="lin" valueType="num">
+                                      <p:cBhvr>
+                                        <p:cTn id="25" dur="500" fill="hold"/>
+                                        <p:tgtEl>
+                                          <p:spTgt spid="3">
+                                            <p:txEl>
+                                              <p:pRg st="4" end="4"/>
+                                            </p:txEl>
+                                          </p:spTgt>
+                                        </p:tgtEl>
+                                        <p:attrNameLst>
+                                          <p:attrName>ppt_h</p:attrName>
+                                        </p:attrNameLst>
+                                      </p:cBhvr>
+                                      <p:tavLst>
+                                        <p:tav tm="0">
+                                          <p:val>
+                                            <p:fltVal val="0"/>
+                                          </p:val>
+                                        </p:tav>
+                                        <p:tav tm="100000">
+                                          <p:val>
+                                            <p:strVal val="#ppt_h"/>
+                                          </p:val>
+                                        </p:tav>
+                                      </p:tavLst>
+                                    </p:anim>
+                                    <p:animEffect transition="in" filter="fade">
+                                      <p:cBhvr>
+                                        <p:cTn id="26" dur="500"/>
+                                        <p:tgtEl>
+                                          <p:spTgt spid="3">
+                                            <p:txEl>
+                                              <p:pRg st="4" end="4"/>
+                                            </p:txEl>
+                                          </p:spTgt>
+                                        </p:tgtEl>
+                                      </p:cBhvr>
+                                    </p:animEffect>
+                                  </p:childTnLst>
+                                </p:cTn>
+                              </p:par>
+                            </p:childTnLst>
+                          </p:cTn>
+                        </p:par>
+                      </p:childTnLst>
+                    </p:cTn>
+                  </p:par>
+                  <p:par>
+                    <p:cTn id="27" fill="hold">
+                      <p:stCondLst>
+                        <p:cond delay="indefinite"/>
+                      </p:stCondLst>
+                      <p:childTnLst>
+                        <p:par>
+                          <p:cTn id="28" fill="hold">
+                            <p:stCondLst>
+                              <p:cond delay="0"/>
+                            </p:stCondLst>
+                            <p:childTnLst>
+                              <p:par>
+                                <p:cTn id="29" presetID="53" presetClass="entr" presetSubtype="16" fill="hold" nodeType="clickEffect">
+                                  <p:stCondLst>
+                                    <p:cond delay="0"/>
+                                  </p:stCondLst>
+                                  <p:childTnLst>
+                                    <p:set>
+                                      <p:cBhvr>
+                                        <p:cTn id="30" dur="1" fill="hold">
+                                          <p:stCondLst>
+                                            <p:cond delay="0"/>
+                                          </p:stCondLst>
+                                        </p:cTn>
+                                        <p:tgtEl>
+                                          <p:spTgt spid="3">
+                                            <p:txEl>
+                                              <p:pRg st="5" end="5"/>
+                                            </p:txEl>
+                                          </p:spTgt>
+                                        </p:tgtEl>
+                                        <p:attrNameLst>
+                                          <p:attrName>style.visibility</p:attrName>
+                                        </p:attrNameLst>
+                                      </p:cBhvr>
+                                      <p:to>
+                                        <p:strVal val="visible"/>
+                                      </p:to>
+                                    </p:set>
+                                    <p:anim calcmode="lin" valueType="num">
+                                      <p:cBhvr>
+                                        <p:cTn id="31" dur="500" fill="hold"/>
+                                        <p:tgtEl>
+                                          <p:spTgt spid="3">
+                                            <p:txEl>
+                                              <p:pRg st="5" end="5"/>
+                                            </p:txEl>
+                                          </p:spTgt>
+                                        </p:tgtEl>
+                                        <p:attrNameLst>
+                                          <p:attrName>ppt_w</p:attrName>
+                                        </p:attrNameLst>
+                                      </p:cBhvr>
+                                      <p:tavLst>
+                                        <p:tav tm="0">
+                                          <p:val>
+                                            <p:fltVal val="0"/>
+                                          </p:val>
+                                        </p:tav>
+                                        <p:tav tm="100000">
+                                          <p:val>
+                                            <p:strVal val="#ppt_w"/>
+                                          </p:val>
+                                        </p:tav>
+                                      </p:tavLst>
+                                    </p:anim>
+                                    <p:anim calcmode="lin" valueType="num">
+                                      <p:cBhvr>
+                                        <p:cTn id="32" dur="500" fill="hold"/>
+                                        <p:tgtEl>
+                                          <p:spTgt spid="3">
+                                            <p:txEl>
+                                              <p:pRg st="5" end="5"/>
+                                            </p:txEl>
+                                          </p:spTgt>
+                                        </p:tgtEl>
+                                        <p:attrNameLst>
+                                          <p:attrName>ppt_h</p:attrName>
+                                        </p:attrNameLst>
+                                      </p:cBhvr>
+                                      <p:tavLst>
+                                        <p:tav tm="0">
+                                          <p:val>
+                                            <p:fltVal val="0"/>
+                                          </p:val>
+                                        </p:tav>
+                                        <p:tav tm="100000">
+                                          <p:val>
+                                            <p:strVal val="#ppt_h"/>
+                                          </p:val>
+                                        </p:tav>
+                                      </p:tavLst>
+                                    </p:anim>
+                                    <p:animEffect transition="in" filter="fade">
+                                      <p:cBhvr>
+                                        <p:cTn id="33" dur="500"/>
+                                        <p:tgtEl>
+                                          <p:spTgt spid="3">
+                                            <p:txEl>
+                                              <p:pRg st="5" end="5"/>
+                                            </p:txEl>
+                                          </p:spTgt>
+                                        </p:tgtEl>
+                                      </p:cBhvr>
+                                    </p:animEffect>
+                                  </p:childTnLst>
+                                </p:cTn>
+                              </p:par>
+                            </p:childTnLst>
+                          </p:cTn>
+                        </p:par>
+                      </p:childTnLst>
+                    </p:cTn>
+                  </p:par>
+                  <p:par>
+                    <p:cTn id="34" fill="hold">
+                      <p:stCondLst>
+                        <p:cond delay="indefinite"/>
+                      </p:stCondLst>
+                      <p:childTnLst>
+                        <p:par>
+                          <p:cTn id="35" fill="hold">
+                            <p:stCondLst>
+                              <p:cond delay="0"/>
+                            </p:stCondLst>
+                            <p:childTnLst>
+                              <p:par>
+                                <p:cTn id="36" presetID="53" presetClass="entr" presetSubtype="16" fill="hold" nodeType="clickEffect">
+                                  <p:stCondLst>
+                                    <p:cond delay="0"/>
+                                  </p:stCondLst>
+                                  <p:childTnLst>
+                                    <p:set>
+                                      <p:cBhvr>
+                                        <p:cTn id="37" dur="1" fill="hold">
+                                          <p:stCondLst>
+                                            <p:cond delay="0"/>
+                                          </p:stCondLst>
+                                        </p:cTn>
+                                        <p:tgtEl>
+                                          <p:spTgt spid="3">
+                                            <p:txEl>
+                                              <p:pRg st="6" end="6"/>
+                                            </p:txEl>
+                                          </p:spTgt>
+                                        </p:tgtEl>
+                                        <p:attrNameLst>
+                                          <p:attrName>style.visibility</p:attrName>
+                                        </p:attrNameLst>
+                                      </p:cBhvr>
+                                      <p:to>
+                                        <p:strVal val="visible"/>
+                                      </p:to>
+                                    </p:set>
+                                    <p:anim calcmode="lin" valueType="num">
+                                      <p:cBhvr>
+                                        <p:cTn id="38" dur="500" fill="hold"/>
+                                        <p:tgtEl>
+                                          <p:spTgt spid="3">
+                                            <p:txEl>
+                                              <p:pRg st="6" end="6"/>
+                                            </p:txEl>
+                                          </p:spTgt>
+                                        </p:tgtEl>
+                                        <p:attrNameLst>
+                                          <p:attrName>ppt_w</p:attrName>
+                                        </p:attrNameLst>
+                                      </p:cBhvr>
+                                      <p:tavLst>
+                                        <p:tav tm="0">
+                                          <p:val>
+                                            <p:fltVal val="0"/>
+                                          </p:val>
+                                        </p:tav>
+                                        <p:tav tm="100000">
+                                          <p:val>
+                                            <p:strVal val="#ppt_w"/>
+                                          </p:val>
+                                        </p:tav>
+                                      </p:tavLst>
+                                    </p:anim>
+                                    <p:anim calcmode="lin" valueType="num">
+                                      <p:cBhvr>
+                                        <p:cTn id="39" dur="500" fill="hold"/>
+                                        <p:tgtEl>
+                                          <p:spTgt spid="3">
+                                            <p:txEl>
+                                              <p:pRg st="6" end="6"/>
+                                            </p:txEl>
+                                          </p:spTgt>
+                                        </p:tgtEl>
+                                        <p:attrNameLst>
+                                          <p:attrName>ppt_h</p:attrName>
+                                        </p:attrNameLst>
+                                      </p:cBhvr>
+                                      <p:tavLst>
+                                        <p:tav tm="0">
+                                          <p:val>
+                                            <p:fltVal val="0"/>
+                                          </p:val>
+                                        </p:tav>
+                                        <p:tav tm="100000">
+                                          <p:val>
+                                            <p:strVal val="#ppt_h"/>
+                                          </p:val>
+                                        </p:tav>
+                                      </p:tavLst>
+                                    </p:anim>
+                                    <p:animEffect transition="in" filter="fade">
+                                      <p:cBhvr>
+                                        <p:cTn id="40" dur="500"/>
+                                        <p:tgtEl>
+                                          <p:spTgt spid="3">
+                                            <p:txEl>
+                                              <p:pRg st="6" end="6"/>
+                                            </p:txEl>
+                                          </p:spTgt>
+                                        </p:tgtEl>
+                                      </p:cBhvr>
+                                    </p:animEffect>
+                                  </p:childTnLst>
+                                </p:cTn>
+                              </p:par>
+                            </p:childTnLst>
+                          </p:cTn>
+                        </p:par>
+                      </p:childTnLst>
+                    </p:cTn>
+                  </p:par>
+                  <p:par>
+                    <p:cTn id="41" fill="hold">
+                      <p:stCondLst>
+                        <p:cond delay="indefinite"/>
+                      </p:stCondLst>
+                      <p:childTnLst>
+                        <p:par>
+                          <p:cTn id="42" fill="hold">
+                            <p:stCondLst>
+                              <p:cond delay="0"/>
+                            </p:stCondLst>
+                            <p:childTnLst>
+                              <p:par>
+                                <p:cTn id="43" presetID="53" presetClass="entr" presetSubtype="16" fill="hold" nodeType="clickEffect">
+                                  <p:stCondLst>
+                                    <p:cond delay="0"/>
+                                  </p:stCondLst>
+                                  <p:childTnLst>
+                                    <p:set>
+                                      <p:cBhvr>
+                                        <p:cTn id="44" dur="1" fill="hold">
+                                          <p:stCondLst>
+                                            <p:cond delay="0"/>
+                                          </p:stCondLst>
+                                        </p:cTn>
+                                        <p:tgtEl>
+                                          <p:spTgt spid="3">
+                                            <p:txEl>
+                                              <p:pRg st="7" end="7"/>
+                                            </p:txEl>
+                                          </p:spTgt>
+                                        </p:tgtEl>
+                                        <p:attrNameLst>
+                                          <p:attrName>style.visibility</p:attrName>
+                                        </p:attrNameLst>
+                                      </p:cBhvr>
+                                      <p:to>
+                                        <p:strVal val="visible"/>
+                                      </p:to>
+                                    </p:set>
+                                    <p:anim calcmode="lin" valueType="num">
+                                      <p:cBhvr>
+                                        <p:cTn id="45" dur="500" fill="hold"/>
+                                        <p:tgtEl>
+                                          <p:spTgt spid="3">
+                                            <p:txEl>
+                                              <p:pRg st="7" end="7"/>
+                                            </p:txEl>
+                                          </p:spTgt>
+                                        </p:tgtEl>
+                                        <p:attrNameLst>
+                                          <p:attrName>ppt_w</p:attrName>
+                                        </p:attrNameLst>
+                                      </p:cBhvr>
+                                      <p:tavLst>
+                                        <p:tav tm="0">
+                                          <p:val>
+                                            <p:fltVal val="0"/>
+                                          </p:val>
+                                        </p:tav>
+                                        <p:tav tm="100000">
+                                          <p:val>
+                                            <p:strVal val="#ppt_w"/>
+                                          </p:val>
+                                        </p:tav>
+                                      </p:tavLst>
+                                    </p:anim>
+                                    <p:anim calcmode="lin" valueType="num">
+                                      <p:cBhvr>
+                                        <p:cTn id="46" dur="500" fill="hold"/>
+                                        <p:tgtEl>
+                                          <p:spTgt spid="3">
+                                            <p:txEl>
+                                              <p:pRg st="7" end="7"/>
+                                            </p:txEl>
+                                          </p:spTgt>
+                                        </p:tgtEl>
+                                        <p:attrNameLst>
+                                          <p:attrName>ppt_h</p:attrName>
+                                        </p:attrNameLst>
+                                      </p:cBhvr>
+                                      <p:tavLst>
+                                        <p:tav tm="0">
+                                          <p:val>
+                                            <p:fltVal val="0"/>
+                                          </p:val>
+                                        </p:tav>
+                                        <p:tav tm="100000">
+                                          <p:val>
+                                            <p:strVal val="#ppt_h"/>
+                                          </p:val>
+                                        </p:tav>
+                                      </p:tavLst>
+                                    </p:anim>
+                                    <p:animEffect transition="in" filter="fade">
+                                      <p:cBhvr>
+                                        <p:cTn id="47" dur="500"/>
+                                        <p:tgtEl>
+                                          <p:spTgt spid="3">
+                                            <p:txEl>
+                                              <p:pRg st="7" end="7"/>
+                                            </p:txEl>
+                                          </p:spTgt>
+                                        </p:tgtEl>
+                                      </p:cBhvr>
+                                    </p:animEffect>
+                                  </p:childTnLst>
+                                </p:cTn>
+                              </p:par>
+                            </p:childTnLst>
+                          </p:cTn>
+                        </p:par>
+                      </p:childTnLst>
+                    </p:cTn>
+                  </p:par>
+                  <p:par>
+                    <p:cTn id="48" fill="hold">
+                      <p:stCondLst>
+                        <p:cond delay="indefinite"/>
+                      </p:stCondLst>
+                      <p:childTnLst>
+                        <p:par>
+                          <p:cTn id="49" fill="hold">
+                            <p:stCondLst>
+                              <p:cond delay="0"/>
+                            </p:stCondLst>
+                            <p:childTnLst>
+                              <p:par>
+                                <p:cTn id="50" presetID="53" presetClass="entr" presetSubtype="16" fill="hold" nodeType="clickEffect">
+                                  <p:stCondLst>
+                                    <p:cond delay="0"/>
+                                  </p:stCondLst>
+                                  <p:childTnLst>
+                                    <p:set>
+                                      <p:cBhvr>
+                                        <p:cTn id="51" dur="1" fill="hold">
+                                          <p:stCondLst>
+                                            <p:cond delay="0"/>
+                                          </p:stCondLst>
+                                        </p:cTn>
+                                        <p:tgtEl>
+                                          <p:spTgt spid="3">
+                                            <p:txEl>
+                                              <p:pRg st="8" end="8"/>
+                                            </p:txEl>
+                                          </p:spTgt>
+                                        </p:tgtEl>
+                                        <p:attrNameLst>
+                                          <p:attrName>style.visibility</p:attrName>
+                                        </p:attrNameLst>
+                                      </p:cBhvr>
+                                      <p:to>
+                                        <p:strVal val="visible"/>
+                                      </p:to>
+                                    </p:set>
+                                    <p:anim calcmode="lin" valueType="num">
+                                      <p:cBhvr>
+                                        <p:cTn id="52" dur="500" fill="hold"/>
+                                        <p:tgtEl>
+                                          <p:spTgt spid="3">
+                                            <p:txEl>
+                                              <p:pRg st="8" end="8"/>
+                                            </p:txEl>
+                                          </p:spTgt>
+                                        </p:tgtEl>
+                                        <p:attrNameLst>
+                                          <p:attrName>ppt_w</p:attrName>
+                                        </p:attrNameLst>
+                                      </p:cBhvr>
+                                      <p:tavLst>
+                                        <p:tav tm="0">
+                                          <p:val>
+                                            <p:fltVal val="0"/>
+                                          </p:val>
+                                        </p:tav>
+                                        <p:tav tm="100000">
+                                          <p:val>
+                                            <p:strVal val="#ppt_w"/>
+                                          </p:val>
+                                        </p:tav>
+                                      </p:tavLst>
+                                    </p:anim>
+                                    <p:anim calcmode="lin" valueType="num">
+                                      <p:cBhvr>
+                                        <p:cTn id="53" dur="500" fill="hold"/>
+                                        <p:tgtEl>
+                                          <p:spTgt spid="3">
+                                            <p:txEl>
+                                              <p:pRg st="8" end="8"/>
+                                            </p:txEl>
+                                          </p:spTgt>
+                                        </p:tgtEl>
+                                        <p:attrNameLst>
+                                          <p:attrName>ppt_h</p:attrName>
+                                        </p:attrNameLst>
+                                      </p:cBhvr>
+                                      <p:tavLst>
+                                        <p:tav tm="0">
+                                          <p:val>
+                                            <p:fltVal val="0"/>
+                                          </p:val>
+                                        </p:tav>
+                                        <p:tav tm="100000">
+                                          <p:val>
+                                            <p:strVal val="#ppt_h"/>
+                                          </p:val>
+                                        </p:tav>
+                                      </p:tavLst>
+                                    </p:anim>
+                                    <p:animEffect transition="in" filter="fade">
+                                      <p:cBhvr>
+                                        <p:cTn id="54" dur="500"/>
+                                        <p:tgtEl>
+                                          <p:spTgt spid="3">
+                                            <p:txEl>
+                                              <p:pRg st="8" end="8"/>
+                                            </p:txEl>
+                                          </p:spTgt>
+                                        </p:tgtEl>
+                                      </p:cBhvr>
+                                    </p:animEffect>
+                                  </p:childTnLst>
+                                </p:cTn>
+                              </p:par>
+                            </p:childTnLst>
+                          </p:cTn>
+                        </p:par>
+                      </p:childTnLst>
+                    </p:cTn>
+                  </p:par>
+                </p:childTnLst>
+              </p:cTn>
+              <p:prevCondLst>
+                <p:cond evt="onPrev" delay="0">
+                  <p:tgtEl>
+                    <p:sldTgt/>
+                  </p:tgtEl>
+                </p:cond>
+              </p:prevCondLst>
+              <p:nextCondLst>
+                <p:cond evt="onNext" delay="0">
+                  <p:tgtEl>
+                    <p:sldTgt/>
+                  </p:tgtEl>
+                </p:cond>
+              </p:nextCondLst>
+            </p:seq>
+          </p:childTnLst>
+        </p:cTn>
+      </p:par>
+    </p:tnLst>
+  </p:timing>
 </p:sld>
 </file>
 

--- a/MINI PROJECT 1 final.pptx
+++ b/MINI PROJECT 1 final.pptx
@@ -386,7 +386,7 @@
           <a:p>
             <a:fld id="{D9962669-56AE-4347-90EE-8C5DDA719B74}" type="datetimeFigureOut">
               <a:rPr lang="en-PH" smtClean="0"/>
-              <a:t>03/02/2023</a:t>
+              <a:t>11/02/2023</a:t>
             </a:fld>
             <a:endParaRPr lang="en-PH"/>
           </a:p>
@@ -568,7 +568,7 @@
           <a:p>
             <a:fld id="{D9962669-56AE-4347-90EE-8C5DDA719B74}" type="datetimeFigureOut">
               <a:rPr lang="en-PH" smtClean="0"/>
-              <a:t>03/02/2023</a:t>
+              <a:t>11/02/2023</a:t>
             </a:fld>
             <a:endParaRPr lang="en-PH"/>
           </a:p>
@@ -803,7 +803,7 @@
           <a:p>
             <a:fld id="{D9962669-56AE-4347-90EE-8C5DDA719B74}" type="datetimeFigureOut">
               <a:rPr lang="en-PH" smtClean="0"/>
-              <a:t>03/02/2023</a:t>
+              <a:t>11/02/2023</a:t>
             </a:fld>
             <a:endParaRPr lang="en-PH"/>
           </a:p>
@@ -995,7 +995,7 @@
           <a:p>
             <a:fld id="{D9962669-56AE-4347-90EE-8C5DDA719B74}" type="datetimeFigureOut">
               <a:rPr lang="en-PH" smtClean="0"/>
-              <a:t>03/02/2023</a:t>
+              <a:t>11/02/2023</a:t>
             </a:fld>
             <a:endParaRPr lang="en-PH"/>
           </a:p>
@@ -1313,7 +1313,7 @@
           <a:p>
             <a:fld id="{D9962669-56AE-4347-90EE-8C5DDA719B74}" type="datetimeFigureOut">
               <a:rPr lang="en-PH" smtClean="0"/>
-              <a:t>03/02/2023</a:t>
+              <a:t>11/02/2023</a:t>
             </a:fld>
             <a:endParaRPr lang="en-PH"/>
           </a:p>
@@ -1629,7 +1629,7 @@
           <a:p>
             <a:fld id="{D9962669-56AE-4347-90EE-8C5DDA719B74}" type="datetimeFigureOut">
               <a:rPr lang="en-PH" smtClean="0"/>
-              <a:t>03/02/2023</a:t>
+              <a:t>11/02/2023</a:t>
             </a:fld>
             <a:endParaRPr lang="en-PH"/>
           </a:p>
@@ -2063,7 +2063,7 @@
           <a:p>
             <a:fld id="{D9962669-56AE-4347-90EE-8C5DDA719B74}" type="datetimeFigureOut">
               <a:rPr lang="en-PH" smtClean="0"/>
-              <a:t>03/02/2023</a:t>
+              <a:t>11/02/2023</a:t>
             </a:fld>
             <a:endParaRPr lang="en-PH"/>
           </a:p>
@@ -2193,7 +2193,7 @@
           <a:p>
             <a:fld id="{D9962669-56AE-4347-90EE-8C5DDA719B74}" type="datetimeFigureOut">
               <a:rPr lang="en-PH" smtClean="0"/>
-              <a:t>03/02/2023</a:t>
+              <a:t>11/02/2023</a:t>
             </a:fld>
             <a:endParaRPr lang="en-PH"/>
           </a:p>
@@ -2300,7 +2300,7 @@
           <a:p>
             <a:fld id="{D9962669-56AE-4347-90EE-8C5DDA719B74}" type="datetimeFigureOut">
               <a:rPr lang="en-PH" smtClean="0"/>
-              <a:t>03/02/2023</a:t>
+              <a:t>11/02/2023</a:t>
             </a:fld>
             <a:endParaRPr lang="en-PH"/>
           </a:p>
@@ -2585,7 +2585,7 @@
           <a:p>
             <a:fld id="{D9962669-56AE-4347-90EE-8C5DDA719B74}" type="datetimeFigureOut">
               <a:rPr lang="en-PH" smtClean="0"/>
-              <a:t>03/02/2023</a:t>
+              <a:t>11/02/2023</a:t>
             </a:fld>
             <a:endParaRPr lang="en-PH"/>
           </a:p>
@@ -2862,7 +2862,7 @@
           <a:p>
             <a:fld id="{D9962669-56AE-4347-90EE-8C5DDA719B74}" type="datetimeFigureOut">
               <a:rPr lang="en-PH" smtClean="0"/>
-              <a:t>03/02/2023</a:t>
+              <a:t>11/02/2023</a:t>
             </a:fld>
             <a:endParaRPr lang="en-PH"/>
           </a:p>
@@ -3123,7 +3123,7 @@
           <a:p>
             <a:fld id="{D9962669-56AE-4347-90EE-8C5DDA719B74}" type="datetimeFigureOut">
               <a:rPr lang="en-PH" smtClean="0"/>
-              <a:t>03/02/2023</a:t>
+              <a:t>11/02/2023</a:t>
             </a:fld>
             <a:endParaRPr lang="en-PH"/>
           </a:p>
@@ -10871,36 +10871,26 @@
         </p:nvSpPr>
         <p:spPr>
           <a:xfrm>
-            <a:off x="1202919" y="1842655"/>
-            <a:ext cx="9784080" cy="5015345"/>
+            <a:off x="-581890" y="1842655"/>
+            <a:ext cx="13078690" cy="5015345"/>
           </a:xfrm>
         </p:spPr>
         <p:txBody>
-          <a:bodyPr anchor="ctr"/>
+          <a:bodyPr anchor="ctr">
+            <a:normAutofit/>
+          </a:bodyPr>
           <a:lstStyle/>
           <a:p>
             <a:pPr marL="0" indent="0" algn="ctr">
               <a:buNone/>
             </a:pPr>
-            <a:endParaRPr lang="en-PH" sz="5400" dirty="0"/>
-          </a:p>
-          <a:p>
-            <a:pPr marL="0" indent="0" algn="ctr">
-              <a:buNone/>
-            </a:pPr>
-            <a:r>
-              <a:rPr lang="en-PH" sz="5400" dirty="0">
-                <a:hlinkClick r:id="rId2"/>
+            <a:r>
+              <a:rPr lang="en-PH" sz="4000" dirty="0">
+                <a:hlinkClick r:id="rId2" action="ppaction://hlinkfile"/>
               </a:rPr>
-              <a:t>http://localhost/www.portfolio.com/miniproject1/index.html</a:t>
-            </a:r>
-            <a:endParaRPr lang="en-PH" sz="5400" dirty="0"/>
-          </a:p>
-          <a:p>
-            <a:pPr marL="0" indent="0" algn="ctr">
-              <a:buNone/>
-            </a:pPr>
-            <a:endParaRPr lang="en-PH" dirty="0"/>
+              <a:t>http://www.portfolio.com.test/miniproject1/index.html</a:t>
+            </a:r>
+            <a:endParaRPr lang="en-PH" sz="4000" dirty="0"/>
           </a:p>
         </p:txBody>
       </p:sp>
@@ -10997,8 +10987,8 @@
         </p:nvSpPr>
         <p:spPr>
           <a:xfrm>
-            <a:off x="838200" y="1272209"/>
-            <a:ext cx="10571922" cy="5088834"/>
+            <a:off x="838200" y="1272208"/>
+            <a:ext cx="10571922" cy="5585791"/>
           </a:xfrm>
         </p:spPr>
         <p:txBody>
@@ -11006,6 +10996,170 @@
             <a:noAutofit/>
           </a:bodyPr>
           <a:lstStyle/>
+          <a:p>
+            <a:pPr marL="617220" indent="0" algn="just" fontAlgn="base">
+              <a:lnSpc>
+                <a:spcPct val="107000"/>
+              </a:lnSpc>
+              <a:spcAft>
+                <a:spcPts val="1800"/>
+              </a:spcAft>
+              <a:buNone/>
+            </a:pPr>
+            <a:r>
+              <a:rPr lang="en-US" sz="2400" dirty="0">
+                <a:solidFill>
+                  <a:schemeClr val="bg1"/>
+                </a:solidFill>
+                <a:effectLst/>
+                <a:latin typeface="Calibri" panose="020F0502020204030204" pitchFamily="34" charset="0"/>
+                <a:cs typeface="Times New Roman" panose="02020603050405020304" pitchFamily="18" charset="0"/>
+              </a:rPr>
+              <a:t>	</a:t>
+            </a:r>
+            <a:r>
+              <a:rPr lang="en-US" sz="2400" i="1" dirty="0">
+                <a:solidFill>
+                  <a:schemeClr val="bg1"/>
+                </a:solidFill>
+                <a:latin typeface="Calibri" panose="020F0502020204030204" pitchFamily="34" charset="0"/>
+                <a:cs typeface="Times New Roman" panose="02020603050405020304" pitchFamily="18" charset="0"/>
+              </a:rPr>
+              <a:t>		</a:t>
+            </a:r>
+          </a:p>
+          <a:p>
+            <a:pPr marL="617220" indent="0" algn="just" fontAlgn="base">
+              <a:lnSpc>
+                <a:spcPct val="107000"/>
+              </a:lnSpc>
+              <a:spcAft>
+                <a:spcPts val="1800"/>
+              </a:spcAft>
+              <a:buNone/>
+            </a:pPr>
+            <a:r>
+              <a:rPr lang="en-US" sz="2400" i="1" dirty="0">
+                <a:solidFill>
+                  <a:schemeClr val="bg2"/>
+                </a:solidFill>
+                <a:latin typeface="Calibri" panose="020F0502020204030204" pitchFamily="34" charset="0"/>
+                <a:cs typeface="Times New Roman" panose="02020603050405020304" pitchFamily="18" charset="0"/>
+              </a:rPr>
+              <a:t>"If you want to become a scientist, learn from scientists. But if you want to become a millionaire, learn from millionaires." -Anonymous.</a:t>
+            </a:r>
+            <a:r>
+              <a:rPr lang="en-US" sz="2400" dirty="0">
+                <a:solidFill>
+                  <a:schemeClr val="bg2"/>
+                </a:solidFill>
+                <a:latin typeface="Calibri" panose="020F0502020204030204" pitchFamily="34" charset="0"/>
+                <a:cs typeface="Times New Roman" panose="02020603050405020304" pitchFamily="18" charset="0"/>
+              </a:rPr>
+              <a:t> </a:t>
+            </a:r>
+          </a:p>
+          <a:p>
+            <a:pPr marL="617220" indent="0" algn="just" fontAlgn="base">
+              <a:lnSpc>
+                <a:spcPct val="107000"/>
+              </a:lnSpc>
+              <a:spcAft>
+                <a:spcPts val="1800"/>
+              </a:spcAft>
+              <a:buNone/>
+            </a:pPr>
+            <a:r>
+              <a:rPr lang="en-US" sz="2400" dirty="0">
+                <a:solidFill>
+                  <a:schemeClr val="bg2"/>
+                </a:solidFill>
+                <a:latin typeface="Calibri" panose="020F0502020204030204" pitchFamily="34" charset="0"/>
+                <a:cs typeface="Times New Roman" panose="02020603050405020304" pitchFamily="18" charset="0"/>
+              </a:rPr>
+              <a:t>		It can be stressful and time-consuming, and it can be difficult to keep track of everything while you're away from your business.</a:t>
+            </a:r>
+          </a:p>
+          <a:p>
+            <a:pPr marL="502920" indent="0" fontAlgn="base">
+              <a:lnSpc>
+                <a:spcPct val="107000"/>
+              </a:lnSpc>
+              <a:spcAft>
+                <a:spcPts val="1800"/>
+              </a:spcAft>
+              <a:buNone/>
+            </a:pPr>
+            <a:r>
+              <a:rPr lang="en-US" sz="2400" dirty="0">
+                <a:solidFill>
+                  <a:schemeClr val="bg2"/>
+                </a:solidFill>
+                <a:latin typeface="Calibri" panose="020F0502020204030204" pitchFamily="34" charset="0"/>
+                <a:ea typeface="等线" panose="020B0503020204020204" pitchFamily="2" charset="-122"/>
+                <a:cs typeface="Times New Roman" panose="02020603050405020304" pitchFamily="18" charset="0"/>
+              </a:rPr>
+              <a:t>		But with our inventory management system, </a:t>
+            </a:r>
+            <a:r>
+              <a:rPr lang="en-US" sz="2400" dirty="0">
+                <a:solidFill>
+                  <a:schemeClr val="bg2"/>
+                </a:solidFill>
+                <a:latin typeface="Calibri" panose="020F0502020204030204" pitchFamily="34" charset="0"/>
+                <a:cs typeface="Times New Roman" panose="02020603050405020304" pitchFamily="18" charset="0"/>
+              </a:rPr>
+              <a:t>you can stay in control of your business no matter where you are. </a:t>
+            </a:r>
+          </a:p>
+          <a:p>
+            <a:pPr marL="502920" indent="0" fontAlgn="base">
+              <a:lnSpc>
+                <a:spcPct val="107000"/>
+              </a:lnSpc>
+              <a:spcAft>
+                <a:spcPts val="1800"/>
+              </a:spcAft>
+              <a:buNone/>
+            </a:pPr>
+            <a:r>
+              <a:rPr lang="en-US" sz="2400" b="1" i="1" dirty="0">
+                <a:solidFill>
+                  <a:schemeClr val="bg2"/>
+                </a:solidFill>
+                <a:latin typeface="Calibri" panose="020F0502020204030204" pitchFamily="34" charset="0"/>
+                <a:cs typeface="Times New Roman" panose="02020603050405020304" pitchFamily="18" charset="0"/>
+              </a:rPr>
+              <a:t>Time is Money</a:t>
+            </a:r>
+            <a:r>
+              <a:rPr lang="en-US" sz="2400" dirty="0">
+                <a:solidFill>
+                  <a:schemeClr val="bg2"/>
+                </a:solidFill>
+                <a:latin typeface="Calibri" panose="020F0502020204030204" pitchFamily="34" charset="0"/>
+                <a:cs typeface="Times New Roman" panose="02020603050405020304" pitchFamily="18" charset="0"/>
+              </a:rPr>
+              <a:t> </a:t>
+            </a:r>
+            <a:r>
+              <a:rPr lang="en-US" sz="2400" b="1" i="1" dirty="0">
+                <a:solidFill>
+                  <a:schemeClr val="bg2"/>
+                </a:solidFill>
+                <a:latin typeface="Calibri" panose="020F0502020204030204" pitchFamily="34" charset="0"/>
+                <a:cs typeface="Times New Roman" panose="02020603050405020304" pitchFamily="18" charset="0"/>
+              </a:rPr>
+              <a:t>And with our inventory management system, you'll save both.</a:t>
+            </a:r>
+            <a:endParaRPr lang="en-US" sz="2400" dirty="0">
+              <a:solidFill>
+                <a:schemeClr val="bg2"/>
+              </a:solidFill>
+              <a:latin typeface="Calibri" panose="020F0502020204030204" pitchFamily="34" charset="0"/>
+              <a:cs typeface="Times New Roman" panose="02020603050405020304" pitchFamily="18" charset="0"/>
+            </a:endParaRPr>
+          </a:p>
           <a:p>
             <a:pPr marL="457200" indent="0" algn="just" fontAlgn="base">
               <a:lnSpc>
@@ -11016,134 +11170,6 @@
               </a:spcAft>
               <a:buNone/>
             </a:pPr>
-            <a:r>
-              <a:rPr lang="en-US" sz="2400" dirty="0">
-                <a:effectLst/>
-                <a:latin typeface="Calibri" panose="020F0502020204030204" pitchFamily="34" charset="0"/>
-                <a:cs typeface="Times New Roman" panose="02020603050405020304" pitchFamily="18" charset="0"/>
-              </a:rPr>
-              <a:t>	</a:t>
-            </a:r>
-          </a:p>
-          <a:p>
-            <a:pPr marL="800100" algn="just" fontAlgn="base">
-              <a:lnSpc>
-                <a:spcPct val="107000"/>
-              </a:lnSpc>
-              <a:spcAft>
-                <a:spcPts val="1800"/>
-              </a:spcAft>
-            </a:pPr>
-            <a:r>
-              <a:rPr lang="en-US" sz="2400" i="1" dirty="0">
-                <a:effectLst/>
-                <a:latin typeface="Calibri" panose="020F0502020204030204" pitchFamily="34" charset="0"/>
-                <a:cs typeface="Times New Roman" panose="02020603050405020304" pitchFamily="18" charset="0"/>
-              </a:rPr>
-              <a:t>		"If you want to become a scientist, learn from scientists. But if you want to become a millionaire, learn from millionaires." -Anonymous.</a:t>
-            </a:r>
-            <a:r>
-              <a:rPr lang="en-US" sz="2400" dirty="0">
-                <a:effectLst/>
-                <a:latin typeface="Calibri" panose="020F0502020204030204" pitchFamily="34" charset="0"/>
-                <a:cs typeface="Times New Roman" panose="02020603050405020304" pitchFamily="18" charset="0"/>
-              </a:rPr>
-              <a:t> </a:t>
-            </a:r>
-          </a:p>
-          <a:p>
-            <a:pPr marL="800100" algn="just" fontAlgn="base">
-              <a:lnSpc>
-                <a:spcPct val="107000"/>
-              </a:lnSpc>
-              <a:spcAft>
-                <a:spcPts val="1800"/>
-              </a:spcAft>
-            </a:pPr>
-            <a:r>
-              <a:rPr lang="en-US" sz="2400" dirty="0">
-                <a:effectLst/>
-                <a:latin typeface="Calibri" panose="020F0502020204030204" pitchFamily="34" charset="0"/>
-                <a:cs typeface="Times New Roman" panose="02020603050405020304" pitchFamily="18" charset="0"/>
-              </a:rPr>
-              <a:t>		It can be stressful and time-consuming, and it can be difficult to keep track of everything while you're away from your business.</a:t>
-            </a:r>
-          </a:p>
-          <a:p>
-            <a:pPr marL="685800" fontAlgn="base">
-              <a:lnSpc>
-                <a:spcPct val="107000"/>
-              </a:lnSpc>
-              <a:spcAft>
-                <a:spcPts val="1800"/>
-              </a:spcAft>
-            </a:pPr>
-            <a:r>
-              <a:rPr lang="en-US" sz="2400" kern="1200" dirty="0">
-                <a:solidFill>
-                  <a:srgbClr val="000000"/>
-                </a:solidFill>
-                <a:effectLst/>
-                <a:latin typeface="Calibri" panose="020F0502020204030204" pitchFamily="34" charset="0"/>
-                <a:ea typeface="等线" panose="020B0503020204020204" pitchFamily="2" charset="-122"/>
-                <a:cs typeface="Times New Roman" panose="02020603050405020304" pitchFamily="18" charset="0"/>
-              </a:rPr>
-              <a:t>		</a:t>
-            </a:r>
-            <a:r>
-              <a:rPr lang="en-US" sz="2400" kern="1200" dirty="0">
-                <a:solidFill>
-                  <a:schemeClr val="tx1"/>
-                </a:solidFill>
-                <a:effectLst/>
-                <a:latin typeface="Calibri" panose="020F0502020204030204" pitchFamily="34" charset="0"/>
-                <a:ea typeface="等线" panose="020B0503020204020204" pitchFamily="2" charset="-122"/>
-                <a:cs typeface="Times New Roman" panose="02020603050405020304" pitchFamily="18" charset="0"/>
-              </a:rPr>
-              <a:t>But with our inventory management system, </a:t>
-            </a:r>
-            <a:r>
-              <a:rPr lang="en-US" sz="2400" dirty="0">
-                <a:effectLst/>
-                <a:latin typeface="Calibri" panose="020F0502020204030204" pitchFamily="34" charset="0"/>
-                <a:cs typeface="Times New Roman" panose="02020603050405020304" pitchFamily="18" charset="0"/>
-              </a:rPr>
-              <a:t>you can stay in control of your business no matter where you are. </a:t>
-            </a:r>
-          </a:p>
-          <a:p>
-            <a:pPr marL="685800" fontAlgn="base">
-              <a:lnSpc>
-                <a:spcPct val="107000"/>
-              </a:lnSpc>
-              <a:spcAft>
-                <a:spcPts val="1800"/>
-              </a:spcAft>
-            </a:pPr>
-            <a:r>
-              <a:rPr lang="en-US" sz="2400" b="1" i="1" dirty="0">
-                <a:effectLst/>
-                <a:latin typeface="Calibri" panose="020F0502020204030204" pitchFamily="34" charset="0"/>
-                <a:cs typeface="Times New Roman" panose="02020603050405020304" pitchFamily="18" charset="0"/>
-              </a:rPr>
-              <a:t>Time is Money</a:t>
-            </a:r>
-            <a:r>
-              <a:rPr lang="en-US" sz="2400" dirty="0">
-                <a:effectLst/>
-                <a:latin typeface="Calibri" panose="020F0502020204030204" pitchFamily="34" charset="0"/>
-                <a:cs typeface="Times New Roman" panose="02020603050405020304" pitchFamily="18" charset="0"/>
-              </a:rPr>
-              <a:t> </a:t>
-            </a:r>
-            <a:r>
-              <a:rPr lang="en-US" sz="2400" b="1" i="1" dirty="0">
-                <a:effectLst/>
-                <a:latin typeface="Calibri" panose="020F0502020204030204" pitchFamily="34" charset="0"/>
-                <a:cs typeface="Times New Roman" panose="02020603050405020304" pitchFamily="18" charset="0"/>
-              </a:rPr>
-              <a:t>And with our inventory management system, you'll save both.</a:t>
-            </a:r>
             <a:endParaRPr lang="en-US" sz="2400" dirty="0">
               <a:effectLst/>
               <a:latin typeface="Calibri" panose="020F0502020204030204" pitchFamily="34" charset="0"/>
@@ -11157,13 +11183,13 @@
   <p:clrMapOvr>
     <a:masterClrMapping/>
   </p:clrMapOvr>
-  <mc:AlternateContent xmlns:mc="http://schemas.openxmlformats.org/markup-compatibility/2006" xmlns:p159="http://schemas.microsoft.com/office/powerpoint/2015/09/main">
-    <mc:Choice Requires="p159">
+  <mc:AlternateContent xmlns:mc="http://schemas.openxmlformats.org/markup-compatibility/2006">
+    <mc:Choice xmlns:p159="http://schemas.microsoft.com/office/powerpoint/2015/09/main" Requires="p159">
       <p:transition xmlns:p14="http://schemas.microsoft.com/office/powerpoint/2010/main" spd="slow" p14:dur="2000">
-        <p159:morph option="byObject"/>
+        <p159:morph option="byChar"/>
       </p:transition>
     </mc:Choice>
-    <mc:Fallback xmlns="">
+    <mc:Fallback>
       <p:transition spd="slow">
         <p:fade/>
       </p:transition>
@@ -11214,7 +11240,7 @@
                                       </p:cBhvr>
                                       <p:to>
                                         <p:clrVal>
-                                          <a:schemeClr val="accent2"/>
+                                          <a:srgbClr val="2C2C2C"/>
                                         </p:clrVal>
                                       </p:to>
                                     </p:set>
@@ -11234,7 +11260,7 @@
                                       </p:cBhvr>
                                       <p:to>
                                         <p:clrVal>
-                                          <a:schemeClr val="accent2"/>
+                                          <a:srgbClr val="2C2C2C"/>
                                         </p:clrVal>
                                       </p:to>
                                     </p:set>
@@ -11302,7 +11328,7 @@
                                       </p:cBhvr>
                                       <p:to>
                                         <p:clrVal>
-                                          <a:schemeClr val="accent2"/>
+                                          <a:srgbClr val="2C2C2C"/>
                                         </p:clrVal>
                                       </p:to>
                                     </p:set>
@@ -11322,7 +11348,7 @@
                                       </p:cBhvr>
                                       <p:to>
                                         <p:clrVal>
-                                          <a:schemeClr val="accent2"/>
+                                          <a:srgbClr val="2C2C2C"/>
                                         </p:clrVal>
                                       </p:to>
                                     </p:set>
@@ -11390,7 +11416,7 @@
                                       </p:cBhvr>
                                       <p:to>
                                         <p:clrVal>
-                                          <a:schemeClr val="accent2"/>
+                                          <a:srgbClr val="2C2C2C"/>
                                         </p:clrVal>
                                       </p:to>
                                     </p:set>
@@ -11410,7 +11436,7 @@
                                       </p:cBhvr>
                                       <p:to>
                                         <p:clrVal>
-                                          <a:schemeClr val="accent2"/>
+                                          <a:srgbClr val="2C2C2C"/>
                                         </p:clrVal>
                                       </p:to>
                                     </p:set>
@@ -11478,7 +11504,7 @@
                                       </p:cBhvr>
                                       <p:to>
                                         <p:clrVal>
-                                          <a:schemeClr val="accent2"/>
+                                          <a:srgbClr val="2C2C2C"/>
                                         </p:clrVal>
                                       </p:to>
                                     </p:set>
@@ -11498,7 +11524,7 @@
                                       </p:cBhvr>
                                       <p:to>
                                         <p:clrVal>
-                                          <a:schemeClr val="accent2"/>
+                                          <a:srgbClr val="2C2C2C"/>
                                         </p:clrVal>
                                       </p:to>
                                     </p:set>
